--- a/Lec17/Lec17.pptx
+++ b/Lec17/Lec17.pptx
@@ -5,10 +5,10 @@
     <p:sldMasterId id="2147483648" r:id="rId1"/>
   </p:sldMasterIdLst>
   <p:notesMasterIdLst>
-    <p:notesMasterId r:id="rId12"/>
+    <p:notesMasterId r:id="rId13"/>
   </p:notesMasterIdLst>
   <p:handoutMasterIdLst>
-    <p:handoutMasterId r:id="rId13"/>
+    <p:handoutMasterId r:id="rId14"/>
   </p:handoutMasterIdLst>
   <p:sldIdLst>
     <p:sldId id="414" r:id="rId2"/>
@@ -21,6 +21,7 @@
     <p:sldId id="1273" r:id="rId9"/>
     <p:sldId id="1274" r:id="rId10"/>
     <p:sldId id="1275" r:id="rId11"/>
+    <p:sldId id="1276" r:id="rId12"/>
   </p:sldIdLst>
   <p:sldSz cx="12192000" cy="6858000"/>
   <p:notesSz cx="6858000" cy="9144000"/>
@@ -4037,6 +4038,659 @@
     <p:extLst>
       <p:ext uri="{BB962C8B-B14F-4D97-AF65-F5344CB8AC3E}">
         <p14:creationId xmlns:p14="http://schemas.microsoft.com/office/powerpoint/2010/main" val="3615396557"/>
+      </p:ext>
+    </p:extLst>
+  </p:cSld>
+  <p:clrMapOvr>
+    <a:masterClrMapping/>
+  </p:clrMapOvr>
+</p:sld>
+</file>
+
+<file path=ppt/slides/slide11.xml><?xml version="1.0" encoding="utf-8"?>
+<p:sld xmlns:a="http://schemas.openxmlformats.org/drawingml/2006/main" xmlns:r="http://schemas.openxmlformats.org/officeDocument/2006/relationships" xmlns:p="http://schemas.openxmlformats.org/presentationml/2006/main">
+  <p:cSld>
+    <p:spTree>
+      <p:nvGrpSpPr>
+        <p:cNvPr id="1" name=""/>
+        <p:cNvGrpSpPr/>
+        <p:nvPr/>
+      </p:nvGrpSpPr>
+      <p:grpSpPr>
+        <a:xfrm>
+          <a:off x="0" y="0"/>
+          <a:ext cx="0" cy="0"/>
+          <a:chOff x="0" y="0"/>
+          <a:chExt cx="0" cy="0"/>
+        </a:xfrm>
+      </p:grpSpPr>
+      <p:sp>
+        <p:nvSpPr>
+          <p:cNvPr id="2" name="Title 1">
+            <a:extLst>
+              <a:ext uri="{FF2B5EF4-FFF2-40B4-BE49-F238E27FC236}">
+                <a16:creationId xmlns:a16="http://schemas.microsoft.com/office/drawing/2014/main" id="{BEFC9A74-8AEC-194C-B448-836D0925B4C2}"/>
+              </a:ext>
+            </a:extLst>
+          </p:cNvPr>
+          <p:cNvSpPr>
+            <a:spLocks noGrp="1"/>
+          </p:cNvSpPr>
+          <p:nvPr>
+            <p:ph type="title"/>
+          </p:nvPr>
+        </p:nvSpPr>
+        <p:spPr/>
+        <p:txBody>
+          <a:bodyPr>
+            <a:normAutofit fontScale="90000"/>
+          </a:bodyPr>
+          <a:lstStyle/>
+          <a:p>
+            <a:r>
+              <a:rPr lang="en-US" dirty="0"/>
+              <a:t>By looking at heap-chunks owned, form spec</a:t>
+            </a:r>
+          </a:p>
+        </p:txBody>
+      </p:sp>
+      <p:sp>
+        <p:nvSpPr>
+          <p:cNvPr id="3" name="Content Placeholder 2">
+            <a:extLst>
+              <a:ext uri="{FF2B5EF4-FFF2-40B4-BE49-F238E27FC236}">
+                <a16:creationId xmlns:a16="http://schemas.microsoft.com/office/drawing/2014/main" id="{2E836A4E-1887-124C-A5EB-0AC04EAE108F}"/>
+              </a:ext>
+            </a:extLst>
+          </p:cNvPr>
+          <p:cNvSpPr>
+            <a:spLocks noGrp="1"/>
+          </p:cNvSpPr>
+          <p:nvPr>
+            <p:ph idx="1"/>
+          </p:nvPr>
+        </p:nvSpPr>
+        <p:spPr/>
+        <p:txBody>
+          <a:bodyPr>
+            <a:normAutofit fontScale="25000" lnSpcReduction="20000"/>
+          </a:bodyPr>
+          <a:lstStyle/>
+          <a:p>
+            <a:pPr marL="0" indent="0">
+              <a:buNone/>
+            </a:pPr>
+            <a:r>
+              <a:rPr lang="en-US" dirty="0"/>
+              <a:t>include "</a:t>
+            </a:r>
+            <a:r>
+              <a:rPr lang="en-US" dirty="0" err="1"/>
+              <a:t>stdlib.h</a:t>
+            </a:r>
+            <a:r>
+              <a:rPr lang="en-US" dirty="0"/>
+              <a:t>"</a:t>
+            </a:r>
+          </a:p>
+          <a:p>
+            <a:pPr marL="0" indent="0">
+              <a:buNone/>
+            </a:pPr>
+            <a:r>
+              <a:rPr lang="en-US" dirty="0"/>
+              <a:t>struct account </a:t>
+            </a:r>
+          </a:p>
+          <a:p>
+            <a:pPr marL="0" indent="0">
+              <a:buNone/>
+            </a:pPr>
+            <a:r>
+              <a:rPr lang="en-US" dirty="0"/>
+              <a:t>{ </a:t>
+            </a:r>
+          </a:p>
+          <a:p>
+            <a:pPr marL="0" indent="0">
+              <a:buNone/>
+            </a:pPr>
+            <a:r>
+              <a:rPr lang="en-US" dirty="0"/>
+              <a:t> int balance;</a:t>
+            </a:r>
+          </a:p>
+          <a:p>
+            <a:pPr marL="0" indent="0">
+              <a:buNone/>
+            </a:pPr>
+            <a:r>
+              <a:rPr lang="en-US" dirty="0"/>
+              <a:t>};</a:t>
+            </a:r>
+          </a:p>
+          <a:p>
+            <a:pPr marL="0" indent="0">
+              <a:buNone/>
+            </a:pPr>
+            <a:r>
+              <a:rPr lang="en-US" dirty="0"/>
+              <a:t>/*</a:t>
+            </a:r>
+          </a:p>
+          <a:p>
+            <a:pPr marL="0" indent="0">
+              <a:buNone/>
+            </a:pPr>
+            <a:r>
+              <a:rPr lang="en-US" dirty="0"/>
+              <a:t>predicate </a:t>
+            </a:r>
+            <a:r>
+              <a:rPr lang="en-US" dirty="0" err="1"/>
+              <a:t>account_pred</a:t>
+            </a:r>
+            <a:r>
+              <a:rPr lang="en-US" dirty="0"/>
+              <a:t>(struct account *</a:t>
+            </a:r>
+            <a:r>
+              <a:rPr lang="en-US" dirty="0" err="1"/>
+              <a:t>myAccount</a:t>
+            </a:r>
+            <a:r>
+              <a:rPr lang="en-US" dirty="0"/>
+              <a:t>, int </a:t>
+            </a:r>
+            <a:r>
+              <a:rPr lang="en-US" dirty="0" err="1"/>
+              <a:t>theLimit</a:t>
+            </a:r>
+            <a:r>
+              <a:rPr lang="en-US" dirty="0"/>
+              <a:t>, int </a:t>
+            </a:r>
+            <a:r>
+              <a:rPr lang="en-US" dirty="0" err="1"/>
+              <a:t>theBalance</a:t>
+            </a:r>
+            <a:r>
+              <a:rPr lang="en-US" dirty="0"/>
+              <a:t>)</a:t>
+            </a:r>
+          </a:p>
+          <a:p>
+            <a:pPr marL="0" indent="0">
+              <a:buNone/>
+            </a:pPr>
+            <a:r>
+              <a:rPr lang="en-US" dirty="0"/>
+              <a:t> =</a:t>
+            </a:r>
+          </a:p>
+          <a:p>
+            <a:pPr marL="0" indent="0">
+              <a:buNone/>
+            </a:pPr>
+            <a:r>
+              <a:rPr lang="en-US" dirty="0" err="1"/>
+              <a:t>myAccount</a:t>
+            </a:r>
+            <a:r>
+              <a:rPr lang="en-US" dirty="0"/>
+              <a:t>-&gt;limit |-&gt; </a:t>
+            </a:r>
+            <a:r>
+              <a:rPr lang="en-US" dirty="0" err="1"/>
+              <a:t>theLimit</a:t>
+            </a:r>
+            <a:r>
+              <a:rPr lang="en-US" dirty="0"/>
+              <a:t> &amp;*&amp; </a:t>
+            </a:r>
+            <a:r>
+              <a:rPr lang="en-US" dirty="0" err="1"/>
+              <a:t>myAccount</a:t>
+            </a:r>
+            <a:r>
+              <a:rPr lang="en-US" dirty="0"/>
+              <a:t>-&gt;balance |-&gt; </a:t>
+            </a:r>
+            <a:r>
+              <a:rPr lang="en-US" dirty="0" err="1"/>
+              <a:t>theBalance</a:t>
+            </a:r>
+            <a:endParaRPr lang="en-US" dirty="0"/>
+          </a:p>
+          <a:p>
+            <a:pPr marL="0" indent="0">
+              <a:buNone/>
+            </a:pPr>
+            <a:r>
+              <a:rPr lang="en-US" dirty="0"/>
+              <a:t>&amp;*&amp; </a:t>
+            </a:r>
+            <a:r>
+              <a:rPr lang="en-US" dirty="0" err="1"/>
+              <a:t>malloc_block_account</a:t>
+            </a:r>
+            <a:r>
+              <a:rPr lang="en-US" dirty="0"/>
+              <a:t>(</a:t>
+            </a:r>
+            <a:r>
+              <a:rPr lang="en-US" dirty="0" err="1"/>
+              <a:t>myAccount</a:t>
+            </a:r>
+            <a:r>
+              <a:rPr lang="en-US" dirty="0"/>
+              <a:t>); </a:t>
+            </a:r>
+          </a:p>
+          <a:p>
+            <a:pPr marL="0" indent="0">
+              <a:buNone/>
+            </a:pPr>
+            <a:r>
+              <a:rPr lang="en-US" dirty="0"/>
+              <a:t>*/</a:t>
+            </a:r>
+          </a:p>
+          <a:p>
+            <a:pPr marL="0" indent="0">
+              <a:buNone/>
+            </a:pPr>
+            <a:r>
+              <a:rPr lang="en-US" dirty="0"/>
+              <a:t>struct account *</a:t>
+            </a:r>
+            <a:r>
+              <a:rPr lang="en-US" dirty="0" err="1"/>
+              <a:t>create_account</a:t>
+            </a:r>
+            <a:r>
+              <a:rPr lang="en-US" dirty="0"/>
+              <a:t>() </a:t>
+            </a:r>
+          </a:p>
+          <a:p>
+            <a:pPr marL="0" indent="0">
+              <a:buNone/>
+            </a:pPr>
+            <a:r>
+              <a:rPr lang="en-US" dirty="0"/>
+              <a:t>//@ requires true; </a:t>
+            </a:r>
+          </a:p>
+          <a:p>
+            <a:pPr marL="0" indent="0">
+              <a:buNone/>
+            </a:pPr>
+            <a:r>
+              <a:rPr lang="en-US" dirty="0"/>
+              <a:t>//@ ensures </a:t>
+            </a:r>
+            <a:r>
+              <a:rPr lang="en-US" dirty="0" err="1"/>
+              <a:t>malloc_block_account</a:t>
+            </a:r>
+            <a:r>
+              <a:rPr lang="en-US" dirty="0"/>
+              <a:t>(result) &amp;*&amp; </a:t>
+            </a:r>
+            <a:r>
+              <a:rPr lang="en-US" dirty="0" err="1"/>
+              <a:t>account_balance</a:t>
+            </a:r>
+            <a:r>
+              <a:rPr lang="en-US" dirty="0"/>
+              <a:t>(result, _);</a:t>
+            </a:r>
+          </a:p>
+          <a:p>
+            <a:pPr marL="0" indent="0">
+              <a:buNone/>
+            </a:pPr>
+            <a:r>
+              <a:rPr lang="en-US" dirty="0"/>
+              <a:t>{</a:t>
+            </a:r>
+          </a:p>
+          <a:p>
+            <a:pPr marL="0" indent="0">
+              <a:buNone/>
+            </a:pPr>
+            <a:r>
+              <a:rPr lang="en-US" dirty="0"/>
+              <a:t>struct account *</a:t>
+            </a:r>
+            <a:r>
+              <a:rPr lang="en-US" dirty="0" err="1"/>
+              <a:t>myAccount</a:t>
+            </a:r>
+            <a:r>
+              <a:rPr lang="en-US" dirty="0"/>
+              <a:t> = malloc(</a:t>
+            </a:r>
+            <a:r>
+              <a:rPr lang="en-US" dirty="0" err="1"/>
+              <a:t>sizeof</a:t>
+            </a:r>
+            <a:r>
+              <a:rPr lang="en-US" dirty="0"/>
+              <a:t>(struct account)); </a:t>
+            </a:r>
+          </a:p>
+          <a:p>
+            <a:pPr marL="0" indent="0">
+              <a:buNone/>
+            </a:pPr>
+            <a:r>
+              <a:rPr lang="en-US" dirty="0"/>
+              <a:t>if (</a:t>
+            </a:r>
+            <a:r>
+              <a:rPr lang="en-US" dirty="0" err="1"/>
+              <a:t>myAccount</a:t>
+            </a:r>
+            <a:r>
+              <a:rPr lang="en-US" dirty="0"/>
+              <a:t> == 0) { abort(); }</a:t>
+            </a:r>
+          </a:p>
+          <a:p>
+            <a:pPr marL="0" indent="0">
+              <a:buNone/>
+            </a:pPr>
+            <a:r>
+              <a:rPr lang="en-US" dirty="0"/>
+              <a:t>return </a:t>
+            </a:r>
+            <a:r>
+              <a:rPr lang="en-US" dirty="0" err="1"/>
+              <a:t>myAccount</a:t>
+            </a:r>
+            <a:r>
+              <a:rPr lang="en-US" dirty="0"/>
+              <a:t>;</a:t>
+            </a:r>
+          </a:p>
+          <a:p>
+            <a:pPr marL="0" indent="0">
+              <a:buNone/>
+            </a:pPr>
+            <a:r>
+              <a:rPr lang="en-US" dirty="0"/>
+              <a:t>}</a:t>
+            </a:r>
+          </a:p>
+          <a:p>
+            <a:pPr marL="0" indent="0">
+              <a:buNone/>
+            </a:pPr>
+            <a:r>
+              <a:rPr lang="en-US" dirty="0"/>
+              <a:t>void </a:t>
+            </a:r>
+            <a:r>
+              <a:rPr lang="en-US" dirty="0" err="1"/>
+              <a:t>account_set_balance</a:t>
+            </a:r>
+            <a:r>
+              <a:rPr lang="en-US" dirty="0"/>
+              <a:t>(struct account *</a:t>
+            </a:r>
+            <a:r>
+              <a:rPr lang="en-US" dirty="0" err="1"/>
+              <a:t>myAccount</a:t>
+            </a:r>
+            <a:r>
+              <a:rPr lang="en-US" dirty="0"/>
+              <a:t>, int </a:t>
+            </a:r>
+            <a:r>
+              <a:rPr lang="en-US" dirty="0" err="1"/>
+              <a:t>newBalance</a:t>
+            </a:r>
+            <a:r>
+              <a:rPr lang="en-US" dirty="0"/>
+              <a:t>) </a:t>
+            </a:r>
+          </a:p>
+          <a:p>
+            <a:pPr marL="0" indent="0">
+              <a:buNone/>
+            </a:pPr>
+            <a:r>
+              <a:rPr lang="en-US" dirty="0"/>
+              <a:t>//@requires </a:t>
+            </a:r>
+            <a:r>
+              <a:rPr lang="en-US" dirty="0" err="1"/>
+              <a:t>account_balance</a:t>
+            </a:r>
+            <a:r>
+              <a:rPr lang="en-US" dirty="0"/>
+              <a:t>(</a:t>
+            </a:r>
+            <a:r>
+              <a:rPr lang="en-US" dirty="0" err="1"/>
+              <a:t>myAccount</a:t>
+            </a:r>
+            <a:r>
+              <a:rPr lang="en-US" dirty="0"/>
+              <a:t>, _);</a:t>
+            </a:r>
+          </a:p>
+          <a:p>
+            <a:pPr marL="0" indent="0">
+              <a:buNone/>
+            </a:pPr>
+            <a:r>
+              <a:rPr lang="en-US" dirty="0"/>
+              <a:t>//@ensures </a:t>
+            </a:r>
+            <a:r>
+              <a:rPr lang="en-US" dirty="0" err="1"/>
+              <a:t>account_balance</a:t>
+            </a:r>
+            <a:r>
+              <a:rPr lang="en-US" dirty="0"/>
+              <a:t>(</a:t>
+            </a:r>
+            <a:r>
+              <a:rPr lang="en-US" dirty="0" err="1"/>
+              <a:t>myAccount</a:t>
+            </a:r>
+            <a:r>
+              <a:rPr lang="en-US" dirty="0"/>
+              <a:t>, </a:t>
+            </a:r>
+            <a:r>
+              <a:rPr lang="en-US" dirty="0" err="1"/>
+              <a:t>newBalance</a:t>
+            </a:r>
+            <a:r>
+              <a:rPr lang="en-US" dirty="0"/>
+              <a:t>);</a:t>
+            </a:r>
+          </a:p>
+          <a:p>
+            <a:pPr marL="0" indent="0">
+              <a:buNone/>
+            </a:pPr>
+            <a:r>
+              <a:rPr lang="en-US" dirty="0"/>
+              <a:t>{</a:t>
+            </a:r>
+          </a:p>
+          <a:p>
+            <a:pPr marL="0" indent="0">
+              <a:buNone/>
+            </a:pPr>
+            <a:r>
+              <a:rPr lang="en-US" dirty="0" err="1"/>
+              <a:t>myAccount</a:t>
+            </a:r>
+            <a:r>
+              <a:rPr lang="en-US" dirty="0"/>
+              <a:t>-&gt;balance = </a:t>
+            </a:r>
+            <a:r>
+              <a:rPr lang="en-US" dirty="0" err="1"/>
+              <a:t>newBalance</a:t>
+            </a:r>
+            <a:r>
+              <a:rPr lang="en-US"/>
+              <a:t>; }</a:t>
+            </a:r>
+            <a:endParaRPr lang="en-US" dirty="0"/>
+          </a:p>
+          <a:p>
+            <a:pPr marL="0" indent="0">
+              <a:buNone/>
+            </a:pPr>
+            <a:r>
+              <a:rPr lang="en-US" dirty="0"/>
+              <a:t>int main()</a:t>
+            </a:r>
+          </a:p>
+          <a:p>
+            <a:pPr marL="0" indent="0">
+              <a:buNone/>
+            </a:pPr>
+            <a:r>
+              <a:rPr lang="en-US" dirty="0"/>
+              <a:t>//@ requires true; </a:t>
+            </a:r>
+          </a:p>
+          <a:p>
+            <a:pPr marL="0" indent="0">
+              <a:buNone/>
+            </a:pPr>
+            <a:r>
+              <a:rPr lang="en-US" dirty="0"/>
+              <a:t>//@ ensures true;</a:t>
+            </a:r>
+          </a:p>
+          <a:p>
+            <a:pPr marL="0" indent="0">
+              <a:buNone/>
+            </a:pPr>
+            <a:r>
+              <a:rPr lang="en-US" dirty="0"/>
+              <a:t>{</a:t>
+            </a:r>
+          </a:p>
+          <a:p>
+            <a:pPr marL="0" indent="0">
+              <a:buNone/>
+            </a:pPr>
+            <a:r>
+              <a:rPr lang="en-US" dirty="0"/>
+              <a:t>struct account *</a:t>
+            </a:r>
+            <a:r>
+              <a:rPr lang="en-US" dirty="0" err="1"/>
+              <a:t>myAccount</a:t>
+            </a:r>
+            <a:r>
+              <a:rPr lang="en-US" dirty="0"/>
+              <a:t> = </a:t>
+            </a:r>
+            <a:r>
+              <a:rPr lang="en-US" dirty="0" err="1"/>
+              <a:t>create_account</a:t>
+            </a:r>
+            <a:r>
+              <a:rPr lang="en-US" dirty="0"/>
+              <a:t>();</a:t>
+            </a:r>
+          </a:p>
+          <a:p>
+            <a:pPr marL="0" indent="0">
+              <a:buNone/>
+            </a:pPr>
+            <a:r>
+              <a:rPr lang="en-US" dirty="0"/>
+              <a:t> </a:t>
+            </a:r>
+          </a:p>
+          <a:p>
+            <a:pPr marL="0" indent="0">
+              <a:buNone/>
+            </a:pPr>
+            <a:r>
+              <a:rPr lang="en-US" dirty="0"/>
+              <a:t> </a:t>
+            </a:r>
+            <a:r>
+              <a:rPr lang="en-US" dirty="0" err="1"/>
+              <a:t>account_set_balance</a:t>
+            </a:r>
+            <a:r>
+              <a:rPr lang="en-US" dirty="0"/>
+              <a:t>(</a:t>
+            </a:r>
+            <a:r>
+              <a:rPr lang="en-US" dirty="0" err="1"/>
+              <a:t>myAccount</a:t>
+            </a:r>
+            <a:r>
+              <a:rPr lang="en-US" dirty="0"/>
+              <a:t>, 5);</a:t>
+            </a:r>
+          </a:p>
+          <a:p>
+            <a:pPr marL="0" indent="0">
+              <a:buNone/>
+            </a:pPr>
+            <a:r>
+              <a:rPr lang="en-US" dirty="0"/>
+              <a:t> </a:t>
+            </a:r>
+          </a:p>
+          <a:p>
+            <a:pPr marL="0" indent="0">
+              <a:buNone/>
+            </a:pPr>
+            <a:r>
+              <a:rPr lang="en-US" dirty="0"/>
+              <a:t>free(</a:t>
+            </a:r>
+            <a:r>
+              <a:rPr lang="en-US" dirty="0" err="1"/>
+              <a:t>myAccount</a:t>
+            </a:r>
+            <a:r>
+              <a:rPr lang="en-US" dirty="0"/>
+              <a:t>);</a:t>
+            </a:r>
+          </a:p>
+          <a:p>
+            <a:pPr marL="0" indent="0">
+              <a:buNone/>
+            </a:pPr>
+            <a:r>
+              <a:rPr lang="en-US" dirty="0"/>
+              <a:t>return 0;</a:t>
+            </a:r>
+          </a:p>
+          <a:p>
+            <a:pPr marL="0" indent="0">
+              <a:buNone/>
+            </a:pPr>
+            <a:r>
+              <a:rPr lang="en-US" dirty="0"/>
+              <a:t>}</a:t>
+            </a:r>
+          </a:p>
+        </p:txBody>
+      </p:sp>
+    </p:spTree>
+    <p:extLst>
+      <p:ext uri="{BB962C8B-B14F-4D97-AF65-F5344CB8AC3E}">
+        <p14:creationId xmlns:p14="http://schemas.microsoft.com/office/powerpoint/2010/main" val="3705904546"/>
       </p:ext>
     </p:extLst>
   </p:cSld>

--- a/Lec17/Lec17.pptx
+++ b/Lec17/Lec17.pptx
@@ -5,23 +5,49 @@
     <p:sldMasterId id="2147483648" r:id="rId1"/>
   </p:sldMasterIdLst>
   <p:notesMasterIdLst>
-    <p:notesMasterId r:id="rId13"/>
+    <p:notesMasterId r:id="rId39"/>
   </p:notesMasterIdLst>
   <p:handoutMasterIdLst>
-    <p:handoutMasterId r:id="rId14"/>
+    <p:handoutMasterId r:id="rId40"/>
   </p:handoutMasterIdLst>
   <p:sldIdLst>
     <p:sldId id="414" r:id="rId2"/>
-    <p:sldId id="1267" r:id="rId3"/>
-    <p:sldId id="1268" r:id="rId4"/>
-    <p:sldId id="1269" r:id="rId5"/>
-    <p:sldId id="1270" r:id="rId6"/>
-    <p:sldId id="1271" r:id="rId7"/>
-    <p:sldId id="1272" r:id="rId8"/>
-    <p:sldId id="1273" r:id="rId9"/>
-    <p:sldId id="1274" r:id="rId10"/>
-    <p:sldId id="1275" r:id="rId11"/>
-    <p:sldId id="1276" r:id="rId12"/>
+    <p:sldId id="1277" r:id="rId3"/>
+    <p:sldId id="1278" r:id="rId4"/>
+    <p:sldId id="1279" r:id="rId5"/>
+    <p:sldId id="1280" r:id="rId6"/>
+    <p:sldId id="1281" r:id="rId7"/>
+    <p:sldId id="1282" r:id="rId8"/>
+    <p:sldId id="1283" r:id="rId9"/>
+    <p:sldId id="1284" r:id="rId10"/>
+    <p:sldId id="1285" r:id="rId11"/>
+    <p:sldId id="1286" r:id="rId12"/>
+    <p:sldId id="1287" r:id="rId13"/>
+    <p:sldId id="1288" r:id="rId14"/>
+    <p:sldId id="1289" r:id="rId15"/>
+    <p:sldId id="1290" r:id="rId16"/>
+    <p:sldId id="1291" r:id="rId17"/>
+    <p:sldId id="1240" r:id="rId18"/>
+    <p:sldId id="1242" r:id="rId19"/>
+    <p:sldId id="1243" r:id="rId20"/>
+    <p:sldId id="1244" r:id="rId21"/>
+    <p:sldId id="1257" r:id="rId22"/>
+    <p:sldId id="1258" r:id="rId23"/>
+    <p:sldId id="1259" r:id="rId24"/>
+    <p:sldId id="1260" r:id="rId25"/>
+    <p:sldId id="1261" r:id="rId26"/>
+    <p:sldId id="1262" r:id="rId27"/>
+    <p:sldId id="1263" r:id="rId28"/>
+    <p:sldId id="1267" r:id="rId29"/>
+    <p:sldId id="1268" r:id="rId30"/>
+    <p:sldId id="1269" r:id="rId31"/>
+    <p:sldId id="1270" r:id="rId32"/>
+    <p:sldId id="1271" r:id="rId33"/>
+    <p:sldId id="1272" r:id="rId34"/>
+    <p:sldId id="1273" r:id="rId35"/>
+    <p:sldId id="1274" r:id="rId36"/>
+    <p:sldId id="1275" r:id="rId37"/>
+    <p:sldId id="1276" r:id="rId38"/>
   </p:sldIdLst>
   <p:sldSz cx="12192000" cy="6858000"/>
   <p:notesSz cx="6858000" cy="9144000"/>
@@ -225,7 +251,7 @@
           <a:p>
             <a:fld id="{36B64484-7F23-844A-BCEB-06DFAD827E32}" type="datetimeFigureOut">
               <a:rPr lang="en-US" smtClean="0"/>
-              <a:t>3/10/22</a:t>
+              <a:t>3/12/22</a:t>
             </a:fld>
             <a:endParaRPr lang="en-US"/>
           </a:p>
@@ -402,7 +428,7 @@
           <a:p>
             <a:fld id="{4EBE11B0-21E1-9842-BB37-72784894B0AB}" type="datetimeFigureOut">
               <a:rPr lang="en-US" smtClean="0"/>
-              <a:t>3/10/22</a:t>
+              <a:t>3/12/22</a:t>
             </a:fld>
             <a:endParaRPr lang="en-US"/>
           </a:p>
@@ -3871,7 +3897,7 @@
           <p:cNvPr id="2" name="Title 1">
             <a:extLst>
               <a:ext uri="{FF2B5EF4-FFF2-40B4-BE49-F238E27FC236}">
-                <a16:creationId xmlns:a16="http://schemas.microsoft.com/office/drawing/2014/main" id="{5214BD27-BDF5-664D-9D83-54A21FCDACF0}"/>
+                <a16:creationId xmlns:a16="http://schemas.microsoft.com/office/drawing/2014/main" id="{E0529347-8E03-5745-A305-AF41325E1120}"/>
               </a:ext>
             </a:extLst>
           </p:cNvPr>
@@ -3885,32 +3911,28 @@
         <p:spPr>
           <a:xfrm>
             <a:off x="838200" y="365126"/>
-            <a:ext cx="11205754" cy="618286"/>
+            <a:ext cx="10515600" cy="763587"/>
           </a:xfrm>
         </p:spPr>
         <p:txBody>
           <a:bodyPr>
-            <a:normAutofit fontScale="90000"/>
+            <a:normAutofit/>
           </a:bodyPr>
           <a:lstStyle/>
           <a:p>
             <a:r>
-              <a:rPr lang="en-US" dirty="0" err="1"/>
-              <a:t>Verifast</a:t>
-            </a:r>
-            <a:r>
-              <a:rPr lang="en-US" dirty="0"/>
-              <a:t> Tutorial</a:t>
-            </a:r>
-          </a:p>
-        </p:txBody>
-      </p:sp>
-      <p:sp>
-        <p:nvSpPr>
-          <p:cNvPr id="5" name="Content Placeholder 4">
+              <a:rPr lang="en-US" sz="1600" dirty="0"/>
+              <a:t> </a:t>
+            </a:r>
+          </a:p>
+        </p:txBody>
+      </p:sp>
+      <p:sp>
+        <p:nvSpPr>
+          <p:cNvPr id="3" name="Content Placeholder 2">
             <a:extLst>
               <a:ext uri="{FF2B5EF4-FFF2-40B4-BE49-F238E27FC236}">
-                <a16:creationId xmlns:a16="http://schemas.microsoft.com/office/drawing/2014/main" id="{C889DA17-52DA-2B4D-BC3F-5CFA3FFFEF8D}"/>
+                <a16:creationId xmlns:a16="http://schemas.microsoft.com/office/drawing/2014/main" id="{F6F2EB0E-4EBA-9E41-A915-2E5A2D97575C}"/>
               </a:ext>
             </a:extLst>
           </p:cNvPr>
@@ -3923,113 +3945,20 @@
         </p:nvSpPr>
         <p:spPr>
           <a:xfrm>
-            <a:off x="838200" y="1393902"/>
-            <a:ext cx="10515600" cy="4783061"/>
-          </a:xfrm>
-        </p:spPr>
-        <p:txBody>
-          <a:bodyPr>
-            <a:normAutofit/>
-          </a:bodyPr>
-          <a:lstStyle/>
-          <a:p>
-            <a:r>
-              <a:rPr lang="en-US" dirty="0"/>
-              <a:t>Interesting things to note</a:t>
-            </a:r>
-          </a:p>
-          <a:p>
-            <a:pPr lvl="1"/>
-            <a:r>
-              <a:rPr lang="en-US" dirty="0" err="1"/>
-              <a:t>Account_balance</a:t>
-            </a:r>
-            <a:r>
-              <a:rPr lang="en-US" dirty="0"/>
-              <a:t>(</a:t>
-            </a:r>
-            <a:r>
-              <a:rPr lang="en-US" dirty="0" err="1"/>
-              <a:t>myAccountLocal_addr</a:t>
-            </a:r>
-            <a:r>
-              <a:rPr lang="en-US" dirty="0"/>
-              <a:t>, value)</a:t>
-            </a:r>
-          </a:p>
-          <a:p>
-            <a:pPr lvl="2"/>
-            <a:r>
-              <a:rPr lang="en-US" dirty="0"/>
-              <a:t>This has a stack entry address </a:t>
-            </a:r>
-            <a:r>
-              <a:rPr lang="en-US" dirty="0" err="1"/>
-              <a:t>myAccountLocal_addr</a:t>
-            </a:r>
-            <a:endParaRPr lang="en-US" dirty="0"/>
-          </a:p>
-          <a:p>
-            <a:pPr lvl="2"/>
-            <a:r>
-              <a:rPr lang="en-US" dirty="0"/>
-              <a:t>It holds “value”</a:t>
-            </a:r>
-          </a:p>
-          <a:p>
-            <a:pPr lvl="1"/>
-            <a:r>
-              <a:rPr lang="en-US" dirty="0"/>
-              <a:t>What is </a:t>
-            </a:r>
-            <a:r>
-              <a:rPr lang="en-US" dirty="0" err="1"/>
-              <a:t>struct_account_padding</a:t>
-            </a:r>
-            <a:r>
-              <a:rPr lang="en-US" dirty="0"/>
-              <a:t>(</a:t>
-            </a:r>
-            <a:r>
-              <a:rPr lang="en-US" dirty="0" err="1"/>
-              <a:t>myAccountLocal_addr</a:t>
-            </a:r>
-            <a:r>
-              <a:rPr lang="en-US" dirty="0"/>
-              <a:t>) ?</a:t>
-            </a:r>
-          </a:p>
-          <a:p>
-            <a:pPr lvl="2"/>
-            <a:r>
-              <a:rPr lang="en-US" dirty="0"/>
-              <a:t>Why are things being shown in heap?</a:t>
-            </a:r>
-          </a:p>
-          <a:p>
-            <a:r>
-              <a:rPr lang="en-US" dirty="0"/>
-              <a:t>Let us remove the free and see what happens</a:t>
-            </a:r>
-          </a:p>
-          <a:p>
-            <a:pPr lvl="1"/>
-            <a:r>
-              <a:rPr lang="en-US" dirty="0"/>
-              <a:t>Then, things verify</a:t>
-            </a:r>
-          </a:p>
-          <a:p>
-            <a:r>
-              <a:rPr lang="en-US" dirty="0"/>
-              <a:t>Observe “result” being assigned 0</a:t>
-            </a:r>
-          </a:p>
-          <a:p>
-            <a:pPr lvl="1"/>
-            <a:r>
-              <a:rPr lang="en-US" dirty="0"/>
-              <a:t>Designated return result</a:t>
+            <a:off x="838200" y="4572000"/>
+            <a:ext cx="10515600" cy="1604962"/>
+          </a:xfrm>
+        </p:spPr>
+        <p:txBody>
+          <a:bodyPr/>
+          <a:lstStyle/>
+          <a:p>
+            <a:pPr marL="0" indent="0">
+              <a:buNone/>
+            </a:pPr>
+            <a:r>
+              <a:rPr lang="en-US" dirty="0"/>
+              <a:t>…</a:t>
             </a:r>
           </a:p>
         </p:txBody>
@@ -4037,7 +3966,7 @@
     </p:spTree>
     <p:extLst>
       <p:ext uri="{BB962C8B-B14F-4D97-AF65-F5344CB8AC3E}">
-        <p14:creationId xmlns:p14="http://schemas.microsoft.com/office/powerpoint/2010/main" val="3615396557"/>
+        <p14:creationId xmlns:p14="http://schemas.microsoft.com/office/powerpoint/2010/main" val="1389394071"/>
       </p:ext>
     </p:extLst>
   </p:cSld>
@@ -4069,7 +3998,7 @@
           <p:cNvPr id="2" name="Title 1">
             <a:extLst>
               <a:ext uri="{FF2B5EF4-FFF2-40B4-BE49-F238E27FC236}">
-                <a16:creationId xmlns:a16="http://schemas.microsoft.com/office/drawing/2014/main" id="{BEFC9A74-8AEC-194C-B448-836D0925B4C2}"/>
+                <a16:creationId xmlns:a16="http://schemas.microsoft.com/office/drawing/2014/main" id="{E0529347-8E03-5745-A305-AF41325E1120}"/>
               </a:ext>
             </a:extLst>
           </p:cNvPr>
@@ -4080,7 +4009,618 @@
             <p:ph type="title"/>
           </p:nvPr>
         </p:nvSpPr>
-        <p:spPr/>
+        <p:spPr>
+          <a:xfrm>
+            <a:off x="838200" y="365126"/>
+            <a:ext cx="10515600" cy="763587"/>
+          </a:xfrm>
+        </p:spPr>
+        <p:txBody>
+          <a:bodyPr>
+            <a:normAutofit/>
+          </a:bodyPr>
+          <a:lstStyle/>
+          <a:p>
+            <a:r>
+              <a:rPr lang="en-US" sz="1600" dirty="0"/>
+              <a:t> </a:t>
+            </a:r>
+          </a:p>
+        </p:txBody>
+      </p:sp>
+      <p:sp>
+        <p:nvSpPr>
+          <p:cNvPr id="3" name="Content Placeholder 2">
+            <a:extLst>
+              <a:ext uri="{FF2B5EF4-FFF2-40B4-BE49-F238E27FC236}">
+                <a16:creationId xmlns:a16="http://schemas.microsoft.com/office/drawing/2014/main" id="{F6F2EB0E-4EBA-9E41-A915-2E5A2D97575C}"/>
+              </a:ext>
+            </a:extLst>
+          </p:cNvPr>
+          <p:cNvSpPr>
+            <a:spLocks noGrp="1"/>
+          </p:cNvSpPr>
+          <p:nvPr>
+            <p:ph idx="1"/>
+          </p:nvPr>
+        </p:nvSpPr>
+        <p:spPr>
+          <a:xfrm>
+            <a:off x="838200" y="4572000"/>
+            <a:ext cx="10515600" cy="1604962"/>
+          </a:xfrm>
+        </p:spPr>
+        <p:txBody>
+          <a:bodyPr/>
+          <a:lstStyle/>
+          <a:p>
+            <a:pPr marL="0" indent="0">
+              <a:buNone/>
+            </a:pPr>
+            <a:r>
+              <a:rPr lang="en-US" dirty="0"/>
+              <a:t>…</a:t>
+            </a:r>
+          </a:p>
+        </p:txBody>
+      </p:sp>
+    </p:spTree>
+    <p:extLst>
+      <p:ext uri="{BB962C8B-B14F-4D97-AF65-F5344CB8AC3E}">
+        <p14:creationId xmlns:p14="http://schemas.microsoft.com/office/powerpoint/2010/main" val="391759483"/>
+      </p:ext>
+    </p:extLst>
+  </p:cSld>
+  <p:clrMapOvr>
+    <a:masterClrMapping/>
+  </p:clrMapOvr>
+</p:sld>
+</file>
+
+<file path=ppt/slides/slide12.xml><?xml version="1.0" encoding="utf-8"?>
+<p:sld xmlns:a="http://schemas.openxmlformats.org/drawingml/2006/main" xmlns:r="http://schemas.openxmlformats.org/officeDocument/2006/relationships" xmlns:p="http://schemas.openxmlformats.org/presentationml/2006/main">
+  <p:cSld>
+    <p:spTree>
+      <p:nvGrpSpPr>
+        <p:cNvPr id="1" name=""/>
+        <p:cNvGrpSpPr/>
+        <p:nvPr/>
+      </p:nvGrpSpPr>
+      <p:grpSpPr>
+        <a:xfrm>
+          <a:off x="0" y="0"/>
+          <a:ext cx="0" cy="0"/>
+          <a:chOff x="0" y="0"/>
+          <a:chExt cx="0" cy="0"/>
+        </a:xfrm>
+      </p:grpSpPr>
+      <p:sp>
+        <p:nvSpPr>
+          <p:cNvPr id="2" name="Title 1">
+            <a:extLst>
+              <a:ext uri="{FF2B5EF4-FFF2-40B4-BE49-F238E27FC236}">
+                <a16:creationId xmlns:a16="http://schemas.microsoft.com/office/drawing/2014/main" id="{E0529347-8E03-5745-A305-AF41325E1120}"/>
+              </a:ext>
+            </a:extLst>
+          </p:cNvPr>
+          <p:cNvSpPr>
+            <a:spLocks noGrp="1"/>
+          </p:cNvSpPr>
+          <p:nvPr>
+            <p:ph type="title"/>
+          </p:nvPr>
+        </p:nvSpPr>
+        <p:spPr>
+          <a:xfrm>
+            <a:off x="838200" y="365126"/>
+            <a:ext cx="10515600" cy="763587"/>
+          </a:xfrm>
+        </p:spPr>
+        <p:txBody>
+          <a:bodyPr>
+            <a:normAutofit/>
+          </a:bodyPr>
+          <a:lstStyle/>
+          <a:p>
+            <a:r>
+              <a:rPr lang="en-US" sz="1600" dirty="0"/>
+              <a:t> </a:t>
+            </a:r>
+          </a:p>
+        </p:txBody>
+      </p:sp>
+      <p:sp>
+        <p:nvSpPr>
+          <p:cNvPr id="3" name="Content Placeholder 2">
+            <a:extLst>
+              <a:ext uri="{FF2B5EF4-FFF2-40B4-BE49-F238E27FC236}">
+                <a16:creationId xmlns:a16="http://schemas.microsoft.com/office/drawing/2014/main" id="{F6F2EB0E-4EBA-9E41-A915-2E5A2D97575C}"/>
+              </a:ext>
+            </a:extLst>
+          </p:cNvPr>
+          <p:cNvSpPr>
+            <a:spLocks noGrp="1"/>
+          </p:cNvSpPr>
+          <p:nvPr>
+            <p:ph idx="1"/>
+          </p:nvPr>
+        </p:nvSpPr>
+        <p:spPr>
+          <a:xfrm>
+            <a:off x="838200" y="4572000"/>
+            <a:ext cx="10515600" cy="1604962"/>
+          </a:xfrm>
+        </p:spPr>
+        <p:txBody>
+          <a:bodyPr/>
+          <a:lstStyle/>
+          <a:p>
+            <a:pPr marL="0" indent="0">
+              <a:buNone/>
+            </a:pPr>
+            <a:r>
+              <a:rPr lang="en-US" dirty="0"/>
+              <a:t>…</a:t>
+            </a:r>
+          </a:p>
+        </p:txBody>
+      </p:sp>
+    </p:spTree>
+    <p:extLst>
+      <p:ext uri="{BB962C8B-B14F-4D97-AF65-F5344CB8AC3E}">
+        <p14:creationId xmlns:p14="http://schemas.microsoft.com/office/powerpoint/2010/main" val="578592763"/>
+      </p:ext>
+    </p:extLst>
+  </p:cSld>
+  <p:clrMapOvr>
+    <a:masterClrMapping/>
+  </p:clrMapOvr>
+</p:sld>
+</file>
+
+<file path=ppt/slides/slide13.xml><?xml version="1.0" encoding="utf-8"?>
+<p:sld xmlns:a="http://schemas.openxmlformats.org/drawingml/2006/main" xmlns:r="http://schemas.openxmlformats.org/officeDocument/2006/relationships" xmlns:p="http://schemas.openxmlformats.org/presentationml/2006/main">
+  <p:cSld>
+    <p:spTree>
+      <p:nvGrpSpPr>
+        <p:cNvPr id="1" name=""/>
+        <p:cNvGrpSpPr/>
+        <p:nvPr/>
+      </p:nvGrpSpPr>
+      <p:grpSpPr>
+        <a:xfrm>
+          <a:off x="0" y="0"/>
+          <a:ext cx="0" cy="0"/>
+          <a:chOff x="0" y="0"/>
+          <a:chExt cx="0" cy="0"/>
+        </a:xfrm>
+      </p:grpSpPr>
+      <p:sp>
+        <p:nvSpPr>
+          <p:cNvPr id="2" name="Title 1">
+            <a:extLst>
+              <a:ext uri="{FF2B5EF4-FFF2-40B4-BE49-F238E27FC236}">
+                <a16:creationId xmlns:a16="http://schemas.microsoft.com/office/drawing/2014/main" id="{E0529347-8E03-5745-A305-AF41325E1120}"/>
+              </a:ext>
+            </a:extLst>
+          </p:cNvPr>
+          <p:cNvSpPr>
+            <a:spLocks noGrp="1"/>
+          </p:cNvSpPr>
+          <p:nvPr>
+            <p:ph type="title"/>
+          </p:nvPr>
+        </p:nvSpPr>
+        <p:spPr>
+          <a:xfrm>
+            <a:off x="838200" y="365126"/>
+            <a:ext cx="10515600" cy="763587"/>
+          </a:xfrm>
+        </p:spPr>
+        <p:txBody>
+          <a:bodyPr>
+            <a:normAutofit/>
+          </a:bodyPr>
+          <a:lstStyle/>
+          <a:p>
+            <a:r>
+              <a:rPr lang="en-US" sz="1600" dirty="0"/>
+              <a:t> </a:t>
+            </a:r>
+          </a:p>
+        </p:txBody>
+      </p:sp>
+      <p:sp>
+        <p:nvSpPr>
+          <p:cNvPr id="3" name="Content Placeholder 2">
+            <a:extLst>
+              <a:ext uri="{FF2B5EF4-FFF2-40B4-BE49-F238E27FC236}">
+                <a16:creationId xmlns:a16="http://schemas.microsoft.com/office/drawing/2014/main" id="{F6F2EB0E-4EBA-9E41-A915-2E5A2D97575C}"/>
+              </a:ext>
+            </a:extLst>
+          </p:cNvPr>
+          <p:cNvSpPr>
+            <a:spLocks noGrp="1"/>
+          </p:cNvSpPr>
+          <p:nvPr>
+            <p:ph idx="1"/>
+          </p:nvPr>
+        </p:nvSpPr>
+        <p:spPr>
+          <a:xfrm>
+            <a:off x="838200" y="4572000"/>
+            <a:ext cx="10515600" cy="1604962"/>
+          </a:xfrm>
+        </p:spPr>
+        <p:txBody>
+          <a:bodyPr/>
+          <a:lstStyle/>
+          <a:p>
+            <a:pPr marL="0" indent="0">
+              <a:buNone/>
+            </a:pPr>
+            <a:r>
+              <a:rPr lang="en-US" dirty="0"/>
+              <a:t>…</a:t>
+            </a:r>
+          </a:p>
+        </p:txBody>
+      </p:sp>
+    </p:spTree>
+    <p:extLst>
+      <p:ext uri="{BB962C8B-B14F-4D97-AF65-F5344CB8AC3E}">
+        <p14:creationId xmlns:p14="http://schemas.microsoft.com/office/powerpoint/2010/main" val="459029624"/>
+      </p:ext>
+    </p:extLst>
+  </p:cSld>
+  <p:clrMapOvr>
+    <a:masterClrMapping/>
+  </p:clrMapOvr>
+</p:sld>
+</file>
+
+<file path=ppt/slides/slide14.xml><?xml version="1.0" encoding="utf-8"?>
+<p:sld xmlns:a="http://schemas.openxmlformats.org/drawingml/2006/main" xmlns:r="http://schemas.openxmlformats.org/officeDocument/2006/relationships" xmlns:p="http://schemas.openxmlformats.org/presentationml/2006/main">
+  <p:cSld>
+    <p:spTree>
+      <p:nvGrpSpPr>
+        <p:cNvPr id="1" name=""/>
+        <p:cNvGrpSpPr/>
+        <p:nvPr/>
+      </p:nvGrpSpPr>
+      <p:grpSpPr>
+        <a:xfrm>
+          <a:off x="0" y="0"/>
+          <a:ext cx="0" cy="0"/>
+          <a:chOff x="0" y="0"/>
+          <a:chExt cx="0" cy="0"/>
+        </a:xfrm>
+      </p:grpSpPr>
+      <p:sp>
+        <p:nvSpPr>
+          <p:cNvPr id="2" name="Title 1">
+            <a:extLst>
+              <a:ext uri="{FF2B5EF4-FFF2-40B4-BE49-F238E27FC236}">
+                <a16:creationId xmlns:a16="http://schemas.microsoft.com/office/drawing/2014/main" id="{E0529347-8E03-5745-A305-AF41325E1120}"/>
+              </a:ext>
+            </a:extLst>
+          </p:cNvPr>
+          <p:cNvSpPr>
+            <a:spLocks noGrp="1"/>
+          </p:cNvSpPr>
+          <p:nvPr>
+            <p:ph type="title"/>
+          </p:nvPr>
+        </p:nvSpPr>
+        <p:spPr>
+          <a:xfrm>
+            <a:off x="838200" y="365126"/>
+            <a:ext cx="10515600" cy="763587"/>
+          </a:xfrm>
+        </p:spPr>
+        <p:txBody>
+          <a:bodyPr>
+            <a:normAutofit/>
+          </a:bodyPr>
+          <a:lstStyle/>
+          <a:p>
+            <a:r>
+              <a:rPr lang="en-US" sz="1600" dirty="0"/>
+              <a:t> </a:t>
+            </a:r>
+          </a:p>
+        </p:txBody>
+      </p:sp>
+      <p:sp>
+        <p:nvSpPr>
+          <p:cNvPr id="3" name="Content Placeholder 2">
+            <a:extLst>
+              <a:ext uri="{FF2B5EF4-FFF2-40B4-BE49-F238E27FC236}">
+                <a16:creationId xmlns:a16="http://schemas.microsoft.com/office/drawing/2014/main" id="{F6F2EB0E-4EBA-9E41-A915-2E5A2D97575C}"/>
+              </a:ext>
+            </a:extLst>
+          </p:cNvPr>
+          <p:cNvSpPr>
+            <a:spLocks noGrp="1"/>
+          </p:cNvSpPr>
+          <p:nvPr>
+            <p:ph idx="1"/>
+          </p:nvPr>
+        </p:nvSpPr>
+        <p:spPr>
+          <a:xfrm>
+            <a:off x="838200" y="4572000"/>
+            <a:ext cx="10515600" cy="1604962"/>
+          </a:xfrm>
+        </p:spPr>
+        <p:txBody>
+          <a:bodyPr/>
+          <a:lstStyle/>
+          <a:p>
+            <a:pPr marL="0" indent="0">
+              <a:buNone/>
+            </a:pPr>
+            <a:r>
+              <a:rPr lang="en-US" dirty="0"/>
+              <a:t>…</a:t>
+            </a:r>
+          </a:p>
+        </p:txBody>
+      </p:sp>
+    </p:spTree>
+    <p:extLst>
+      <p:ext uri="{BB962C8B-B14F-4D97-AF65-F5344CB8AC3E}">
+        <p14:creationId xmlns:p14="http://schemas.microsoft.com/office/powerpoint/2010/main" val="1692837999"/>
+      </p:ext>
+    </p:extLst>
+  </p:cSld>
+  <p:clrMapOvr>
+    <a:masterClrMapping/>
+  </p:clrMapOvr>
+</p:sld>
+</file>
+
+<file path=ppt/slides/slide15.xml><?xml version="1.0" encoding="utf-8"?>
+<p:sld xmlns:a="http://schemas.openxmlformats.org/drawingml/2006/main" xmlns:r="http://schemas.openxmlformats.org/officeDocument/2006/relationships" xmlns:p="http://schemas.openxmlformats.org/presentationml/2006/main">
+  <p:cSld>
+    <p:spTree>
+      <p:nvGrpSpPr>
+        <p:cNvPr id="1" name=""/>
+        <p:cNvGrpSpPr/>
+        <p:nvPr/>
+      </p:nvGrpSpPr>
+      <p:grpSpPr>
+        <a:xfrm>
+          <a:off x="0" y="0"/>
+          <a:ext cx="0" cy="0"/>
+          <a:chOff x="0" y="0"/>
+          <a:chExt cx="0" cy="0"/>
+        </a:xfrm>
+      </p:grpSpPr>
+      <p:sp>
+        <p:nvSpPr>
+          <p:cNvPr id="2" name="Title 1">
+            <a:extLst>
+              <a:ext uri="{FF2B5EF4-FFF2-40B4-BE49-F238E27FC236}">
+                <a16:creationId xmlns:a16="http://schemas.microsoft.com/office/drawing/2014/main" id="{E0529347-8E03-5745-A305-AF41325E1120}"/>
+              </a:ext>
+            </a:extLst>
+          </p:cNvPr>
+          <p:cNvSpPr>
+            <a:spLocks noGrp="1"/>
+          </p:cNvSpPr>
+          <p:nvPr>
+            <p:ph type="title"/>
+          </p:nvPr>
+        </p:nvSpPr>
+        <p:spPr>
+          <a:xfrm>
+            <a:off x="838200" y="365126"/>
+            <a:ext cx="10515600" cy="763587"/>
+          </a:xfrm>
+        </p:spPr>
+        <p:txBody>
+          <a:bodyPr>
+            <a:normAutofit/>
+          </a:bodyPr>
+          <a:lstStyle/>
+          <a:p>
+            <a:r>
+              <a:rPr lang="en-US" sz="1600" dirty="0"/>
+              <a:t> </a:t>
+            </a:r>
+          </a:p>
+        </p:txBody>
+      </p:sp>
+      <p:sp>
+        <p:nvSpPr>
+          <p:cNvPr id="3" name="Content Placeholder 2">
+            <a:extLst>
+              <a:ext uri="{FF2B5EF4-FFF2-40B4-BE49-F238E27FC236}">
+                <a16:creationId xmlns:a16="http://schemas.microsoft.com/office/drawing/2014/main" id="{F6F2EB0E-4EBA-9E41-A915-2E5A2D97575C}"/>
+              </a:ext>
+            </a:extLst>
+          </p:cNvPr>
+          <p:cNvSpPr>
+            <a:spLocks noGrp="1"/>
+          </p:cNvSpPr>
+          <p:nvPr>
+            <p:ph idx="1"/>
+          </p:nvPr>
+        </p:nvSpPr>
+        <p:spPr>
+          <a:xfrm>
+            <a:off x="838200" y="4572000"/>
+            <a:ext cx="10515600" cy="1604962"/>
+          </a:xfrm>
+        </p:spPr>
+        <p:txBody>
+          <a:bodyPr/>
+          <a:lstStyle/>
+          <a:p>
+            <a:pPr marL="0" indent="0">
+              <a:buNone/>
+            </a:pPr>
+            <a:r>
+              <a:rPr lang="en-US" dirty="0"/>
+              <a:t>…</a:t>
+            </a:r>
+          </a:p>
+        </p:txBody>
+      </p:sp>
+    </p:spTree>
+    <p:extLst>
+      <p:ext uri="{BB962C8B-B14F-4D97-AF65-F5344CB8AC3E}">
+        <p14:creationId xmlns:p14="http://schemas.microsoft.com/office/powerpoint/2010/main" val="1980484902"/>
+      </p:ext>
+    </p:extLst>
+  </p:cSld>
+  <p:clrMapOvr>
+    <a:masterClrMapping/>
+  </p:clrMapOvr>
+</p:sld>
+</file>
+
+<file path=ppt/slides/slide16.xml><?xml version="1.0" encoding="utf-8"?>
+<p:sld xmlns:a="http://schemas.openxmlformats.org/drawingml/2006/main" xmlns:r="http://schemas.openxmlformats.org/officeDocument/2006/relationships" xmlns:p="http://schemas.openxmlformats.org/presentationml/2006/main">
+  <p:cSld>
+    <p:spTree>
+      <p:nvGrpSpPr>
+        <p:cNvPr id="1" name=""/>
+        <p:cNvGrpSpPr/>
+        <p:nvPr/>
+      </p:nvGrpSpPr>
+      <p:grpSpPr>
+        <a:xfrm>
+          <a:off x="0" y="0"/>
+          <a:ext cx="0" cy="0"/>
+          <a:chOff x="0" y="0"/>
+          <a:chExt cx="0" cy="0"/>
+        </a:xfrm>
+      </p:grpSpPr>
+      <p:sp>
+        <p:nvSpPr>
+          <p:cNvPr id="2" name="Title 1">
+            <a:extLst>
+              <a:ext uri="{FF2B5EF4-FFF2-40B4-BE49-F238E27FC236}">
+                <a16:creationId xmlns:a16="http://schemas.microsoft.com/office/drawing/2014/main" id="{E0529347-8E03-5745-A305-AF41325E1120}"/>
+              </a:ext>
+            </a:extLst>
+          </p:cNvPr>
+          <p:cNvSpPr>
+            <a:spLocks noGrp="1"/>
+          </p:cNvSpPr>
+          <p:nvPr>
+            <p:ph type="title"/>
+          </p:nvPr>
+        </p:nvSpPr>
+        <p:spPr>
+          <a:xfrm>
+            <a:off x="838200" y="365126"/>
+            <a:ext cx="10515600" cy="763587"/>
+          </a:xfrm>
+        </p:spPr>
+        <p:txBody>
+          <a:bodyPr>
+            <a:normAutofit/>
+          </a:bodyPr>
+          <a:lstStyle/>
+          <a:p>
+            <a:r>
+              <a:rPr lang="en-US" sz="1600" dirty="0"/>
+              <a:t> </a:t>
+            </a:r>
+          </a:p>
+        </p:txBody>
+      </p:sp>
+      <p:sp>
+        <p:nvSpPr>
+          <p:cNvPr id="3" name="Content Placeholder 2">
+            <a:extLst>
+              <a:ext uri="{FF2B5EF4-FFF2-40B4-BE49-F238E27FC236}">
+                <a16:creationId xmlns:a16="http://schemas.microsoft.com/office/drawing/2014/main" id="{F6F2EB0E-4EBA-9E41-A915-2E5A2D97575C}"/>
+              </a:ext>
+            </a:extLst>
+          </p:cNvPr>
+          <p:cNvSpPr>
+            <a:spLocks noGrp="1"/>
+          </p:cNvSpPr>
+          <p:nvPr>
+            <p:ph idx="1"/>
+          </p:nvPr>
+        </p:nvSpPr>
+        <p:spPr>
+          <a:xfrm>
+            <a:off x="838200" y="4572000"/>
+            <a:ext cx="10515600" cy="1604962"/>
+          </a:xfrm>
+        </p:spPr>
+        <p:txBody>
+          <a:bodyPr/>
+          <a:lstStyle/>
+          <a:p>
+            <a:pPr marL="0" indent="0">
+              <a:buNone/>
+            </a:pPr>
+            <a:r>
+              <a:rPr lang="en-US" dirty="0"/>
+              <a:t>…</a:t>
+            </a:r>
+          </a:p>
+        </p:txBody>
+      </p:sp>
+    </p:spTree>
+    <p:extLst>
+      <p:ext uri="{BB962C8B-B14F-4D97-AF65-F5344CB8AC3E}">
+        <p14:creationId xmlns:p14="http://schemas.microsoft.com/office/powerpoint/2010/main" val="830745016"/>
+      </p:ext>
+    </p:extLst>
+  </p:cSld>
+  <p:clrMapOvr>
+    <a:masterClrMapping/>
+  </p:clrMapOvr>
+</p:sld>
+</file>
+
+<file path=ppt/slides/slide17.xml><?xml version="1.0" encoding="utf-8"?>
+<p:sld xmlns:a="http://schemas.openxmlformats.org/drawingml/2006/main" xmlns:r="http://schemas.openxmlformats.org/officeDocument/2006/relationships" xmlns:p="http://schemas.openxmlformats.org/presentationml/2006/main">
+  <p:cSld>
+    <p:spTree>
+      <p:nvGrpSpPr>
+        <p:cNvPr id="1" name=""/>
+        <p:cNvGrpSpPr/>
+        <p:nvPr/>
+      </p:nvGrpSpPr>
+      <p:grpSpPr>
+        <a:xfrm>
+          <a:off x="0" y="0"/>
+          <a:ext cx="0" cy="0"/>
+          <a:chOff x="0" y="0"/>
+          <a:chExt cx="0" cy="0"/>
+        </a:xfrm>
+      </p:grpSpPr>
+      <p:sp>
+        <p:nvSpPr>
+          <p:cNvPr id="2" name="Title 1">
+            <a:extLst>
+              <a:ext uri="{FF2B5EF4-FFF2-40B4-BE49-F238E27FC236}">
+                <a16:creationId xmlns:a16="http://schemas.microsoft.com/office/drawing/2014/main" id="{5214BD27-BDF5-664D-9D83-54A21FCDACF0}"/>
+              </a:ext>
+            </a:extLst>
+          </p:cNvPr>
+          <p:cNvSpPr>
+            <a:spLocks noGrp="1"/>
+          </p:cNvSpPr>
+          <p:nvPr>
+            <p:ph type="title"/>
+          </p:nvPr>
+        </p:nvSpPr>
+        <p:spPr>
+          <a:xfrm>
+            <a:off x="838200" y="365126"/>
+            <a:ext cx="11205754" cy="618286"/>
+          </a:xfrm>
+        </p:spPr>
         <p:txBody>
           <a:bodyPr>
             <a:normAutofit fontScale="90000"/>
@@ -4088,609 +4628,256 @@
           <a:lstStyle/>
           <a:p>
             <a:r>
-              <a:rPr lang="en-US" dirty="0"/>
-              <a:t>By looking at heap-chunks owned, form spec</a:t>
-            </a:r>
-          </a:p>
-        </p:txBody>
-      </p:sp>
-      <p:sp>
-        <p:nvSpPr>
-          <p:cNvPr id="3" name="Content Placeholder 2">
+              <a:rPr lang="en-US" dirty="0" err="1"/>
+              <a:t>Dafny</a:t>
+            </a:r>
+            <a:r>
+              <a:rPr lang="en-US" dirty="0"/>
+              <a:t> Exercises: Loop invariant?</a:t>
+            </a:r>
+          </a:p>
+        </p:txBody>
+      </p:sp>
+      <p:pic>
+        <p:nvPicPr>
+          <p:cNvPr id="7" name="Picture 6" descr="Text&#10;&#10;Description automatically generated">
             <a:extLst>
               <a:ext uri="{FF2B5EF4-FFF2-40B4-BE49-F238E27FC236}">
-                <a16:creationId xmlns:a16="http://schemas.microsoft.com/office/drawing/2014/main" id="{2E836A4E-1887-124C-A5EB-0AC04EAE108F}"/>
+                <a16:creationId xmlns:a16="http://schemas.microsoft.com/office/drawing/2014/main" id="{5953FE8B-C3DE-2941-A7ED-3837042BA301}"/>
               </a:ext>
             </a:extLst>
           </p:cNvPr>
-          <p:cNvSpPr>
-            <a:spLocks noGrp="1"/>
-          </p:cNvSpPr>
-          <p:nvPr>
-            <p:ph idx="1"/>
-          </p:nvPr>
-        </p:nvSpPr>
-        <p:spPr/>
-        <p:txBody>
-          <a:bodyPr>
-            <a:normAutofit fontScale="25000" lnSpcReduction="20000"/>
-          </a:bodyPr>
-          <a:lstStyle/>
-          <a:p>
-            <a:pPr marL="0" indent="0">
-              <a:buNone/>
-            </a:pPr>
-            <a:r>
-              <a:rPr lang="en-US" dirty="0"/>
-              <a:t>include "</a:t>
-            </a:r>
-            <a:r>
-              <a:rPr lang="en-US" dirty="0" err="1"/>
-              <a:t>stdlib.h</a:t>
-            </a:r>
-            <a:r>
-              <a:rPr lang="en-US" dirty="0"/>
-              <a:t>"</a:t>
-            </a:r>
-          </a:p>
-          <a:p>
-            <a:pPr marL="0" indent="0">
-              <a:buNone/>
-            </a:pPr>
-            <a:r>
-              <a:rPr lang="en-US" dirty="0"/>
-              <a:t>struct account </a:t>
-            </a:r>
-          </a:p>
-          <a:p>
-            <a:pPr marL="0" indent="0">
-              <a:buNone/>
-            </a:pPr>
-            <a:r>
-              <a:rPr lang="en-US" dirty="0"/>
-              <a:t>{ </a:t>
-            </a:r>
-          </a:p>
-          <a:p>
-            <a:pPr marL="0" indent="0">
-              <a:buNone/>
-            </a:pPr>
-            <a:r>
-              <a:rPr lang="en-US" dirty="0"/>
-              <a:t> int balance;</a:t>
-            </a:r>
-          </a:p>
-          <a:p>
-            <a:pPr marL="0" indent="0">
-              <a:buNone/>
-            </a:pPr>
-            <a:r>
-              <a:rPr lang="en-US" dirty="0"/>
-              <a:t>};</a:t>
-            </a:r>
-          </a:p>
-          <a:p>
-            <a:pPr marL="0" indent="0">
-              <a:buNone/>
-            </a:pPr>
-            <a:r>
-              <a:rPr lang="en-US" dirty="0"/>
-              <a:t>/*</a:t>
-            </a:r>
-          </a:p>
-          <a:p>
-            <a:pPr marL="0" indent="0">
-              <a:buNone/>
-            </a:pPr>
-            <a:r>
-              <a:rPr lang="en-US" dirty="0"/>
-              <a:t>predicate </a:t>
-            </a:r>
-            <a:r>
-              <a:rPr lang="en-US" dirty="0" err="1"/>
-              <a:t>account_pred</a:t>
-            </a:r>
-            <a:r>
-              <a:rPr lang="en-US" dirty="0"/>
-              <a:t>(struct account *</a:t>
-            </a:r>
-            <a:r>
-              <a:rPr lang="en-US" dirty="0" err="1"/>
-              <a:t>myAccount</a:t>
-            </a:r>
-            <a:r>
-              <a:rPr lang="en-US" dirty="0"/>
-              <a:t>, int </a:t>
-            </a:r>
-            <a:r>
-              <a:rPr lang="en-US" dirty="0" err="1"/>
-              <a:t>theLimit</a:t>
-            </a:r>
-            <a:r>
-              <a:rPr lang="en-US" dirty="0"/>
-              <a:t>, int </a:t>
-            </a:r>
-            <a:r>
-              <a:rPr lang="en-US" dirty="0" err="1"/>
-              <a:t>theBalance</a:t>
-            </a:r>
-            <a:r>
-              <a:rPr lang="en-US" dirty="0"/>
-              <a:t>)</a:t>
-            </a:r>
-          </a:p>
-          <a:p>
-            <a:pPr marL="0" indent="0">
-              <a:buNone/>
-            </a:pPr>
-            <a:r>
-              <a:rPr lang="en-US" dirty="0"/>
-              <a:t> =</a:t>
-            </a:r>
-          </a:p>
-          <a:p>
-            <a:pPr marL="0" indent="0">
-              <a:buNone/>
-            </a:pPr>
-            <a:r>
-              <a:rPr lang="en-US" dirty="0" err="1"/>
-              <a:t>myAccount</a:t>
-            </a:r>
-            <a:r>
-              <a:rPr lang="en-US" dirty="0"/>
-              <a:t>-&gt;limit |-&gt; </a:t>
-            </a:r>
-            <a:r>
-              <a:rPr lang="en-US" dirty="0" err="1"/>
-              <a:t>theLimit</a:t>
-            </a:r>
-            <a:r>
-              <a:rPr lang="en-US" dirty="0"/>
-              <a:t> &amp;*&amp; </a:t>
-            </a:r>
-            <a:r>
-              <a:rPr lang="en-US" dirty="0" err="1"/>
-              <a:t>myAccount</a:t>
-            </a:r>
-            <a:r>
-              <a:rPr lang="en-US" dirty="0"/>
-              <a:t>-&gt;balance |-&gt; </a:t>
-            </a:r>
-            <a:r>
-              <a:rPr lang="en-US" dirty="0" err="1"/>
-              <a:t>theBalance</a:t>
-            </a:r>
-            <a:endParaRPr lang="en-US" dirty="0"/>
-          </a:p>
-          <a:p>
-            <a:pPr marL="0" indent="0">
-              <a:buNone/>
-            </a:pPr>
-            <a:r>
-              <a:rPr lang="en-US" dirty="0"/>
-              <a:t>&amp;*&amp; </a:t>
-            </a:r>
-            <a:r>
-              <a:rPr lang="en-US" dirty="0" err="1"/>
-              <a:t>malloc_block_account</a:t>
-            </a:r>
-            <a:r>
-              <a:rPr lang="en-US" dirty="0"/>
-              <a:t>(</a:t>
-            </a:r>
-            <a:r>
-              <a:rPr lang="en-US" dirty="0" err="1"/>
-              <a:t>myAccount</a:t>
-            </a:r>
-            <a:r>
-              <a:rPr lang="en-US" dirty="0"/>
-              <a:t>); </a:t>
-            </a:r>
-          </a:p>
-          <a:p>
-            <a:pPr marL="0" indent="0">
-              <a:buNone/>
-            </a:pPr>
-            <a:r>
-              <a:rPr lang="en-US" dirty="0"/>
-              <a:t>*/</a:t>
-            </a:r>
-          </a:p>
-          <a:p>
-            <a:pPr marL="0" indent="0">
-              <a:buNone/>
-            </a:pPr>
-            <a:r>
-              <a:rPr lang="en-US" dirty="0"/>
-              <a:t>struct account *</a:t>
-            </a:r>
-            <a:r>
-              <a:rPr lang="en-US" dirty="0" err="1"/>
-              <a:t>create_account</a:t>
-            </a:r>
-            <a:r>
-              <a:rPr lang="en-US" dirty="0"/>
-              <a:t>() </a:t>
-            </a:r>
-          </a:p>
-          <a:p>
-            <a:pPr marL="0" indent="0">
-              <a:buNone/>
-            </a:pPr>
-            <a:r>
-              <a:rPr lang="en-US" dirty="0"/>
-              <a:t>//@ requires true; </a:t>
-            </a:r>
-          </a:p>
-          <a:p>
-            <a:pPr marL="0" indent="0">
-              <a:buNone/>
-            </a:pPr>
-            <a:r>
-              <a:rPr lang="en-US" dirty="0"/>
-              <a:t>//@ ensures </a:t>
-            </a:r>
-            <a:r>
-              <a:rPr lang="en-US" dirty="0" err="1"/>
-              <a:t>malloc_block_account</a:t>
-            </a:r>
-            <a:r>
-              <a:rPr lang="en-US" dirty="0"/>
-              <a:t>(result) &amp;*&amp; </a:t>
-            </a:r>
-            <a:r>
-              <a:rPr lang="en-US" dirty="0" err="1"/>
-              <a:t>account_balance</a:t>
-            </a:r>
-            <a:r>
-              <a:rPr lang="en-US" dirty="0"/>
-              <a:t>(result, _);</a:t>
-            </a:r>
-          </a:p>
-          <a:p>
-            <a:pPr marL="0" indent="0">
-              <a:buNone/>
-            </a:pPr>
-            <a:r>
-              <a:rPr lang="en-US" dirty="0"/>
-              <a:t>{</a:t>
-            </a:r>
-          </a:p>
-          <a:p>
-            <a:pPr marL="0" indent="0">
-              <a:buNone/>
-            </a:pPr>
-            <a:r>
-              <a:rPr lang="en-US" dirty="0"/>
-              <a:t>struct account *</a:t>
-            </a:r>
-            <a:r>
-              <a:rPr lang="en-US" dirty="0" err="1"/>
-              <a:t>myAccount</a:t>
-            </a:r>
-            <a:r>
-              <a:rPr lang="en-US" dirty="0"/>
-              <a:t> = malloc(</a:t>
-            </a:r>
-            <a:r>
-              <a:rPr lang="en-US" dirty="0" err="1"/>
-              <a:t>sizeof</a:t>
-            </a:r>
-            <a:r>
-              <a:rPr lang="en-US" dirty="0"/>
-              <a:t>(struct account)); </a:t>
-            </a:r>
-          </a:p>
-          <a:p>
-            <a:pPr marL="0" indent="0">
-              <a:buNone/>
-            </a:pPr>
-            <a:r>
-              <a:rPr lang="en-US" dirty="0"/>
-              <a:t>if (</a:t>
-            </a:r>
-            <a:r>
-              <a:rPr lang="en-US" dirty="0" err="1"/>
-              <a:t>myAccount</a:t>
-            </a:r>
-            <a:r>
-              <a:rPr lang="en-US" dirty="0"/>
-              <a:t> == 0) { abort(); }</a:t>
-            </a:r>
-          </a:p>
-          <a:p>
-            <a:pPr marL="0" indent="0">
-              <a:buNone/>
-            </a:pPr>
-            <a:r>
-              <a:rPr lang="en-US" dirty="0"/>
-              <a:t>return </a:t>
-            </a:r>
-            <a:r>
-              <a:rPr lang="en-US" dirty="0" err="1"/>
-              <a:t>myAccount</a:t>
-            </a:r>
-            <a:r>
-              <a:rPr lang="en-US" dirty="0"/>
-              <a:t>;</a:t>
-            </a:r>
-          </a:p>
-          <a:p>
-            <a:pPr marL="0" indent="0">
-              <a:buNone/>
-            </a:pPr>
-            <a:r>
-              <a:rPr lang="en-US" dirty="0"/>
-              <a:t>}</a:t>
-            </a:r>
-          </a:p>
-          <a:p>
-            <a:pPr marL="0" indent="0">
-              <a:buNone/>
-            </a:pPr>
-            <a:r>
-              <a:rPr lang="en-US" dirty="0"/>
-              <a:t>void </a:t>
-            </a:r>
-            <a:r>
-              <a:rPr lang="en-US" dirty="0" err="1"/>
-              <a:t>account_set_balance</a:t>
-            </a:r>
-            <a:r>
-              <a:rPr lang="en-US" dirty="0"/>
-              <a:t>(struct account *</a:t>
-            </a:r>
-            <a:r>
-              <a:rPr lang="en-US" dirty="0" err="1"/>
-              <a:t>myAccount</a:t>
-            </a:r>
-            <a:r>
-              <a:rPr lang="en-US" dirty="0"/>
-              <a:t>, int </a:t>
-            </a:r>
-            <a:r>
-              <a:rPr lang="en-US" dirty="0" err="1"/>
-              <a:t>newBalance</a:t>
-            </a:r>
-            <a:r>
-              <a:rPr lang="en-US" dirty="0"/>
-              <a:t>) </a:t>
-            </a:r>
-          </a:p>
-          <a:p>
-            <a:pPr marL="0" indent="0">
-              <a:buNone/>
-            </a:pPr>
-            <a:r>
-              <a:rPr lang="en-US" dirty="0"/>
-              <a:t>//@requires </a:t>
-            </a:r>
-            <a:r>
-              <a:rPr lang="en-US" dirty="0" err="1"/>
-              <a:t>account_balance</a:t>
-            </a:r>
-            <a:r>
-              <a:rPr lang="en-US" dirty="0"/>
-              <a:t>(</a:t>
-            </a:r>
-            <a:r>
-              <a:rPr lang="en-US" dirty="0" err="1"/>
-              <a:t>myAccount</a:t>
-            </a:r>
-            <a:r>
-              <a:rPr lang="en-US" dirty="0"/>
-              <a:t>, _);</a:t>
-            </a:r>
-          </a:p>
-          <a:p>
-            <a:pPr marL="0" indent="0">
-              <a:buNone/>
-            </a:pPr>
-            <a:r>
-              <a:rPr lang="en-US" dirty="0"/>
-              <a:t>//@ensures </a:t>
-            </a:r>
-            <a:r>
-              <a:rPr lang="en-US" dirty="0" err="1"/>
-              <a:t>account_balance</a:t>
-            </a:r>
-            <a:r>
-              <a:rPr lang="en-US" dirty="0"/>
-              <a:t>(</a:t>
-            </a:r>
-            <a:r>
-              <a:rPr lang="en-US" dirty="0" err="1"/>
-              <a:t>myAccount</a:t>
-            </a:r>
-            <a:r>
-              <a:rPr lang="en-US" dirty="0"/>
-              <a:t>, </a:t>
-            </a:r>
-            <a:r>
-              <a:rPr lang="en-US" dirty="0" err="1"/>
-              <a:t>newBalance</a:t>
-            </a:r>
-            <a:r>
-              <a:rPr lang="en-US" dirty="0"/>
-              <a:t>);</a:t>
-            </a:r>
-          </a:p>
-          <a:p>
-            <a:pPr marL="0" indent="0">
-              <a:buNone/>
-            </a:pPr>
-            <a:r>
-              <a:rPr lang="en-US" dirty="0"/>
-              <a:t>{</a:t>
-            </a:r>
-          </a:p>
-          <a:p>
-            <a:pPr marL="0" indent="0">
-              <a:buNone/>
-            </a:pPr>
-            <a:r>
-              <a:rPr lang="en-US" dirty="0" err="1"/>
-              <a:t>myAccount</a:t>
-            </a:r>
-            <a:r>
-              <a:rPr lang="en-US" dirty="0"/>
-              <a:t>-&gt;balance = </a:t>
-            </a:r>
-            <a:r>
-              <a:rPr lang="en-US" dirty="0" err="1"/>
-              <a:t>newBalance</a:t>
-            </a:r>
-            <a:r>
-              <a:rPr lang="en-US"/>
-              <a:t>; }</a:t>
-            </a:r>
-            <a:endParaRPr lang="en-US" dirty="0"/>
-          </a:p>
-          <a:p>
-            <a:pPr marL="0" indent="0">
-              <a:buNone/>
-            </a:pPr>
-            <a:r>
-              <a:rPr lang="en-US" dirty="0"/>
-              <a:t>int main()</a:t>
-            </a:r>
-          </a:p>
-          <a:p>
-            <a:pPr marL="0" indent="0">
-              <a:buNone/>
-            </a:pPr>
-            <a:r>
-              <a:rPr lang="en-US" dirty="0"/>
-              <a:t>//@ requires true; </a:t>
-            </a:r>
-          </a:p>
-          <a:p>
-            <a:pPr marL="0" indent="0">
-              <a:buNone/>
-            </a:pPr>
-            <a:r>
-              <a:rPr lang="en-US" dirty="0"/>
-              <a:t>//@ ensures true;</a:t>
-            </a:r>
-          </a:p>
-          <a:p>
-            <a:pPr marL="0" indent="0">
-              <a:buNone/>
-            </a:pPr>
-            <a:r>
-              <a:rPr lang="en-US" dirty="0"/>
-              <a:t>{</a:t>
-            </a:r>
-          </a:p>
-          <a:p>
-            <a:pPr marL="0" indent="0">
-              <a:buNone/>
-            </a:pPr>
-            <a:r>
-              <a:rPr lang="en-US" dirty="0"/>
-              <a:t>struct account *</a:t>
-            </a:r>
-            <a:r>
-              <a:rPr lang="en-US" dirty="0" err="1"/>
-              <a:t>myAccount</a:t>
-            </a:r>
-            <a:r>
-              <a:rPr lang="en-US" dirty="0"/>
-              <a:t> = </a:t>
-            </a:r>
-            <a:r>
-              <a:rPr lang="en-US" dirty="0" err="1"/>
-              <a:t>create_account</a:t>
-            </a:r>
-            <a:r>
-              <a:rPr lang="en-US" dirty="0"/>
-              <a:t>();</a:t>
-            </a:r>
-          </a:p>
-          <a:p>
-            <a:pPr marL="0" indent="0">
-              <a:buNone/>
-            </a:pPr>
-            <a:r>
-              <a:rPr lang="en-US" dirty="0"/>
-              <a:t> </a:t>
-            </a:r>
-          </a:p>
-          <a:p>
-            <a:pPr marL="0" indent="0">
-              <a:buNone/>
-            </a:pPr>
-            <a:r>
-              <a:rPr lang="en-US" dirty="0"/>
-              <a:t> </a:t>
-            </a:r>
-            <a:r>
-              <a:rPr lang="en-US" dirty="0" err="1"/>
-              <a:t>account_set_balance</a:t>
-            </a:r>
-            <a:r>
-              <a:rPr lang="en-US" dirty="0"/>
-              <a:t>(</a:t>
-            </a:r>
-            <a:r>
-              <a:rPr lang="en-US" dirty="0" err="1"/>
-              <a:t>myAccount</a:t>
-            </a:r>
-            <a:r>
-              <a:rPr lang="en-US" dirty="0"/>
-              <a:t>, 5);</a:t>
-            </a:r>
-          </a:p>
-          <a:p>
-            <a:pPr marL="0" indent="0">
-              <a:buNone/>
-            </a:pPr>
-            <a:r>
-              <a:rPr lang="en-US" dirty="0"/>
-              <a:t> </a:t>
-            </a:r>
-          </a:p>
-          <a:p>
-            <a:pPr marL="0" indent="0">
-              <a:buNone/>
-            </a:pPr>
-            <a:r>
-              <a:rPr lang="en-US" dirty="0"/>
-              <a:t>free(</a:t>
-            </a:r>
-            <a:r>
-              <a:rPr lang="en-US" dirty="0" err="1"/>
-              <a:t>myAccount</a:t>
-            </a:r>
-            <a:r>
-              <a:rPr lang="en-US" dirty="0"/>
-              <a:t>);</a:t>
-            </a:r>
-          </a:p>
-          <a:p>
-            <a:pPr marL="0" indent="0">
-              <a:buNone/>
-            </a:pPr>
-            <a:r>
-              <a:rPr lang="en-US" dirty="0"/>
-              <a:t>return 0;</a:t>
-            </a:r>
-          </a:p>
-          <a:p>
-            <a:pPr marL="0" indent="0">
-              <a:buNone/>
-            </a:pPr>
-            <a:r>
-              <a:rPr lang="en-US" dirty="0"/>
-              <a:t>}</a:t>
-            </a:r>
-          </a:p>
-        </p:txBody>
-      </p:sp>
+          <p:cNvPicPr>
+            <a:picLocks noChangeAspect="1"/>
+          </p:cNvPicPr>
+          <p:nvPr/>
+        </p:nvPicPr>
+        <p:blipFill>
+          <a:blip r:embed="rId2"/>
+          <a:stretch>
+            <a:fillRect/>
+          </a:stretch>
+        </p:blipFill>
+        <p:spPr>
+          <a:xfrm>
+            <a:off x="3213100" y="1733550"/>
+            <a:ext cx="5765800" cy="3390900"/>
+          </a:xfrm>
+          <a:prstGeom prst="rect">
+            <a:avLst/>
+          </a:prstGeom>
+        </p:spPr>
+      </p:pic>
     </p:spTree>
     <p:extLst>
       <p:ext uri="{BB962C8B-B14F-4D97-AF65-F5344CB8AC3E}">
-        <p14:creationId xmlns:p14="http://schemas.microsoft.com/office/powerpoint/2010/main" val="3705904546"/>
+        <p14:creationId xmlns:p14="http://schemas.microsoft.com/office/powerpoint/2010/main" val="2845488053"/>
+      </p:ext>
+    </p:extLst>
+  </p:cSld>
+  <p:clrMapOvr>
+    <a:masterClrMapping/>
+  </p:clrMapOvr>
+</p:sld>
+</file>
+
+<file path=ppt/slides/slide18.xml><?xml version="1.0" encoding="utf-8"?>
+<p:sld xmlns:a="http://schemas.openxmlformats.org/drawingml/2006/main" xmlns:r="http://schemas.openxmlformats.org/officeDocument/2006/relationships" xmlns:p="http://schemas.openxmlformats.org/presentationml/2006/main">
+  <p:cSld>
+    <p:spTree>
+      <p:nvGrpSpPr>
+        <p:cNvPr id="1" name=""/>
+        <p:cNvGrpSpPr/>
+        <p:nvPr/>
+      </p:nvGrpSpPr>
+      <p:grpSpPr>
+        <a:xfrm>
+          <a:off x="0" y="0"/>
+          <a:ext cx="0" cy="0"/>
+          <a:chOff x="0" y="0"/>
+          <a:chExt cx="0" cy="0"/>
+        </a:xfrm>
+      </p:grpSpPr>
+      <p:sp>
+        <p:nvSpPr>
+          <p:cNvPr id="2" name="Title 1">
+            <a:extLst>
+              <a:ext uri="{FF2B5EF4-FFF2-40B4-BE49-F238E27FC236}">
+                <a16:creationId xmlns:a16="http://schemas.microsoft.com/office/drawing/2014/main" id="{5214BD27-BDF5-664D-9D83-54A21FCDACF0}"/>
+              </a:ext>
+            </a:extLst>
+          </p:cNvPr>
+          <p:cNvSpPr>
+            <a:spLocks noGrp="1"/>
+          </p:cNvSpPr>
+          <p:nvPr>
+            <p:ph type="title"/>
+          </p:nvPr>
+        </p:nvSpPr>
+        <p:spPr>
+          <a:xfrm>
+            <a:off x="838200" y="365126"/>
+            <a:ext cx="11205754" cy="618286"/>
+          </a:xfrm>
+        </p:spPr>
+        <p:txBody>
+          <a:bodyPr>
+            <a:normAutofit fontScale="90000"/>
+          </a:bodyPr>
+          <a:lstStyle/>
+          <a:p>
+            <a:r>
+              <a:rPr lang="en-US" dirty="0" err="1"/>
+              <a:t>Dafny</a:t>
+            </a:r>
+            <a:r>
+              <a:rPr lang="en-US" dirty="0"/>
+              <a:t> Exercises: </a:t>
+            </a:r>
+            <a:r>
+              <a:rPr lang="en-US" dirty="0" err="1"/>
+              <a:t>specificiation</a:t>
+            </a:r>
+            <a:r>
+              <a:rPr lang="en-US" dirty="0"/>
+              <a:t> of power?</a:t>
+            </a:r>
+          </a:p>
+        </p:txBody>
+      </p:sp>
+      <p:pic>
+        <p:nvPicPr>
+          <p:cNvPr id="4" name="Picture 3" descr="Text&#10;&#10;Description automatically generated">
+            <a:extLst>
+              <a:ext uri="{FF2B5EF4-FFF2-40B4-BE49-F238E27FC236}">
+                <a16:creationId xmlns:a16="http://schemas.microsoft.com/office/drawing/2014/main" id="{33458A63-DF06-F740-B53E-B604E4B9AAFE}"/>
+              </a:ext>
+            </a:extLst>
+          </p:cNvPr>
+          <p:cNvPicPr>
+            <a:picLocks noChangeAspect="1"/>
+          </p:cNvPicPr>
+          <p:nvPr/>
+        </p:nvPicPr>
+        <p:blipFill>
+          <a:blip r:embed="rId2"/>
+          <a:stretch>
+            <a:fillRect/>
+          </a:stretch>
+        </p:blipFill>
+        <p:spPr>
+          <a:xfrm>
+            <a:off x="3105150" y="1612900"/>
+            <a:ext cx="5981700" cy="3632200"/>
+          </a:xfrm>
+          <a:prstGeom prst="rect">
+            <a:avLst/>
+          </a:prstGeom>
+        </p:spPr>
+      </p:pic>
+    </p:spTree>
+    <p:extLst>
+      <p:ext uri="{BB962C8B-B14F-4D97-AF65-F5344CB8AC3E}">
+        <p14:creationId xmlns:p14="http://schemas.microsoft.com/office/powerpoint/2010/main" val="1041444695"/>
+      </p:ext>
+    </p:extLst>
+  </p:cSld>
+  <p:clrMapOvr>
+    <a:masterClrMapping/>
+  </p:clrMapOvr>
+</p:sld>
+</file>
+
+<file path=ppt/slides/slide19.xml><?xml version="1.0" encoding="utf-8"?>
+<p:sld xmlns:a="http://schemas.openxmlformats.org/drawingml/2006/main" xmlns:r="http://schemas.openxmlformats.org/officeDocument/2006/relationships" xmlns:p="http://schemas.openxmlformats.org/presentationml/2006/main">
+  <p:cSld>
+    <p:spTree>
+      <p:nvGrpSpPr>
+        <p:cNvPr id="1" name=""/>
+        <p:cNvGrpSpPr/>
+        <p:nvPr/>
+      </p:nvGrpSpPr>
+      <p:grpSpPr>
+        <a:xfrm>
+          <a:off x="0" y="0"/>
+          <a:ext cx="0" cy="0"/>
+          <a:chOff x="0" y="0"/>
+          <a:chExt cx="0" cy="0"/>
+        </a:xfrm>
+      </p:grpSpPr>
+      <p:sp>
+        <p:nvSpPr>
+          <p:cNvPr id="2" name="Title 1">
+            <a:extLst>
+              <a:ext uri="{FF2B5EF4-FFF2-40B4-BE49-F238E27FC236}">
+                <a16:creationId xmlns:a16="http://schemas.microsoft.com/office/drawing/2014/main" id="{5214BD27-BDF5-664D-9D83-54A21FCDACF0}"/>
+              </a:ext>
+            </a:extLst>
+          </p:cNvPr>
+          <p:cNvSpPr>
+            <a:spLocks noGrp="1"/>
+          </p:cNvSpPr>
+          <p:nvPr>
+            <p:ph type="title"/>
+          </p:nvPr>
+        </p:nvSpPr>
+        <p:spPr>
+          <a:xfrm>
+            <a:off x="838200" y="365126"/>
+            <a:ext cx="11205754" cy="618286"/>
+          </a:xfrm>
+        </p:spPr>
+        <p:txBody>
+          <a:bodyPr>
+            <a:normAutofit fontScale="90000"/>
+          </a:bodyPr>
+          <a:lstStyle/>
+          <a:p>
+            <a:r>
+              <a:rPr lang="en-US" dirty="0" err="1"/>
+              <a:t>Dafny</a:t>
+            </a:r>
+            <a:r>
+              <a:rPr lang="en-US" dirty="0"/>
+              <a:t> Exercises</a:t>
+            </a:r>
+          </a:p>
+        </p:txBody>
+      </p:sp>
+      <p:pic>
+        <p:nvPicPr>
+          <p:cNvPr id="4" name="Picture 3" descr="Text&#10;&#10;Description automatically generated">
+            <a:extLst>
+              <a:ext uri="{FF2B5EF4-FFF2-40B4-BE49-F238E27FC236}">
+                <a16:creationId xmlns:a16="http://schemas.microsoft.com/office/drawing/2014/main" id="{5991B5E1-8895-8443-ADDB-7D94396CCD8D}"/>
+              </a:ext>
+            </a:extLst>
+          </p:cNvPr>
+          <p:cNvPicPr>
+            <a:picLocks noChangeAspect="1"/>
+          </p:cNvPicPr>
+          <p:nvPr/>
+        </p:nvPicPr>
+        <p:blipFill>
+          <a:blip r:embed="rId2"/>
+          <a:stretch>
+            <a:fillRect/>
+          </a:stretch>
+        </p:blipFill>
+        <p:spPr>
+          <a:xfrm>
+            <a:off x="2971800" y="1238250"/>
+            <a:ext cx="6248400" cy="4381500"/>
+          </a:xfrm>
+          <a:prstGeom prst="rect">
+            <a:avLst/>
+          </a:prstGeom>
+        </p:spPr>
+      </p:pic>
+    </p:spTree>
+    <p:extLst>
+      <p:ext uri="{BB962C8B-B14F-4D97-AF65-F5344CB8AC3E}">
+        <p14:creationId xmlns:p14="http://schemas.microsoft.com/office/powerpoint/2010/main" val="102671484"/>
       </p:ext>
     </p:extLst>
   </p:cSld>
@@ -4722,6 +4909,983 @@
           <p:cNvPr id="2" name="Title 1">
             <a:extLst>
               <a:ext uri="{FF2B5EF4-FFF2-40B4-BE49-F238E27FC236}">
+                <a16:creationId xmlns:a16="http://schemas.microsoft.com/office/drawing/2014/main" id="{E0529347-8E03-5745-A305-AF41325E1120}"/>
+              </a:ext>
+            </a:extLst>
+          </p:cNvPr>
+          <p:cNvSpPr>
+            <a:spLocks noGrp="1"/>
+          </p:cNvSpPr>
+          <p:nvPr>
+            <p:ph type="title"/>
+          </p:nvPr>
+        </p:nvSpPr>
+        <p:spPr/>
+        <p:txBody>
+          <a:bodyPr>
+            <a:normAutofit fontScale="90000"/>
+          </a:bodyPr>
+          <a:lstStyle/>
+          <a:p>
+            <a:r>
+              <a:rPr lang="en-US" dirty="0"/>
+              <a:t>A study of two popular Hoare-logic Verifiers</a:t>
+            </a:r>
+          </a:p>
+        </p:txBody>
+      </p:sp>
+      <p:sp>
+        <p:nvSpPr>
+          <p:cNvPr id="3" name="Content Placeholder 2">
+            <a:extLst>
+              <a:ext uri="{FF2B5EF4-FFF2-40B4-BE49-F238E27FC236}">
+                <a16:creationId xmlns:a16="http://schemas.microsoft.com/office/drawing/2014/main" id="{F6F2EB0E-4EBA-9E41-A915-2E5A2D97575C}"/>
+              </a:ext>
+            </a:extLst>
+          </p:cNvPr>
+          <p:cNvSpPr>
+            <a:spLocks noGrp="1"/>
+          </p:cNvSpPr>
+          <p:nvPr>
+            <p:ph idx="1"/>
+          </p:nvPr>
+        </p:nvSpPr>
+        <p:spPr/>
+        <p:txBody>
+          <a:bodyPr/>
+          <a:lstStyle/>
+          <a:p>
+            <a:r>
+              <a:rPr lang="en-US" dirty="0" err="1"/>
+              <a:t>Dafny</a:t>
+            </a:r>
+            <a:endParaRPr lang="en-US" dirty="0"/>
+          </a:p>
+          <a:p>
+            <a:r>
+              <a:rPr lang="en-US" dirty="0" err="1"/>
+              <a:t>Verifast</a:t>
+            </a:r>
+            <a:endParaRPr lang="en-US" dirty="0"/>
+          </a:p>
+          <a:p>
+            <a:endParaRPr lang="en-US" dirty="0"/>
+          </a:p>
+          <a:p>
+            <a:r>
+              <a:rPr lang="en-US" dirty="0"/>
+              <a:t>Refer to Mike-Gordon-</a:t>
+            </a:r>
+            <a:r>
+              <a:rPr lang="en-US" dirty="0" err="1"/>
+              <a:t>Slides.pdf</a:t>
+            </a:r>
+            <a:r>
+              <a:rPr lang="en-US" dirty="0"/>
+              <a:t> </a:t>
+            </a:r>
+            <a:r>
+              <a:rPr lang="en-US"/>
+              <a:t>in Lec16/</a:t>
+            </a:r>
+            <a:endParaRPr lang="en-US" dirty="0"/>
+          </a:p>
+        </p:txBody>
+      </p:sp>
+    </p:spTree>
+    <p:extLst>
+      <p:ext uri="{BB962C8B-B14F-4D97-AF65-F5344CB8AC3E}">
+        <p14:creationId xmlns:p14="http://schemas.microsoft.com/office/powerpoint/2010/main" val="3039521154"/>
+      </p:ext>
+    </p:extLst>
+  </p:cSld>
+  <p:clrMapOvr>
+    <a:masterClrMapping/>
+  </p:clrMapOvr>
+</p:sld>
+</file>
+
+<file path=ppt/slides/slide20.xml><?xml version="1.0" encoding="utf-8"?>
+<p:sld xmlns:a="http://schemas.openxmlformats.org/drawingml/2006/main" xmlns:r="http://schemas.openxmlformats.org/officeDocument/2006/relationships" xmlns:p="http://schemas.openxmlformats.org/presentationml/2006/main">
+  <p:cSld>
+    <p:spTree>
+      <p:nvGrpSpPr>
+        <p:cNvPr id="1" name=""/>
+        <p:cNvGrpSpPr/>
+        <p:nvPr/>
+      </p:nvGrpSpPr>
+      <p:grpSpPr>
+        <a:xfrm>
+          <a:off x="0" y="0"/>
+          <a:ext cx="0" cy="0"/>
+          <a:chOff x="0" y="0"/>
+          <a:chExt cx="0" cy="0"/>
+        </a:xfrm>
+      </p:grpSpPr>
+      <p:sp>
+        <p:nvSpPr>
+          <p:cNvPr id="2" name="Title 1">
+            <a:extLst>
+              <a:ext uri="{FF2B5EF4-FFF2-40B4-BE49-F238E27FC236}">
+                <a16:creationId xmlns:a16="http://schemas.microsoft.com/office/drawing/2014/main" id="{5214BD27-BDF5-664D-9D83-54A21FCDACF0}"/>
+              </a:ext>
+            </a:extLst>
+          </p:cNvPr>
+          <p:cNvSpPr>
+            <a:spLocks noGrp="1"/>
+          </p:cNvSpPr>
+          <p:nvPr>
+            <p:ph type="title"/>
+          </p:nvPr>
+        </p:nvSpPr>
+        <p:spPr>
+          <a:xfrm>
+            <a:off x="300446" y="365126"/>
+            <a:ext cx="11891554" cy="618286"/>
+          </a:xfrm>
+        </p:spPr>
+        <p:txBody>
+          <a:bodyPr>
+            <a:normAutofit fontScale="90000"/>
+          </a:bodyPr>
+          <a:lstStyle/>
+          <a:p>
+            <a:r>
+              <a:rPr lang="en-US" dirty="0" err="1"/>
+              <a:t>Dafny</a:t>
+            </a:r>
+            <a:r>
+              <a:rPr lang="en-US" dirty="0"/>
+              <a:t> Exercises: Ranking function (“decreases”)?</a:t>
+            </a:r>
+          </a:p>
+        </p:txBody>
+      </p:sp>
+      <p:pic>
+        <p:nvPicPr>
+          <p:cNvPr id="4" name="Picture 3" descr="Shape&#10;&#10;Description automatically generated with medium confidence">
+            <a:extLst>
+              <a:ext uri="{FF2B5EF4-FFF2-40B4-BE49-F238E27FC236}">
+                <a16:creationId xmlns:a16="http://schemas.microsoft.com/office/drawing/2014/main" id="{4E81F467-8D27-2340-A848-817DB4697E94}"/>
+              </a:ext>
+            </a:extLst>
+          </p:cNvPr>
+          <p:cNvPicPr>
+            <a:picLocks noChangeAspect="1"/>
+          </p:cNvPicPr>
+          <p:nvPr/>
+        </p:nvPicPr>
+        <p:blipFill>
+          <a:blip r:embed="rId2"/>
+          <a:stretch>
+            <a:fillRect/>
+          </a:stretch>
+        </p:blipFill>
+        <p:spPr>
+          <a:xfrm>
+            <a:off x="3136900" y="1123950"/>
+            <a:ext cx="5918200" cy="4610100"/>
+          </a:xfrm>
+          <a:prstGeom prst="rect">
+            <a:avLst/>
+          </a:prstGeom>
+        </p:spPr>
+      </p:pic>
+    </p:spTree>
+    <p:extLst>
+      <p:ext uri="{BB962C8B-B14F-4D97-AF65-F5344CB8AC3E}">
+        <p14:creationId xmlns:p14="http://schemas.microsoft.com/office/powerpoint/2010/main" val="2462699236"/>
+      </p:ext>
+    </p:extLst>
+  </p:cSld>
+  <p:clrMapOvr>
+    <a:masterClrMapping/>
+  </p:clrMapOvr>
+</p:sld>
+</file>
+
+<file path=ppt/slides/slide21.xml><?xml version="1.0" encoding="utf-8"?>
+<p:sld xmlns:a="http://schemas.openxmlformats.org/drawingml/2006/main" xmlns:r="http://schemas.openxmlformats.org/officeDocument/2006/relationships" xmlns:p="http://schemas.openxmlformats.org/presentationml/2006/main">
+  <p:cSld>
+    <p:spTree>
+      <p:nvGrpSpPr>
+        <p:cNvPr id="1" name=""/>
+        <p:cNvGrpSpPr/>
+        <p:nvPr/>
+      </p:nvGrpSpPr>
+      <p:grpSpPr>
+        <a:xfrm>
+          <a:off x="0" y="0"/>
+          <a:ext cx="0" cy="0"/>
+          <a:chOff x="0" y="0"/>
+          <a:chExt cx="0" cy="0"/>
+        </a:xfrm>
+      </p:grpSpPr>
+      <p:sp>
+        <p:nvSpPr>
+          <p:cNvPr id="2" name="Title 1">
+            <a:extLst>
+              <a:ext uri="{FF2B5EF4-FFF2-40B4-BE49-F238E27FC236}">
+                <a16:creationId xmlns:a16="http://schemas.microsoft.com/office/drawing/2014/main" id="{5214BD27-BDF5-664D-9D83-54A21FCDACF0}"/>
+              </a:ext>
+            </a:extLst>
+          </p:cNvPr>
+          <p:cNvSpPr>
+            <a:spLocks noGrp="1"/>
+          </p:cNvSpPr>
+          <p:nvPr>
+            <p:ph type="title"/>
+          </p:nvPr>
+        </p:nvSpPr>
+        <p:spPr>
+          <a:xfrm>
+            <a:off x="300446" y="365126"/>
+            <a:ext cx="11891554" cy="618286"/>
+          </a:xfrm>
+        </p:spPr>
+        <p:txBody>
+          <a:bodyPr>
+            <a:normAutofit fontScale="90000"/>
+          </a:bodyPr>
+          <a:lstStyle/>
+          <a:p>
+            <a:r>
+              <a:rPr lang="en-US" dirty="0" err="1"/>
+              <a:t>Dafny</a:t>
+            </a:r>
+            <a:r>
+              <a:rPr lang="en-US" dirty="0"/>
+              <a:t> Exercises: Loop invariant?  </a:t>
+            </a:r>
+          </a:p>
+        </p:txBody>
+      </p:sp>
+      <p:pic>
+        <p:nvPicPr>
+          <p:cNvPr id="6" name="Picture 5" descr="Text&#10;&#10;Description automatically generated">
+            <a:extLst>
+              <a:ext uri="{FF2B5EF4-FFF2-40B4-BE49-F238E27FC236}">
+                <a16:creationId xmlns:a16="http://schemas.microsoft.com/office/drawing/2014/main" id="{A85D9B5B-B371-8149-9443-9F24890BA1FA}"/>
+              </a:ext>
+            </a:extLst>
+          </p:cNvPr>
+          <p:cNvPicPr>
+            <a:picLocks noChangeAspect="1"/>
+          </p:cNvPicPr>
+          <p:nvPr/>
+        </p:nvPicPr>
+        <p:blipFill>
+          <a:blip r:embed="rId2"/>
+          <a:stretch>
+            <a:fillRect/>
+          </a:stretch>
+        </p:blipFill>
+        <p:spPr>
+          <a:xfrm>
+            <a:off x="3149600" y="1009650"/>
+            <a:ext cx="5892800" cy="4838700"/>
+          </a:xfrm>
+          <a:prstGeom prst="rect">
+            <a:avLst/>
+          </a:prstGeom>
+        </p:spPr>
+      </p:pic>
+    </p:spTree>
+    <p:extLst>
+      <p:ext uri="{BB962C8B-B14F-4D97-AF65-F5344CB8AC3E}">
+        <p14:creationId xmlns:p14="http://schemas.microsoft.com/office/powerpoint/2010/main" val="2579524560"/>
+      </p:ext>
+    </p:extLst>
+  </p:cSld>
+  <p:clrMapOvr>
+    <a:masterClrMapping/>
+  </p:clrMapOvr>
+</p:sld>
+</file>
+
+<file path=ppt/slides/slide22.xml><?xml version="1.0" encoding="utf-8"?>
+<p:sld xmlns:a="http://schemas.openxmlformats.org/drawingml/2006/main" xmlns:r="http://schemas.openxmlformats.org/officeDocument/2006/relationships" xmlns:p="http://schemas.openxmlformats.org/presentationml/2006/main">
+  <p:cSld>
+    <p:spTree>
+      <p:nvGrpSpPr>
+        <p:cNvPr id="1" name=""/>
+        <p:cNvGrpSpPr/>
+        <p:nvPr/>
+      </p:nvGrpSpPr>
+      <p:grpSpPr>
+        <a:xfrm>
+          <a:off x="0" y="0"/>
+          <a:ext cx="0" cy="0"/>
+          <a:chOff x="0" y="0"/>
+          <a:chExt cx="0" cy="0"/>
+        </a:xfrm>
+      </p:grpSpPr>
+      <p:sp>
+        <p:nvSpPr>
+          <p:cNvPr id="2" name="Title 1">
+            <a:extLst>
+              <a:ext uri="{FF2B5EF4-FFF2-40B4-BE49-F238E27FC236}">
+                <a16:creationId xmlns:a16="http://schemas.microsoft.com/office/drawing/2014/main" id="{5214BD27-BDF5-664D-9D83-54A21FCDACF0}"/>
+              </a:ext>
+            </a:extLst>
+          </p:cNvPr>
+          <p:cNvSpPr>
+            <a:spLocks noGrp="1"/>
+          </p:cNvSpPr>
+          <p:nvPr>
+            <p:ph type="title"/>
+          </p:nvPr>
+        </p:nvSpPr>
+        <p:spPr>
+          <a:xfrm>
+            <a:off x="300446" y="365126"/>
+            <a:ext cx="11891554" cy="618286"/>
+          </a:xfrm>
+        </p:spPr>
+        <p:txBody>
+          <a:bodyPr>
+            <a:normAutofit fontScale="90000"/>
+          </a:bodyPr>
+          <a:lstStyle/>
+          <a:p>
+            <a:r>
+              <a:rPr lang="en-US" dirty="0" err="1"/>
+              <a:t>Dafny</a:t>
+            </a:r>
+            <a:r>
+              <a:rPr lang="en-US" dirty="0"/>
+              <a:t> Exercises: Specification?  </a:t>
+            </a:r>
+          </a:p>
+        </p:txBody>
+      </p:sp>
+      <p:pic>
+        <p:nvPicPr>
+          <p:cNvPr id="4" name="Picture 3" descr="Text&#10;&#10;Description automatically generated">
+            <a:extLst>
+              <a:ext uri="{FF2B5EF4-FFF2-40B4-BE49-F238E27FC236}">
+                <a16:creationId xmlns:a16="http://schemas.microsoft.com/office/drawing/2014/main" id="{FB71C0E2-2DB2-4E47-A2CF-E8DB1780EEB3}"/>
+              </a:ext>
+            </a:extLst>
+          </p:cNvPr>
+          <p:cNvPicPr>
+            <a:picLocks noChangeAspect="1"/>
+          </p:cNvPicPr>
+          <p:nvPr/>
+        </p:nvPicPr>
+        <p:blipFill>
+          <a:blip r:embed="rId2"/>
+          <a:stretch>
+            <a:fillRect/>
+          </a:stretch>
+        </p:blipFill>
+        <p:spPr>
+          <a:xfrm>
+            <a:off x="3117850" y="1223010"/>
+            <a:ext cx="5956300" cy="5143500"/>
+          </a:xfrm>
+          <a:prstGeom prst="rect">
+            <a:avLst/>
+          </a:prstGeom>
+        </p:spPr>
+      </p:pic>
+    </p:spTree>
+    <p:extLst>
+      <p:ext uri="{BB962C8B-B14F-4D97-AF65-F5344CB8AC3E}">
+        <p14:creationId xmlns:p14="http://schemas.microsoft.com/office/powerpoint/2010/main" val="1012896407"/>
+      </p:ext>
+    </p:extLst>
+  </p:cSld>
+  <p:clrMapOvr>
+    <a:masterClrMapping/>
+  </p:clrMapOvr>
+</p:sld>
+</file>
+
+<file path=ppt/slides/slide23.xml><?xml version="1.0" encoding="utf-8"?>
+<p:sld xmlns:a="http://schemas.openxmlformats.org/drawingml/2006/main" xmlns:r="http://schemas.openxmlformats.org/officeDocument/2006/relationships" xmlns:p="http://schemas.openxmlformats.org/presentationml/2006/main">
+  <p:cSld>
+    <p:spTree>
+      <p:nvGrpSpPr>
+        <p:cNvPr id="1" name=""/>
+        <p:cNvGrpSpPr/>
+        <p:nvPr/>
+      </p:nvGrpSpPr>
+      <p:grpSpPr>
+        <a:xfrm>
+          <a:off x="0" y="0"/>
+          <a:ext cx="0" cy="0"/>
+          <a:chOff x="0" y="0"/>
+          <a:chExt cx="0" cy="0"/>
+        </a:xfrm>
+      </p:grpSpPr>
+      <p:sp>
+        <p:nvSpPr>
+          <p:cNvPr id="2" name="Title 1">
+            <a:extLst>
+              <a:ext uri="{FF2B5EF4-FFF2-40B4-BE49-F238E27FC236}">
+                <a16:creationId xmlns:a16="http://schemas.microsoft.com/office/drawing/2014/main" id="{5214BD27-BDF5-664D-9D83-54A21FCDACF0}"/>
+              </a:ext>
+            </a:extLst>
+          </p:cNvPr>
+          <p:cNvSpPr>
+            <a:spLocks noGrp="1"/>
+          </p:cNvSpPr>
+          <p:nvPr>
+            <p:ph type="title"/>
+          </p:nvPr>
+        </p:nvSpPr>
+        <p:spPr>
+          <a:xfrm>
+            <a:off x="300446" y="365126"/>
+            <a:ext cx="11891554" cy="618286"/>
+          </a:xfrm>
+        </p:spPr>
+        <p:txBody>
+          <a:bodyPr>
+            <a:normAutofit fontScale="90000"/>
+          </a:bodyPr>
+          <a:lstStyle/>
+          <a:p>
+            <a:r>
+              <a:rPr lang="en-US" dirty="0" err="1"/>
+              <a:t>Dafny</a:t>
+            </a:r>
+            <a:r>
+              <a:rPr lang="en-US" dirty="0"/>
+              <a:t> Exercises: Help prove termination!</a:t>
+            </a:r>
+          </a:p>
+        </p:txBody>
+      </p:sp>
+      <p:pic>
+        <p:nvPicPr>
+          <p:cNvPr id="6" name="Picture 5" descr="Text&#10;&#10;Description automatically generated">
+            <a:extLst>
+              <a:ext uri="{FF2B5EF4-FFF2-40B4-BE49-F238E27FC236}">
+                <a16:creationId xmlns:a16="http://schemas.microsoft.com/office/drawing/2014/main" id="{6888051E-5B58-EE49-85A2-37F5108DE870}"/>
+              </a:ext>
+            </a:extLst>
+          </p:cNvPr>
+          <p:cNvPicPr>
+            <a:picLocks noChangeAspect="1"/>
+          </p:cNvPicPr>
+          <p:nvPr/>
+        </p:nvPicPr>
+        <p:blipFill>
+          <a:blip r:embed="rId2"/>
+          <a:stretch>
+            <a:fillRect/>
+          </a:stretch>
+        </p:blipFill>
+        <p:spPr>
+          <a:xfrm>
+            <a:off x="1920240" y="983412"/>
+            <a:ext cx="7297332" cy="5752996"/>
+          </a:xfrm>
+          <a:prstGeom prst="rect">
+            <a:avLst/>
+          </a:prstGeom>
+        </p:spPr>
+      </p:pic>
+    </p:spTree>
+    <p:extLst>
+      <p:ext uri="{BB962C8B-B14F-4D97-AF65-F5344CB8AC3E}">
+        <p14:creationId xmlns:p14="http://schemas.microsoft.com/office/powerpoint/2010/main" val="2728206911"/>
+      </p:ext>
+    </p:extLst>
+  </p:cSld>
+  <p:clrMapOvr>
+    <a:masterClrMapping/>
+  </p:clrMapOvr>
+</p:sld>
+</file>
+
+<file path=ppt/slides/slide24.xml><?xml version="1.0" encoding="utf-8"?>
+<p:sld xmlns:a="http://schemas.openxmlformats.org/drawingml/2006/main" xmlns:r="http://schemas.openxmlformats.org/officeDocument/2006/relationships" xmlns:p="http://schemas.openxmlformats.org/presentationml/2006/main">
+  <p:cSld>
+    <p:spTree>
+      <p:nvGrpSpPr>
+        <p:cNvPr id="1" name=""/>
+        <p:cNvGrpSpPr/>
+        <p:nvPr/>
+      </p:nvGrpSpPr>
+      <p:grpSpPr>
+        <a:xfrm>
+          <a:off x="0" y="0"/>
+          <a:ext cx="0" cy="0"/>
+          <a:chOff x="0" y="0"/>
+          <a:chExt cx="0" cy="0"/>
+        </a:xfrm>
+      </p:grpSpPr>
+      <p:sp>
+        <p:nvSpPr>
+          <p:cNvPr id="2" name="Title 1">
+            <a:extLst>
+              <a:ext uri="{FF2B5EF4-FFF2-40B4-BE49-F238E27FC236}">
+                <a16:creationId xmlns:a16="http://schemas.microsoft.com/office/drawing/2014/main" id="{5214BD27-BDF5-664D-9D83-54A21FCDACF0}"/>
+              </a:ext>
+            </a:extLst>
+          </p:cNvPr>
+          <p:cNvSpPr>
+            <a:spLocks noGrp="1"/>
+          </p:cNvSpPr>
+          <p:nvPr>
+            <p:ph type="title"/>
+          </p:nvPr>
+        </p:nvSpPr>
+        <p:spPr>
+          <a:xfrm>
+            <a:off x="300446" y="365126"/>
+            <a:ext cx="11891554" cy="618286"/>
+          </a:xfrm>
+        </p:spPr>
+        <p:txBody>
+          <a:bodyPr>
+            <a:normAutofit fontScale="90000"/>
+          </a:bodyPr>
+          <a:lstStyle/>
+          <a:p>
+            <a:r>
+              <a:rPr lang="en-US" dirty="0" err="1"/>
+              <a:t>Dafny</a:t>
+            </a:r>
+            <a:r>
+              <a:rPr lang="en-US" dirty="0"/>
+              <a:t> Exercises: Finally! </a:t>
+            </a:r>
+          </a:p>
+        </p:txBody>
+      </p:sp>
+      <p:pic>
+        <p:nvPicPr>
+          <p:cNvPr id="4" name="Picture 3" descr="Text&#10;&#10;Description automatically generated">
+            <a:extLst>
+              <a:ext uri="{FF2B5EF4-FFF2-40B4-BE49-F238E27FC236}">
+                <a16:creationId xmlns:a16="http://schemas.microsoft.com/office/drawing/2014/main" id="{6BD3B888-FADB-564F-83F1-9DEA1410D3AF}"/>
+              </a:ext>
+            </a:extLst>
+          </p:cNvPr>
+          <p:cNvPicPr>
+            <a:picLocks noChangeAspect="1"/>
+          </p:cNvPicPr>
+          <p:nvPr/>
+        </p:nvPicPr>
+        <p:blipFill>
+          <a:blip r:embed="rId2"/>
+          <a:stretch>
+            <a:fillRect/>
+          </a:stretch>
+        </p:blipFill>
+        <p:spPr>
+          <a:xfrm>
+            <a:off x="2503066" y="926127"/>
+            <a:ext cx="4206276" cy="5874588"/>
+          </a:xfrm>
+          <a:prstGeom prst="rect">
+            <a:avLst/>
+          </a:prstGeom>
+        </p:spPr>
+      </p:pic>
+    </p:spTree>
+    <p:extLst>
+      <p:ext uri="{BB962C8B-B14F-4D97-AF65-F5344CB8AC3E}">
+        <p14:creationId xmlns:p14="http://schemas.microsoft.com/office/powerpoint/2010/main" val="3008123570"/>
+      </p:ext>
+    </p:extLst>
+  </p:cSld>
+  <p:clrMapOvr>
+    <a:masterClrMapping/>
+  </p:clrMapOvr>
+</p:sld>
+</file>
+
+<file path=ppt/slides/slide25.xml><?xml version="1.0" encoding="utf-8"?>
+<p:sld xmlns:a="http://schemas.openxmlformats.org/drawingml/2006/main" xmlns:r="http://schemas.openxmlformats.org/officeDocument/2006/relationships" xmlns:p="http://schemas.openxmlformats.org/presentationml/2006/main">
+  <p:cSld>
+    <p:spTree>
+      <p:nvGrpSpPr>
+        <p:cNvPr id="1" name=""/>
+        <p:cNvGrpSpPr/>
+        <p:nvPr/>
+      </p:nvGrpSpPr>
+      <p:grpSpPr>
+        <a:xfrm>
+          <a:off x="0" y="0"/>
+          <a:ext cx="0" cy="0"/>
+          <a:chOff x="0" y="0"/>
+          <a:chExt cx="0" cy="0"/>
+        </a:xfrm>
+      </p:grpSpPr>
+      <p:sp>
+        <p:nvSpPr>
+          <p:cNvPr id="2" name="Title 1">
+            <a:extLst>
+              <a:ext uri="{FF2B5EF4-FFF2-40B4-BE49-F238E27FC236}">
+                <a16:creationId xmlns:a16="http://schemas.microsoft.com/office/drawing/2014/main" id="{5214BD27-BDF5-664D-9D83-54A21FCDACF0}"/>
+              </a:ext>
+            </a:extLst>
+          </p:cNvPr>
+          <p:cNvSpPr>
+            <a:spLocks noGrp="1"/>
+          </p:cNvSpPr>
+          <p:nvPr>
+            <p:ph type="title"/>
+          </p:nvPr>
+        </p:nvSpPr>
+        <p:spPr>
+          <a:xfrm>
+            <a:off x="-1" y="247559"/>
+            <a:ext cx="3513909" cy="6388372"/>
+          </a:xfrm>
+        </p:spPr>
+        <p:txBody>
+          <a:bodyPr>
+            <a:normAutofit/>
+          </a:bodyPr>
+          <a:lstStyle/>
+          <a:p>
+            <a:r>
+              <a:rPr lang="en-US" sz="2800" dirty="0" err="1"/>
+              <a:t>Dafny</a:t>
+            </a:r>
+            <a:r>
+              <a:rPr lang="en-US" sz="2800" dirty="0"/>
+              <a:t> Exercises: Optimized exp (unfinished..)</a:t>
+            </a:r>
+            <a:br>
+              <a:rPr lang="en-US" sz="2800" dirty="0"/>
+            </a:br>
+            <a:br>
+              <a:rPr lang="en-US" sz="2800" dirty="0"/>
+            </a:br>
+            <a:r>
+              <a:rPr lang="en-US" sz="2800" dirty="0" err="1"/>
+              <a:t>plz</a:t>
+            </a:r>
+            <a:r>
+              <a:rPr lang="en-US" sz="2800" dirty="0"/>
+              <a:t> try with me!</a:t>
+            </a:r>
+            <a:br>
+              <a:rPr lang="en-US" sz="2800" dirty="0"/>
+            </a:br>
+            <a:r>
+              <a:rPr lang="en-US" sz="2800" dirty="0"/>
+              <a:t>Two approaches:</a:t>
+            </a:r>
+            <a:br>
+              <a:rPr lang="en-US" sz="2800" dirty="0"/>
+            </a:br>
+            <a:r>
+              <a:rPr lang="en-US" sz="2800" dirty="0"/>
+              <a:t>1) more simple invariants</a:t>
+            </a:r>
+            <a:br>
+              <a:rPr lang="en-US" sz="2800" dirty="0"/>
+            </a:br>
+            <a:r>
+              <a:rPr lang="en-US" sz="2800" dirty="0"/>
+              <a:t>2) lemma</a:t>
+            </a:r>
+          </a:p>
+        </p:txBody>
+      </p:sp>
+      <p:pic>
+        <p:nvPicPr>
+          <p:cNvPr id="4" name="Picture 3" descr="Text&#10;&#10;Description automatically generated">
+            <a:extLst>
+              <a:ext uri="{FF2B5EF4-FFF2-40B4-BE49-F238E27FC236}">
+                <a16:creationId xmlns:a16="http://schemas.microsoft.com/office/drawing/2014/main" id="{5B8437CF-CE7D-A242-B73C-690CCE787363}"/>
+              </a:ext>
+            </a:extLst>
+          </p:cNvPr>
+          <p:cNvPicPr>
+            <a:picLocks noChangeAspect="1"/>
+          </p:cNvPicPr>
+          <p:nvPr/>
+        </p:nvPicPr>
+        <p:blipFill>
+          <a:blip r:embed="rId2"/>
+          <a:stretch>
+            <a:fillRect/>
+          </a:stretch>
+        </p:blipFill>
+        <p:spPr>
+          <a:xfrm>
+            <a:off x="3650729" y="0"/>
+            <a:ext cx="4890541" cy="6858000"/>
+          </a:xfrm>
+          <a:prstGeom prst="rect">
+            <a:avLst/>
+          </a:prstGeom>
+        </p:spPr>
+      </p:pic>
+    </p:spTree>
+    <p:extLst>
+      <p:ext uri="{BB962C8B-B14F-4D97-AF65-F5344CB8AC3E}">
+        <p14:creationId xmlns:p14="http://schemas.microsoft.com/office/powerpoint/2010/main" val="136166701"/>
+      </p:ext>
+    </p:extLst>
+  </p:cSld>
+  <p:clrMapOvr>
+    <a:masterClrMapping/>
+  </p:clrMapOvr>
+</p:sld>
+</file>
+
+<file path=ppt/slides/slide26.xml><?xml version="1.0" encoding="utf-8"?>
+<p:sld xmlns:a="http://schemas.openxmlformats.org/drawingml/2006/main" xmlns:r="http://schemas.openxmlformats.org/officeDocument/2006/relationships" xmlns:p="http://schemas.openxmlformats.org/presentationml/2006/main">
+  <p:cSld>
+    <p:spTree>
+      <p:nvGrpSpPr>
+        <p:cNvPr id="1" name=""/>
+        <p:cNvGrpSpPr/>
+        <p:nvPr/>
+      </p:nvGrpSpPr>
+      <p:grpSpPr>
+        <a:xfrm>
+          <a:off x="0" y="0"/>
+          <a:ext cx="0" cy="0"/>
+          <a:chOff x="0" y="0"/>
+          <a:chExt cx="0" cy="0"/>
+        </a:xfrm>
+      </p:grpSpPr>
+      <p:sp>
+        <p:nvSpPr>
+          <p:cNvPr id="2" name="Title 1">
+            <a:extLst>
+              <a:ext uri="{FF2B5EF4-FFF2-40B4-BE49-F238E27FC236}">
+                <a16:creationId xmlns:a16="http://schemas.microsoft.com/office/drawing/2014/main" id="{5214BD27-BDF5-664D-9D83-54A21FCDACF0}"/>
+              </a:ext>
+            </a:extLst>
+          </p:cNvPr>
+          <p:cNvSpPr>
+            <a:spLocks noGrp="1"/>
+          </p:cNvSpPr>
+          <p:nvPr>
+            <p:ph type="title"/>
+          </p:nvPr>
+        </p:nvSpPr>
+        <p:spPr>
+          <a:xfrm>
+            <a:off x="300446" y="365126"/>
+            <a:ext cx="11891554" cy="618286"/>
+          </a:xfrm>
+        </p:spPr>
+        <p:txBody>
+          <a:bodyPr>
+            <a:normAutofit fontScale="90000"/>
+          </a:bodyPr>
+          <a:lstStyle/>
+          <a:p>
+            <a:r>
+              <a:rPr lang="en-US" dirty="0" err="1"/>
+              <a:t>Dafny</a:t>
+            </a:r>
+            <a:r>
+              <a:rPr lang="en-US" dirty="0"/>
+              <a:t> Exercises:  Lin search </a:t>
+            </a:r>
+          </a:p>
+        </p:txBody>
+      </p:sp>
+      <p:sp>
+        <p:nvSpPr>
+          <p:cNvPr id="3" name="TextBox 2">
+            <a:extLst>
+              <a:ext uri="{FF2B5EF4-FFF2-40B4-BE49-F238E27FC236}">
+                <a16:creationId xmlns:a16="http://schemas.microsoft.com/office/drawing/2014/main" id="{CC982F3F-4F01-5543-8CFB-69AA5EA09ABD}"/>
+              </a:ext>
+            </a:extLst>
+          </p:cNvPr>
+          <p:cNvSpPr txBox="1"/>
+          <p:nvPr/>
+        </p:nvSpPr>
+        <p:spPr>
+          <a:xfrm>
+            <a:off x="3553097" y="3174274"/>
+            <a:ext cx="184731" cy="369332"/>
+          </a:xfrm>
+          <a:prstGeom prst="rect">
+            <a:avLst/>
+          </a:prstGeom>
+          <a:noFill/>
+        </p:spPr>
+        <p:txBody>
+          <a:bodyPr wrap="none" rtlCol="0">
+            <a:spAutoFit/>
+          </a:bodyPr>
+          <a:lstStyle/>
+          <a:p>
+            <a:endParaRPr lang="en-US" dirty="0"/>
+          </a:p>
+        </p:txBody>
+      </p:sp>
+      <p:pic>
+        <p:nvPicPr>
+          <p:cNvPr id="5" name="Picture 4" descr="Text&#10;&#10;Description automatically generated">
+            <a:extLst>
+              <a:ext uri="{FF2B5EF4-FFF2-40B4-BE49-F238E27FC236}">
+                <a16:creationId xmlns:a16="http://schemas.microsoft.com/office/drawing/2014/main" id="{9C8ACFC4-696F-EA4F-8191-FEEDB6BC550E}"/>
+              </a:ext>
+            </a:extLst>
+          </p:cNvPr>
+          <p:cNvPicPr>
+            <a:picLocks noChangeAspect="1"/>
+          </p:cNvPicPr>
+          <p:nvPr/>
+        </p:nvPicPr>
+        <p:blipFill>
+          <a:blip r:embed="rId2"/>
+          <a:stretch>
+            <a:fillRect/>
+          </a:stretch>
+        </p:blipFill>
+        <p:spPr>
+          <a:xfrm>
+            <a:off x="1854200" y="1238250"/>
+            <a:ext cx="8483600" cy="4381500"/>
+          </a:xfrm>
+          <a:prstGeom prst="rect">
+            <a:avLst/>
+          </a:prstGeom>
+        </p:spPr>
+      </p:pic>
+    </p:spTree>
+    <p:extLst>
+      <p:ext uri="{BB962C8B-B14F-4D97-AF65-F5344CB8AC3E}">
+        <p14:creationId xmlns:p14="http://schemas.microsoft.com/office/powerpoint/2010/main" val="2848976137"/>
+      </p:ext>
+    </p:extLst>
+  </p:cSld>
+  <p:clrMapOvr>
+    <a:masterClrMapping/>
+  </p:clrMapOvr>
+</p:sld>
+</file>
+
+<file path=ppt/slides/slide27.xml><?xml version="1.0" encoding="utf-8"?>
+<p:sld xmlns:a="http://schemas.openxmlformats.org/drawingml/2006/main" xmlns:r="http://schemas.openxmlformats.org/officeDocument/2006/relationships" xmlns:p="http://schemas.openxmlformats.org/presentationml/2006/main">
+  <p:cSld>
+    <p:spTree>
+      <p:nvGrpSpPr>
+        <p:cNvPr id="1" name=""/>
+        <p:cNvGrpSpPr/>
+        <p:nvPr/>
+      </p:nvGrpSpPr>
+      <p:grpSpPr>
+        <a:xfrm>
+          <a:off x="0" y="0"/>
+          <a:ext cx="0" cy="0"/>
+          <a:chOff x="0" y="0"/>
+          <a:chExt cx="0" cy="0"/>
+        </a:xfrm>
+      </p:grpSpPr>
+      <p:sp>
+        <p:nvSpPr>
+          <p:cNvPr id="2" name="Title 1">
+            <a:extLst>
+              <a:ext uri="{FF2B5EF4-FFF2-40B4-BE49-F238E27FC236}">
+                <a16:creationId xmlns:a16="http://schemas.microsoft.com/office/drawing/2014/main" id="{5214BD27-BDF5-664D-9D83-54A21FCDACF0}"/>
+              </a:ext>
+            </a:extLst>
+          </p:cNvPr>
+          <p:cNvSpPr>
+            <a:spLocks noGrp="1"/>
+          </p:cNvSpPr>
+          <p:nvPr>
+            <p:ph type="title"/>
+          </p:nvPr>
+        </p:nvSpPr>
+        <p:spPr>
+          <a:xfrm>
+            <a:off x="300446" y="365126"/>
+            <a:ext cx="11891554" cy="618286"/>
+          </a:xfrm>
+        </p:spPr>
+        <p:txBody>
+          <a:bodyPr>
+            <a:normAutofit fontScale="90000"/>
+          </a:bodyPr>
+          <a:lstStyle/>
+          <a:p>
+            <a:r>
+              <a:rPr lang="en-US" dirty="0" err="1"/>
+              <a:t>Dafny</a:t>
+            </a:r>
+            <a:r>
+              <a:rPr lang="en-US" dirty="0"/>
+              <a:t> Exercises:  </a:t>
+            </a:r>
+          </a:p>
+        </p:txBody>
+      </p:sp>
+      <p:pic>
+        <p:nvPicPr>
+          <p:cNvPr id="4" name="Picture 3" descr="Text&#10;&#10;Description automatically generated">
+            <a:extLst>
+              <a:ext uri="{FF2B5EF4-FFF2-40B4-BE49-F238E27FC236}">
+                <a16:creationId xmlns:a16="http://schemas.microsoft.com/office/drawing/2014/main" id="{F12EED28-352E-9744-935E-ABE096855D29}"/>
+              </a:ext>
+            </a:extLst>
+          </p:cNvPr>
+          <p:cNvPicPr>
+            <a:picLocks noChangeAspect="1"/>
+          </p:cNvPicPr>
+          <p:nvPr/>
+        </p:nvPicPr>
+        <p:blipFill>
+          <a:blip r:embed="rId2"/>
+          <a:stretch>
+            <a:fillRect/>
+          </a:stretch>
+        </p:blipFill>
+        <p:spPr>
+          <a:xfrm>
+            <a:off x="1136650" y="1333500"/>
+            <a:ext cx="9918700" cy="4191000"/>
+          </a:xfrm>
+          <a:prstGeom prst="rect">
+            <a:avLst/>
+          </a:prstGeom>
+        </p:spPr>
+      </p:pic>
+    </p:spTree>
+    <p:extLst>
+      <p:ext uri="{BB962C8B-B14F-4D97-AF65-F5344CB8AC3E}">
+        <p14:creationId xmlns:p14="http://schemas.microsoft.com/office/powerpoint/2010/main" val="1777060853"/>
+      </p:ext>
+    </p:extLst>
+  </p:cSld>
+  <p:clrMapOvr>
+    <a:masterClrMapping/>
+  </p:clrMapOvr>
+</p:sld>
+</file>
+
+<file path=ppt/slides/slide28.xml><?xml version="1.0" encoding="utf-8"?>
+<p:sld xmlns:a="http://schemas.openxmlformats.org/drawingml/2006/main" xmlns:r="http://schemas.openxmlformats.org/officeDocument/2006/relationships" xmlns:p="http://schemas.openxmlformats.org/presentationml/2006/main">
+  <p:cSld>
+    <p:spTree>
+      <p:nvGrpSpPr>
+        <p:cNvPr id="1" name=""/>
+        <p:cNvGrpSpPr/>
+        <p:nvPr/>
+      </p:nvGrpSpPr>
+      <p:grpSpPr>
+        <a:xfrm>
+          <a:off x="0" y="0"/>
+          <a:ext cx="0" cy="0"/>
+          <a:chOff x="0" y="0"/>
+          <a:chExt cx="0" cy="0"/>
+        </a:xfrm>
+      </p:grpSpPr>
+      <p:sp>
+        <p:nvSpPr>
+          <p:cNvPr id="2" name="Title 1">
+            <a:extLst>
+              <a:ext uri="{FF2B5EF4-FFF2-40B4-BE49-F238E27FC236}">
                 <a16:creationId xmlns:a16="http://schemas.microsoft.com/office/drawing/2014/main" id="{5214BD27-BDF5-664D-9D83-54A21FCDACF0}"/>
               </a:ext>
             </a:extLst>
@@ -4930,6 +6094,166 @@
     <p:extLst>
       <p:ext uri="{BB962C8B-B14F-4D97-AF65-F5344CB8AC3E}">
         <p14:creationId xmlns:p14="http://schemas.microsoft.com/office/powerpoint/2010/main" val="1687885435"/>
+      </p:ext>
+    </p:extLst>
+  </p:cSld>
+  <p:clrMapOvr>
+    <a:masterClrMapping/>
+  </p:clrMapOvr>
+</p:sld>
+</file>
+
+<file path=ppt/slides/slide29.xml><?xml version="1.0" encoding="utf-8"?>
+<p:sld xmlns:a="http://schemas.openxmlformats.org/drawingml/2006/main" xmlns:r="http://schemas.openxmlformats.org/officeDocument/2006/relationships" xmlns:p="http://schemas.openxmlformats.org/presentationml/2006/main">
+  <p:cSld>
+    <p:spTree>
+      <p:nvGrpSpPr>
+        <p:cNvPr id="1" name=""/>
+        <p:cNvGrpSpPr/>
+        <p:nvPr/>
+      </p:nvGrpSpPr>
+      <p:grpSpPr>
+        <a:xfrm>
+          <a:off x="0" y="0"/>
+          <a:ext cx="0" cy="0"/>
+          <a:chOff x="0" y="0"/>
+          <a:chExt cx="0" cy="0"/>
+        </a:xfrm>
+      </p:grpSpPr>
+      <p:sp>
+        <p:nvSpPr>
+          <p:cNvPr id="2" name="Title 1">
+            <a:extLst>
+              <a:ext uri="{FF2B5EF4-FFF2-40B4-BE49-F238E27FC236}">
+                <a16:creationId xmlns:a16="http://schemas.microsoft.com/office/drawing/2014/main" id="{5214BD27-BDF5-664D-9D83-54A21FCDACF0}"/>
+              </a:ext>
+            </a:extLst>
+          </p:cNvPr>
+          <p:cNvSpPr>
+            <a:spLocks noGrp="1"/>
+          </p:cNvSpPr>
+          <p:nvPr>
+            <p:ph type="title"/>
+          </p:nvPr>
+        </p:nvSpPr>
+        <p:spPr>
+          <a:xfrm>
+            <a:off x="838200" y="365126"/>
+            <a:ext cx="11205754" cy="618286"/>
+          </a:xfrm>
+        </p:spPr>
+        <p:txBody>
+          <a:bodyPr>
+            <a:normAutofit fontScale="90000"/>
+          </a:bodyPr>
+          <a:lstStyle/>
+          <a:p>
+            <a:r>
+              <a:rPr lang="en-US" dirty="0" err="1"/>
+              <a:t>Verifast</a:t>
+            </a:r>
+            <a:r>
+              <a:rPr lang="en-US" dirty="0"/>
+              <a:t> Tutorial</a:t>
+            </a:r>
+          </a:p>
+        </p:txBody>
+      </p:sp>
+      <p:sp>
+        <p:nvSpPr>
+          <p:cNvPr id="5" name="Content Placeholder 4">
+            <a:extLst>
+              <a:ext uri="{FF2B5EF4-FFF2-40B4-BE49-F238E27FC236}">
+                <a16:creationId xmlns:a16="http://schemas.microsoft.com/office/drawing/2014/main" id="{C889DA17-52DA-2B4D-BC3F-5CFA3FFFEF8D}"/>
+              </a:ext>
+            </a:extLst>
+          </p:cNvPr>
+          <p:cNvSpPr>
+            <a:spLocks noGrp="1"/>
+          </p:cNvSpPr>
+          <p:nvPr>
+            <p:ph idx="1"/>
+          </p:nvPr>
+        </p:nvSpPr>
+        <p:spPr>
+          <a:xfrm>
+            <a:off x="838200" y="1393902"/>
+            <a:ext cx="10515600" cy="4783061"/>
+          </a:xfrm>
+        </p:spPr>
+        <p:txBody>
+          <a:bodyPr>
+            <a:normAutofit lnSpcReduction="10000"/>
+          </a:bodyPr>
+          <a:lstStyle/>
+          <a:p>
+            <a:r>
+              <a:rPr lang="en-US" dirty="0"/>
+              <a:t>The ‘run to cursor’ serves as a </a:t>
+            </a:r>
+            <a:r>
+              <a:rPr lang="en-US" dirty="0" err="1"/>
+              <a:t>breakpoin</a:t>
+            </a:r>
+            <a:endParaRPr lang="en-US" dirty="0"/>
+          </a:p>
+          <a:p>
+            <a:r>
+              <a:rPr lang="en-US" dirty="0"/>
+              <a:t>The “show execution tree” (^T) is a toggle</a:t>
+            </a:r>
+          </a:p>
+          <a:p>
+            <a:r>
+              <a:rPr lang="en-US" dirty="0"/>
+              <a:t>Come to “verifying function main” to see the full tree</a:t>
+            </a:r>
+          </a:p>
+          <a:p>
+            <a:pPr lvl="1"/>
+            <a:r>
+              <a:rPr lang="en-US" dirty="0"/>
+              <a:t>If we have meanwhile selected a “run to cursor”, we will probably see a red node at the tip</a:t>
+            </a:r>
+          </a:p>
+          <a:p>
+            <a:r>
+              <a:rPr lang="en-US" dirty="0"/>
+              <a:t>If we add a double-free, we see that the permission isn’t available, and verification terminates with an error</a:t>
+            </a:r>
+          </a:p>
+          <a:p>
+            <a:r>
+              <a:rPr lang="en-US" dirty="0"/>
+              <a:t>The “include paths” option is interesting (under Verify)</a:t>
+            </a:r>
+          </a:p>
+          <a:p>
+            <a:r>
+              <a:rPr lang="en-US" dirty="0"/>
+              <a:t>The steps are visible by clicking the relevant tree nodes</a:t>
+            </a:r>
+          </a:p>
+          <a:p>
+            <a:pPr lvl="1"/>
+            <a:r>
+              <a:rPr lang="en-US" dirty="0"/>
+              <a:t>“Leaf node” is not the green/red “closed/open” indicator node</a:t>
+            </a:r>
+          </a:p>
+          <a:p>
+            <a:pPr lvl="2"/>
+            <a:r>
+              <a:rPr lang="en-US" dirty="0"/>
+              <a:t>It is rather the parent of such a node (black in color)</a:t>
+            </a:r>
+          </a:p>
+        </p:txBody>
+      </p:sp>
+    </p:spTree>
+    <p:extLst>
+      <p:ext uri="{BB962C8B-B14F-4D97-AF65-F5344CB8AC3E}">
+        <p14:creationId xmlns:p14="http://schemas.microsoft.com/office/powerpoint/2010/main" val="402103472"/>
       </p:ext>
     </p:extLst>
   </p:cSld>
@@ -4961,6 +6285,179 @@
           <p:cNvPr id="2" name="Title 1">
             <a:extLst>
               <a:ext uri="{FF2B5EF4-FFF2-40B4-BE49-F238E27FC236}">
+                <a16:creationId xmlns:a16="http://schemas.microsoft.com/office/drawing/2014/main" id="{E0529347-8E03-5745-A305-AF41325E1120}"/>
+              </a:ext>
+            </a:extLst>
+          </p:cNvPr>
+          <p:cNvSpPr>
+            <a:spLocks noGrp="1"/>
+          </p:cNvSpPr>
+          <p:nvPr>
+            <p:ph type="title"/>
+          </p:nvPr>
+        </p:nvSpPr>
+        <p:spPr>
+          <a:xfrm>
+            <a:off x="838200" y="365126"/>
+            <a:ext cx="10515600" cy="763587"/>
+          </a:xfrm>
+        </p:spPr>
+        <p:txBody>
+          <a:bodyPr>
+            <a:normAutofit/>
+          </a:bodyPr>
+          <a:lstStyle/>
+          <a:p>
+            <a:r>
+              <a:rPr lang="en-US" sz="1600" dirty="0"/>
+              <a:t>From the </a:t>
+            </a:r>
+            <a:r>
+              <a:rPr lang="en-US" sz="1600" dirty="0" err="1"/>
+              <a:t>Dafny</a:t>
+            </a:r>
+            <a:r>
+              <a:rPr lang="en-US" sz="1600" dirty="0"/>
+              <a:t> Tutorial</a:t>
+            </a:r>
+            <a:br>
+              <a:rPr lang="en-US" sz="1600" dirty="0"/>
+            </a:br>
+            <a:r>
+              <a:rPr lang="en-US" sz="1600" dirty="0"/>
+              <a:t>https://</a:t>
+            </a:r>
+            <a:r>
+              <a:rPr lang="en-US" sz="1600" dirty="0" err="1"/>
+              <a:t>github.com</a:t>
+            </a:r>
+            <a:r>
+              <a:rPr lang="en-US" sz="1600" dirty="0"/>
+              <a:t>/</a:t>
+            </a:r>
+            <a:r>
+              <a:rPr lang="en-US" sz="1600" dirty="0" err="1"/>
+              <a:t>dafny</a:t>
+            </a:r>
+            <a:r>
+              <a:rPr lang="en-US" sz="1600" dirty="0"/>
+              <a:t>-lang/</a:t>
+            </a:r>
+            <a:r>
+              <a:rPr lang="en-US" sz="1600" dirty="0" err="1"/>
+              <a:t>dafny</a:t>
+            </a:r>
+            <a:r>
+              <a:rPr lang="en-US" sz="1600" dirty="0"/>
+              <a:t>/blob/master/docs/</a:t>
+            </a:r>
+            <a:r>
+              <a:rPr lang="en-US" sz="1600" dirty="0" err="1"/>
+              <a:t>OnlineTutorial</a:t>
+            </a:r>
+            <a:r>
+              <a:rPr lang="en-US" sz="1600" dirty="0"/>
+              <a:t>/</a:t>
+            </a:r>
+            <a:r>
+              <a:rPr lang="en-US" sz="1600" dirty="0" err="1"/>
+              <a:t>guide.md</a:t>
+            </a:r>
+            <a:endParaRPr lang="en-US" sz="1600" dirty="0"/>
+          </a:p>
+        </p:txBody>
+      </p:sp>
+      <p:sp>
+        <p:nvSpPr>
+          <p:cNvPr id="3" name="Content Placeholder 2">
+            <a:extLst>
+              <a:ext uri="{FF2B5EF4-FFF2-40B4-BE49-F238E27FC236}">
+                <a16:creationId xmlns:a16="http://schemas.microsoft.com/office/drawing/2014/main" id="{F6F2EB0E-4EBA-9E41-A915-2E5A2D97575C}"/>
+              </a:ext>
+            </a:extLst>
+          </p:cNvPr>
+          <p:cNvSpPr>
+            <a:spLocks noGrp="1"/>
+          </p:cNvSpPr>
+          <p:nvPr>
+            <p:ph idx="1"/>
+          </p:nvPr>
+        </p:nvSpPr>
+        <p:spPr>
+          <a:xfrm>
+            <a:off x="838200" y="3223259"/>
+            <a:ext cx="10515600" cy="2953703"/>
+          </a:xfrm>
+        </p:spPr>
+        <p:txBody>
+          <a:bodyPr/>
+          <a:lstStyle/>
+          <a:p>
+            <a:pPr marL="0" indent="0">
+              <a:buNone/>
+            </a:pPr>
+            <a:r>
+              <a:rPr lang="en-US" dirty="0" err="1"/>
+              <a:t>Dafny</a:t>
+            </a:r>
+            <a:r>
+              <a:rPr lang="en-US" dirty="0"/>
+              <a:t> lifts the burden of writing bug-free </a:t>
+            </a:r>
+            <a:r>
+              <a:rPr lang="en-US" i="1" dirty="0"/>
+              <a:t>code</a:t>
+            </a:r>
+            <a:r>
+              <a:rPr lang="en-US" dirty="0"/>
+              <a:t> into that of writing bug-free </a:t>
+            </a:r>
+            <a:r>
+              <a:rPr lang="en-US" i="1" dirty="0"/>
+              <a:t>annotations</a:t>
+            </a:r>
+            <a:r>
+              <a:rPr lang="en-US" dirty="0"/>
+              <a:t>. </a:t>
+            </a:r>
+          </a:p>
+        </p:txBody>
+      </p:sp>
+    </p:spTree>
+    <p:extLst>
+      <p:ext uri="{BB962C8B-B14F-4D97-AF65-F5344CB8AC3E}">
+        <p14:creationId xmlns:p14="http://schemas.microsoft.com/office/powerpoint/2010/main" val="1881788973"/>
+      </p:ext>
+    </p:extLst>
+  </p:cSld>
+  <p:clrMapOvr>
+    <a:masterClrMapping/>
+  </p:clrMapOvr>
+</p:sld>
+</file>
+
+<file path=ppt/slides/slide30.xml><?xml version="1.0" encoding="utf-8"?>
+<p:sld xmlns:a="http://schemas.openxmlformats.org/drawingml/2006/main" xmlns:r="http://schemas.openxmlformats.org/officeDocument/2006/relationships" xmlns:p="http://schemas.openxmlformats.org/presentationml/2006/main">
+  <p:cSld>
+    <p:spTree>
+      <p:nvGrpSpPr>
+        <p:cNvPr id="1" name=""/>
+        <p:cNvGrpSpPr/>
+        <p:nvPr/>
+      </p:nvGrpSpPr>
+      <p:grpSpPr>
+        <a:xfrm>
+          <a:off x="0" y="0"/>
+          <a:ext cx="0" cy="0"/>
+          <a:chOff x="0" y="0"/>
+          <a:chExt cx="0" cy="0"/>
+        </a:xfrm>
+      </p:grpSpPr>
+      <p:sp>
+        <p:nvSpPr>
+          <p:cNvPr id="2" name="Title 1">
+            <a:extLst>
+              <a:ext uri="{FF2B5EF4-FFF2-40B4-BE49-F238E27FC236}">
                 <a16:creationId xmlns:a16="http://schemas.microsoft.com/office/drawing/2014/main" id="{5214BD27-BDF5-664D-9D83-54A21FCDACF0}"/>
               </a:ext>
             </a:extLst>
@@ -5025,63 +6522,142 @@
           <a:p>
             <a:r>
               <a:rPr lang="en-US" dirty="0"/>
-              <a:t>The ‘run to cursor’ serves as a </a:t>
-            </a:r>
-            <a:r>
-              <a:rPr lang="en-US" dirty="0" err="1"/>
-              <a:t>breakpoin</a:t>
-            </a:r>
-            <a:endParaRPr lang="en-US" dirty="0"/>
-          </a:p>
-          <a:p>
-            <a:r>
-              <a:rPr lang="en-US" dirty="0"/>
-              <a:t>The “show execution tree” (^T) is a toggle</a:t>
-            </a:r>
-          </a:p>
-          <a:p>
-            <a:r>
-              <a:rPr lang="en-US" dirty="0"/>
-              <a:t>Come to “verifying function main” to see the full tree</a:t>
+              <a:t>Trace the </a:t>
+            </a:r>
+            <a:r>
+              <a:rPr lang="en-US" dirty="0" err="1"/>
+              <a:t>symb</a:t>
+            </a:r>
+            <a:r>
+              <a:rPr lang="en-US" dirty="0"/>
+              <a:t> execution path</a:t>
             </a:r>
           </a:p>
           <a:p>
             <a:pPr lvl="1"/>
             <a:r>
               <a:rPr lang="en-US" dirty="0"/>
-              <a:t>If we have meanwhile selected a “run to cursor”, we will probably see a red node at the tip</a:t>
-            </a:r>
-          </a:p>
-          <a:p>
-            <a:r>
-              <a:rPr lang="en-US" dirty="0"/>
-              <a:t>If we add a double-free, we see that the permission isn’t available, and verification terminates with an error</a:t>
-            </a:r>
-          </a:p>
-          <a:p>
-            <a:r>
-              <a:rPr lang="en-US" dirty="0"/>
-              <a:t>The “include paths” option is interesting (under Verify)</a:t>
-            </a:r>
-          </a:p>
-          <a:p>
-            <a:r>
-              <a:rPr lang="en-US" dirty="0"/>
-              <a:t>The steps are visible by clicking the relevant tree nodes</a:t>
+              <a:t>Select the leaf of the execution tree</a:t>
             </a:r>
           </a:p>
           <a:p>
             <a:pPr lvl="1"/>
             <a:r>
               <a:rPr lang="en-US" dirty="0"/>
-              <a:t>“Leaf node” is not the green/red “closed/open” indicator node</a:t>
+              <a:t>Select the steps</a:t>
+            </a:r>
+          </a:p>
+          <a:p>
+            <a:pPr lvl="1"/>
+            <a:r>
+              <a:rPr lang="en-US" dirty="0" err="1"/>
+              <a:t>Downarrow</a:t>
+            </a:r>
+            <a:r>
+              <a:rPr lang="en-US" dirty="0"/>
+              <a:t> along steps</a:t>
             </a:r>
           </a:p>
           <a:p>
             <a:pPr lvl="2"/>
             <a:r>
               <a:rPr lang="en-US" dirty="0"/>
-              <a:t>It is rather the parent of such a node (black in color)</a:t>
+              <a:t>Observe the coloration in the code window and the changing assumptions</a:t>
+            </a:r>
+          </a:p>
+          <a:p>
+            <a:pPr lvl="3"/>
+            <a:r>
+              <a:rPr lang="en-US" dirty="0"/>
+              <a:t>Producing and consuming assumptions</a:t>
+            </a:r>
+          </a:p>
+          <a:p>
+            <a:pPr lvl="1"/>
+            <a:r>
+              <a:rPr lang="en-US" dirty="0"/>
+              <a:t>The malloc adds heap chunks</a:t>
+            </a:r>
+          </a:p>
+          <a:p>
+            <a:pPr lvl="2"/>
+            <a:r>
+              <a:rPr lang="en-US" dirty="0" err="1"/>
+              <a:t>Accound_balance</a:t>
+            </a:r>
+            <a:r>
+              <a:rPr lang="en-US" dirty="0"/>
+              <a:t>(</a:t>
+            </a:r>
+            <a:r>
+              <a:rPr lang="en-US" dirty="0" err="1"/>
+              <a:t>myAccount</a:t>
+            </a:r>
+            <a:r>
+              <a:rPr lang="en-US" dirty="0"/>
+              <a:t>, value) seems to say what resources are available</a:t>
+            </a:r>
+          </a:p>
+          <a:p>
+            <a:pPr lvl="3"/>
+            <a:r>
+              <a:rPr lang="en-US" dirty="0" err="1"/>
+              <a:t>Myaccount</a:t>
+            </a:r>
+            <a:r>
+              <a:rPr lang="en-US" dirty="0"/>
+              <a:t> is mem chunk</a:t>
+            </a:r>
+          </a:p>
+          <a:p>
+            <a:pPr lvl="3"/>
+            <a:r>
+              <a:rPr lang="en-US" dirty="0"/>
+              <a:t>Value is its symbolic value</a:t>
+            </a:r>
+          </a:p>
+          <a:p>
+            <a:pPr lvl="2"/>
+            <a:r>
+              <a:rPr lang="en-US" dirty="0"/>
+              <a:t>Fresh names are generated</a:t>
+            </a:r>
+          </a:p>
+          <a:p>
+            <a:pPr lvl="3"/>
+            <a:r>
+              <a:rPr lang="en-US" dirty="0"/>
+              <a:t>This is really the act of exists handling or Skolemization in logic</a:t>
+            </a:r>
+          </a:p>
+          <a:p>
+            <a:pPr lvl="3"/>
+            <a:r>
+              <a:rPr lang="en-US" dirty="0"/>
+              <a:t>“</a:t>
+            </a:r>
+            <a:r>
+              <a:rPr lang="en-US" dirty="0" err="1"/>
+              <a:t>account_balance</a:t>
+            </a:r>
+            <a:r>
+              <a:rPr lang="en-US" dirty="0"/>
+              <a:t>” and “</a:t>
+            </a:r>
+            <a:r>
+              <a:rPr lang="en-US" dirty="0" err="1"/>
+              <a:t>malloc_block_account</a:t>
+            </a:r>
+            <a:r>
+              <a:rPr lang="en-US" dirty="0"/>
+              <a:t>” seem like built-in concepts</a:t>
+            </a:r>
+          </a:p>
+          <a:p>
+            <a:pPr lvl="1"/>
+            <a:r>
+              <a:rPr lang="en-US" dirty="0"/>
+              <a:t>Can see fresh var names</a:t>
             </a:r>
           </a:p>
         </p:txBody>
@@ -5089,7 +6665,2204 @@
     </p:spTree>
     <p:extLst>
       <p:ext uri="{BB962C8B-B14F-4D97-AF65-F5344CB8AC3E}">
-        <p14:creationId xmlns:p14="http://schemas.microsoft.com/office/powerpoint/2010/main" val="402103472"/>
+        <p14:creationId xmlns:p14="http://schemas.microsoft.com/office/powerpoint/2010/main" val="10288484"/>
+      </p:ext>
+    </p:extLst>
+  </p:cSld>
+  <p:clrMapOvr>
+    <a:masterClrMapping/>
+  </p:clrMapOvr>
+</p:sld>
+</file>
+
+<file path=ppt/slides/slide31.xml><?xml version="1.0" encoding="utf-8"?>
+<p:sld xmlns:a="http://schemas.openxmlformats.org/drawingml/2006/main" xmlns:r="http://schemas.openxmlformats.org/officeDocument/2006/relationships" xmlns:p="http://schemas.openxmlformats.org/presentationml/2006/main">
+  <p:cSld>
+    <p:spTree>
+      <p:nvGrpSpPr>
+        <p:cNvPr id="1" name=""/>
+        <p:cNvGrpSpPr/>
+        <p:nvPr/>
+      </p:nvGrpSpPr>
+      <p:grpSpPr>
+        <a:xfrm>
+          <a:off x="0" y="0"/>
+          <a:ext cx="0" cy="0"/>
+          <a:chOff x="0" y="0"/>
+          <a:chExt cx="0" cy="0"/>
+        </a:xfrm>
+      </p:grpSpPr>
+      <p:sp>
+        <p:nvSpPr>
+          <p:cNvPr id="2" name="Title 1">
+            <a:extLst>
+              <a:ext uri="{FF2B5EF4-FFF2-40B4-BE49-F238E27FC236}">
+                <a16:creationId xmlns:a16="http://schemas.microsoft.com/office/drawing/2014/main" id="{5214BD27-BDF5-664D-9D83-54A21FCDACF0}"/>
+              </a:ext>
+            </a:extLst>
+          </p:cNvPr>
+          <p:cNvSpPr>
+            <a:spLocks noGrp="1"/>
+          </p:cNvSpPr>
+          <p:nvPr>
+            <p:ph type="title"/>
+          </p:nvPr>
+        </p:nvSpPr>
+        <p:spPr>
+          <a:xfrm>
+            <a:off x="838200" y="365126"/>
+            <a:ext cx="11205754" cy="618286"/>
+          </a:xfrm>
+        </p:spPr>
+        <p:txBody>
+          <a:bodyPr>
+            <a:normAutofit fontScale="90000"/>
+          </a:bodyPr>
+          <a:lstStyle/>
+          <a:p>
+            <a:r>
+              <a:rPr lang="en-US" dirty="0"/>
+              <a:t>Illustration of </a:t>
+            </a:r>
+            <a:r>
+              <a:rPr lang="en-US" dirty="0" err="1"/>
+              <a:t>symb</a:t>
+            </a:r>
+            <a:r>
+              <a:rPr lang="en-US" dirty="0"/>
+              <a:t> constants</a:t>
+            </a:r>
+          </a:p>
+        </p:txBody>
+      </p:sp>
+      <p:sp>
+        <p:nvSpPr>
+          <p:cNvPr id="5" name="Content Placeholder 4">
+            <a:extLst>
+              <a:ext uri="{FF2B5EF4-FFF2-40B4-BE49-F238E27FC236}">
+                <a16:creationId xmlns:a16="http://schemas.microsoft.com/office/drawing/2014/main" id="{C889DA17-52DA-2B4D-BC3F-5CFA3FFFEF8D}"/>
+              </a:ext>
+            </a:extLst>
+          </p:cNvPr>
+          <p:cNvSpPr>
+            <a:spLocks noGrp="1"/>
+          </p:cNvSpPr>
+          <p:nvPr>
+            <p:ph idx="1"/>
+          </p:nvPr>
+        </p:nvSpPr>
+        <p:spPr>
+          <a:xfrm>
+            <a:off x="838200" y="1393902"/>
+            <a:ext cx="10515600" cy="4783061"/>
+          </a:xfrm>
+        </p:spPr>
+        <p:txBody>
+          <a:bodyPr>
+            <a:normAutofit fontScale="32500" lnSpcReduction="20000"/>
+          </a:bodyPr>
+          <a:lstStyle/>
+          <a:p>
+            <a:pPr marL="0" indent="0">
+              <a:buNone/>
+            </a:pPr>
+            <a:r>
+              <a:rPr lang="en-US" dirty="0"/>
+              <a:t>#include "</a:t>
+            </a:r>
+            <a:r>
+              <a:rPr lang="en-US" dirty="0" err="1"/>
+              <a:t>stdlib.h</a:t>
+            </a:r>
+            <a:r>
+              <a:rPr lang="en-US" dirty="0"/>
+              <a:t>"</a:t>
+            </a:r>
+          </a:p>
+          <a:p>
+            <a:pPr marL="0" indent="0">
+              <a:buNone/>
+            </a:pPr>
+            <a:endParaRPr lang="en-US" dirty="0"/>
+          </a:p>
+          <a:p>
+            <a:pPr marL="0" indent="0">
+              <a:buNone/>
+            </a:pPr>
+            <a:r>
+              <a:rPr lang="en-US" dirty="0"/>
+              <a:t>struct account {</a:t>
+            </a:r>
+          </a:p>
+          <a:p>
+            <a:pPr marL="0" indent="0">
+              <a:buNone/>
+            </a:pPr>
+            <a:r>
+              <a:rPr lang="en-US" dirty="0"/>
+              <a:t>    int balance;</a:t>
+            </a:r>
+          </a:p>
+          <a:p>
+            <a:pPr marL="0" indent="0">
+              <a:buNone/>
+            </a:pPr>
+            <a:r>
+              <a:rPr lang="en-US" dirty="0"/>
+              <a:t>};</a:t>
+            </a:r>
+          </a:p>
+          <a:p>
+            <a:pPr marL="0" indent="0">
+              <a:buNone/>
+            </a:pPr>
+            <a:endParaRPr lang="en-US" dirty="0"/>
+          </a:p>
+          <a:p>
+            <a:pPr marL="0" indent="0">
+              <a:buNone/>
+            </a:pPr>
+            <a:r>
+              <a:rPr lang="en-US" dirty="0"/>
+              <a:t>int main()</a:t>
+            </a:r>
+          </a:p>
+          <a:p>
+            <a:pPr marL="0" indent="0">
+              <a:buNone/>
+            </a:pPr>
+            <a:r>
+              <a:rPr lang="en-US" dirty="0"/>
+              <a:t>    //@ requires true;</a:t>
+            </a:r>
+          </a:p>
+          <a:p>
+            <a:pPr marL="0" indent="0">
+              <a:buNone/>
+            </a:pPr>
+            <a:r>
+              <a:rPr lang="en-US" dirty="0"/>
+              <a:t>    //@ ensures true;</a:t>
+            </a:r>
+          </a:p>
+          <a:p>
+            <a:pPr marL="0" indent="0">
+              <a:buNone/>
+            </a:pPr>
+            <a:r>
+              <a:rPr lang="en-US" dirty="0"/>
+              <a:t>{</a:t>
+            </a:r>
+          </a:p>
+          <a:p>
+            <a:pPr marL="0" indent="0">
+              <a:buNone/>
+            </a:pPr>
+            <a:r>
+              <a:rPr lang="en-US" dirty="0"/>
+              <a:t>  { struct account *</a:t>
+            </a:r>
+            <a:r>
+              <a:rPr lang="en-US" dirty="0" err="1"/>
+              <a:t>myAccount</a:t>
+            </a:r>
+            <a:r>
+              <a:rPr lang="en-US" dirty="0"/>
+              <a:t> = malloc(</a:t>
+            </a:r>
+            <a:r>
+              <a:rPr lang="en-US" dirty="0" err="1"/>
+              <a:t>sizeof</a:t>
+            </a:r>
+            <a:r>
+              <a:rPr lang="en-US" dirty="0"/>
+              <a:t>(struct account));</a:t>
+            </a:r>
+          </a:p>
+          <a:p>
+            <a:pPr marL="0" indent="0">
+              <a:buNone/>
+            </a:pPr>
+            <a:r>
+              <a:rPr lang="en-US" dirty="0"/>
+              <a:t>    if (</a:t>
+            </a:r>
+            <a:r>
+              <a:rPr lang="en-US" dirty="0" err="1"/>
+              <a:t>myAccount</a:t>
+            </a:r>
+            <a:r>
+              <a:rPr lang="en-US" dirty="0"/>
+              <a:t> == 0) { abort(); } </a:t>
+            </a:r>
+          </a:p>
+          <a:p>
+            <a:pPr marL="0" indent="0">
+              <a:buNone/>
+            </a:pPr>
+            <a:r>
+              <a:rPr lang="en-US" dirty="0"/>
+              <a:t>    }</a:t>
+            </a:r>
+          </a:p>
+          <a:p>
+            <a:pPr marL="0" indent="0">
+              <a:buNone/>
+            </a:pPr>
+            <a:r>
+              <a:rPr lang="en-US" dirty="0"/>
+              <a:t>  {  struct account *</a:t>
+            </a:r>
+            <a:r>
+              <a:rPr lang="en-US" dirty="0" err="1"/>
+              <a:t>myAccount</a:t>
+            </a:r>
+            <a:r>
+              <a:rPr lang="en-US" dirty="0"/>
+              <a:t> = malloc(</a:t>
+            </a:r>
+            <a:r>
+              <a:rPr lang="en-US" dirty="0" err="1"/>
+              <a:t>sizeof</a:t>
+            </a:r>
+            <a:r>
+              <a:rPr lang="en-US" dirty="0"/>
+              <a:t>(struct account));</a:t>
+            </a:r>
+          </a:p>
+          <a:p>
+            <a:pPr marL="0" indent="0">
+              <a:buNone/>
+            </a:pPr>
+            <a:r>
+              <a:rPr lang="en-US" dirty="0"/>
+              <a:t>    if (</a:t>
+            </a:r>
+            <a:r>
+              <a:rPr lang="en-US" dirty="0" err="1"/>
+              <a:t>myAccount</a:t>
+            </a:r>
+            <a:r>
+              <a:rPr lang="en-US" dirty="0"/>
+              <a:t> == 0) { abort(); }</a:t>
+            </a:r>
+          </a:p>
+          <a:p>
+            <a:pPr marL="0" indent="0">
+              <a:buNone/>
+            </a:pPr>
+            <a:r>
+              <a:rPr lang="en-US" dirty="0"/>
+              <a:t>    }</a:t>
+            </a:r>
+          </a:p>
+          <a:p>
+            <a:pPr marL="0" indent="0">
+              <a:buNone/>
+            </a:pPr>
+            <a:r>
+              <a:rPr lang="en-US" dirty="0"/>
+              <a:t>    //</a:t>
+            </a:r>
+            <a:r>
+              <a:rPr lang="en-US" dirty="0" err="1"/>
+              <a:t>myAccount</a:t>
+            </a:r>
+            <a:r>
+              <a:rPr lang="en-US" dirty="0"/>
+              <a:t>-&gt;balance = 5;</a:t>
+            </a:r>
+          </a:p>
+          <a:p>
+            <a:pPr marL="0" indent="0">
+              <a:buNone/>
+            </a:pPr>
+            <a:r>
+              <a:rPr lang="en-US" dirty="0"/>
+              <a:t>   // free(</a:t>
+            </a:r>
+            <a:r>
+              <a:rPr lang="en-US" dirty="0" err="1"/>
+              <a:t>myAccount</a:t>
+            </a:r>
+            <a:r>
+              <a:rPr lang="en-US" dirty="0"/>
+              <a:t>);</a:t>
+            </a:r>
+          </a:p>
+          <a:p>
+            <a:pPr marL="0" indent="0">
+              <a:buNone/>
+            </a:pPr>
+            <a:r>
+              <a:rPr lang="en-US" dirty="0"/>
+              <a:t>    //free(</a:t>
+            </a:r>
+            <a:r>
+              <a:rPr lang="en-US" dirty="0" err="1"/>
+              <a:t>myAccount</a:t>
+            </a:r>
+            <a:r>
+              <a:rPr lang="en-US" dirty="0"/>
+              <a:t>);</a:t>
+            </a:r>
+          </a:p>
+          <a:p>
+            <a:pPr marL="0" indent="0">
+              <a:buNone/>
+            </a:pPr>
+            <a:r>
+              <a:rPr lang="en-US" dirty="0"/>
+              <a:t>    return 0;</a:t>
+            </a:r>
+          </a:p>
+          <a:p>
+            <a:pPr marL="0" indent="0">
+              <a:buNone/>
+            </a:pPr>
+            <a:r>
+              <a:rPr lang="en-US" dirty="0"/>
+              <a:t>}</a:t>
+            </a:r>
+          </a:p>
+        </p:txBody>
+      </p:sp>
+    </p:spTree>
+    <p:extLst>
+      <p:ext uri="{BB962C8B-B14F-4D97-AF65-F5344CB8AC3E}">
+        <p14:creationId xmlns:p14="http://schemas.microsoft.com/office/powerpoint/2010/main" val="3557274891"/>
+      </p:ext>
+    </p:extLst>
+  </p:cSld>
+  <p:clrMapOvr>
+    <a:masterClrMapping/>
+  </p:clrMapOvr>
+</p:sld>
+</file>
+
+<file path=ppt/slides/slide32.xml><?xml version="1.0" encoding="utf-8"?>
+<p:sld xmlns:a="http://schemas.openxmlformats.org/drawingml/2006/main" xmlns:r="http://schemas.openxmlformats.org/officeDocument/2006/relationships" xmlns:p="http://schemas.openxmlformats.org/presentationml/2006/main">
+  <p:cSld>
+    <p:spTree>
+      <p:nvGrpSpPr>
+        <p:cNvPr id="1" name=""/>
+        <p:cNvGrpSpPr/>
+        <p:nvPr/>
+      </p:nvGrpSpPr>
+      <p:grpSpPr>
+        <a:xfrm>
+          <a:off x="0" y="0"/>
+          <a:ext cx="0" cy="0"/>
+          <a:chOff x="0" y="0"/>
+          <a:chExt cx="0" cy="0"/>
+        </a:xfrm>
+      </p:grpSpPr>
+      <p:sp>
+        <p:nvSpPr>
+          <p:cNvPr id="2" name="Title 1">
+            <a:extLst>
+              <a:ext uri="{FF2B5EF4-FFF2-40B4-BE49-F238E27FC236}">
+                <a16:creationId xmlns:a16="http://schemas.microsoft.com/office/drawing/2014/main" id="{5214BD27-BDF5-664D-9D83-54A21FCDACF0}"/>
+              </a:ext>
+            </a:extLst>
+          </p:cNvPr>
+          <p:cNvSpPr>
+            <a:spLocks noGrp="1"/>
+          </p:cNvSpPr>
+          <p:nvPr>
+            <p:ph type="title"/>
+          </p:nvPr>
+        </p:nvSpPr>
+        <p:spPr>
+          <a:xfrm>
+            <a:off x="838200" y="365126"/>
+            <a:ext cx="11205754" cy="618286"/>
+          </a:xfrm>
+        </p:spPr>
+        <p:txBody>
+          <a:bodyPr>
+            <a:normAutofit fontScale="90000"/>
+          </a:bodyPr>
+          <a:lstStyle/>
+          <a:p>
+            <a:r>
+              <a:rPr lang="en-US" dirty="0" err="1"/>
+              <a:t>Verifast</a:t>
+            </a:r>
+            <a:r>
+              <a:rPr lang="en-US" dirty="0"/>
+              <a:t> Tutorial</a:t>
+            </a:r>
+          </a:p>
+        </p:txBody>
+      </p:sp>
+      <p:sp>
+        <p:nvSpPr>
+          <p:cNvPr id="5" name="Content Placeholder 4">
+            <a:extLst>
+              <a:ext uri="{FF2B5EF4-FFF2-40B4-BE49-F238E27FC236}">
+                <a16:creationId xmlns:a16="http://schemas.microsoft.com/office/drawing/2014/main" id="{C889DA17-52DA-2B4D-BC3F-5CFA3FFFEF8D}"/>
+              </a:ext>
+            </a:extLst>
+          </p:cNvPr>
+          <p:cNvSpPr>
+            <a:spLocks noGrp="1"/>
+          </p:cNvSpPr>
+          <p:nvPr>
+            <p:ph idx="1"/>
+          </p:nvPr>
+        </p:nvSpPr>
+        <p:spPr>
+          <a:xfrm>
+            <a:off x="838200" y="1393902"/>
+            <a:ext cx="10515600" cy="4783061"/>
+          </a:xfrm>
+        </p:spPr>
+        <p:txBody>
+          <a:bodyPr>
+            <a:normAutofit/>
+          </a:bodyPr>
+          <a:lstStyle/>
+          <a:p>
+            <a:r>
+              <a:rPr lang="en-US" dirty="0"/>
+              <a:t>Trace step-thru reveals how heap chunks are </a:t>
+            </a:r>
+            <a:r>
+              <a:rPr lang="en-US" dirty="0" err="1"/>
+              <a:t>alloc</a:t>
+            </a:r>
+            <a:r>
+              <a:rPr lang="en-US" dirty="0"/>
+              <a:t>/</a:t>
+            </a:r>
+            <a:r>
+              <a:rPr lang="en-US" dirty="0" err="1"/>
+              <a:t>dealloc</a:t>
+            </a:r>
+            <a:endParaRPr lang="en-US" dirty="0"/>
+          </a:p>
+          <a:p>
+            <a:r>
+              <a:rPr lang="en-US" dirty="0"/>
+              <a:t>The locals are interesting</a:t>
+            </a:r>
+          </a:p>
+          <a:p>
+            <a:pPr lvl="1"/>
+            <a:r>
+              <a:rPr lang="en-US" dirty="0" err="1"/>
+              <a:t>myAccount</a:t>
+            </a:r>
+            <a:r>
+              <a:rPr lang="en-US" dirty="0"/>
+              <a:t> points to </a:t>
+            </a:r>
+            <a:r>
+              <a:rPr lang="en-US" dirty="0" err="1"/>
+              <a:t>myAccount</a:t>
+            </a:r>
+            <a:r>
+              <a:rPr lang="en-US" dirty="0"/>
+              <a:t> or myAccount0 </a:t>
+            </a:r>
+            <a:r>
+              <a:rPr lang="en-US" dirty="0" err="1"/>
+              <a:t>etc</a:t>
+            </a:r>
+            <a:r>
+              <a:rPr lang="en-US" dirty="0"/>
+              <a:t> as the case may be in </a:t>
+            </a:r>
+            <a:r>
+              <a:rPr lang="en-US" dirty="0" err="1"/>
+              <a:t>symb</a:t>
+            </a:r>
+            <a:r>
+              <a:rPr lang="en-US" dirty="0"/>
+              <a:t> execution</a:t>
+            </a:r>
+          </a:p>
+          <a:p>
+            <a:r>
+              <a:rPr lang="en-US" dirty="0"/>
+              <a:t>The assumption has </a:t>
+            </a:r>
+            <a:r>
+              <a:rPr lang="en-US" dirty="0" err="1"/>
+              <a:t>myAccount</a:t>
+            </a:r>
+            <a:r>
+              <a:rPr lang="en-US" dirty="0"/>
+              <a:t> != 0 which indicates that the malloc succeeded</a:t>
+            </a:r>
+          </a:p>
+          <a:p>
+            <a:pPr lvl="1"/>
+            <a:r>
+              <a:rPr lang="en-US" dirty="0"/>
+              <a:t>Of interest to node</a:t>
+            </a:r>
+          </a:p>
+          <a:p>
+            <a:pPr lvl="2"/>
+            <a:r>
+              <a:rPr lang="en-US" dirty="0"/>
+              <a:t>Symbols : … symbolic names allocated …</a:t>
+            </a:r>
+          </a:p>
+          <a:p>
+            <a:pPr lvl="2"/>
+            <a:r>
+              <a:rPr lang="en-US" dirty="0"/>
+              <a:t>Assumptions : what path assumptions hold</a:t>
+            </a:r>
+          </a:p>
+          <a:p>
+            <a:pPr lvl="2"/>
+            <a:r>
+              <a:rPr lang="en-US" dirty="0"/>
+              <a:t>Heap chunks : what heaps exist</a:t>
+            </a:r>
+          </a:p>
+          <a:p>
+            <a:pPr lvl="2"/>
+            <a:r>
+              <a:rPr lang="en-US" dirty="0"/>
+              <a:t>Locals : how the locals are bound to the allocated symbols</a:t>
+            </a:r>
+          </a:p>
+          <a:p>
+            <a:pPr lvl="1"/>
+            <a:r>
+              <a:rPr lang="en-US" dirty="0" err="1"/>
+              <a:t>Account_balance</a:t>
+            </a:r>
+            <a:r>
+              <a:rPr lang="en-US" dirty="0"/>
+              <a:t>(</a:t>
+            </a:r>
+            <a:r>
+              <a:rPr lang="en-US" dirty="0" err="1"/>
+              <a:t>myAccount</a:t>
+            </a:r>
+            <a:r>
+              <a:rPr lang="en-US" dirty="0"/>
+              <a:t>, value –&gt; changes to </a:t>
+            </a:r>
+            <a:r>
+              <a:rPr lang="en-US" dirty="0">
+                <a:sym typeface="Wingdings" pitchFamily="2" charset="2"/>
+              </a:rPr>
+              <a:t> 5 )</a:t>
+            </a:r>
+            <a:endParaRPr lang="en-US" dirty="0"/>
+          </a:p>
+        </p:txBody>
+      </p:sp>
+    </p:spTree>
+    <p:extLst>
+      <p:ext uri="{BB962C8B-B14F-4D97-AF65-F5344CB8AC3E}">
+        <p14:creationId xmlns:p14="http://schemas.microsoft.com/office/powerpoint/2010/main" val="3203921604"/>
+      </p:ext>
+    </p:extLst>
+  </p:cSld>
+  <p:clrMapOvr>
+    <a:masterClrMapping/>
+  </p:clrMapOvr>
+</p:sld>
+</file>
+
+<file path=ppt/slides/slide33.xml><?xml version="1.0" encoding="utf-8"?>
+<p:sld xmlns:a="http://schemas.openxmlformats.org/drawingml/2006/main" xmlns:r="http://schemas.openxmlformats.org/officeDocument/2006/relationships" xmlns:p="http://schemas.openxmlformats.org/presentationml/2006/main">
+  <p:cSld>
+    <p:spTree>
+      <p:nvGrpSpPr>
+        <p:cNvPr id="1" name=""/>
+        <p:cNvGrpSpPr/>
+        <p:nvPr/>
+      </p:nvGrpSpPr>
+      <p:grpSpPr>
+        <a:xfrm>
+          <a:off x="0" y="0"/>
+          <a:ext cx="0" cy="0"/>
+          <a:chOff x="0" y="0"/>
+          <a:chExt cx="0" cy="0"/>
+        </a:xfrm>
+      </p:grpSpPr>
+      <p:sp>
+        <p:nvSpPr>
+          <p:cNvPr id="2" name="Title 1">
+            <a:extLst>
+              <a:ext uri="{FF2B5EF4-FFF2-40B4-BE49-F238E27FC236}">
+                <a16:creationId xmlns:a16="http://schemas.microsoft.com/office/drawing/2014/main" id="{5214BD27-BDF5-664D-9D83-54A21FCDACF0}"/>
+              </a:ext>
+            </a:extLst>
+          </p:cNvPr>
+          <p:cNvSpPr>
+            <a:spLocks noGrp="1"/>
+          </p:cNvSpPr>
+          <p:nvPr>
+            <p:ph type="title"/>
+          </p:nvPr>
+        </p:nvSpPr>
+        <p:spPr>
+          <a:xfrm>
+            <a:off x="838200" y="365126"/>
+            <a:ext cx="11205754" cy="618286"/>
+          </a:xfrm>
+        </p:spPr>
+        <p:txBody>
+          <a:bodyPr>
+            <a:normAutofit fontScale="90000"/>
+          </a:bodyPr>
+          <a:lstStyle/>
+          <a:p>
+            <a:r>
+              <a:rPr lang="en-US" dirty="0" err="1"/>
+              <a:t>Verifast</a:t>
+            </a:r>
+            <a:r>
+              <a:rPr lang="en-US" dirty="0"/>
+              <a:t> Tutorial</a:t>
+            </a:r>
+          </a:p>
+        </p:txBody>
+      </p:sp>
+      <p:sp>
+        <p:nvSpPr>
+          <p:cNvPr id="5" name="Content Placeholder 4">
+            <a:extLst>
+              <a:ext uri="{FF2B5EF4-FFF2-40B4-BE49-F238E27FC236}">
+                <a16:creationId xmlns:a16="http://schemas.microsoft.com/office/drawing/2014/main" id="{C889DA17-52DA-2B4D-BC3F-5CFA3FFFEF8D}"/>
+              </a:ext>
+            </a:extLst>
+          </p:cNvPr>
+          <p:cNvSpPr>
+            <a:spLocks noGrp="1"/>
+          </p:cNvSpPr>
+          <p:nvPr>
+            <p:ph idx="1"/>
+          </p:nvPr>
+        </p:nvSpPr>
+        <p:spPr>
+          <a:xfrm>
+            <a:off x="838200" y="1393902"/>
+            <a:ext cx="10515600" cy="4783061"/>
+          </a:xfrm>
+        </p:spPr>
+        <p:txBody>
+          <a:bodyPr>
+            <a:normAutofit/>
+          </a:bodyPr>
+          <a:lstStyle/>
+          <a:p>
+            <a:r>
+              <a:rPr lang="en-US" dirty="0"/>
+              <a:t>Consuming assertion</a:t>
+            </a:r>
+          </a:p>
+          <a:p>
+            <a:pPr lvl="1"/>
+            <a:r>
+              <a:rPr lang="en-US" dirty="0"/>
+              <a:t>Then cleaning up dummy fraction chunks</a:t>
+            </a:r>
+          </a:p>
+          <a:p>
+            <a:pPr lvl="1"/>
+            <a:r>
+              <a:rPr lang="en-US" dirty="0"/>
+              <a:t>Then leak check</a:t>
+            </a:r>
+          </a:p>
+          <a:p>
+            <a:r>
+              <a:rPr lang="en-US" dirty="0"/>
+              <a:t>Changing allocation to stack allocation to see why </a:t>
+            </a:r>
+            <a:r>
+              <a:rPr lang="en-US" dirty="0" err="1"/>
+              <a:t>account_balance</a:t>
+            </a:r>
+            <a:r>
+              <a:rPr lang="en-US" dirty="0"/>
+              <a:t> and </a:t>
+            </a:r>
+            <a:r>
+              <a:rPr lang="en-US" dirty="0" err="1"/>
+              <a:t>malloc_block_account</a:t>
+            </a:r>
+            <a:r>
+              <a:rPr lang="en-US" dirty="0"/>
+              <a:t> are allocated in the former code</a:t>
+            </a:r>
+          </a:p>
+        </p:txBody>
+      </p:sp>
+    </p:spTree>
+    <p:extLst>
+      <p:ext uri="{BB962C8B-B14F-4D97-AF65-F5344CB8AC3E}">
+        <p14:creationId xmlns:p14="http://schemas.microsoft.com/office/powerpoint/2010/main" val="1301678387"/>
+      </p:ext>
+    </p:extLst>
+  </p:cSld>
+  <p:clrMapOvr>
+    <a:masterClrMapping/>
+  </p:clrMapOvr>
+</p:sld>
+</file>
+
+<file path=ppt/slides/slide34.xml><?xml version="1.0" encoding="utf-8"?>
+<p:sld xmlns:a="http://schemas.openxmlformats.org/drawingml/2006/main" xmlns:r="http://schemas.openxmlformats.org/officeDocument/2006/relationships" xmlns:p="http://schemas.openxmlformats.org/presentationml/2006/main">
+  <p:cSld>
+    <p:spTree>
+      <p:nvGrpSpPr>
+        <p:cNvPr id="1" name=""/>
+        <p:cNvGrpSpPr/>
+        <p:nvPr/>
+      </p:nvGrpSpPr>
+      <p:grpSpPr>
+        <a:xfrm>
+          <a:off x="0" y="0"/>
+          <a:ext cx="0" cy="0"/>
+          <a:chOff x="0" y="0"/>
+          <a:chExt cx="0" cy="0"/>
+        </a:xfrm>
+      </p:grpSpPr>
+      <p:sp>
+        <p:nvSpPr>
+          <p:cNvPr id="2" name="Title 1">
+            <a:extLst>
+              <a:ext uri="{FF2B5EF4-FFF2-40B4-BE49-F238E27FC236}">
+                <a16:creationId xmlns:a16="http://schemas.microsoft.com/office/drawing/2014/main" id="{AF56E6B5-727F-D04B-BCC7-1BFB8AB902F0}"/>
+              </a:ext>
+            </a:extLst>
+          </p:cNvPr>
+          <p:cNvSpPr>
+            <a:spLocks noGrp="1"/>
+          </p:cNvSpPr>
+          <p:nvPr>
+            <p:ph type="title"/>
+          </p:nvPr>
+        </p:nvSpPr>
+        <p:spPr/>
+        <p:txBody>
+          <a:bodyPr>
+            <a:normAutofit fontScale="90000"/>
+          </a:bodyPr>
+          <a:lstStyle/>
+          <a:p>
+            <a:r>
+              <a:rPr lang="en-US" dirty="0"/>
+              <a:t>Saved code</a:t>
+            </a:r>
+          </a:p>
+        </p:txBody>
+      </p:sp>
+      <p:sp>
+        <p:nvSpPr>
+          <p:cNvPr id="3" name="Content Placeholder 2">
+            <a:extLst>
+              <a:ext uri="{FF2B5EF4-FFF2-40B4-BE49-F238E27FC236}">
+                <a16:creationId xmlns:a16="http://schemas.microsoft.com/office/drawing/2014/main" id="{7F154749-F06B-A44F-966B-C4AADE1A9EE6}"/>
+              </a:ext>
+            </a:extLst>
+          </p:cNvPr>
+          <p:cNvSpPr>
+            <a:spLocks noGrp="1"/>
+          </p:cNvSpPr>
+          <p:nvPr>
+            <p:ph idx="1"/>
+          </p:nvPr>
+        </p:nvSpPr>
+        <p:spPr/>
+        <p:txBody>
+          <a:bodyPr>
+            <a:normAutofit fontScale="32500" lnSpcReduction="20000"/>
+          </a:bodyPr>
+          <a:lstStyle/>
+          <a:p>
+            <a:pPr marL="0" indent="0">
+              <a:buNone/>
+            </a:pPr>
+            <a:r>
+              <a:rPr lang="en-US" dirty="0"/>
+              <a:t>Saved code</a:t>
+            </a:r>
+          </a:p>
+          <a:p>
+            <a:pPr marL="0" indent="0">
+              <a:buNone/>
+            </a:pPr>
+            <a:r>
+              <a:rPr lang="en-US" dirty="0"/>
+              <a:t>#include "</a:t>
+            </a:r>
+            <a:r>
+              <a:rPr lang="en-US" dirty="0" err="1"/>
+              <a:t>stdlib.h</a:t>
+            </a:r>
+            <a:r>
+              <a:rPr lang="en-US" dirty="0"/>
+              <a:t>"</a:t>
+            </a:r>
+          </a:p>
+          <a:p>
+            <a:pPr marL="0" indent="0">
+              <a:buNone/>
+            </a:pPr>
+            <a:endParaRPr lang="en-US" dirty="0"/>
+          </a:p>
+          <a:p>
+            <a:pPr marL="0" indent="0">
+              <a:buNone/>
+            </a:pPr>
+            <a:r>
+              <a:rPr lang="en-US" dirty="0"/>
+              <a:t>struct account {</a:t>
+            </a:r>
+          </a:p>
+          <a:p>
+            <a:pPr marL="0" indent="0">
+              <a:buNone/>
+            </a:pPr>
+            <a:r>
+              <a:rPr lang="en-US" dirty="0"/>
+              <a:t>    int balance;</a:t>
+            </a:r>
+          </a:p>
+          <a:p>
+            <a:pPr marL="0" indent="0">
+              <a:buNone/>
+            </a:pPr>
+            <a:r>
+              <a:rPr lang="en-US" dirty="0"/>
+              <a:t>};</a:t>
+            </a:r>
+          </a:p>
+          <a:p>
+            <a:pPr marL="0" indent="0">
+              <a:buNone/>
+            </a:pPr>
+            <a:endParaRPr lang="en-US" dirty="0"/>
+          </a:p>
+          <a:p>
+            <a:pPr marL="0" indent="0">
+              <a:buNone/>
+            </a:pPr>
+            <a:r>
+              <a:rPr lang="en-US" dirty="0"/>
+              <a:t>int main()</a:t>
+            </a:r>
+          </a:p>
+          <a:p>
+            <a:pPr marL="0" indent="0">
+              <a:buNone/>
+            </a:pPr>
+            <a:r>
+              <a:rPr lang="en-US" dirty="0"/>
+              <a:t>    //@ requires true;</a:t>
+            </a:r>
+          </a:p>
+          <a:p>
+            <a:pPr marL="0" indent="0">
+              <a:buNone/>
+            </a:pPr>
+            <a:r>
+              <a:rPr lang="en-US" dirty="0"/>
+              <a:t>    //@ ensures true;</a:t>
+            </a:r>
+          </a:p>
+          <a:p>
+            <a:pPr marL="0" indent="0">
+              <a:buNone/>
+            </a:pPr>
+            <a:r>
+              <a:rPr lang="en-US" dirty="0"/>
+              <a:t>{</a:t>
+            </a:r>
+          </a:p>
+          <a:p>
+            <a:pPr marL="0" indent="0">
+              <a:buNone/>
+            </a:pPr>
+            <a:r>
+              <a:rPr lang="en-US" dirty="0"/>
+              <a:t>    struct account *</a:t>
+            </a:r>
+            <a:r>
+              <a:rPr lang="en-US" dirty="0" err="1"/>
+              <a:t>myAccount</a:t>
+            </a:r>
+            <a:r>
+              <a:rPr lang="en-US" dirty="0"/>
+              <a:t> = malloc(</a:t>
+            </a:r>
+            <a:r>
+              <a:rPr lang="en-US" dirty="0" err="1"/>
+              <a:t>sizeof</a:t>
+            </a:r>
+            <a:r>
+              <a:rPr lang="en-US" dirty="0"/>
+              <a:t>(struct account));</a:t>
+            </a:r>
+          </a:p>
+          <a:p>
+            <a:pPr marL="0" indent="0">
+              <a:buNone/>
+            </a:pPr>
+            <a:r>
+              <a:rPr lang="en-US" dirty="0"/>
+              <a:t>    if (</a:t>
+            </a:r>
+            <a:r>
+              <a:rPr lang="en-US" dirty="0" err="1"/>
+              <a:t>myAccount</a:t>
+            </a:r>
+            <a:r>
+              <a:rPr lang="en-US" dirty="0"/>
+              <a:t> == 0) { abort(); } </a:t>
+            </a:r>
+          </a:p>
+          <a:p>
+            <a:pPr marL="0" indent="0">
+              <a:buNone/>
+            </a:pPr>
+            <a:r>
+              <a:rPr lang="en-US" dirty="0"/>
+              <a:t>   </a:t>
+            </a:r>
+          </a:p>
+          <a:p>
+            <a:pPr marL="0" indent="0">
+              <a:buNone/>
+            </a:pPr>
+            <a:r>
+              <a:rPr lang="en-US" dirty="0"/>
+              <a:t>    </a:t>
+            </a:r>
+            <a:r>
+              <a:rPr lang="en-US" dirty="0" err="1"/>
+              <a:t>myAccount</a:t>
+            </a:r>
+            <a:r>
+              <a:rPr lang="en-US" dirty="0"/>
+              <a:t>-&gt;balance = 5;</a:t>
+            </a:r>
+          </a:p>
+          <a:p>
+            <a:pPr marL="0" indent="0">
+              <a:buNone/>
+            </a:pPr>
+            <a:r>
+              <a:rPr lang="en-US" dirty="0"/>
+              <a:t>    free(</a:t>
+            </a:r>
+            <a:r>
+              <a:rPr lang="en-US" dirty="0" err="1"/>
+              <a:t>myAccount</a:t>
+            </a:r>
+            <a:r>
+              <a:rPr lang="en-US" dirty="0"/>
+              <a:t>);</a:t>
+            </a:r>
+          </a:p>
+          <a:p>
+            <a:pPr marL="0" indent="0">
+              <a:buNone/>
+            </a:pPr>
+            <a:r>
+              <a:rPr lang="en-US" dirty="0"/>
+              <a:t>  </a:t>
+            </a:r>
+          </a:p>
+          <a:p>
+            <a:pPr marL="0" indent="0">
+              <a:buNone/>
+            </a:pPr>
+            <a:r>
+              <a:rPr lang="en-US" dirty="0"/>
+              <a:t>    return 0;</a:t>
+            </a:r>
+          </a:p>
+          <a:p>
+            <a:pPr marL="0" indent="0">
+              <a:buNone/>
+            </a:pPr>
+            <a:r>
+              <a:rPr lang="en-US" dirty="0"/>
+              <a:t>}</a:t>
+            </a:r>
+          </a:p>
+          <a:p>
+            <a:pPr marL="0" indent="0">
+              <a:buNone/>
+            </a:pPr>
+            <a:endParaRPr lang="en-US" dirty="0"/>
+          </a:p>
+        </p:txBody>
+      </p:sp>
+    </p:spTree>
+    <p:extLst>
+      <p:ext uri="{BB962C8B-B14F-4D97-AF65-F5344CB8AC3E}">
+        <p14:creationId xmlns:p14="http://schemas.microsoft.com/office/powerpoint/2010/main" val="1298501464"/>
+      </p:ext>
+    </p:extLst>
+  </p:cSld>
+  <p:clrMapOvr>
+    <a:masterClrMapping/>
+  </p:clrMapOvr>
+</p:sld>
+</file>
+
+<file path=ppt/slides/slide35.xml><?xml version="1.0" encoding="utf-8"?>
+<p:sld xmlns:a="http://schemas.openxmlformats.org/drawingml/2006/main" xmlns:r="http://schemas.openxmlformats.org/officeDocument/2006/relationships" xmlns:p="http://schemas.openxmlformats.org/presentationml/2006/main">
+  <p:cSld>
+    <p:spTree>
+      <p:nvGrpSpPr>
+        <p:cNvPr id="1" name=""/>
+        <p:cNvGrpSpPr/>
+        <p:nvPr/>
+      </p:nvGrpSpPr>
+      <p:grpSpPr>
+        <a:xfrm>
+          <a:off x="0" y="0"/>
+          <a:ext cx="0" cy="0"/>
+          <a:chOff x="0" y="0"/>
+          <a:chExt cx="0" cy="0"/>
+        </a:xfrm>
+      </p:grpSpPr>
+      <p:sp>
+        <p:nvSpPr>
+          <p:cNvPr id="2" name="Title 1">
+            <a:extLst>
+              <a:ext uri="{FF2B5EF4-FFF2-40B4-BE49-F238E27FC236}">
+                <a16:creationId xmlns:a16="http://schemas.microsoft.com/office/drawing/2014/main" id="{AF56E6B5-727F-D04B-BCC7-1BFB8AB902F0}"/>
+              </a:ext>
+            </a:extLst>
+          </p:cNvPr>
+          <p:cNvSpPr>
+            <a:spLocks noGrp="1"/>
+          </p:cNvSpPr>
+          <p:nvPr>
+            <p:ph type="title"/>
+          </p:nvPr>
+        </p:nvSpPr>
+        <p:spPr>
+          <a:xfrm>
+            <a:off x="838200" y="365126"/>
+            <a:ext cx="10515600" cy="1057274"/>
+          </a:xfrm>
+        </p:spPr>
+        <p:txBody>
+          <a:bodyPr>
+            <a:normAutofit fontScale="90000"/>
+          </a:bodyPr>
+          <a:lstStyle/>
+          <a:p>
+            <a:r>
+              <a:rPr lang="en-US" dirty="0"/>
+              <a:t>New code – error at “free” (no matching heap chunks)</a:t>
+            </a:r>
+          </a:p>
+        </p:txBody>
+      </p:sp>
+      <p:sp>
+        <p:nvSpPr>
+          <p:cNvPr id="3" name="Content Placeholder 2">
+            <a:extLst>
+              <a:ext uri="{FF2B5EF4-FFF2-40B4-BE49-F238E27FC236}">
+                <a16:creationId xmlns:a16="http://schemas.microsoft.com/office/drawing/2014/main" id="{7F154749-F06B-A44F-966B-C4AADE1A9EE6}"/>
+              </a:ext>
+            </a:extLst>
+          </p:cNvPr>
+          <p:cNvSpPr>
+            <a:spLocks noGrp="1"/>
+          </p:cNvSpPr>
+          <p:nvPr>
+            <p:ph idx="1"/>
+          </p:nvPr>
+        </p:nvSpPr>
+        <p:spPr/>
+        <p:txBody>
+          <a:bodyPr>
+            <a:normAutofit fontScale="32500" lnSpcReduction="20000"/>
+          </a:bodyPr>
+          <a:lstStyle/>
+          <a:p>
+            <a:pPr marL="0" indent="0">
+              <a:buNone/>
+            </a:pPr>
+            <a:r>
+              <a:rPr lang="en-US" dirty="0"/>
+              <a:t>#include "</a:t>
+            </a:r>
+            <a:r>
+              <a:rPr lang="en-US" dirty="0" err="1"/>
+              <a:t>stdlib.h</a:t>
+            </a:r>
+            <a:r>
+              <a:rPr lang="en-US" dirty="0"/>
+              <a:t>"</a:t>
+            </a:r>
+          </a:p>
+          <a:p>
+            <a:pPr marL="0" indent="0">
+              <a:buNone/>
+            </a:pPr>
+            <a:endParaRPr lang="en-US" dirty="0"/>
+          </a:p>
+          <a:p>
+            <a:pPr marL="0" indent="0">
+              <a:buNone/>
+            </a:pPr>
+            <a:r>
+              <a:rPr lang="en-US" dirty="0"/>
+              <a:t>struct account {</a:t>
+            </a:r>
+          </a:p>
+          <a:p>
+            <a:pPr marL="0" indent="0">
+              <a:buNone/>
+            </a:pPr>
+            <a:r>
+              <a:rPr lang="en-US" dirty="0"/>
+              <a:t>    int balance;</a:t>
+            </a:r>
+          </a:p>
+          <a:p>
+            <a:pPr marL="0" indent="0">
+              <a:buNone/>
+            </a:pPr>
+            <a:r>
+              <a:rPr lang="en-US" dirty="0"/>
+              <a:t>};</a:t>
+            </a:r>
+          </a:p>
+          <a:p>
+            <a:pPr marL="0" indent="0">
+              <a:buNone/>
+            </a:pPr>
+            <a:endParaRPr lang="en-US" dirty="0"/>
+          </a:p>
+          <a:p>
+            <a:pPr marL="0" indent="0">
+              <a:buNone/>
+            </a:pPr>
+            <a:r>
+              <a:rPr lang="en-US" dirty="0"/>
+              <a:t>int main()</a:t>
+            </a:r>
+          </a:p>
+          <a:p>
+            <a:pPr marL="0" indent="0">
+              <a:buNone/>
+            </a:pPr>
+            <a:r>
+              <a:rPr lang="en-US" dirty="0"/>
+              <a:t>    //@ requires true;</a:t>
+            </a:r>
+          </a:p>
+          <a:p>
+            <a:pPr marL="0" indent="0">
+              <a:buNone/>
+            </a:pPr>
+            <a:r>
+              <a:rPr lang="en-US" dirty="0"/>
+              <a:t>    //@ ensures true;</a:t>
+            </a:r>
+          </a:p>
+          <a:p>
+            <a:pPr marL="0" indent="0">
+              <a:buNone/>
+            </a:pPr>
+            <a:r>
+              <a:rPr lang="en-US" dirty="0"/>
+              <a:t>{</a:t>
+            </a:r>
+          </a:p>
+          <a:p>
+            <a:pPr marL="0" indent="0">
+              <a:buNone/>
+            </a:pPr>
+            <a:r>
+              <a:rPr lang="en-US" dirty="0"/>
+              <a:t>    struct account </a:t>
+            </a:r>
+            <a:r>
+              <a:rPr lang="en-US" dirty="0" err="1"/>
+              <a:t>myAccountLocal</a:t>
+            </a:r>
+            <a:r>
+              <a:rPr lang="en-US" dirty="0"/>
+              <a:t>;</a:t>
+            </a:r>
+          </a:p>
+          <a:p>
+            <a:pPr marL="0" indent="0">
+              <a:buNone/>
+            </a:pPr>
+            <a:r>
+              <a:rPr lang="en-US" dirty="0"/>
+              <a:t>    struct account *</a:t>
+            </a:r>
+            <a:r>
+              <a:rPr lang="en-US" dirty="0" err="1"/>
+              <a:t>myAccount</a:t>
+            </a:r>
+            <a:r>
+              <a:rPr lang="en-US" dirty="0"/>
+              <a:t> = &amp;</a:t>
+            </a:r>
+            <a:r>
+              <a:rPr lang="en-US" dirty="0" err="1"/>
+              <a:t>myAccountLocal</a:t>
+            </a:r>
+            <a:r>
+              <a:rPr lang="en-US" dirty="0"/>
+              <a:t>;</a:t>
+            </a:r>
+          </a:p>
+          <a:p>
+            <a:pPr marL="0" indent="0">
+              <a:buNone/>
+            </a:pPr>
+            <a:r>
+              <a:rPr lang="en-US" dirty="0"/>
+              <a:t> </a:t>
+            </a:r>
+          </a:p>
+          <a:p>
+            <a:pPr marL="0" indent="0">
+              <a:buNone/>
+            </a:pPr>
+            <a:r>
+              <a:rPr lang="en-US" dirty="0"/>
+              <a:t>    </a:t>
+            </a:r>
+            <a:r>
+              <a:rPr lang="en-US" dirty="0" err="1"/>
+              <a:t>myAccount</a:t>
+            </a:r>
+            <a:r>
+              <a:rPr lang="en-US" dirty="0"/>
+              <a:t>-&gt;balance = 5;</a:t>
+            </a:r>
+          </a:p>
+          <a:p>
+            <a:pPr marL="0" indent="0">
+              <a:buNone/>
+            </a:pPr>
+            <a:r>
+              <a:rPr lang="en-US" dirty="0"/>
+              <a:t>    free(</a:t>
+            </a:r>
+            <a:r>
+              <a:rPr lang="en-US" dirty="0" err="1"/>
+              <a:t>myAccount</a:t>
+            </a:r>
+            <a:r>
+              <a:rPr lang="en-US" dirty="0"/>
+              <a:t>);</a:t>
+            </a:r>
+          </a:p>
+          <a:p>
+            <a:pPr marL="0" indent="0">
+              <a:buNone/>
+            </a:pPr>
+            <a:r>
+              <a:rPr lang="en-US" dirty="0"/>
+              <a:t>  </a:t>
+            </a:r>
+          </a:p>
+          <a:p>
+            <a:pPr marL="0" indent="0">
+              <a:buNone/>
+            </a:pPr>
+            <a:r>
+              <a:rPr lang="en-US" dirty="0"/>
+              <a:t>    return 0;</a:t>
+            </a:r>
+          </a:p>
+          <a:p>
+            <a:pPr marL="0" indent="0">
+              <a:buNone/>
+            </a:pPr>
+            <a:r>
+              <a:rPr lang="en-US" dirty="0"/>
+              <a:t>}</a:t>
+            </a:r>
+          </a:p>
+          <a:p>
+            <a:pPr marL="0" indent="0">
+              <a:buNone/>
+            </a:pPr>
+            <a:endParaRPr lang="en-US" dirty="0"/>
+          </a:p>
+          <a:p>
+            <a:pPr marL="0" indent="0">
+              <a:buNone/>
+            </a:pPr>
+            <a:endParaRPr lang="en-US" dirty="0"/>
+          </a:p>
+        </p:txBody>
+      </p:sp>
+    </p:spTree>
+    <p:extLst>
+      <p:ext uri="{BB962C8B-B14F-4D97-AF65-F5344CB8AC3E}">
+        <p14:creationId xmlns:p14="http://schemas.microsoft.com/office/powerpoint/2010/main" val="4181603218"/>
+      </p:ext>
+    </p:extLst>
+  </p:cSld>
+  <p:clrMapOvr>
+    <a:masterClrMapping/>
+  </p:clrMapOvr>
+</p:sld>
+</file>
+
+<file path=ppt/slides/slide36.xml><?xml version="1.0" encoding="utf-8"?>
+<p:sld xmlns:a="http://schemas.openxmlformats.org/drawingml/2006/main" xmlns:r="http://schemas.openxmlformats.org/officeDocument/2006/relationships" xmlns:p="http://schemas.openxmlformats.org/presentationml/2006/main">
+  <p:cSld>
+    <p:spTree>
+      <p:nvGrpSpPr>
+        <p:cNvPr id="1" name=""/>
+        <p:cNvGrpSpPr/>
+        <p:nvPr/>
+      </p:nvGrpSpPr>
+      <p:grpSpPr>
+        <a:xfrm>
+          <a:off x="0" y="0"/>
+          <a:ext cx="0" cy="0"/>
+          <a:chOff x="0" y="0"/>
+          <a:chExt cx="0" cy="0"/>
+        </a:xfrm>
+      </p:grpSpPr>
+      <p:sp>
+        <p:nvSpPr>
+          <p:cNvPr id="2" name="Title 1">
+            <a:extLst>
+              <a:ext uri="{FF2B5EF4-FFF2-40B4-BE49-F238E27FC236}">
+                <a16:creationId xmlns:a16="http://schemas.microsoft.com/office/drawing/2014/main" id="{5214BD27-BDF5-664D-9D83-54A21FCDACF0}"/>
+              </a:ext>
+            </a:extLst>
+          </p:cNvPr>
+          <p:cNvSpPr>
+            <a:spLocks noGrp="1"/>
+          </p:cNvSpPr>
+          <p:nvPr>
+            <p:ph type="title"/>
+          </p:nvPr>
+        </p:nvSpPr>
+        <p:spPr>
+          <a:xfrm>
+            <a:off x="838200" y="365126"/>
+            <a:ext cx="11205754" cy="618286"/>
+          </a:xfrm>
+        </p:spPr>
+        <p:txBody>
+          <a:bodyPr>
+            <a:normAutofit fontScale="90000"/>
+          </a:bodyPr>
+          <a:lstStyle/>
+          <a:p>
+            <a:r>
+              <a:rPr lang="en-US" dirty="0" err="1"/>
+              <a:t>Verifast</a:t>
+            </a:r>
+            <a:r>
+              <a:rPr lang="en-US" dirty="0"/>
+              <a:t> Tutorial</a:t>
+            </a:r>
+          </a:p>
+        </p:txBody>
+      </p:sp>
+      <p:sp>
+        <p:nvSpPr>
+          <p:cNvPr id="5" name="Content Placeholder 4">
+            <a:extLst>
+              <a:ext uri="{FF2B5EF4-FFF2-40B4-BE49-F238E27FC236}">
+                <a16:creationId xmlns:a16="http://schemas.microsoft.com/office/drawing/2014/main" id="{C889DA17-52DA-2B4D-BC3F-5CFA3FFFEF8D}"/>
+              </a:ext>
+            </a:extLst>
+          </p:cNvPr>
+          <p:cNvSpPr>
+            <a:spLocks noGrp="1"/>
+          </p:cNvSpPr>
+          <p:nvPr>
+            <p:ph idx="1"/>
+          </p:nvPr>
+        </p:nvSpPr>
+        <p:spPr>
+          <a:xfrm>
+            <a:off x="838200" y="1393902"/>
+            <a:ext cx="10515600" cy="4783061"/>
+          </a:xfrm>
+        </p:spPr>
+        <p:txBody>
+          <a:bodyPr>
+            <a:normAutofit/>
+          </a:bodyPr>
+          <a:lstStyle/>
+          <a:p>
+            <a:r>
+              <a:rPr lang="en-US" dirty="0"/>
+              <a:t>Interesting things to note</a:t>
+            </a:r>
+          </a:p>
+          <a:p>
+            <a:pPr lvl="1"/>
+            <a:r>
+              <a:rPr lang="en-US" dirty="0" err="1"/>
+              <a:t>Account_balance</a:t>
+            </a:r>
+            <a:r>
+              <a:rPr lang="en-US" dirty="0"/>
+              <a:t>(</a:t>
+            </a:r>
+            <a:r>
+              <a:rPr lang="en-US" dirty="0" err="1"/>
+              <a:t>myAccountLocal_addr</a:t>
+            </a:r>
+            <a:r>
+              <a:rPr lang="en-US" dirty="0"/>
+              <a:t>, value)</a:t>
+            </a:r>
+          </a:p>
+          <a:p>
+            <a:pPr lvl="2"/>
+            <a:r>
+              <a:rPr lang="en-US" dirty="0"/>
+              <a:t>This has a stack entry address </a:t>
+            </a:r>
+            <a:r>
+              <a:rPr lang="en-US" dirty="0" err="1"/>
+              <a:t>myAccountLocal_addr</a:t>
+            </a:r>
+            <a:endParaRPr lang="en-US" dirty="0"/>
+          </a:p>
+          <a:p>
+            <a:pPr lvl="2"/>
+            <a:r>
+              <a:rPr lang="en-US" dirty="0"/>
+              <a:t>It holds “value”</a:t>
+            </a:r>
+          </a:p>
+          <a:p>
+            <a:pPr lvl="1"/>
+            <a:r>
+              <a:rPr lang="en-US" dirty="0"/>
+              <a:t>What is </a:t>
+            </a:r>
+            <a:r>
+              <a:rPr lang="en-US" dirty="0" err="1"/>
+              <a:t>struct_account_padding</a:t>
+            </a:r>
+            <a:r>
+              <a:rPr lang="en-US" dirty="0"/>
+              <a:t>(</a:t>
+            </a:r>
+            <a:r>
+              <a:rPr lang="en-US" dirty="0" err="1"/>
+              <a:t>myAccountLocal_addr</a:t>
+            </a:r>
+            <a:r>
+              <a:rPr lang="en-US" dirty="0"/>
+              <a:t>) ?</a:t>
+            </a:r>
+          </a:p>
+          <a:p>
+            <a:pPr lvl="2"/>
+            <a:r>
+              <a:rPr lang="en-US" dirty="0"/>
+              <a:t>Why are things being shown in heap?</a:t>
+            </a:r>
+          </a:p>
+          <a:p>
+            <a:r>
+              <a:rPr lang="en-US" dirty="0"/>
+              <a:t>Let us remove the free and see what happens</a:t>
+            </a:r>
+          </a:p>
+          <a:p>
+            <a:pPr lvl="1"/>
+            <a:r>
+              <a:rPr lang="en-US" dirty="0"/>
+              <a:t>Then, things verify</a:t>
+            </a:r>
+          </a:p>
+          <a:p>
+            <a:r>
+              <a:rPr lang="en-US" dirty="0"/>
+              <a:t>Observe “result” being assigned 0</a:t>
+            </a:r>
+          </a:p>
+          <a:p>
+            <a:pPr lvl="1"/>
+            <a:r>
+              <a:rPr lang="en-US" dirty="0"/>
+              <a:t>Designated return result</a:t>
+            </a:r>
+          </a:p>
+        </p:txBody>
+      </p:sp>
+    </p:spTree>
+    <p:extLst>
+      <p:ext uri="{BB962C8B-B14F-4D97-AF65-F5344CB8AC3E}">
+        <p14:creationId xmlns:p14="http://schemas.microsoft.com/office/powerpoint/2010/main" val="3615396557"/>
+      </p:ext>
+    </p:extLst>
+  </p:cSld>
+  <p:clrMapOvr>
+    <a:masterClrMapping/>
+  </p:clrMapOvr>
+</p:sld>
+</file>
+
+<file path=ppt/slides/slide37.xml><?xml version="1.0" encoding="utf-8"?>
+<p:sld xmlns:a="http://schemas.openxmlformats.org/drawingml/2006/main" xmlns:r="http://schemas.openxmlformats.org/officeDocument/2006/relationships" xmlns:p="http://schemas.openxmlformats.org/presentationml/2006/main">
+  <p:cSld>
+    <p:spTree>
+      <p:nvGrpSpPr>
+        <p:cNvPr id="1" name=""/>
+        <p:cNvGrpSpPr/>
+        <p:nvPr/>
+      </p:nvGrpSpPr>
+      <p:grpSpPr>
+        <a:xfrm>
+          <a:off x="0" y="0"/>
+          <a:ext cx="0" cy="0"/>
+          <a:chOff x="0" y="0"/>
+          <a:chExt cx="0" cy="0"/>
+        </a:xfrm>
+      </p:grpSpPr>
+      <p:sp>
+        <p:nvSpPr>
+          <p:cNvPr id="2" name="Title 1">
+            <a:extLst>
+              <a:ext uri="{FF2B5EF4-FFF2-40B4-BE49-F238E27FC236}">
+                <a16:creationId xmlns:a16="http://schemas.microsoft.com/office/drawing/2014/main" id="{BEFC9A74-8AEC-194C-B448-836D0925B4C2}"/>
+              </a:ext>
+            </a:extLst>
+          </p:cNvPr>
+          <p:cNvSpPr>
+            <a:spLocks noGrp="1"/>
+          </p:cNvSpPr>
+          <p:nvPr>
+            <p:ph type="title"/>
+          </p:nvPr>
+        </p:nvSpPr>
+        <p:spPr/>
+        <p:txBody>
+          <a:bodyPr>
+            <a:normAutofit fontScale="90000"/>
+          </a:bodyPr>
+          <a:lstStyle/>
+          <a:p>
+            <a:r>
+              <a:rPr lang="en-US" dirty="0"/>
+              <a:t>By looking at heap-chunks owned, form spec</a:t>
+            </a:r>
+          </a:p>
+        </p:txBody>
+      </p:sp>
+      <p:sp>
+        <p:nvSpPr>
+          <p:cNvPr id="3" name="Content Placeholder 2">
+            <a:extLst>
+              <a:ext uri="{FF2B5EF4-FFF2-40B4-BE49-F238E27FC236}">
+                <a16:creationId xmlns:a16="http://schemas.microsoft.com/office/drawing/2014/main" id="{2E836A4E-1887-124C-A5EB-0AC04EAE108F}"/>
+              </a:ext>
+            </a:extLst>
+          </p:cNvPr>
+          <p:cNvSpPr>
+            <a:spLocks noGrp="1"/>
+          </p:cNvSpPr>
+          <p:nvPr>
+            <p:ph idx="1"/>
+          </p:nvPr>
+        </p:nvSpPr>
+        <p:spPr/>
+        <p:txBody>
+          <a:bodyPr>
+            <a:normAutofit fontScale="25000" lnSpcReduction="20000"/>
+          </a:bodyPr>
+          <a:lstStyle/>
+          <a:p>
+            <a:pPr marL="0" indent="0">
+              <a:buNone/>
+            </a:pPr>
+            <a:r>
+              <a:rPr lang="en-US" dirty="0"/>
+              <a:t>include "</a:t>
+            </a:r>
+            <a:r>
+              <a:rPr lang="en-US" dirty="0" err="1"/>
+              <a:t>stdlib.h</a:t>
+            </a:r>
+            <a:r>
+              <a:rPr lang="en-US" dirty="0"/>
+              <a:t>"</a:t>
+            </a:r>
+          </a:p>
+          <a:p>
+            <a:pPr marL="0" indent="0">
+              <a:buNone/>
+            </a:pPr>
+            <a:r>
+              <a:rPr lang="en-US" dirty="0"/>
+              <a:t>struct account </a:t>
+            </a:r>
+          </a:p>
+          <a:p>
+            <a:pPr marL="0" indent="0">
+              <a:buNone/>
+            </a:pPr>
+            <a:r>
+              <a:rPr lang="en-US" dirty="0"/>
+              <a:t>{ </a:t>
+            </a:r>
+          </a:p>
+          <a:p>
+            <a:pPr marL="0" indent="0">
+              <a:buNone/>
+            </a:pPr>
+            <a:r>
+              <a:rPr lang="en-US" dirty="0"/>
+              <a:t> int balance;</a:t>
+            </a:r>
+          </a:p>
+          <a:p>
+            <a:pPr marL="0" indent="0">
+              <a:buNone/>
+            </a:pPr>
+            <a:r>
+              <a:rPr lang="en-US" dirty="0"/>
+              <a:t>};</a:t>
+            </a:r>
+          </a:p>
+          <a:p>
+            <a:pPr marL="0" indent="0">
+              <a:buNone/>
+            </a:pPr>
+            <a:r>
+              <a:rPr lang="en-US" dirty="0"/>
+              <a:t>/*</a:t>
+            </a:r>
+          </a:p>
+          <a:p>
+            <a:pPr marL="0" indent="0">
+              <a:buNone/>
+            </a:pPr>
+            <a:r>
+              <a:rPr lang="en-US" dirty="0"/>
+              <a:t>predicate </a:t>
+            </a:r>
+            <a:r>
+              <a:rPr lang="en-US" dirty="0" err="1"/>
+              <a:t>account_pred</a:t>
+            </a:r>
+            <a:r>
+              <a:rPr lang="en-US" dirty="0"/>
+              <a:t>(struct account *</a:t>
+            </a:r>
+            <a:r>
+              <a:rPr lang="en-US" dirty="0" err="1"/>
+              <a:t>myAccount</a:t>
+            </a:r>
+            <a:r>
+              <a:rPr lang="en-US" dirty="0"/>
+              <a:t>, int </a:t>
+            </a:r>
+            <a:r>
+              <a:rPr lang="en-US" dirty="0" err="1"/>
+              <a:t>theLimit</a:t>
+            </a:r>
+            <a:r>
+              <a:rPr lang="en-US" dirty="0"/>
+              <a:t>, int </a:t>
+            </a:r>
+            <a:r>
+              <a:rPr lang="en-US" dirty="0" err="1"/>
+              <a:t>theBalance</a:t>
+            </a:r>
+            <a:r>
+              <a:rPr lang="en-US" dirty="0"/>
+              <a:t>)</a:t>
+            </a:r>
+          </a:p>
+          <a:p>
+            <a:pPr marL="0" indent="0">
+              <a:buNone/>
+            </a:pPr>
+            <a:r>
+              <a:rPr lang="en-US" dirty="0"/>
+              <a:t> =</a:t>
+            </a:r>
+          </a:p>
+          <a:p>
+            <a:pPr marL="0" indent="0">
+              <a:buNone/>
+            </a:pPr>
+            <a:r>
+              <a:rPr lang="en-US" dirty="0" err="1"/>
+              <a:t>myAccount</a:t>
+            </a:r>
+            <a:r>
+              <a:rPr lang="en-US" dirty="0"/>
+              <a:t>-&gt;limit |-&gt; </a:t>
+            </a:r>
+            <a:r>
+              <a:rPr lang="en-US" dirty="0" err="1"/>
+              <a:t>theLimit</a:t>
+            </a:r>
+            <a:r>
+              <a:rPr lang="en-US" dirty="0"/>
+              <a:t> &amp;*&amp; </a:t>
+            </a:r>
+            <a:r>
+              <a:rPr lang="en-US" dirty="0" err="1"/>
+              <a:t>myAccount</a:t>
+            </a:r>
+            <a:r>
+              <a:rPr lang="en-US" dirty="0"/>
+              <a:t>-&gt;balance |-&gt; </a:t>
+            </a:r>
+            <a:r>
+              <a:rPr lang="en-US" dirty="0" err="1"/>
+              <a:t>theBalance</a:t>
+            </a:r>
+            <a:endParaRPr lang="en-US" dirty="0"/>
+          </a:p>
+          <a:p>
+            <a:pPr marL="0" indent="0">
+              <a:buNone/>
+            </a:pPr>
+            <a:r>
+              <a:rPr lang="en-US" dirty="0"/>
+              <a:t>&amp;*&amp; </a:t>
+            </a:r>
+            <a:r>
+              <a:rPr lang="en-US" dirty="0" err="1"/>
+              <a:t>malloc_block_account</a:t>
+            </a:r>
+            <a:r>
+              <a:rPr lang="en-US" dirty="0"/>
+              <a:t>(</a:t>
+            </a:r>
+            <a:r>
+              <a:rPr lang="en-US" dirty="0" err="1"/>
+              <a:t>myAccount</a:t>
+            </a:r>
+            <a:r>
+              <a:rPr lang="en-US" dirty="0"/>
+              <a:t>); </a:t>
+            </a:r>
+          </a:p>
+          <a:p>
+            <a:pPr marL="0" indent="0">
+              <a:buNone/>
+            </a:pPr>
+            <a:r>
+              <a:rPr lang="en-US" dirty="0"/>
+              <a:t>*/</a:t>
+            </a:r>
+          </a:p>
+          <a:p>
+            <a:pPr marL="0" indent="0">
+              <a:buNone/>
+            </a:pPr>
+            <a:r>
+              <a:rPr lang="en-US" dirty="0"/>
+              <a:t>struct account *</a:t>
+            </a:r>
+            <a:r>
+              <a:rPr lang="en-US" dirty="0" err="1"/>
+              <a:t>create_account</a:t>
+            </a:r>
+            <a:r>
+              <a:rPr lang="en-US" dirty="0"/>
+              <a:t>() </a:t>
+            </a:r>
+          </a:p>
+          <a:p>
+            <a:pPr marL="0" indent="0">
+              <a:buNone/>
+            </a:pPr>
+            <a:r>
+              <a:rPr lang="en-US" dirty="0"/>
+              <a:t>//@ requires true; </a:t>
+            </a:r>
+          </a:p>
+          <a:p>
+            <a:pPr marL="0" indent="0">
+              <a:buNone/>
+            </a:pPr>
+            <a:r>
+              <a:rPr lang="en-US" dirty="0"/>
+              <a:t>//@ ensures </a:t>
+            </a:r>
+            <a:r>
+              <a:rPr lang="en-US" dirty="0" err="1"/>
+              <a:t>malloc_block_account</a:t>
+            </a:r>
+            <a:r>
+              <a:rPr lang="en-US" dirty="0"/>
+              <a:t>(result) &amp;*&amp; </a:t>
+            </a:r>
+            <a:r>
+              <a:rPr lang="en-US" dirty="0" err="1"/>
+              <a:t>account_balance</a:t>
+            </a:r>
+            <a:r>
+              <a:rPr lang="en-US" dirty="0"/>
+              <a:t>(result, _);</a:t>
+            </a:r>
+          </a:p>
+          <a:p>
+            <a:pPr marL="0" indent="0">
+              <a:buNone/>
+            </a:pPr>
+            <a:r>
+              <a:rPr lang="en-US" dirty="0"/>
+              <a:t>{</a:t>
+            </a:r>
+          </a:p>
+          <a:p>
+            <a:pPr marL="0" indent="0">
+              <a:buNone/>
+            </a:pPr>
+            <a:r>
+              <a:rPr lang="en-US" dirty="0"/>
+              <a:t>struct account *</a:t>
+            </a:r>
+            <a:r>
+              <a:rPr lang="en-US" dirty="0" err="1"/>
+              <a:t>myAccount</a:t>
+            </a:r>
+            <a:r>
+              <a:rPr lang="en-US" dirty="0"/>
+              <a:t> = malloc(</a:t>
+            </a:r>
+            <a:r>
+              <a:rPr lang="en-US" dirty="0" err="1"/>
+              <a:t>sizeof</a:t>
+            </a:r>
+            <a:r>
+              <a:rPr lang="en-US" dirty="0"/>
+              <a:t>(struct account)); </a:t>
+            </a:r>
+          </a:p>
+          <a:p>
+            <a:pPr marL="0" indent="0">
+              <a:buNone/>
+            </a:pPr>
+            <a:r>
+              <a:rPr lang="en-US" dirty="0"/>
+              <a:t>if (</a:t>
+            </a:r>
+            <a:r>
+              <a:rPr lang="en-US" dirty="0" err="1"/>
+              <a:t>myAccount</a:t>
+            </a:r>
+            <a:r>
+              <a:rPr lang="en-US" dirty="0"/>
+              <a:t> == 0) { abort(); }</a:t>
+            </a:r>
+          </a:p>
+          <a:p>
+            <a:pPr marL="0" indent="0">
+              <a:buNone/>
+            </a:pPr>
+            <a:r>
+              <a:rPr lang="en-US" dirty="0"/>
+              <a:t>return </a:t>
+            </a:r>
+            <a:r>
+              <a:rPr lang="en-US" dirty="0" err="1"/>
+              <a:t>myAccount</a:t>
+            </a:r>
+            <a:r>
+              <a:rPr lang="en-US" dirty="0"/>
+              <a:t>;</a:t>
+            </a:r>
+          </a:p>
+          <a:p>
+            <a:pPr marL="0" indent="0">
+              <a:buNone/>
+            </a:pPr>
+            <a:r>
+              <a:rPr lang="en-US" dirty="0"/>
+              <a:t>}</a:t>
+            </a:r>
+          </a:p>
+          <a:p>
+            <a:pPr marL="0" indent="0">
+              <a:buNone/>
+            </a:pPr>
+            <a:r>
+              <a:rPr lang="en-US" dirty="0"/>
+              <a:t>void </a:t>
+            </a:r>
+            <a:r>
+              <a:rPr lang="en-US" dirty="0" err="1"/>
+              <a:t>account_set_balance</a:t>
+            </a:r>
+            <a:r>
+              <a:rPr lang="en-US" dirty="0"/>
+              <a:t>(struct account *</a:t>
+            </a:r>
+            <a:r>
+              <a:rPr lang="en-US" dirty="0" err="1"/>
+              <a:t>myAccount</a:t>
+            </a:r>
+            <a:r>
+              <a:rPr lang="en-US" dirty="0"/>
+              <a:t>, int </a:t>
+            </a:r>
+            <a:r>
+              <a:rPr lang="en-US" dirty="0" err="1"/>
+              <a:t>newBalance</a:t>
+            </a:r>
+            <a:r>
+              <a:rPr lang="en-US" dirty="0"/>
+              <a:t>) </a:t>
+            </a:r>
+          </a:p>
+          <a:p>
+            <a:pPr marL="0" indent="0">
+              <a:buNone/>
+            </a:pPr>
+            <a:r>
+              <a:rPr lang="en-US" dirty="0"/>
+              <a:t>//@requires </a:t>
+            </a:r>
+            <a:r>
+              <a:rPr lang="en-US" dirty="0" err="1"/>
+              <a:t>account_balance</a:t>
+            </a:r>
+            <a:r>
+              <a:rPr lang="en-US" dirty="0"/>
+              <a:t>(</a:t>
+            </a:r>
+            <a:r>
+              <a:rPr lang="en-US" dirty="0" err="1"/>
+              <a:t>myAccount</a:t>
+            </a:r>
+            <a:r>
+              <a:rPr lang="en-US" dirty="0"/>
+              <a:t>, _);</a:t>
+            </a:r>
+          </a:p>
+          <a:p>
+            <a:pPr marL="0" indent="0">
+              <a:buNone/>
+            </a:pPr>
+            <a:r>
+              <a:rPr lang="en-US" dirty="0"/>
+              <a:t>//@ensures </a:t>
+            </a:r>
+            <a:r>
+              <a:rPr lang="en-US" dirty="0" err="1"/>
+              <a:t>account_balance</a:t>
+            </a:r>
+            <a:r>
+              <a:rPr lang="en-US" dirty="0"/>
+              <a:t>(</a:t>
+            </a:r>
+            <a:r>
+              <a:rPr lang="en-US" dirty="0" err="1"/>
+              <a:t>myAccount</a:t>
+            </a:r>
+            <a:r>
+              <a:rPr lang="en-US" dirty="0"/>
+              <a:t>, </a:t>
+            </a:r>
+            <a:r>
+              <a:rPr lang="en-US" dirty="0" err="1"/>
+              <a:t>newBalance</a:t>
+            </a:r>
+            <a:r>
+              <a:rPr lang="en-US" dirty="0"/>
+              <a:t>);</a:t>
+            </a:r>
+          </a:p>
+          <a:p>
+            <a:pPr marL="0" indent="0">
+              <a:buNone/>
+            </a:pPr>
+            <a:r>
+              <a:rPr lang="en-US" dirty="0"/>
+              <a:t>{</a:t>
+            </a:r>
+          </a:p>
+          <a:p>
+            <a:pPr marL="0" indent="0">
+              <a:buNone/>
+            </a:pPr>
+            <a:r>
+              <a:rPr lang="en-US" dirty="0" err="1"/>
+              <a:t>myAccount</a:t>
+            </a:r>
+            <a:r>
+              <a:rPr lang="en-US" dirty="0"/>
+              <a:t>-&gt;balance = </a:t>
+            </a:r>
+            <a:r>
+              <a:rPr lang="en-US" dirty="0" err="1"/>
+              <a:t>newBalance</a:t>
+            </a:r>
+            <a:r>
+              <a:rPr lang="en-US"/>
+              <a:t>; }</a:t>
+            </a:r>
+            <a:endParaRPr lang="en-US" dirty="0"/>
+          </a:p>
+          <a:p>
+            <a:pPr marL="0" indent="0">
+              <a:buNone/>
+            </a:pPr>
+            <a:r>
+              <a:rPr lang="en-US" dirty="0"/>
+              <a:t>int main()</a:t>
+            </a:r>
+          </a:p>
+          <a:p>
+            <a:pPr marL="0" indent="0">
+              <a:buNone/>
+            </a:pPr>
+            <a:r>
+              <a:rPr lang="en-US" dirty="0"/>
+              <a:t>//@ requires true; </a:t>
+            </a:r>
+          </a:p>
+          <a:p>
+            <a:pPr marL="0" indent="0">
+              <a:buNone/>
+            </a:pPr>
+            <a:r>
+              <a:rPr lang="en-US" dirty="0"/>
+              <a:t>//@ ensures true;</a:t>
+            </a:r>
+          </a:p>
+          <a:p>
+            <a:pPr marL="0" indent="0">
+              <a:buNone/>
+            </a:pPr>
+            <a:r>
+              <a:rPr lang="en-US" dirty="0"/>
+              <a:t>{</a:t>
+            </a:r>
+          </a:p>
+          <a:p>
+            <a:pPr marL="0" indent="0">
+              <a:buNone/>
+            </a:pPr>
+            <a:r>
+              <a:rPr lang="en-US" dirty="0"/>
+              <a:t>struct account *</a:t>
+            </a:r>
+            <a:r>
+              <a:rPr lang="en-US" dirty="0" err="1"/>
+              <a:t>myAccount</a:t>
+            </a:r>
+            <a:r>
+              <a:rPr lang="en-US" dirty="0"/>
+              <a:t> = </a:t>
+            </a:r>
+            <a:r>
+              <a:rPr lang="en-US" dirty="0" err="1"/>
+              <a:t>create_account</a:t>
+            </a:r>
+            <a:r>
+              <a:rPr lang="en-US" dirty="0"/>
+              <a:t>();</a:t>
+            </a:r>
+          </a:p>
+          <a:p>
+            <a:pPr marL="0" indent="0">
+              <a:buNone/>
+            </a:pPr>
+            <a:r>
+              <a:rPr lang="en-US" dirty="0"/>
+              <a:t> </a:t>
+            </a:r>
+          </a:p>
+          <a:p>
+            <a:pPr marL="0" indent="0">
+              <a:buNone/>
+            </a:pPr>
+            <a:r>
+              <a:rPr lang="en-US" dirty="0"/>
+              <a:t> </a:t>
+            </a:r>
+            <a:r>
+              <a:rPr lang="en-US" dirty="0" err="1"/>
+              <a:t>account_set_balance</a:t>
+            </a:r>
+            <a:r>
+              <a:rPr lang="en-US" dirty="0"/>
+              <a:t>(</a:t>
+            </a:r>
+            <a:r>
+              <a:rPr lang="en-US" dirty="0" err="1"/>
+              <a:t>myAccount</a:t>
+            </a:r>
+            <a:r>
+              <a:rPr lang="en-US" dirty="0"/>
+              <a:t>, 5);</a:t>
+            </a:r>
+          </a:p>
+          <a:p>
+            <a:pPr marL="0" indent="0">
+              <a:buNone/>
+            </a:pPr>
+            <a:r>
+              <a:rPr lang="en-US" dirty="0"/>
+              <a:t> </a:t>
+            </a:r>
+          </a:p>
+          <a:p>
+            <a:pPr marL="0" indent="0">
+              <a:buNone/>
+            </a:pPr>
+            <a:r>
+              <a:rPr lang="en-US" dirty="0"/>
+              <a:t>free(</a:t>
+            </a:r>
+            <a:r>
+              <a:rPr lang="en-US" dirty="0" err="1"/>
+              <a:t>myAccount</a:t>
+            </a:r>
+            <a:r>
+              <a:rPr lang="en-US" dirty="0"/>
+              <a:t>);</a:t>
+            </a:r>
+          </a:p>
+          <a:p>
+            <a:pPr marL="0" indent="0">
+              <a:buNone/>
+            </a:pPr>
+            <a:r>
+              <a:rPr lang="en-US" dirty="0"/>
+              <a:t>return 0;</a:t>
+            </a:r>
+          </a:p>
+          <a:p>
+            <a:pPr marL="0" indent="0">
+              <a:buNone/>
+            </a:pPr>
+            <a:r>
+              <a:rPr lang="en-US" dirty="0"/>
+              <a:t>}</a:t>
+            </a:r>
+          </a:p>
+        </p:txBody>
+      </p:sp>
+    </p:spTree>
+    <p:extLst>
+      <p:ext uri="{BB962C8B-B14F-4D97-AF65-F5344CB8AC3E}">
+        <p14:creationId xmlns:p14="http://schemas.microsoft.com/office/powerpoint/2010/main" val="3705904546"/>
       </p:ext>
     </p:extLst>
   </p:cSld>
@@ -5121,7 +8894,7 @@
           <p:cNvPr id="2" name="Title 1">
             <a:extLst>
               <a:ext uri="{FF2B5EF4-FFF2-40B4-BE49-F238E27FC236}">
-                <a16:creationId xmlns:a16="http://schemas.microsoft.com/office/drawing/2014/main" id="{5214BD27-BDF5-664D-9D83-54A21FCDACF0}"/>
+                <a16:creationId xmlns:a16="http://schemas.microsoft.com/office/drawing/2014/main" id="{E0529347-8E03-5745-A305-AF41325E1120}"/>
               </a:ext>
             </a:extLst>
           </p:cNvPr>
@@ -5135,32 +8908,36 @@
         <p:spPr>
           <a:xfrm>
             <a:off x="838200" y="365126"/>
-            <a:ext cx="11205754" cy="618286"/>
+            <a:ext cx="10515600" cy="763587"/>
           </a:xfrm>
         </p:spPr>
         <p:txBody>
           <a:bodyPr>
-            <a:normAutofit fontScale="90000"/>
+            <a:normAutofit/>
           </a:bodyPr>
           <a:lstStyle/>
           <a:p>
             <a:r>
-              <a:rPr lang="en-US" dirty="0" err="1"/>
-              <a:t>Verifast</a:t>
-            </a:r>
-            <a:r>
-              <a:rPr lang="en-US" dirty="0"/>
-              <a:t> Tutorial</a:t>
-            </a:r>
-          </a:p>
-        </p:txBody>
-      </p:sp>
-      <p:sp>
-        <p:nvSpPr>
-          <p:cNvPr id="5" name="Content Placeholder 4">
+              <a:rPr lang="en-US" sz="1600" dirty="0"/>
+              <a:t> A </a:t>
+            </a:r>
+            <a:r>
+              <a:rPr lang="en-US" sz="1600" dirty="0" err="1"/>
+              <a:t>Dafny</a:t>
+            </a:r>
+            <a:r>
+              <a:rPr lang="en-US" sz="1600" dirty="0"/>
+              <a:t> Annotation</a:t>
+            </a:r>
+          </a:p>
+        </p:txBody>
+      </p:sp>
+      <p:sp>
+        <p:nvSpPr>
+          <p:cNvPr id="3" name="Content Placeholder 2">
             <a:extLst>
               <a:ext uri="{FF2B5EF4-FFF2-40B4-BE49-F238E27FC236}">
-                <a16:creationId xmlns:a16="http://schemas.microsoft.com/office/drawing/2014/main" id="{C889DA17-52DA-2B4D-BC3F-5CFA3FFFEF8D}"/>
+                <a16:creationId xmlns:a16="http://schemas.microsoft.com/office/drawing/2014/main" id="{F6F2EB0E-4EBA-9E41-A915-2E5A2D97575C}"/>
               </a:ext>
             </a:extLst>
           </p:cNvPr>
@@ -5173,162 +8950,58 @@
         </p:nvSpPr>
         <p:spPr>
           <a:xfrm>
-            <a:off x="838200" y="1393902"/>
-            <a:ext cx="10515600" cy="4783061"/>
-          </a:xfrm>
-        </p:spPr>
-        <p:txBody>
-          <a:bodyPr>
-            <a:normAutofit lnSpcReduction="10000"/>
-          </a:bodyPr>
-          <a:lstStyle/>
-          <a:p>
-            <a:r>
-              <a:rPr lang="en-US" dirty="0"/>
-              <a:t>Trace the </a:t>
-            </a:r>
-            <a:r>
-              <a:rPr lang="en-US" dirty="0" err="1"/>
-              <a:t>symb</a:t>
-            </a:r>
-            <a:r>
-              <a:rPr lang="en-US" dirty="0"/>
-              <a:t> execution path</a:t>
-            </a:r>
-          </a:p>
-          <a:p>
-            <a:pPr lvl="1"/>
-            <a:r>
-              <a:rPr lang="en-US" dirty="0"/>
-              <a:t>Select the leaf of the execution tree</a:t>
-            </a:r>
-          </a:p>
-          <a:p>
-            <a:pPr lvl="1"/>
-            <a:r>
-              <a:rPr lang="en-US" dirty="0"/>
-              <a:t>Select the steps</a:t>
-            </a:r>
-          </a:p>
-          <a:p>
-            <a:pPr lvl="1"/>
-            <a:r>
-              <a:rPr lang="en-US" dirty="0" err="1"/>
-              <a:t>Downarrow</a:t>
-            </a:r>
-            <a:r>
-              <a:rPr lang="en-US" dirty="0"/>
-              <a:t> along steps</a:t>
-            </a:r>
-          </a:p>
-          <a:p>
-            <a:pPr lvl="2"/>
-            <a:r>
-              <a:rPr lang="en-US" dirty="0"/>
-              <a:t>Observe the coloration in the code window and the changing assumptions</a:t>
-            </a:r>
-          </a:p>
-          <a:p>
-            <a:pPr lvl="3"/>
-            <a:r>
-              <a:rPr lang="en-US" dirty="0"/>
-              <a:t>Producing and consuming assumptions</a:t>
-            </a:r>
-          </a:p>
-          <a:p>
-            <a:pPr lvl="1"/>
-            <a:r>
-              <a:rPr lang="en-US" dirty="0"/>
-              <a:t>The malloc adds heap chunks</a:t>
-            </a:r>
-          </a:p>
-          <a:p>
-            <a:pPr lvl="2"/>
-            <a:r>
-              <a:rPr lang="en-US" dirty="0" err="1"/>
-              <a:t>Accound_balance</a:t>
-            </a:r>
-            <a:r>
-              <a:rPr lang="en-US" dirty="0"/>
-              <a:t>(</a:t>
-            </a:r>
-            <a:r>
-              <a:rPr lang="en-US" dirty="0" err="1"/>
-              <a:t>myAccount</a:t>
-            </a:r>
-            <a:r>
-              <a:rPr lang="en-US" dirty="0"/>
-              <a:t>, value) seems to say what resources are available</a:t>
-            </a:r>
-          </a:p>
-          <a:p>
-            <a:pPr lvl="3"/>
-            <a:r>
-              <a:rPr lang="en-US" dirty="0" err="1"/>
-              <a:t>Myaccount</a:t>
-            </a:r>
-            <a:r>
-              <a:rPr lang="en-US" dirty="0"/>
-              <a:t> is mem chunk</a:t>
-            </a:r>
-          </a:p>
-          <a:p>
-            <a:pPr lvl="3"/>
-            <a:r>
-              <a:rPr lang="en-US" dirty="0"/>
-              <a:t>Value is its symbolic value</a:t>
-            </a:r>
-          </a:p>
-          <a:p>
-            <a:pPr lvl="2"/>
-            <a:r>
-              <a:rPr lang="en-US" dirty="0"/>
-              <a:t>Fresh names are generated</a:t>
-            </a:r>
-          </a:p>
-          <a:p>
-            <a:pPr lvl="3"/>
-            <a:r>
-              <a:rPr lang="en-US" dirty="0"/>
-              <a:t>This is really the act of exists handling or Skolemization in logic</a:t>
-            </a:r>
-          </a:p>
-          <a:p>
-            <a:pPr lvl="3"/>
-            <a:r>
-              <a:rPr lang="en-US" dirty="0"/>
-              <a:t>“</a:t>
-            </a:r>
-            <a:r>
-              <a:rPr lang="en-US" dirty="0" err="1"/>
-              <a:t>account_balance</a:t>
-            </a:r>
-            <a:r>
-              <a:rPr lang="en-US" dirty="0"/>
-              <a:t>” and “</a:t>
-            </a:r>
-            <a:r>
-              <a:rPr lang="en-US" dirty="0" err="1"/>
-              <a:t>malloc_block_account</a:t>
-            </a:r>
-            <a:r>
-              <a:rPr lang="en-US" dirty="0"/>
-              <a:t>” seem like built-in concepts</a:t>
-            </a:r>
-          </a:p>
-          <a:p>
-            <a:pPr lvl="1"/>
-            <a:r>
-              <a:rPr lang="en-US" dirty="0"/>
-              <a:t>Can see fresh var names</a:t>
-            </a:r>
-          </a:p>
-        </p:txBody>
-      </p:sp>
+            <a:off x="838200" y="4572000"/>
+            <a:ext cx="10515600" cy="1604962"/>
+          </a:xfrm>
+        </p:spPr>
+        <p:txBody>
+          <a:bodyPr/>
+          <a:lstStyle/>
+          <a:p>
+            <a:pPr marL="0" indent="0">
+              <a:buNone/>
+            </a:pPr>
+            <a:r>
+              <a:rPr lang="en-US" dirty="0"/>
+              <a:t>…</a:t>
+            </a:r>
+          </a:p>
+        </p:txBody>
+      </p:sp>
+      <p:pic>
+        <p:nvPicPr>
+          <p:cNvPr id="5" name="Picture 4">
+            <a:extLst>
+              <a:ext uri="{FF2B5EF4-FFF2-40B4-BE49-F238E27FC236}">
+                <a16:creationId xmlns:a16="http://schemas.microsoft.com/office/drawing/2014/main" id="{CF79C74A-B6A9-3B4C-8B26-0E1613EA90E7}"/>
+              </a:ext>
+            </a:extLst>
+          </p:cNvPr>
+          <p:cNvPicPr>
+            <a:picLocks noChangeAspect="1"/>
+          </p:cNvPicPr>
+          <p:nvPr/>
+        </p:nvPicPr>
+        <p:blipFill>
+          <a:blip r:embed="rId2"/>
+          <a:stretch>
+            <a:fillRect/>
+          </a:stretch>
+        </p:blipFill>
+        <p:spPr>
+          <a:xfrm>
+            <a:off x="2298700" y="3092450"/>
+            <a:ext cx="7594600" cy="673100"/>
+          </a:xfrm>
+          <a:prstGeom prst="rect">
+            <a:avLst/>
+          </a:prstGeom>
+        </p:spPr>
+      </p:pic>
     </p:spTree>
     <p:extLst>
       <p:ext uri="{BB962C8B-B14F-4D97-AF65-F5344CB8AC3E}">
-        <p14:creationId xmlns:p14="http://schemas.microsoft.com/office/powerpoint/2010/main" val="10288484"/>
+        <p14:creationId xmlns:p14="http://schemas.microsoft.com/office/powerpoint/2010/main" val="4177680922"/>
       </p:ext>
     </p:extLst>
   </p:cSld>
@@ -5360,7 +9033,7 @@
           <p:cNvPr id="2" name="Title 1">
             <a:extLst>
               <a:ext uri="{FF2B5EF4-FFF2-40B4-BE49-F238E27FC236}">
-                <a16:creationId xmlns:a16="http://schemas.microsoft.com/office/drawing/2014/main" id="{5214BD27-BDF5-664D-9D83-54A21FCDACF0}"/>
+                <a16:creationId xmlns:a16="http://schemas.microsoft.com/office/drawing/2014/main" id="{E0529347-8E03-5745-A305-AF41325E1120}"/>
               </a:ext>
             </a:extLst>
           </p:cNvPr>
@@ -5374,36 +9047,36 @@
         <p:spPr>
           <a:xfrm>
             <a:off x="838200" y="365126"/>
-            <a:ext cx="11205754" cy="618286"/>
+            <a:ext cx="10515600" cy="763587"/>
           </a:xfrm>
         </p:spPr>
         <p:txBody>
           <a:bodyPr>
-            <a:normAutofit fontScale="90000"/>
+            <a:normAutofit/>
           </a:bodyPr>
           <a:lstStyle/>
           <a:p>
             <a:r>
-              <a:rPr lang="en-US" dirty="0"/>
-              <a:t>Illustration of </a:t>
-            </a:r>
-            <a:r>
-              <a:rPr lang="en-US" dirty="0" err="1"/>
-              <a:t>symb</a:t>
-            </a:r>
-            <a:r>
-              <a:rPr lang="en-US" dirty="0"/>
-              <a:t> constants</a:t>
-            </a:r>
-          </a:p>
-        </p:txBody>
-      </p:sp>
-      <p:sp>
-        <p:nvSpPr>
-          <p:cNvPr id="5" name="Content Placeholder 4">
+              <a:rPr lang="en-US" sz="1600" dirty="0"/>
+              <a:t> A </a:t>
+            </a:r>
+            <a:r>
+              <a:rPr lang="en-US" sz="1600" dirty="0" err="1"/>
+              <a:t>Dafny</a:t>
+            </a:r>
+            <a:r>
+              <a:rPr lang="en-US" sz="1600" dirty="0"/>
+              <a:t> method being verified – can have multiple returns</a:t>
+            </a:r>
+          </a:p>
+        </p:txBody>
+      </p:sp>
+      <p:sp>
+        <p:nvSpPr>
+          <p:cNvPr id="3" name="Content Placeholder 2">
             <a:extLst>
               <a:ext uri="{FF2B5EF4-FFF2-40B4-BE49-F238E27FC236}">
-                <a16:creationId xmlns:a16="http://schemas.microsoft.com/office/drawing/2014/main" id="{C889DA17-52DA-2B4D-BC3F-5CFA3FFFEF8D}"/>
+                <a16:creationId xmlns:a16="http://schemas.microsoft.com/office/drawing/2014/main" id="{F6F2EB0E-4EBA-9E41-A915-2E5A2D97575C}"/>
               </a:ext>
             </a:extLst>
           </p:cNvPr>
@@ -5416,284 +9089,58 @@
         </p:nvSpPr>
         <p:spPr>
           <a:xfrm>
-            <a:off x="838200" y="1393902"/>
-            <a:ext cx="10515600" cy="4783061"/>
-          </a:xfrm>
-        </p:spPr>
-        <p:txBody>
-          <a:bodyPr>
-            <a:normAutofit fontScale="32500" lnSpcReduction="20000"/>
-          </a:bodyPr>
-          <a:lstStyle/>
-          <a:p>
-            <a:pPr marL="0" indent="0">
-              <a:buNone/>
-            </a:pPr>
-            <a:r>
-              <a:rPr lang="en-US" dirty="0"/>
-              <a:t>#include "</a:t>
-            </a:r>
-            <a:r>
-              <a:rPr lang="en-US" dirty="0" err="1"/>
-              <a:t>stdlib.h</a:t>
-            </a:r>
-            <a:r>
-              <a:rPr lang="en-US" dirty="0"/>
-              <a:t>"</a:t>
-            </a:r>
-          </a:p>
-          <a:p>
-            <a:pPr marL="0" indent="0">
-              <a:buNone/>
-            </a:pPr>
-            <a:endParaRPr lang="en-US" dirty="0"/>
-          </a:p>
-          <a:p>
-            <a:pPr marL="0" indent="0">
-              <a:buNone/>
-            </a:pPr>
-            <a:r>
-              <a:rPr lang="en-US" dirty="0"/>
-              <a:t>struct account {</a:t>
-            </a:r>
-          </a:p>
-          <a:p>
-            <a:pPr marL="0" indent="0">
-              <a:buNone/>
-            </a:pPr>
-            <a:r>
-              <a:rPr lang="en-US" dirty="0"/>
-              <a:t>    int balance;</a:t>
-            </a:r>
-          </a:p>
-          <a:p>
-            <a:pPr marL="0" indent="0">
-              <a:buNone/>
-            </a:pPr>
-            <a:r>
-              <a:rPr lang="en-US" dirty="0"/>
-              <a:t>};</a:t>
-            </a:r>
-          </a:p>
-          <a:p>
-            <a:pPr marL="0" indent="0">
-              <a:buNone/>
-            </a:pPr>
-            <a:endParaRPr lang="en-US" dirty="0"/>
-          </a:p>
-          <a:p>
-            <a:pPr marL="0" indent="0">
-              <a:buNone/>
-            </a:pPr>
-            <a:r>
-              <a:rPr lang="en-US" dirty="0"/>
-              <a:t>int main()</a:t>
-            </a:r>
-          </a:p>
-          <a:p>
-            <a:pPr marL="0" indent="0">
-              <a:buNone/>
-            </a:pPr>
-            <a:r>
-              <a:rPr lang="en-US" dirty="0"/>
-              <a:t>    //@ requires true;</a:t>
-            </a:r>
-          </a:p>
-          <a:p>
-            <a:pPr marL="0" indent="0">
-              <a:buNone/>
-            </a:pPr>
-            <a:r>
-              <a:rPr lang="en-US" dirty="0"/>
-              <a:t>    //@ ensures true;</a:t>
-            </a:r>
-          </a:p>
-          <a:p>
-            <a:pPr marL="0" indent="0">
-              <a:buNone/>
-            </a:pPr>
-            <a:r>
-              <a:rPr lang="en-US" dirty="0"/>
-              <a:t>{</a:t>
-            </a:r>
-          </a:p>
-          <a:p>
-            <a:pPr marL="0" indent="0">
-              <a:buNone/>
-            </a:pPr>
-            <a:r>
-              <a:rPr lang="en-US" dirty="0"/>
-              <a:t>  { struct account *</a:t>
-            </a:r>
-            <a:r>
-              <a:rPr lang="en-US" dirty="0" err="1"/>
-              <a:t>myAccount</a:t>
-            </a:r>
-            <a:r>
-              <a:rPr lang="en-US" dirty="0"/>
-              <a:t> = malloc(</a:t>
-            </a:r>
-            <a:r>
-              <a:rPr lang="en-US" dirty="0" err="1"/>
-              <a:t>sizeof</a:t>
-            </a:r>
-            <a:r>
-              <a:rPr lang="en-US" dirty="0"/>
-              <a:t>(struct account));</a:t>
-            </a:r>
-          </a:p>
-          <a:p>
-            <a:pPr marL="0" indent="0">
-              <a:buNone/>
-            </a:pPr>
-            <a:r>
-              <a:rPr lang="en-US" dirty="0"/>
-              <a:t>    if (</a:t>
-            </a:r>
-            <a:r>
-              <a:rPr lang="en-US" dirty="0" err="1"/>
-              <a:t>myAccount</a:t>
-            </a:r>
-            <a:r>
-              <a:rPr lang="en-US" dirty="0"/>
-              <a:t> == 0) { abort(); } </a:t>
-            </a:r>
-          </a:p>
-          <a:p>
-            <a:pPr marL="0" indent="0">
-              <a:buNone/>
-            </a:pPr>
-            <a:r>
-              <a:rPr lang="en-US" dirty="0"/>
-              <a:t>    }</a:t>
-            </a:r>
-          </a:p>
-          <a:p>
-            <a:pPr marL="0" indent="0">
-              <a:buNone/>
-            </a:pPr>
-            <a:r>
-              <a:rPr lang="en-US" dirty="0"/>
-              <a:t>  {  struct account *</a:t>
-            </a:r>
-            <a:r>
-              <a:rPr lang="en-US" dirty="0" err="1"/>
-              <a:t>myAccount</a:t>
-            </a:r>
-            <a:r>
-              <a:rPr lang="en-US" dirty="0"/>
-              <a:t> = malloc(</a:t>
-            </a:r>
-            <a:r>
-              <a:rPr lang="en-US" dirty="0" err="1"/>
-              <a:t>sizeof</a:t>
-            </a:r>
-            <a:r>
-              <a:rPr lang="en-US" dirty="0"/>
-              <a:t>(struct account));</a:t>
-            </a:r>
-          </a:p>
-          <a:p>
-            <a:pPr marL="0" indent="0">
-              <a:buNone/>
-            </a:pPr>
-            <a:r>
-              <a:rPr lang="en-US" dirty="0"/>
-              <a:t>    if (</a:t>
-            </a:r>
-            <a:r>
-              <a:rPr lang="en-US" dirty="0" err="1"/>
-              <a:t>myAccount</a:t>
-            </a:r>
-            <a:r>
-              <a:rPr lang="en-US" dirty="0"/>
-              <a:t> == 0) { abort(); }</a:t>
-            </a:r>
-          </a:p>
-          <a:p>
-            <a:pPr marL="0" indent="0">
-              <a:buNone/>
-            </a:pPr>
-            <a:r>
-              <a:rPr lang="en-US" dirty="0"/>
-              <a:t>    }</a:t>
-            </a:r>
-          </a:p>
-          <a:p>
-            <a:pPr marL="0" indent="0">
-              <a:buNone/>
-            </a:pPr>
-            <a:r>
-              <a:rPr lang="en-US" dirty="0"/>
-              <a:t>    //</a:t>
-            </a:r>
-            <a:r>
-              <a:rPr lang="en-US" dirty="0" err="1"/>
-              <a:t>myAccount</a:t>
-            </a:r>
-            <a:r>
-              <a:rPr lang="en-US" dirty="0"/>
-              <a:t>-&gt;balance = 5;</a:t>
-            </a:r>
-          </a:p>
-          <a:p>
-            <a:pPr marL="0" indent="0">
-              <a:buNone/>
-            </a:pPr>
-            <a:r>
-              <a:rPr lang="en-US" dirty="0"/>
-              <a:t>   // free(</a:t>
-            </a:r>
-            <a:r>
-              <a:rPr lang="en-US" dirty="0" err="1"/>
-              <a:t>myAccount</a:t>
-            </a:r>
-            <a:r>
-              <a:rPr lang="en-US" dirty="0"/>
-              <a:t>);</a:t>
-            </a:r>
-          </a:p>
-          <a:p>
-            <a:pPr marL="0" indent="0">
-              <a:buNone/>
-            </a:pPr>
-            <a:r>
-              <a:rPr lang="en-US" dirty="0"/>
-              <a:t>    //free(</a:t>
-            </a:r>
-            <a:r>
-              <a:rPr lang="en-US" dirty="0" err="1"/>
-              <a:t>myAccount</a:t>
-            </a:r>
-            <a:r>
-              <a:rPr lang="en-US" dirty="0"/>
-              <a:t>);</a:t>
-            </a:r>
-          </a:p>
-          <a:p>
-            <a:pPr marL="0" indent="0">
-              <a:buNone/>
-            </a:pPr>
-            <a:r>
-              <a:rPr lang="en-US" dirty="0"/>
-              <a:t>    return 0;</a:t>
-            </a:r>
-          </a:p>
-          <a:p>
-            <a:pPr marL="0" indent="0">
-              <a:buNone/>
-            </a:pPr>
-            <a:r>
-              <a:rPr lang="en-US" dirty="0"/>
-              <a:t>}</a:t>
-            </a:r>
-          </a:p>
-        </p:txBody>
-      </p:sp>
+            <a:off x="838200" y="4572000"/>
+            <a:ext cx="10515600" cy="1604962"/>
+          </a:xfrm>
+        </p:spPr>
+        <p:txBody>
+          <a:bodyPr/>
+          <a:lstStyle/>
+          <a:p>
+            <a:pPr marL="0" indent="0">
+              <a:buNone/>
+            </a:pPr>
+            <a:r>
+              <a:rPr lang="en-US" dirty="0"/>
+              <a:t>…</a:t>
+            </a:r>
+          </a:p>
+        </p:txBody>
+      </p:sp>
+      <p:pic>
+        <p:nvPicPr>
+          <p:cNvPr id="5" name="Picture 4" descr="Chart, text&#10;&#10;Description automatically generated with medium confidence">
+            <a:extLst>
+              <a:ext uri="{FF2B5EF4-FFF2-40B4-BE49-F238E27FC236}">
+                <a16:creationId xmlns:a16="http://schemas.microsoft.com/office/drawing/2014/main" id="{A8E5A197-1EF6-AF4D-8BF5-60CEBAEA65A4}"/>
+              </a:ext>
+            </a:extLst>
+          </p:cNvPr>
+          <p:cNvPicPr>
+            <a:picLocks noChangeAspect="1"/>
+          </p:cNvPicPr>
+          <p:nvPr/>
+        </p:nvPicPr>
+        <p:blipFill>
+          <a:blip r:embed="rId2"/>
+          <a:stretch>
+            <a:fillRect/>
+          </a:stretch>
+        </p:blipFill>
+        <p:spPr>
+          <a:xfrm>
+            <a:off x="603250" y="2178050"/>
+            <a:ext cx="10985500" cy="2501900"/>
+          </a:xfrm>
+          <a:prstGeom prst="rect">
+            <a:avLst/>
+          </a:prstGeom>
+        </p:spPr>
+      </p:pic>
     </p:spTree>
     <p:extLst>
       <p:ext uri="{BB962C8B-B14F-4D97-AF65-F5344CB8AC3E}">
-        <p14:creationId xmlns:p14="http://schemas.microsoft.com/office/powerpoint/2010/main" val="3557274891"/>
+        <p14:creationId xmlns:p14="http://schemas.microsoft.com/office/powerpoint/2010/main" val="1638094736"/>
       </p:ext>
     </p:extLst>
   </p:cSld>
@@ -5725,7 +9172,7 @@
           <p:cNvPr id="2" name="Title 1">
             <a:extLst>
               <a:ext uri="{FF2B5EF4-FFF2-40B4-BE49-F238E27FC236}">
-                <a16:creationId xmlns:a16="http://schemas.microsoft.com/office/drawing/2014/main" id="{5214BD27-BDF5-664D-9D83-54A21FCDACF0}"/>
+                <a16:creationId xmlns:a16="http://schemas.microsoft.com/office/drawing/2014/main" id="{E0529347-8E03-5745-A305-AF41325E1120}"/>
               </a:ext>
             </a:extLst>
           </p:cNvPr>
@@ -5739,194 +9186,151 @@
         <p:spPr>
           <a:xfrm>
             <a:off x="838200" y="365126"/>
-            <a:ext cx="11205754" cy="618286"/>
+            <a:ext cx="10515600" cy="763587"/>
           </a:xfrm>
         </p:spPr>
         <p:txBody>
           <a:bodyPr>
-            <a:normAutofit fontScale="90000"/>
+            <a:normAutofit/>
           </a:bodyPr>
           <a:lstStyle/>
           <a:p>
             <a:r>
-              <a:rPr lang="en-US" dirty="0" err="1"/>
-              <a:t>Verifast</a:t>
-            </a:r>
-            <a:r>
-              <a:rPr lang="en-US" dirty="0"/>
-              <a:t> Tutorial</a:t>
-            </a:r>
-          </a:p>
-        </p:txBody>
-      </p:sp>
-      <p:sp>
-        <p:nvSpPr>
-          <p:cNvPr id="5" name="Content Placeholder 4">
+              <a:rPr lang="en-US" sz="1600" dirty="0"/>
+              <a:t> Annotated with pre/post in equivalent ways</a:t>
+            </a:r>
+          </a:p>
+        </p:txBody>
+      </p:sp>
+      <p:pic>
+        <p:nvPicPr>
+          <p:cNvPr id="6" name="Picture 5" descr="Text&#10;&#10;Description automatically generated with medium confidence">
             <a:extLst>
               <a:ext uri="{FF2B5EF4-FFF2-40B4-BE49-F238E27FC236}">
-                <a16:creationId xmlns:a16="http://schemas.microsoft.com/office/drawing/2014/main" id="{C889DA17-52DA-2B4D-BC3F-5CFA3FFFEF8D}"/>
+                <a16:creationId xmlns:a16="http://schemas.microsoft.com/office/drawing/2014/main" id="{0520A632-D17C-4B43-AB79-7A33BF4DC503}"/>
               </a:ext>
             </a:extLst>
           </p:cNvPr>
-          <p:cNvSpPr>
-            <a:spLocks noGrp="1"/>
-          </p:cNvSpPr>
-          <p:nvPr>
-            <p:ph idx="1"/>
-          </p:nvPr>
-        </p:nvSpPr>
-        <p:spPr>
-          <a:xfrm>
-            <a:off x="838200" y="1393902"/>
-            <a:ext cx="10515600" cy="4783061"/>
-          </a:xfrm>
-        </p:spPr>
-        <p:txBody>
-          <a:bodyPr>
-            <a:normAutofit/>
+          <p:cNvPicPr>
+            <a:picLocks noChangeAspect="1"/>
+          </p:cNvPicPr>
+          <p:nvPr/>
+        </p:nvPicPr>
+        <p:blipFill>
+          <a:blip r:embed="rId2"/>
+          <a:stretch>
+            <a:fillRect/>
+          </a:stretch>
+        </p:blipFill>
+        <p:spPr>
+          <a:xfrm>
+            <a:off x="838200" y="1365250"/>
+            <a:ext cx="11341100" cy="2832100"/>
+          </a:xfrm>
+          <a:prstGeom prst="rect">
+            <a:avLst/>
+          </a:prstGeom>
+        </p:spPr>
+      </p:pic>
+      <p:pic>
+        <p:nvPicPr>
+          <p:cNvPr id="11" name="Picture 10" descr="Text&#10;&#10;Description automatically generated with medium confidence">
+            <a:extLst>
+              <a:ext uri="{FF2B5EF4-FFF2-40B4-BE49-F238E27FC236}">
+                <a16:creationId xmlns:a16="http://schemas.microsoft.com/office/drawing/2014/main" id="{A82B40EF-A88B-9142-B8F3-2083017F60EC}"/>
+              </a:ext>
+            </a:extLst>
+          </p:cNvPr>
+          <p:cNvPicPr>
+            <a:picLocks noChangeAspect="1"/>
+          </p:cNvPicPr>
+          <p:nvPr/>
+        </p:nvPicPr>
+        <p:blipFill>
+          <a:blip r:embed="rId3"/>
+          <a:stretch>
+            <a:fillRect/>
+          </a:stretch>
+        </p:blipFill>
+        <p:spPr>
+          <a:xfrm>
+            <a:off x="838200" y="4197350"/>
+            <a:ext cx="10909300" cy="2362200"/>
+          </a:xfrm>
+          <a:prstGeom prst="rect">
+            <a:avLst/>
+          </a:prstGeom>
+        </p:spPr>
+      </p:pic>
+      <p:pic>
+        <p:nvPicPr>
+          <p:cNvPr id="13" name="Picture 12">
+            <a:extLst>
+              <a:ext uri="{FF2B5EF4-FFF2-40B4-BE49-F238E27FC236}">
+                <a16:creationId xmlns:a16="http://schemas.microsoft.com/office/drawing/2014/main" id="{1A93B86E-3AB9-A84B-BCB7-E37402F5C9F6}"/>
+              </a:ext>
+            </a:extLst>
+          </p:cNvPr>
+          <p:cNvPicPr>
+            <a:picLocks noChangeAspect="1"/>
+          </p:cNvPicPr>
+          <p:nvPr/>
+        </p:nvPicPr>
+        <p:blipFill>
+          <a:blip r:embed="rId4"/>
+          <a:stretch>
+            <a:fillRect/>
+          </a:stretch>
+        </p:blipFill>
+        <p:spPr>
+          <a:xfrm>
+            <a:off x="5667375" y="6140450"/>
+            <a:ext cx="4114800" cy="419100"/>
+          </a:xfrm>
+          <a:prstGeom prst="rect">
+            <a:avLst/>
+          </a:prstGeom>
+        </p:spPr>
+      </p:pic>
+      <p:sp>
+        <p:nvSpPr>
+          <p:cNvPr id="14" name="TextBox 13">
+            <a:extLst>
+              <a:ext uri="{FF2B5EF4-FFF2-40B4-BE49-F238E27FC236}">
+                <a16:creationId xmlns:a16="http://schemas.microsoft.com/office/drawing/2014/main" id="{E5B1B095-BE03-3246-86D6-243EED0F56D1}"/>
+              </a:ext>
+            </a:extLst>
+          </p:cNvPr>
+          <p:cNvSpPr txBox="1"/>
+          <p:nvPr/>
+        </p:nvSpPr>
+        <p:spPr>
+          <a:xfrm>
+            <a:off x="9901238" y="6140450"/>
+            <a:ext cx="1217000" cy="369332"/>
+          </a:xfrm>
+          <a:prstGeom prst="rect">
+            <a:avLst/>
+          </a:prstGeom>
+          <a:noFill/>
+        </p:spPr>
+        <p:txBody>
+          <a:bodyPr wrap="none" rtlCol="0">
+            <a:spAutoFit/>
           </a:bodyPr>
           <a:lstStyle/>
           <a:p>
             <a:r>
               <a:rPr lang="en-US" dirty="0"/>
-              <a:t>Trace step-thru reveals how heap chunks are </a:t>
-            </a:r>
-            <a:r>
-              <a:rPr lang="en-US" dirty="0" err="1"/>
-              <a:t>alloc</a:t>
-            </a:r>
-            <a:r>
-              <a:rPr lang="en-US" dirty="0"/>
-              <a:t>/</a:t>
-            </a:r>
-            <a:r>
-              <a:rPr lang="en-US" dirty="0" err="1"/>
-              <a:t>dealloc</a:t>
-            </a:r>
-            <a:endParaRPr lang="en-US" dirty="0"/>
-          </a:p>
-          <a:p>
-            <a:r>
-              <a:rPr lang="en-US" dirty="0"/>
-              <a:t>The locals are interesting</a:t>
-            </a:r>
-          </a:p>
-          <a:p>
-            <a:pPr lvl="1"/>
-            <a:r>
-              <a:rPr lang="en-US" dirty="0" err="1"/>
-              <a:t>myAccount</a:t>
-            </a:r>
-            <a:r>
-              <a:rPr lang="en-US" dirty="0"/>
-              <a:t> points to </a:t>
-            </a:r>
-            <a:r>
-              <a:rPr lang="en-US" dirty="0" err="1"/>
-              <a:t>myAccount</a:t>
-            </a:r>
-            <a:r>
-              <a:rPr lang="en-US" dirty="0"/>
-              <a:t> or myAccount0 </a:t>
-            </a:r>
-            <a:r>
-              <a:rPr lang="en-US" dirty="0" err="1"/>
-              <a:t>etc</a:t>
-            </a:r>
-            <a:r>
-              <a:rPr lang="en-US" dirty="0"/>
-              <a:t> as the case may be in </a:t>
-            </a:r>
-            <a:r>
-              <a:rPr lang="en-US" dirty="0" err="1"/>
-              <a:t>symb</a:t>
-            </a:r>
-            <a:r>
-              <a:rPr lang="en-US" dirty="0"/>
-              <a:t> execution</a:t>
-            </a:r>
-          </a:p>
-          <a:p>
-            <a:r>
-              <a:rPr lang="en-US" dirty="0"/>
-              <a:t>The assumption has </a:t>
-            </a:r>
-            <a:r>
-              <a:rPr lang="en-US" dirty="0" err="1"/>
-              <a:t>myAccount</a:t>
-            </a:r>
-            <a:r>
-              <a:rPr lang="en-US" dirty="0"/>
-              <a:t> != 0 which indicates that the malloc succeeded</a:t>
-            </a:r>
-          </a:p>
-          <a:p>
-            <a:pPr lvl="1"/>
-            <a:r>
-              <a:rPr lang="en-US" dirty="0"/>
-              <a:t>Of interest to node</a:t>
-            </a:r>
-          </a:p>
-          <a:p>
-            <a:pPr lvl="2"/>
-            <a:r>
-              <a:rPr lang="en-US" dirty="0"/>
-              <a:t>Symbols : … symbolic names allocated …</a:t>
-            </a:r>
-          </a:p>
-          <a:p>
-            <a:pPr lvl="2"/>
-            <a:r>
-              <a:rPr lang="en-US" dirty="0"/>
-              <a:t>Assumptions : what path assumptions hold</a:t>
-            </a:r>
-          </a:p>
-          <a:p>
-            <a:pPr lvl="2"/>
-            <a:r>
-              <a:rPr lang="en-US" dirty="0"/>
-              <a:t>Heap chunks : what heaps exist</a:t>
-            </a:r>
-          </a:p>
-          <a:p>
-            <a:pPr lvl="2"/>
-            <a:r>
-              <a:rPr lang="en-US" dirty="0"/>
-              <a:t>Locals : how the locals are bound to the allocated symbols</a:t>
-            </a:r>
-          </a:p>
-          <a:p>
-            <a:pPr lvl="1"/>
-            <a:r>
-              <a:rPr lang="en-US" dirty="0" err="1"/>
-              <a:t>Account_balance</a:t>
-            </a:r>
-            <a:r>
-              <a:rPr lang="en-US" dirty="0"/>
-              <a:t>(</a:t>
-            </a:r>
-            <a:r>
-              <a:rPr lang="en-US" dirty="0" err="1"/>
-              <a:t>myAccount</a:t>
-            </a:r>
-            <a:r>
-              <a:rPr lang="en-US" dirty="0"/>
-              <a:t>, value –&gt; changes to </a:t>
-            </a:r>
-            <a:r>
-              <a:rPr lang="en-US" dirty="0">
-                <a:sym typeface="Wingdings" pitchFamily="2" charset="2"/>
-              </a:rPr>
-              <a:t> 5 )</a:t>
-            </a:r>
-            <a:endParaRPr lang="en-US" dirty="0"/>
+              <a:t>Is allowed</a:t>
+            </a:r>
           </a:p>
         </p:txBody>
       </p:sp>
     </p:spTree>
     <p:extLst>
       <p:ext uri="{BB962C8B-B14F-4D97-AF65-F5344CB8AC3E}">
-        <p14:creationId xmlns:p14="http://schemas.microsoft.com/office/powerpoint/2010/main" val="3203921604"/>
+        <p14:creationId xmlns:p14="http://schemas.microsoft.com/office/powerpoint/2010/main" val="883274731"/>
       </p:ext>
     </p:extLst>
   </p:cSld>
@@ -5958,7 +9362,7 @@
           <p:cNvPr id="2" name="Title 1">
             <a:extLst>
               <a:ext uri="{FF2B5EF4-FFF2-40B4-BE49-F238E27FC236}">
-                <a16:creationId xmlns:a16="http://schemas.microsoft.com/office/drawing/2014/main" id="{5214BD27-BDF5-664D-9D83-54A21FCDACF0}"/>
+                <a16:creationId xmlns:a16="http://schemas.microsoft.com/office/drawing/2014/main" id="{E0529347-8E03-5745-A305-AF41325E1120}"/>
               </a:ext>
             </a:extLst>
           </p:cNvPr>
@@ -5972,32 +9376,28 @@
         <p:spPr>
           <a:xfrm>
             <a:off x="838200" y="365126"/>
-            <a:ext cx="11205754" cy="618286"/>
+            <a:ext cx="10515600" cy="763587"/>
           </a:xfrm>
         </p:spPr>
         <p:txBody>
           <a:bodyPr>
-            <a:normAutofit fontScale="90000"/>
+            <a:normAutofit/>
           </a:bodyPr>
           <a:lstStyle/>
           <a:p>
             <a:r>
-              <a:rPr lang="en-US" dirty="0" err="1"/>
-              <a:t>Verifast</a:t>
-            </a:r>
-            <a:r>
-              <a:rPr lang="en-US" dirty="0"/>
-              <a:t> Tutorial</a:t>
-            </a:r>
-          </a:p>
-        </p:txBody>
-      </p:sp>
-      <p:sp>
-        <p:nvSpPr>
-          <p:cNvPr id="5" name="Content Placeholder 4">
+              <a:rPr lang="en-US" sz="1600" dirty="0"/>
+              <a:t> </a:t>
+            </a:r>
+          </a:p>
+        </p:txBody>
+      </p:sp>
+      <p:sp>
+        <p:nvSpPr>
+          <p:cNvPr id="3" name="Content Placeholder 2">
             <a:extLst>
               <a:ext uri="{FF2B5EF4-FFF2-40B4-BE49-F238E27FC236}">
-                <a16:creationId xmlns:a16="http://schemas.microsoft.com/office/drawing/2014/main" id="{C889DA17-52DA-2B4D-BC3F-5CFA3FFFEF8D}"/>
+                <a16:creationId xmlns:a16="http://schemas.microsoft.com/office/drawing/2014/main" id="{F6F2EB0E-4EBA-9E41-A915-2E5A2D97575C}"/>
               </a:ext>
             </a:extLst>
           </p:cNvPr>
@@ -6010,55 +9410,20 @@
         </p:nvSpPr>
         <p:spPr>
           <a:xfrm>
-            <a:off x="838200" y="1393902"/>
-            <a:ext cx="10515600" cy="4783061"/>
-          </a:xfrm>
-        </p:spPr>
-        <p:txBody>
-          <a:bodyPr>
-            <a:normAutofit/>
-          </a:bodyPr>
-          <a:lstStyle/>
-          <a:p>
-            <a:r>
-              <a:rPr lang="en-US" dirty="0"/>
-              <a:t>Consuming assertion</a:t>
-            </a:r>
-          </a:p>
-          <a:p>
-            <a:pPr lvl="1"/>
-            <a:r>
-              <a:rPr lang="en-US" dirty="0"/>
-              <a:t>Then cleaning up dummy fraction chunks</a:t>
-            </a:r>
-          </a:p>
-          <a:p>
-            <a:pPr lvl="1"/>
-            <a:r>
-              <a:rPr lang="en-US" dirty="0"/>
-              <a:t>Then leak check</a:t>
-            </a:r>
-          </a:p>
-          <a:p>
-            <a:r>
-              <a:rPr lang="en-US" dirty="0"/>
-              <a:t>Changing allocation to stack allocation to see why </a:t>
-            </a:r>
-            <a:r>
-              <a:rPr lang="en-US" dirty="0" err="1"/>
-              <a:t>account_balance</a:t>
-            </a:r>
-            <a:r>
-              <a:rPr lang="en-US" dirty="0"/>
-              <a:t> and </a:t>
-            </a:r>
-            <a:r>
-              <a:rPr lang="en-US" dirty="0" err="1"/>
-              <a:t>malloc_block_account</a:t>
-            </a:r>
-            <a:r>
-              <a:rPr lang="en-US" dirty="0"/>
-              <a:t> are allocated in the former code</a:t>
+            <a:off x="838200" y="4572000"/>
+            <a:ext cx="10515600" cy="1604962"/>
+          </a:xfrm>
+        </p:spPr>
+        <p:txBody>
+          <a:bodyPr/>
+          <a:lstStyle/>
+          <a:p>
+            <a:pPr marL="0" indent="0">
+              <a:buNone/>
+            </a:pPr>
+            <a:r>
+              <a:rPr lang="en-US" dirty="0"/>
+              <a:t>…</a:t>
             </a:r>
           </a:p>
         </p:txBody>
@@ -6066,7 +9431,7 @@
     </p:spTree>
     <p:extLst>
       <p:ext uri="{BB962C8B-B14F-4D97-AF65-F5344CB8AC3E}">
-        <p14:creationId xmlns:p14="http://schemas.microsoft.com/office/powerpoint/2010/main" val="1301678387"/>
+        <p14:creationId xmlns:p14="http://schemas.microsoft.com/office/powerpoint/2010/main" val="4135137661"/>
       </p:ext>
     </p:extLst>
   </p:cSld>
@@ -6098,7 +9463,7 @@
           <p:cNvPr id="2" name="Title 1">
             <a:extLst>
               <a:ext uri="{FF2B5EF4-FFF2-40B4-BE49-F238E27FC236}">
-                <a16:creationId xmlns:a16="http://schemas.microsoft.com/office/drawing/2014/main" id="{AF56E6B5-727F-D04B-BCC7-1BFB8AB902F0}"/>
+                <a16:creationId xmlns:a16="http://schemas.microsoft.com/office/drawing/2014/main" id="{E0529347-8E03-5745-A305-AF41325E1120}"/>
               </a:ext>
             </a:extLst>
           </p:cNvPr>
@@ -6109,16 +9474,21 @@
             <p:ph type="title"/>
           </p:nvPr>
         </p:nvSpPr>
-        <p:spPr/>
+        <p:spPr>
+          <a:xfrm>
+            <a:off x="838200" y="365126"/>
+            <a:ext cx="10515600" cy="763587"/>
+          </a:xfrm>
+        </p:spPr>
         <p:txBody>
           <a:bodyPr>
-            <a:normAutofit fontScale="90000"/>
+            <a:normAutofit/>
           </a:bodyPr>
           <a:lstStyle/>
           <a:p>
             <a:r>
-              <a:rPr lang="en-US" dirty="0"/>
-              <a:t>Saved code</a:t>
+              <a:rPr lang="en-US" sz="1600" dirty="0"/>
+              <a:t> </a:t>
             </a:r>
           </a:p>
         </p:txBody>
@@ -6128,7 +9498,7 @@
           <p:cNvPr id="3" name="Content Placeholder 2">
             <a:extLst>
               <a:ext uri="{FF2B5EF4-FFF2-40B4-BE49-F238E27FC236}">
-                <a16:creationId xmlns:a16="http://schemas.microsoft.com/office/drawing/2014/main" id="{7F154749-F06B-A44F-966B-C4AADE1A9EE6}"/>
+                <a16:creationId xmlns:a16="http://schemas.microsoft.com/office/drawing/2014/main" id="{F6F2EB0E-4EBA-9E41-A915-2E5A2D97575C}"/>
               </a:ext>
             </a:extLst>
           </p:cNvPr>
@@ -6139,237 +9509,30 @@
             <p:ph idx="1"/>
           </p:nvPr>
         </p:nvSpPr>
-        <p:spPr/>
-        <p:txBody>
-          <a:bodyPr>
-            <a:normAutofit fontScale="32500" lnSpcReduction="20000"/>
-          </a:bodyPr>
-          <a:lstStyle/>
-          <a:p>
-            <a:pPr marL="0" indent="0">
-              <a:buNone/>
-            </a:pPr>
-            <a:r>
-              <a:rPr lang="en-US" dirty="0"/>
-              <a:t>Saved code</a:t>
-            </a:r>
-          </a:p>
-          <a:p>
-            <a:pPr marL="0" indent="0">
-              <a:buNone/>
-            </a:pPr>
-            <a:r>
-              <a:rPr lang="en-US" dirty="0"/>
-              <a:t>#include "</a:t>
-            </a:r>
-            <a:r>
-              <a:rPr lang="en-US" dirty="0" err="1"/>
-              <a:t>stdlib.h</a:t>
-            </a:r>
-            <a:r>
-              <a:rPr lang="en-US" dirty="0"/>
-              <a:t>"</a:t>
-            </a:r>
-          </a:p>
-          <a:p>
-            <a:pPr marL="0" indent="0">
-              <a:buNone/>
-            </a:pPr>
-            <a:endParaRPr lang="en-US" dirty="0"/>
-          </a:p>
-          <a:p>
-            <a:pPr marL="0" indent="0">
-              <a:buNone/>
-            </a:pPr>
-            <a:r>
-              <a:rPr lang="en-US" dirty="0"/>
-              <a:t>struct account {</a:t>
-            </a:r>
-          </a:p>
-          <a:p>
-            <a:pPr marL="0" indent="0">
-              <a:buNone/>
-            </a:pPr>
-            <a:r>
-              <a:rPr lang="en-US" dirty="0"/>
-              <a:t>    int balance;</a:t>
-            </a:r>
-          </a:p>
-          <a:p>
-            <a:pPr marL="0" indent="0">
-              <a:buNone/>
-            </a:pPr>
-            <a:r>
-              <a:rPr lang="en-US" dirty="0"/>
-              <a:t>};</a:t>
-            </a:r>
-          </a:p>
-          <a:p>
-            <a:pPr marL="0" indent="0">
-              <a:buNone/>
-            </a:pPr>
-            <a:endParaRPr lang="en-US" dirty="0"/>
-          </a:p>
-          <a:p>
-            <a:pPr marL="0" indent="0">
-              <a:buNone/>
-            </a:pPr>
-            <a:r>
-              <a:rPr lang="en-US" dirty="0"/>
-              <a:t>int main()</a:t>
-            </a:r>
-          </a:p>
-          <a:p>
-            <a:pPr marL="0" indent="0">
-              <a:buNone/>
-            </a:pPr>
-            <a:r>
-              <a:rPr lang="en-US" dirty="0"/>
-              <a:t>    //@ requires true;</a:t>
-            </a:r>
-          </a:p>
-          <a:p>
-            <a:pPr marL="0" indent="0">
-              <a:buNone/>
-            </a:pPr>
-            <a:r>
-              <a:rPr lang="en-US" dirty="0"/>
-              <a:t>    //@ ensures true;</a:t>
-            </a:r>
-          </a:p>
-          <a:p>
-            <a:pPr marL="0" indent="0">
-              <a:buNone/>
-            </a:pPr>
-            <a:r>
-              <a:rPr lang="en-US" dirty="0"/>
-              <a:t>{</a:t>
-            </a:r>
-          </a:p>
-          <a:p>
-            <a:pPr marL="0" indent="0">
-              <a:buNone/>
-            </a:pPr>
-            <a:r>
-              <a:rPr lang="en-US" dirty="0"/>
-              <a:t>    struct account *</a:t>
-            </a:r>
-            <a:r>
-              <a:rPr lang="en-US" dirty="0" err="1"/>
-              <a:t>myAccount</a:t>
-            </a:r>
-            <a:r>
-              <a:rPr lang="en-US" dirty="0"/>
-              <a:t> = malloc(</a:t>
-            </a:r>
-            <a:r>
-              <a:rPr lang="en-US" dirty="0" err="1"/>
-              <a:t>sizeof</a:t>
-            </a:r>
-            <a:r>
-              <a:rPr lang="en-US" dirty="0"/>
-              <a:t>(struct account));</a:t>
-            </a:r>
-          </a:p>
-          <a:p>
-            <a:pPr marL="0" indent="0">
-              <a:buNone/>
-            </a:pPr>
-            <a:r>
-              <a:rPr lang="en-US" dirty="0"/>
-              <a:t>    if (</a:t>
-            </a:r>
-            <a:r>
-              <a:rPr lang="en-US" dirty="0" err="1"/>
-              <a:t>myAccount</a:t>
-            </a:r>
-            <a:r>
-              <a:rPr lang="en-US" dirty="0"/>
-              <a:t> == 0) { abort(); } </a:t>
-            </a:r>
-          </a:p>
-          <a:p>
-            <a:pPr marL="0" indent="0">
-              <a:buNone/>
-            </a:pPr>
-            <a:r>
-              <a:rPr lang="en-US" dirty="0"/>
-              <a:t>   </a:t>
-            </a:r>
-          </a:p>
-          <a:p>
-            <a:pPr marL="0" indent="0">
-              <a:buNone/>
-            </a:pPr>
-            <a:r>
-              <a:rPr lang="en-US" dirty="0"/>
-              <a:t>    </a:t>
-            </a:r>
-            <a:r>
-              <a:rPr lang="en-US" dirty="0" err="1"/>
-              <a:t>myAccount</a:t>
-            </a:r>
-            <a:r>
-              <a:rPr lang="en-US" dirty="0"/>
-              <a:t>-&gt;balance = 5;</a:t>
-            </a:r>
-          </a:p>
-          <a:p>
-            <a:pPr marL="0" indent="0">
-              <a:buNone/>
-            </a:pPr>
-            <a:r>
-              <a:rPr lang="en-US" dirty="0"/>
-              <a:t>    free(</a:t>
-            </a:r>
-            <a:r>
-              <a:rPr lang="en-US" dirty="0" err="1"/>
-              <a:t>myAccount</a:t>
-            </a:r>
-            <a:r>
-              <a:rPr lang="en-US" dirty="0"/>
-              <a:t>);</a:t>
-            </a:r>
-          </a:p>
-          <a:p>
-            <a:pPr marL="0" indent="0">
-              <a:buNone/>
-            </a:pPr>
-            <a:r>
-              <a:rPr lang="en-US" dirty="0"/>
-              <a:t>  </a:t>
-            </a:r>
-          </a:p>
-          <a:p>
-            <a:pPr marL="0" indent="0">
-              <a:buNone/>
-            </a:pPr>
-            <a:r>
-              <a:rPr lang="en-US" dirty="0"/>
-              <a:t>    return 0;</a:t>
-            </a:r>
-          </a:p>
-          <a:p>
-            <a:pPr marL="0" indent="0">
-              <a:buNone/>
-            </a:pPr>
-            <a:r>
-              <a:rPr lang="en-US" dirty="0"/>
-              <a:t>}</a:t>
-            </a:r>
-          </a:p>
-          <a:p>
-            <a:pPr marL="0" indent="0">
-              <a:buNone/>
-            </a:pPr>
-            <a:endParaRPr lang="en-US" dirty="0"/>
+        <p:spPr>
+          <a:xfrm>
+            <a:off x="838200" y="4572000"/>
+            <a:ext cx="10515600" cy="1604962"/>
+          </a:xfrm>
+        </p:spPr>
+        <p:txBody>
+          <a:bodyPr/>
+          <a:lstStyle/>
+          <a:p>
+            <a:pPr marL="0" indent="0">
+              <a:buNone/>
+            </a:pPr>
+            <a:r>
+              <a:rPr lang="en-US" dirty="0"/>
+              <a:t>…</a:t>
+            </a:r>
           </a:p>
         </p:txBody>
       </p:sp>
     </p:spTree>
     <p:extLst>
       <p:ext uri="{BB962C8B-B14F-4D97-AF65-F5344CB8AC3E}">
-        <p14:creationId xmlns:p14="http://schemas.microsoft.com/office/powerpoint/2010/main" val="1298501464"/>
+        <p14:creationId xmlns:p14="http://schemas.microsoft.com/office/powerpoint/2010/main" val="2302112666"/>
       </p:ext>
     </p:extLst>
   </p:cSld>
@@ -6401,7 +9564,7 @@
           <p:cNvPr id="2" name="Title 1">
             <a:extLst>
               <a:ext uri="{FF2B5EF4-FFF2-40B4-BE49-F238E27FC236}">
-                <a16:creationId xmlns:a16="http://schemas.microsoft.com/office/drawing/2014/main" id="{AF56E6B5-727F-D04B-BCC7-1BFB8AB902F0}"/>
+                <a16:creationId xmlns:a16="http://schemas.microsoft.com/office/drawing/2014/main" id="{E0529347-8E03-5745-A305-AF41325E1120}"/>
               </a:ext>
             </a:extLst>
           </p:cNvPr>
@@ -6415,18 +9578,18 @@
         <p:spPr>
           <a:xfrm>
             <a:off x="838200" y="365126"/>
-            <a:ext cx="10515600" cy="1057274"/>
+            <a:ext cx="10515600" cy="763587"/>
           </a:xfrm>
         </p:spPr>
         <p:txBody>
           <a:bodyPr>
-            <a:normAutofit fontScale="90000"/>
+            <a:normAutofit/>
           </a:bodyPr>
           <a:lstStyle/>
           <a:p>
             <a:r>
-              <a:rPr lang="en-US" dirty="0"/>
-              <a:t>New code – error at “free” (no matching heap chunks)</a:t>
+              <a:rPr lang="en-US" sz="1600" dirty="0"/>
+              <a:t> </a:t>
             </a:r>
           </a:p>
         </p:txBody>
@@ -6436,7 +9599,7 @@
           <p:cNvPr id="3" name="Content Placeholder 2">
             <a:extLst>
               <a:ext uri="{FF2B5EF4-FFF2-40B4-BE49-F238E27FC236}">
-                <a16:creationId xmlns:a16="http://schemas.microsoft.com/office/drawing/2014/main" id="{7F154749-F06B-A44F-966B-C4AADE1A9EE6}"/>
+                <a16:creationId xmlns:a16="http://schemas.microsoft.com/office/drawing/2014/main" id="{F6F2EB0E-4EBA-9E41-A915-2E5A2D97575C}"/>
               </a:ext>
             </a:extLst>
           </p:cNvPr>
@@ -6447,234 +9610,30 @@
             <p:ph idx="1"/>
           </p:nvPr>
         </p:nvSpPr>
-        <p:spPr/>
-        <p:txBody>
-          <a:bodyPr>
-            <a:normAutofit fontScale="32500" lnSpcReduction="20000"/>
-          </a:bodyPr>
-          <a:lstStyle/>
-          <a:p>
-            <a:pPr marL="0" indent="0">
-              <a:buNone/>
-            </a:pPr>
-            <a:r>
-              <a:rPr lang="en-US" dirty="0"/>
-              <a:t>#include "</a:t>
-            </a:r>
-            <a:r>
-              <a:rPr lang="en-US" dirty="0" err="1"/>
-              <a:t>stdlib.h</a:t>
-            </a:r>
-            <a:r>
-              <a:rPr lang="en-US" dirty="0"/>
-              <a:t>"</a:t>
-            </a:r>
-          </a:p>
-          <a:p>
-            <a:pPr marL="0" indent="0">
-              <a:buNone/>
-            </a:pPr>
-            <a:endParaRPr lang="en-US" dirty="0"/>
-          </a:p>
-          <a:p>
-            <a:pPr marL="0" indent="0">
-              <a:buNone/>
-            </a:pPr>
-            <a:r>
-              <a:rPr lang="en-US" dirty="0"/>
-              <a:t>struct account {</a:t>
-            </a:r>
-          </a:p>
-          <a:p>
-            <a:pPr marL="0" indent="0">
-              <a:buNone/>
-            </a:pPr>
-            <a:r>
-              <a:rPr lang="en-US" dirty="0"/>
-              <a:t>    int balance;</a:t>
-            </a:r>
-          </a:p>
-          <a:p>
-            <a:pPr marL="0" indent="0">
-              <a:buNone/>
-            </a:pPr>
-            <a:r>
-              <a:rPr lang="en-US" dirty="0"/>
-              <a:t>};</a:t>
-            </a:r>
-          </a:p>
-          <a:p>
-            <a:pPr marL="0" indent="0">
-              <a:buNone/>
-            </a:pPr>
-            <a:endParaRPr lang="en-US" dirty="0"/>
-          </a:p>
-          <a:p>
-            <a:pPr marL="0" indent="0">
-              <a:buNone/>
-            </a:pPr>
-            <a:r>
-              <a:rPr lang="en-US" dirty="0"/>
-              <a:t>int main()</a:t>
-            </a:r>
-          </a:p>
-          <a:p>
-            <a:pPr marL="0" indent="0">
-              <a:buNone/>
-            </a:pPr>
-            <a:r>
-              <a:rPr lang="en-US" dirty="0"/>
-              <a:t>    //@ requires true;</a:t>
-            </a:r>
-          </a:p>
-          <a:p>
-            <a:pPr marL="0" indent="0">
-              <a:buNone/>
-            </a:pPr>
-            <a:r>
-              <a:rPr lang="en-US" dirty="0"/>
-              <a:t>    //@ ensures true;</a:t>
-            </a:r>
-          </a:p>
-          <a:p>
-            <a:pPr marL="0" indent="0">
-              <a:buNone/>
-            </a:pPr>
-            <a:r>
-              <a:rPr lang="en-US" dirty="0"/>
-              <a:t>{</a:t>
-            </a:r>
-          </a:p>
-          <a:p>
-            <a:pPr marL="0" indent="0">
-              <a:buNone/>
-            </a:pPr>
-            <a:r>
-              <a:rPr lang="en-US" dirty="0"/>
-              <a:t>    struct account </a:t>
-            </a:r>
-            <a:r>
-              <a:rPr lang="en-US" dirty="0" err="1"/>
-              <a:t>myAccountLocal</a:t>
-            </a:r>
-            <a:r>
-              <a:rPr lang="en-US" dirty="0"/>
-              <a:t>;</a:t>
-            </a:r>
-          </a:p>
-          <a:p>
-            <a:pPr marL="0" indent="0">
-              <a:buNone/>
-            </a:pPr>
-            <a:r>
-              <a:rPr lang="en-US" dirty="0"/>
-              <a:t>    struct account *</a:t>
-            </a:r>
-            <a:r>
-              <a:rPr lang="en-US" dirty="0" err="1"/>
-              <a:t>myAccount</a:t>
-            </a:r>
-            <a:r>
-              <a:rPr lang="en-US" dirty="0"/>
-              <a:t> = &amp;</a:t>
-            </a:r>
-            <a:r>
-              <a:rPr lang="en-US" dirty="0" err="1"/>
-              <a:t>myAccountLocal</a:t>
-            </a:r>
-            <a:r>
-              <a:rPr lang="en-US" dirty="0"/>
-              <a:t>;</a:t>
-            </a:r>
-          </a:p>
-          <a:p>
-            <a:pPr marL="0" indent="0">
-              <a:buNone/>
-            </a:pPr>
-            <a:r>
-              <a:rPr lang="en-US" dirty="0"/>
-              <a:t> </a:t>
-            </a:r>
-          </a:p>
-          <a:p>
-            <a:pPr marL="0" indent="0">
-              <a:buNone/>
-            </a:pPr>
-            <a:r>
-              <a:rPr lang="en-US" dirty="0"/>
-              <a:t>    </a:t>
-            </a:r>
-            <a:r>
-              <a:rPr lang="en-US" dirty="0" err="1"/>
-              <a:t>myAccount</a:t>
-            </a:r>
-            <a:r>
-              <a:rPr lang="en-US" dirty="0"/>
-              <a:t>-&gt;balance = 5;</a:t>
-            </a:r>
-          </a:p>
-          <a:p>
-            <a:pPr marL="0" indent="0">
-              <a:buNone/>
-            </a:pPr>
-            <a:r>
-              <a:rPr lang="en-US" dirty="0"/>
-              <a:t>    free(</a:t>
-            </a:r>
-            <a:r>
-              <a:rPr lang="en-US" dirty="0" err="1"/>
-              <a:t>myAccount</a:t>
-            </a:r>
-            <a:r>
-              <a:rPr lang="en-US" dirty="0"/>
-              <a:t>);</a:t>
-            </a:r>
-          </a:p>
-          <a:p>
-            <a:pPr marL="0" indent="0">
-              <a:buNone/>
-            </a:pPr>
-            <a:r>
-              <a:rPr lang="en-US" dirty="0"/>
-              <a:t>  </a:t>
-            </a:r>
-          </a:p>
-          <a:p>
-            <a:pPr marL="0" indent="0">
-              <a:buNone/>
-            </a:pPr>
-            <a:r>
-              <a:rPr lang="en-US" dirty="0"/>
-              <a:t>    return 0;</a:t>
-            </a:r>
-          </a:p>
-          <a:p>
-            <a:pPr marL="0" indent="0">
-              <a:buNone/>
-            </a:pPr>
-            <a:r>
-              <a:rPr lang="en-US" dirty="0"/>
-              <a:t>}</a:t>
-            </a:r>
-          </a:p>
-          <a:p>
-            <a:pPr marL="0" indent="0">
-              <a:buNone/>
-            </a:pPr>
-            <a:endParaRPr lang="en-US" dirty="0"/>
-          </a:p>
-          <a:p>
-            <a:pPr marL="0" indent="0">
-              <a:buNone/>
-            </a:pPr>
-            <a:endParaRPr lang="en-US" dirty="0"/>
+        <p:spPr>
+          <a:xfrm>
+            <a:off x="838200" y="4572000"/>
+            <a:ext cx="10515600" cy="1604962"/>
+          </a:xfrm>
+        </p:spPr>
+        <p:txBody>
+          <a:bodyPr/>
+          <a:lstStyle/>
+          <a:p>
+            <a:pPr marL="0" indent="0">
+              <a:buNone/>
+            </a:pPr>
+            <a:r>
+              <a:rPr lang="en-US" dirty="0"/>
+              <a:t>…</a:t>
+            </a:r>
           </a:p>
         </p:txBody>
       </p:sp>
     </p:spTree>
     <p:extLst>
       <p:ext uri="{BB962C8B-B14F-4D97-AF65-F5344CB8AC3E}">
-        <p14:creationId xmlns:p14="http://schemas.microsoft.com/office/powerpoint/2010/main" val="4181603218"/>
+        <p14:creationId xmlns:p14="http://schemas.microsoft.com/office/powerpoint/2010/main" val="1040841721"/>
       </p:ext>
     </p:extLst>
   </p:cSld>

--- a/Lec17/Lec17.pptx
+++ b/Lec17/Lec17.pptx
@@ -5,49 +5,24 @@
     <p:sldMasterId id="2147483648" r:id="rId1"/>
   </p:sldMasterIdLst>
   <p:notesMasterIdLst>
-    <p:notesMasterId r:id="rId39"/>
+    <p:notesMasterId r:id="rId14"/>
   </p:notesMasterIdLst>
   <p:handoutMasterIdLst>
-    <p:handoutMasterId r:id="rId40"/>
+    <p:handoutMasterId r:id="rId15"/>
   </p:handoutMasterIdLst>
   <p:sldIdLst>
     <p:sldId id="414" r:id="rId2"/>
     <p:sldId id="1277" r:id="rId3"/>
     <p:sldId id="1278" r:id="rId4"/>
-    <p:sldId id="1279" r:id="rId5"/>
-    <p:sldId id="1280" r:id="rId6"/>
-    <p:sldId id="1281" r:id="rId7"/>
-    <p:sldId id="1282" r:id="rId8"/>
-    <p:sldId id="1283" r:id="rId9"/>
-    <p:sldId id="1284" r:id="rId10"/>
-    <p:sldId id="1285" r:id="rId11"/>
-    <p:sldId id="1286" r:id="rId12"/>
-    <p:sldId id="1287" r:id="rId13"/>
-    <p:sldId id="1288" r:id="rId14"/>
-    <p:sldId id="1289" r:id="rId15"/>
-    <p:sldId id="1290" r:id="rId16"/>
-    <p:sldId id="1291" r:id="rId17"/>
-    <p:sldId id="1240" r:id="rId18"/>
-    <p:sldId id="1242" r:id="rId19"/>
-    <p:sldId id="1243" r:id="rId20"/>
-    <p:sldId id="1244" r:id="rId21"/>
-    <p:sldId id="1257" r:id="rId22"/>
-    <p:sldId id="1258" r:id="rId23"/>
-    <p:sldId id="1259" r:id="rId24"/>
-    <p:sldId id="1260" r:id="rId25"/>
-    <p:sldId id="1261" r:id="rId26"/>
-    <p:sldId id="1262" r:id="rId27"/>
-    <p:sldId id="1263" r:id="rId28"/>
-    <p:sldId id="1267" r:id="rId29"/>
-    <p:sldId id="1268" r:id="rId30"/>
-    <p:sldId id="1269" r:id="rId31"/>
-    <p:sldId id="1270" r:id="rId32"/>
-    <p:sldId id="1271" r:id="rId33"/>
-    <p:sldId id="1272" r:id="rId34"/>
-    <p:sldId id="1273" r:id="rId35"/>
-    <p:sldId id="1274" r:id="rId36"/>
-    <p:sldId id="1275" r:id="rId37"/>
-    <p:sldId id="1276" r:id="rId38"/>
+    <p:sldId id="1283" r:id="rId5"/>
+    <p:sldId id="1284" r:id="rId6"/>
+    <p:sldId id="1285" r:id="rId7"/>
+    <p:sldId id="1279" r:id="rId8"/>
+    <p:sldId id="1280" r:id="rId9"/>
+    <p:sldId id="1281" r:id="rId10"/>
+    <p:sldId id="1262" r:id="rId11"/>
+    <p:sldId id="1263" r:id="rId12"/>
+    <p:sldId id="1282" r:id="rId13"/>
   </p:sldIdLst>
   <p:sldSz cx="12192000" cy="6858000"/>
   <p:notesSz cx="6858000" cy="9144000"/>
@@ -251,7 +226,7 @@
           <a:p>
             <a:fld id="{36B64484-7F23-844A-BCEB-06DFAD827E32}" type="datetimeFigureOut">
               <a:rPr lang="en-US" smtClean="0"/>
-              <a:t>3/12/22</a:t>
+              <a:t>3/13/22</a:t>
             </a:fld>
             <a:endParaRPr lang="en-US"/>
           </a:p>
@@ -428,7 +403,7 @@
           <a:p>
             <a:fld id="{4EBE11B0-21E1-9842-BB37-72784894B0AB}" type="datetimeFigureOut">
               <a:rPr lang="en-US" smtClean="0"/>
-              <a:t>3/12/22</a:t>
+              <a:t>3/13/22</a:t>
             </a:fld>
             <a:endParaRPr lang="en-US"/>
           </a:p>
@@ -3848,7 +3823,7 @@
             <a:pPr algn="ctr"/>
             <a:r>
               <a:rPr lang="en-US" sz="3600" dirty="0"/>
-              <a:t>CS 5/6110, Software Correctness Analysis, Spring 2021</a:t>
+              <a:t>CS 5/6110, Software Correctness Analysis, Spring 2022</a:t>
             </a:r>
             <a:endParaRPr lang="en-US" dirty="0"/>
           </a:p>
@@ -3876,1765 +3851,6 @@
 </file>
 
 <file path=ppt/slides/slide10.xml><?xml version="1.0" encoding="utf-8"?>
-<p:sld xmlns:a="http://schemas.openxmlformats.org/drawingml/2006/main" xmlns:r="http://schemas.openxmlformats.org/officeDocument/2006/relationships" xmlns:p="http://schemas.openxmlformats.org/presentationml/2006/main">
-  <p:cSld>
-    <p:spTree>
-      <p:nvGrpSpPr>
-        <p:cNvPr id="1" name=""/>
-        <p:cNvGrpSpPr/>
-        <p:nvPr/>
-      </p:nvGrpSpPr>
-      <p:grpSpPr>
-        <a:xfrm>
-          <a:off x="0" y="0"/>
-          <a:ext cx="0" cy="0"/>
-          <a:chOff x="0" y="0"/>
-          <a:chExt cx="0" cy="0"/>
-        </a:xfrm>
-      </p:grpSpPr>
-      <p:sp>
-        <p:nvSpPr>
-          <p:cNvPr id="2" name="Title 1">
-            <a:extLst>
-              <a:ext uri="{FF2B5EF4-FFF2-40B4-BE49-F238E27FC236}">
-                <a16:creationId xmlns:a16="http://schemas.microsoft.com/office/drawing/2014/main" id="{E0529347-8E03-5745-A305-AF41325E1120}"/>
-              </a:ext>
-            </a:extLst>
-          </p:cNvPr>
-          <p:cNvSpPr>
-            <a:spLocks noGrp="1"/>
-          </p:cNvSpPr>
-          <p:nvPr>
-            <p:ph type="title"/>
-          </p:nvPr>
-        </p:nvSpPr>
-        <p:spPr>
-          <a:xfrm>
-            <a:off x="838200" y="365126"/>
-            <a:ext cx="10515600" cy="763587"/>
-          </a:xfrm>
-        </p:spPr>
-        <p:txBody>
-          <a:bodyPr>
-            <a:normAutofit/>
-          </a:bodyPr>
-          <a:lstStyle/>
-          <a:p>
-            <a:r>
-              <a:rPr lang="en-US" sz="1600" dirty="0"/>
-              <a:t> </a:t>
-            </a:r>
-          </a:p>
-        </p:txBody>
-      </p:sp>
-      <p:sp>
-        <p:nvSpPr>
-          <p:cNvPr id="3" name="Content Placeholder 2">
-            <a:extLst>
-              <a:ext uri="{FF2B5EF4-FFF2-40B4-BE49-F238E27FC236}">
-                <a16:creationId xmlns:a16="http://schemas.microsoft.com/office/drawing/2014/main" id="{F6F2EB0E-4EBA-9E41-A915-2E5A2D97575C}"/>
-              </a:ext>
-            </a:extLst>
-          </p:cNvPr>
-          <p:cNvSpPr>
-            <a:spLocks noGrp="1"/>
-          </p:cNvSpPr>
-          <p:nvPr>
-            <p:ph idx="1"/>
-          </p:nvPr>
-        </p:nvSpPr>
-        <p:spPr>
-          <a:xfrm>
-            <a:off x="838200" y="4572000"/>
-            <a:ext cx="10515600" cy="1604962"/>
-          </a:xfrm>
-        </p:spPr>
-        <p:txBody>
-          <a:bodyPr/>
-          <a:lstStyle/>
-          <a:p>
-            <a:pPr marL="0" indent="0">
-              <a:buNone/>
-            </a:pPr>
-            <a:r>
-              <a:rPr lang="en-US" dirty="0"/>
-              <a:t>…</a:t>
-            </a:r>
-          </a:p>
-        </p:txBody>
-      </p:sp>
-    </p:spTree>
-    <p:extLst>
-      <p:ext uri="{BB962C8B-B14F-4D97-AF65-F5344CB8AC3E}">
-        <p14:creationId xmlns:p14="http://schemas.microsoft.com/office/powerpoint/2010/main" val="1389394071"/>
-      </p:ext>
-    </p:extLst>
-  </p:cSld>
-  <p:clrMapOvr>
-    <a:masterClrMapping/>
-  </p:clrMapOvr>
-</p:sld>
-</file>
-
-<file path=ppt/slides/slide11.xml><?xml version="1.0" encoding="utf-8"?>
-<p:sld xmlns:a="http://schemas.openxmlformats.org/drawingml/2006/main" xmlns:r="http://schemas.openxmlformats.org/officeDocument/2006/relationships" xmlns:p="http://schemas.openxmlformats.org/presentationml/2006/main">
-  <p:cSld>
-    <p:spTree>
-      <p:nvGrpSpPr>
-        <p:cNvPr id="1" name=""/>
-        <p:cNvGrpSpPr/>
-        <p:nvPr/>
-      </p:nvGrpSpPr>
-      <p:grpSpPr>
-        <a:xfrm>
-          <a:off x="0" y="0"/>
-          <a:ext cx="0" cy="0"/>
-          <a:chOff x="0" y="0"/>
-          <a:chExt cx="0" cy="0"/>
-        </a:xfrm>
-      </p:grpSpPr>
-      <p:sp>
-        <p:nvSpPr>
-          <p:cNvPr id="2" name="Title 1">
-            <a:extLst>
-              <a:ext uri="{FF2B5EF4-FFF2-40B4-BE49-F238E27FC236}">
-                <a16:creationId xmlns:a16="http://schemas.microsoft.com/office/drawing/2014/main" id="{E0529347-8E03-5745-A305-AF41325E1120}"/>
-              </a:ext>
-            </a:extLst>
-          </p:cNvPr>
-          <p:cNvSpPr>
-            <a:spLocks noGrp="1"/>
-          </p:cNvSpPr>
-          <p:nvPr>
-            <p:ph type="title"/>
-          </p:nvPr>
-        </p:nvSpPr>
-        <p:spPr>
-          <a:xfrm>
-            <a:off x="838200" y="365126"/>
-            <a:ext cx="10515600" cy="763587"/>
-          </a:xfrm>
-        </p:spPr>
-        <p:txBody>
-          <a:bodyPr>
-            <a:normAutofit/>
-          </a:bodyPr>
-          <a:lstStyle/>
-          <a:p>
-            <a:r>
-              <a:rPr lang="en-US" sz="1600" dirty="0"/>
-              <a:t> </a:t>
-            </a:r>
-          </a:p>
-        </p:txBody>
-      </p:sp>
-      <p:sp>
-        <p:nvSpPr>
-          <p:cNvPr id="3" name="Content Placeholder 2">
-            <a:extLst>
-              <a:ext uri="{FF2B5EF4-FFF2-40B4-BE49-F238E27FC236}">
-                <a16:creationId xmlns:a16="http://schemas.microsoft.com/office/drawing/2014/main" id="{F6F2EB0E-4EBA-9E41-A915-2E5A2D97575C}"/>
-              </a:ext>
-            </a:extLst>
-          </p:cNvPr>
-          <p:cNvSpPr>
-            <a:spLocks noGrp="1"/>
-          </p:cNvSpPr>
-          <p:nvPr>
-            <p:ph idx="1"/>
-          </p:nvPr>
-        </p:nvSpPr>
-        <p:spPr>
-          <a:xfrm>
-            <a:off x="838200" y="4572000"/>
-            <a:ext cx="10515600" cy="1604962"/>
-          </a:xfrm>
-        </p:spPr>
-        <p:txBody>
-          <a:bodyPr/>
-          <a:lstStyle/>
-          <a:p>
-            <a:pPr marL="0" indent="0">
-              <a:buNone/>
-            </a:pPr>
-            <a:r>
-              <a:rPr lang="en-US" dirty="0"/>
-              <a:t>…</a:t>
-            </a:r>
-          </a:p>
-        </p:txBody>
-      </p:sp>
-    </p:spTree>
-    <p:extLst>
-      <p:ext uri="{BB962C8B-B14F-4D97-AF65-F5344CB8AC3E}">
-        <p14:creationId xmlns:p14="http://schemas.microsoft.com/office/powerpoint/2010/main" val="391759483"/>
-      </p:ext>
-    </p:extLst>
-  </p:cSld>
-  <p:clrMapOvr>
-    <a:masterClrMapping/>
-  </p:clrMapOvr>
-</p:sld>
-</file>
-
-<file path=ppt/slides/slide12.xml><?xml version="1.0" encoding="utf-8"?>
-<p:sld xmlns:a="http://schemas.openxmlformats.org/drawingml/2006/main" xmlns:r="http://schemas.openxmlformats.org/officeDocument/2006/relationships" xmlns:p="http://schemas.openxmlformats.org/presentationml/2006/main">
-  <p:cSld>
-    <p:spTree>
-      <p:nvGrpSpPr>
-        <p:cNvPr id="1" name=""/>
-        <p:cNvGrpSpPr/>
-        <p:nvPr/>
-      </p:nvGrpSpPr>
-      <p:grpSpPr>
-        <a:xfrm>
-          <a:off x="0" y="0"/>
-          <a:ext cx="0" cy="0"/>
-          <a:chOff x="0" y="0"/>
-          <a:chExt cx="0" cy="0"/>
-        </a:xfrm>
-      </p:grpSpPr>
-      <p:sp>
-        <p:nvSpPr>
-          <p:cNvPr id="2" name="Title 1">
-            <a:extLst>
-              <a:ext uri="{FF2B5EF4-FFF2-40B4-BE49-F238E27FC236}">
-                <a16:creationId xmlns:a16="http://schemas.microsoft.com/office/drawing/2014/main" id="{E0529347-8E03-5745-A305-AF41325E1120}"/>
-              </a:ext>
-            </a:extLst>
-          </p:cNvPr>
-          <p:cNvSpPr>
-            <a:spLocks noGrp="1"/>
-          </p:cNvSpPr>
-          <p:nvPr>
-            <p:ph type="title"/>
-          </p:nvPr>
-        </p:nvSpPr>
-        <p:spPr>
-          <a:xfrm>
-            <a:off x="838200" y="365126"/>
-            <a:ext cx="10515600" cy="763587"/>
-          </a:xfrm>
-        </p:spPr>
-        <p:txBody>
-          <a:bodyPr>
-            <a:normAutofit/>
-          </a:bodyPr>
-          <a:lstStyle/>
-          <a:p>
-            <a:r>
-              <a:rPr lang="en-US" sz="1600" dirty="0"/>
-              <a:t> </a:t>
-            </a:r>
-          </a:p>
-        </p:txBody>
-      </p:sp>
-      <p:sp>
-        <p:nvSpPr>
-          <p:cNvPr id="3" name="Content Placeholder 2">
-            <a:extLst>
-              <a:ext uri="{FF2B5EF4-FFF2-40B4-BE49-F238E27FC236}">
-                <a16:creationId xmlns:a16="http://schemas.microsoft.com/office/drawing/2014/main" id="{F6F2EB0E-4EBA-9E41-A915-2E5A2D97575C}"/>
-              </a:ext>
-            </a:extLst>
-          </p:cNvPr>
-          <p:cNvSpPr>
-            <a:spLocks noGrp="1"/>
-          </p:cNvSpPr>
-          <p:nvPr>
-            <p:ph idx="1"/>
-          </p:nvPr>
-        </p:nvSpPr>
-        <p:spPr>
-          <a:xfrm>
-            <a:off x="838200" y="4572000"/>
-            <a:ext cx="10515600" cy="1604962"/>
-          </a:xfrm>
-        </p:spPr>
-        <p:txBody>
-          <a:bodyPr/>
-          <a:lstStyle/>
-          <a:p>
-            <a:pPr marL="0" indent="0">
-              <a:buNone/>
-            </a:pPr>
-            <a:r>
-              <a:rPr lang="en-US" dirty="0"/>
-              <a:t>…</a:t>
-            </a:r>
-          </a:p>
-        </p:txBody>
-      </p:sp>
-    </p:spTree>
-    <p:extLst>
-      <p:ext uri="{BB962C8B-B14F-4D97-AF65-F5344CB8AC3E}">
-        <p14:creationId xmlns:p14="http://schemas.microsoft.com/office/powerpoint/2010/main" val="578592763"/>
-      </p:ext>
-    </p:extLst>
-  </p:cSld>
-  <p:clrMapOvr>
-    <a:masterClrMapping/>
-  </p:clrMapOvr>
-</p:sld>
-</file>
-
-<file path=ppt/slides/slide13.xml><?xml version="1.0" encoding="utf-8"?>
-<p:sld xmlns:a="http://schemas.openxmlformats.org/drawingml/2006/main" xmlns:r="http://schemas.openxmlformats.org/officeDocument/2006/relationships" xmlns:p="http://schemas.openxmlformats.org/presentationml/2006/main">
-  <p:cSld>
-    <p:spTree>
-      <p:nvGrpSpPr>
-        <p:cNvPr id="1" name=""/>
-        <p:cNvGrpSpPr/>
-        <p:nvPr/>
-      </p:nvGrpSpPr>
-      <p:grpSpPr>
-        <a:xfrm>
-          <a:off x="0" y="0"/>
-          <a:ext cx="0" cy="0"/>
-          <a:chOff x="0" y="0"/>
-          <a:chExt cx="0" cy="0"/>
-        </a:xfrm>
-      </p:grpSpPr>
-      <p:sp>
-        <p:nvSpPr>
-          <p:cNvPr id="2" name="Title 1">
-            <a:extLst>
-              <a:ext uri="{FF2B5EF4-FFF2-40B4-BE49-F238E27FC236}">
-                <a16:creationId xmlns:a16="http://schemas.microsoft.com/office/drawing/2014/main" id="{E0529347-8E03-5745-A305-AF41325E1120}"/>
-              </a:ext>
-            </a:extLst>
-          </p:cNvPr>
-          <p:cNvSpPr>
-            <a:spLocks noGrp="1"/>
-          </p:cNvSpPr>
-          <p:nvPr>
-            <p:ph type="title"/>
-          </p:nvPr>
-        </p:nvSpPr>
-        <p:spPr>
-          <a:xfrm>
-            <a:off x="838200" y="365126"/>
-            <a:ext cx="10515600" cy="763587"/>
-          </a:xfrm>
-        </p:spPr>
-        <p:txBody>
-          <a:bodyPr>
-            <a:normAutofit/>
-          </a:bodyPr>
-          <a:lstStyle/>
-          <a:p>
-            <a:r>
-              <a:rPr lang="en-US" sz="1600" dirty="0"/>
-              <a:t> </a:t>
-            </a:r>
-          </a:p>
-        </p:txBody>
-      </p:sp>
-      <p:sp>
-        <p:nvSpPr>
-          <p:cNvPr id="3" name="Content Placeholder 2">
-            <a:extLst>
-              <a:ext uri="{FF2B5EF4-FFF2-40B4-BE49-F238E27FC236}">
-                <a16:creationId xmlns:a16="http://schemas.microsoft.com/office/drawing/2014/main" id="{F6F2EB0E-4EBA-9E41-A915-2E5A2D97575C}"/>
-              </a:ext>
-            </a:extLst>
-          </p:cNvPr>
-          <p:cNvSpPr>
-            <a:spLocks noGrp="1"/>
-          </p:cNvSpPr>
-          <p:nvPr>
-            <p:ph idx="1"/>
-          </p:nvPr>
-        </p:nvSpPr>
-        <p:spPr>
-          <a:xfrm>
-            <a:off x="838200" y="4572000"/>
-            <a:ext cx="10515600" cy="1604962"/>
-          </a:xfrm>
-        </p:spPr>
-        <p:txBody>
-          <a:bodyPr/>
-          <a:lstStyle/>
-          <a:p>
-            <a:pPr marL="0" indent="0">
-              <a:buNone/>
-            </a:pPr>
-            <a:r>
-              <a:rPr lang="en-US" dirty="0"/>
-              <a:t>…</a:t>
-            </a:r>
-          </a:p>
-        </p:txBody>
-      </p:sp>
-    </p:spTree>
-    <p:extLst>
-      <p:ext uri="{BB962C8B-B14F-4D97-AF65-F5344CB8AC3E}">
-        <p14:creationId xmlns:p14="http://schemas.microsoft.com/office/powerpoint/2010/main" val="459029624"/>
-      </p:ext>
-    </p:extLst>
-  </p:cSld>
-  <p:clrMapOvr>
-    <a:masterClrMapping/>
-  </p:clrMapOvr>
-</p:sld>
-</file>
-
-<file path=ppt/slides/slide14.xml><?xml version="1.0" encoding="utf-8"?>
-<p:sld xmlns:a="http://schemas.openxmlformats.org/drawingml/2006/main" xmlns:r="http://schemas.openxmlformats.org/officeDocument/2006/relationships" xmlns:p="http://schemas.openxmlformats.org/presentationml/2006/main">
-  <p:cSld>
-    <p:spTree>
-      <p:nvGrpSpPr>
-        <p:cNvPr id="1" name=""/>
-        <p:cNvGrpSpPr/>
-        <p:nvPr/>
-      </p:nvGrpSpPr>
-      <p:grpSpPr>
-        <a:xfrm>
-          <a:off x="0" y="0"/>
-          <a:ext cx="0" cy="0"/>
-          <a:chOff x="0" y="0"/>
-          <a:chExt cx="0" cy="0"/>
-        </a:xfrm>
-      </p:grpSpPr>
-      <p:sp>
-        <p:nvSpPr>
-          <p:cNvPr id="2" name="Title 1">
-            <a:extLst>
-              <a:ext uri="{FF2B5EF4-FFF2-40B4-BE49-F238E27FC236}">
-                <a16:creationId xmlns:a16="http://schemas.microsoft.com/office/drawing/2014/main" id="{E0529347-8E03-5745-A305-AF41325E1120}"/>
-              </a:ext>
-            </a:extLst>
-          </p:cNvPr>
-          <p:cNvSpPr>
-            <a:spLocks noGrp="1"/>
-          </p:cNvSpPr>
-          <p:nvPr>
-            <p:ph type="title"/>
-          </p:nvPr>
-        </p:nvSpPr>
-        <p:spPr>
-          <a:xfrm>
-            <a:off x="838200" y="365126"/>
-            <a:ext cx="10515600" cy="763587"/>
-          </a:xfrm>
-        </p:spPr>
-        <p:txBody>
-          <a:bodyPr>
-            <a:normAutofit/>
-          </a:bodyPr>
-          <a:lstStyle/>
-          <a:p>
-            <a:r>
-              <a:rPr lang="en-US" sz="1600" dirty="0"/>
-              <a:t> </a:t>
-            </a:r>
-          </a:p>
-        </p:txBody>
-      </p:sp>
-      <p:sp>
-        <p:nvSpPr>
-          <p:cNvPr id="3" name="Content Placeholder 2">
-            <a:extLst>
-              <a:ext uri="{FF2B5EF4-FFF2-40B4-BE49-F238E27FC236}">
-                <a16:creationId xmlns:a16="http://schemas.microsoft.com/office/drawing/2014/main" id="{F6F2EB0E-4EBA-9E41-A915-2E5A2D97575C}"/>
-              </a:ext>
-            </a:extLst>
-          </p:cNvPr>
-          <p:cNvSpPr>
-            <a:spLocks noGrp="1"/>
-          </p:cNvSpPr>
-          <p:nvPr>
-            <p:ph idx="1"/>
-          </p:nvPr>
-        </p:nvSpPr>
-        <p:spPr>
-          <a:xfrm>
-            <a:off x="838200" y="4572000"/>
-            <a:ext cx="10515600" cy="1604962"/>
-          </a:xfrm>
-        </p:spPr>
-        <p:txBody>
-          <a:bodyPr/>
-          <a:lstStyle/>
-          <a:p>
-            <a:pPr marL="0" indent="0">
-              <a:buNone/>
-            </a:pPr>
-            <a:r>
-              <a:rPr lang="en-US" dirty="0"/>
-              <a:t>…</a:t>
-            </a:r>
-          </a:p>
-        </p:txBody>
-      </p:sp>
-    </p:spTree>
-    <p:extLst>
-      <p:ext uri="{BB962C8B-B14F-4D97-AF65-F5344CB8AC3E}">
-        <p14:creationId xmlns:p14="http://schemas.microsoft.com/office/powerpoint/2010/main" val="1692837999"/>
-      </p:ext>
-    </p:extLst>
-  </p:cSld>
-  <p:clrMapOvr>
-    <a:masterClrMapping/>
-  </p:clrMapOvr>
-</p:sld>
-</file>
-
-<file path=ppt/slides/slide15.xml><?xml version="1.0" encoding="utf-8"?>
-<p:sld xmlns:a="http://schemas.openxmlformats.org/drawingml/2006/main" xmlns:r="http://schemas.openxmlformats.org/officeDocument/2006/relationships" xmlns:p="http://schemas.openxmlformats.org/presentationml/2006/main">
-  <p:cSld>
-    <p:spTree>
-      <p:nvGrpSpPr>
-        <p:cNvPr id="1" name=""/>
-        <p:cNvGrpSpPr/>
-        <p:nvPr/>
-      </p:nvGrpSpPr>
-      <p:grpSpPr>
-        <a:xfrm>
-          <a:off x="0" y="0"/>
-          <a:ext cx="0" cy="0"/>
-          <a:chOff x="0" y="0"/>
-          <a:chExt cx="0" cy="0"/>
-        </a:xfrm>
-      </p:grpSpPr>
-      <p:sp>
-        <p:nvSpPr>
-          <p:cNvPr id="2" name="Title 1">
-            <a:extLst>
-              <a:ext uri="{FF2B5EF4-FFF2-40B4-BE49-F238E27FC236}">
-                <a16:creationId xmlns:a16="http://schemas.microsoft.com/office/drawing/2014/main" id="{E0529347-8E03-5745-A305-AF41325E1120}"/>
-              </a:ext>
-            </a:extLst>
-          </p:cNvPr>
-          <p:cNvSpPr>
-            <a:spLocks noGrp="1"/>
-          </p:cNvSpPr>
-          <p:nvPr>
-            <p:ph type="title"/>
-          </p:nvPr>
-        </p:nvSpPr>
-        <p:spPr>
-          <a:xfrm>
-            <a:off x="838200" y="365126"/>
-            <a:ext cx="10515600" cy="763587"/>
-          </a:xfrm>
-        </p:spPr>
-        <p:txBody>
-          <a:bodyPr>
-            <a:normAutofit/>
-          </a:bodyPr>
-          <a:lstStyle/>
-          <a:p>
-            <a:r>
-              <a:rPr lang="en-US" sz="1600" dirty="0"/>
-              <a:t> </a:t>
-            </a:r>
-          </a:p>
-        </p:txBody>
-      </p:sp>
-      <p:sp>
-        <p:nvSpPr>
-          <p:cNvPr id="3" name="Content Placeholder 2">
-            <a:extLst>
-              <a:ext uri="{FF2B5EF4-FFF2-40B4-BE49-F238E27FC236}">
-                <a16:creationId xmlns:a16="http://schemas.microsoft.com/office/drawing/2014/main" id="{F6F2EB0E-4EBA-9E41-A915-2E5A2D97575C}"/>
-              </a:ext>
-            </a:extLst>
-          </p:cNvPr>
-          <p:cNvSpPr>
-            <a:spLocks noGrp="1"/>
-          </p:cNvSpPr>
-          <p:nvPr>
-            <p:ph idx="1"/>
-          </p:nvPr>
-        </p:nvSpPr>
-        <p:spPr>
-          <a:xfrm>
-            <a:off x="838200" y="4572000"/>
-            <a:ext cx="10515600" cy="1604962"/>
-          </a:xfrm>
-        </p:spPr>
-        <p:txBody>
-          <a:bodyPr/>
-          <a:lstStyle/>
-          <a:p>
-            <a:pPr marL="0" indent="0">
-              <a:buNone/>
-            </a:pPr>
-            <a:r>
-              <a:rPr lang="en-US" dirty="0"/>
-              <a:t>…</a:t>
-            </a:r>
-          </a:p>
-        </p:txBody>
-      </p:sp>
-    </p:spTree>
-    <p:extLst>
-      <p:ext uri="{BB962C8B-B14F-4D97-AF65-F5344CB8AC3E}">
-        <p14:creationId xmlns:p14="http://schemas.microsoft.com/office/powerpoint/2010/main" val="1980484902"/>
-      </p:ext>
-    </p:extLst>
-  </p:cSld>
-  <p:clrMapOvr>
-    <a:masterClrMapping/>
-  </p:clrMapOvr>
-</p:sld>
-</file>
-
-<file path=ppt/slides/slide16.xml><?xml version="1.0" encoding="utf-8"?>
-<p:sld xmlns:a="http://schemas.openxmlformats.org/drawingml/2006/main" xmlns:r="http://schemas.openxmlformats.org/officeDocument/2006/relationships" xmlns:p="http://schemas.openxmlformats.org/presentationml/2006/main">
-  <p:cSld>
-    <p:spTree>
-      <p:nvGrpSpPr>
-        <p:cNvPr id="1" name=""/>
-        <p:cNvGrpSpPr/>
-        <p:nvPr/>
-      </p:nvGrpSpPr>
-      <p:grpSpPr>
-        <a:xfrm>
-          <a:off x="0" y="0"/>
-          <a:ext cx="0" cy="0"/>
-          <a:chOff x="0" y="0"/>
-          <a:chExt cx="0" cy="0"/>
-        </a:xfrm>
-      </p:grpSpPr>
-      <p:sp>
-        <p:nvSpPr>
-          <p:cNvPr id="2" name="Title 1">
-            <a:extLst>
-              <a:ext uri="{FF2B5EF4-FFF2-40B4-BE49-F238E27FC236}">
-                <a16:creationId xmlns:a16="http://schemas.microsoft.com/office/drawing/2014/main" id="{E0529347-8E03-5745-A305-AF41325E1120}"/>
-              </a:ext>
-            </a:extLst>
-          </p:cNvPr>
-          <p:cNvSpPr>
-            <a:spLocks noGrp="1"/>
-          </p:cNvSpPr>
-          <p:nvPr>
-            <p:ph type="title"/>
-          </p:nvPr>
-        </p:nvSpPr>
-        <p:spPr>
-          <a:xfrm>
-            <a:off x="838200" y="365126"/>
-            <a:ext cx="10515600" cy="763587"/>
-          </a:xfrm>
-        </p:spPr>
-        <p:txBody>
-          <a:bodyPr>
-            <a:normAutofit/>
-          </a:bodyPr>
-          <a:lstStyle/>
-          <a:p>
-            <a:r>
-              <a:rPr lang="en-US" sz="1600" dirty="0"/>
-              <a:t> </a:t>
-            </a:r>
-          </a:p>
-        </p:txBody>
-      </p:sp>
-      <p:sp>
-        <p:nvSpPr>
-          <p:cNvPr id="3" name="Content Placeholder 2">
-            <a:extLst>
-              <a:ext uri="{FF2B5EF4-FFF2-40B4-BE49-F238E27FC236}">
-                <a16:creationId xmlns:a16="http://schemas.microsoft.com/office/drawing/2014/main" id="{F6F2EB0E-4EBA-9E41-A915-2E5A2D97575C}"/>
-              </a:ext>
-            </a:extLst>
-          </p:cNvPr>
-          <p:cNvSpPr>
-            <a:spLocks noGrp="1"/>
-          </p:cNvSpPr>
-          <p:nvPr>
-            <p:ph idx="1"/>
-          </p:nvPr>
-        </p:nvSpPr>
-        <p:spPr>
-          <a:xfrm>
-            <a:off x="838200" y="4572000"/>
-            <a:ext cx="10515600" cy="1604962"/>
-          </a:xfrm>
-        </p:spPr>
-        <p:txBody>
-          <a:bodyPr/>
-          <a:lstStyle/>
-          <a:p>
-            <a:pPr marL="0" indent="0">
-              <a:buNone/>
-            </a:pPr>
-            <a:r>
-              <a:rPr lang="en-US" dirty="0"/>
-              <a:t>…</a:t>
-            </a:r>
-          </a:p>
-        </p:txBody>
-      </p:sp>
-    </p:spTree>
-    <p:extLst>
-      <p:ext uri="{BB962C8B-B14F-4D97-AF65-F5344CB8AC3E}">
-        <p14:creationId xmlns:p14="http://schemas.microsoft.com/office/powerpoint/2010/main" val="830745016"/>
-      </p:ext>
-    </p:extLst>
-  </p:cSld>
-  <p:clrMapOvr>
-    <a:masterClrMapping/>
-  </p:clrMapOvr>
-</p:sld>
-</file>
-
-<file path=ppt/slides/slide17.xml><?xml version="1.0" encoding="utf-8"?>
-<p:sld xmlns:a="http://schemas.openxmlformats.org/drawingml/2006/main" xmlns:r="http://schemas.openxmlformats.org/officeDocument/2006/relationships" xmlns:p="http://schemas.openxmlformats.org/presentationml/2006/main">
-  <p:cSld>
-    <p:spTree>
-      <p:nvGrpSpPr>
-        <p:cNvPr id="1" name=""/>
-        <p:cNvGrpSpPr/>
-        <p:nvPr/>
-      </p:nvGrpSpPr>
-      <p:grpSpPr>
-        <a:xfrm>
-          <a:off x="0" y="0"/>
-          <a:ext cx="0" cy="0"/>
-          <a:chOff x="0" y="0"/>
-          <a:chExt cx="0" cy="0"/>
-        </a:xfrm>
-      </p:grpSpPr>
-      <p:sp>
-        <p:nvSpPr>
-          <p:cNvPr id="2" name="Title 1">
-            <a:extLst>
-              <a:ext uri="{FF2B5EF4-FFF2-40B4-BE49-F238E27FC236}">
-                <a16:creationId xmlns:a16="http://schemas.microsoft.com/office/drawing/2014/main" id="{5214BD27-BDF5-664D-9D83-54A21FCDACF0}"/>
-              </a:ext>
-            </a:extLst>
-          </p:cNvPr>
-          <p:cNvSpPr>
-            <a:spLocks noGrp="1"/>
-          </p:cNvSpPr>
-          <p:nvPr>
-            <p:ph type="title"/>
-          </p:nvPr>
-        </p:nvSpPr>
-        <p:spPr>
-          <a:xfrm>
-            <a:off x="838200" y="365126"/>
-            <a:ext cx="11205754" cy="618286"/>
-          </a:xfrm>
-        </p:spPr>
-        <p:txBody>
-          <a:bodyPr>
-            <a:normAutofit fontScale="90000"/>
-          </a:bodyPr>
-          <a:lstStyle/>
-          <a:p>
-            <a:r>
-              <a:rPr lang="en-US" dirty="0" err="1"/>
-              <a:t>Dafny</a:t>
-            </a:r>
-            <a:r>
-              <a:rPr lang="en-US" dirty="0"/>
-              <a:t> Exercises: Loop invariant?</a:t>
-            </a:r>
-          </a:p>
-        </p:txBody>
-      </p:sp>
-      <p:pic>
-        <p:nvPicPr>
-          <p:cNvPr id="7" name="Picture 6" descr="Text&#10;&#10;Description automatically generated">
-            <a:extLst>
-              <a:ext uri="{FF2B5EF4-FFF2-40B4-BE49-F238E27FC236}">
-                <a16:creationId xmlns:a16="http://schemas.microsoft.com/office/drawing/2014/main" id="{5953FE8B-C3DE-2941-A7ED-3837042BA301}"/>
-              </a:ext>
-            </a:extLst>
-          </p:cNvPr>
-          <p:cNvPicPr>
-            <a:picLocks noChangeAspect="1"/>
-          </p:cNvPicPr>
-          <p:nvPr/>
-        </p:nvPicPr>
-        <p:blipFill>
-          <a:blip r:embed="rId2"/>
-          <a:stretch>
-            <a:fillRect/>
-          </a:stretch>
-        </p:blipFill>
-        <p:spPr>
-          <a:xfrm>
-            <a:off x="3213100" y="1733550"/>
-            <a:ext cx="5765800" cy="3390900"/>
-          </a:xfrm>
-          <a:prstGeom prst="rect">
-            <a:avLst/>
-          </a:prstGeom>
-        </p:spPr>
-      </p:pic>
-    </p:spTree>
-    <p:extLst>
-      <p:ext uri="{BB962C8B-B14F-4D97-AF65-F5344CB8AC3E}">
-        <p14:creationId xmlns:p14="http://schemas.microsoft.com/office/powerpoint/2010/main" val="2845488053"/>
-      </p:ext>
-    </p:extLst>
-  </p:cSld>
-  <p:clrMapOvr>
-    <a:masterClrMapping/>
-  </p:clrMapOvr>
-</p:sld>
-</file>
-
-<file path=ppt/slides/slide18.xml><?xml version="1.0" encoding="utf-8"?>
-<p:sld xmlns:a="http://schemas.openxmlformats.org/drawingml/2006/main" xmlns:r="http://schemas.openxmlformats.org/officeDocument/2006/relationships" xmlns:p="http://schemas.openxmlformats.org/presentationml/2006/main">
-  <p:cSld>
-    <p:spTree>
-      <p:nvGrpSpPr>
-        <p:cNvPr id="1" name=""/>
-        <p:cNvGrpSpPr/>
-        <p:nvPr/>
-      </p:nvGrpSpPr>
-      <p:grpSpPr>
-        <a:xfrm>
-          <a:off x="0" y="0"/>
-          <a:ext cx="0" cy="0"/>
-          <a:chOff x="0" y="0"/>
-          <a:chExt cx="0" cy="0"/>
-        </a:xfrm>
-      </p:grpSpPr>
-      <p:sp>
-        <p:nvSpPr>
-          <p:cNvPr id="2" name="Title 1">
-            <a:extLst>
-              <a:ext uri="{FF2B5EF4-FFF2-40B4-BE49-F238E27FC236}">
-                <a16:creationId xmlns:a16="http://schemas.microsoft.com/office/drawing/2014/main" id="{5214BD27-BDF5-664D-9D83-54A21FCDACF0}"/>
-              </a:ext>
-            </a:extLst>
-          </p:cNvPr>
-          <p:cNvSpPr>
-            <a:spLocks noGrp="1"/>
-          </p:cNvSpPr>
-          <p:nvPr>
-            <p:ph type="title"/>
-          </p:nvPr>
-        </p:nvSpPr>
-        <p:spPr>
-          <a:xfrm>
-            <a:off x="838200" y="365126"/>
-            <a:ext cx="11205754" cy="618286"/>
-          </a:xfrm>
-        </p:spPr>
-        <p:txBody>
-          <a:bodyPr>
-            <a:normAutofit fontScale="90000"/>
-          </a:bodyPr>
-          <a:lstStyle/>
-          <a:p>
-            <a:r>
-              <a:rPr lang="en-US" dirty="0" err="1"/>
-              <a:t>Dafny</a:t>
-            </a:r>
-            <a:r>
-              <a:rPr lang="en-US" dirty="0"/>
-              <a:t> Exercises: </a:t>
-            </a:r>
-            <a:r>
-              <a:rPr lang="en-US" dirty="0" err="1"/>
-              <a:t>specificiation</a:t>
-            </a:r>
-            <a:r>
-              <a:rPr lang="en-US" dirty="0"/>
-              <a:t> of power?</a:t>
-            </a:r>
-          </a:p>
-        </p:txBody>
-      </p:sp>
-      <p:pic>
-        <p:nvPicPr>
-          <p:cNvPr id="4" name="Picture 3" descr="Text&#10;&#10;Description automatically generated">
-            <a:extLst>
-              <a:ext uri="{FF2B5EF4-FFF2-40B4-BE49-F238E27FC236}">
-                <a16:creationId xmlns:a16="http://schemas.microsoft.com/office/drawing/2014/main" id="{33458A63-DF06-F740-B53E-B604E4B9AAFE}"/>
-              </a:ext>
-            </a:extLst>
-          </p:cNvPr>
-          <p:cNvPicPr>
-            <a:picLocks noChangeAspect="1"/>
-          </p:cNvPicPr>
-          <p:nvPr/>
-        </p:nvPicPr>
-        <p:blipFill>
-          <a:blip r:embed="rId2"/>
-          <a:stretch>
-            <a:fillRect/>
-          </a:stretch>
-        </p:blipFill>
-        <p:spPr>
-          <a:xfrm>
-            <a:off x="3105150" y="1612900"/>
-            <a:ext cx="5981700" cy="3632200"/>
-          </a:xfrm>
-          <a:prstGeom prst="rect">
-            <a:avLst/>
-          </a:prstGeom>
-        </p:spPr>
-      </p:pic>
-    </p:spTree>
-    <p:extLst>
-      <p:ext uri="{BB962C8B-B14F-4D97-AF65-F5344CB8AC3E}">
-        <p14:creationId xmlns:p14="http://schemas.microsoft.com/office/powerpoint/2010/main" val="1041444695"/>
-      </p:ext>
-    </p:extLst>
-  </p:cSld>
-  <p:clrMapOvr>
-    <a:masterClrMapping/>
-  </p:clrMapOvr>
-</p:sld>
-</file>
-
-<file path=ppt/slides/slide19.xml><?xml version="1.0" encoding="utf-8"?>
-<p:sld xmlns:a="http://schemas.openxmlformats.org/drawingml/2006/main" xmlns:r="http://schemas.openxmlformats.org/officeDocument/2006/relationships" xmlns:p="http://schemas.openxmlformats.org/presentationml/2006/main">
-  <p:cSld>
-    <p:spTree>
-      <p:nvGrpSpPr>
-        <p:cNvPr id="1" name=""/>
-        <p:cNvGrpSpPr/>
-        <p:nvPr/>
-      </p:nvGrpSpPr>
-      <p:grpSpPr>
-        <a:xfrm>
-          <a:off x="0" y="0"/>
-          <a:ext cx="0" cy="0"/>
-          <a:chOff x="0" y="0"/>
-          <a:chExt cx="0" cy="0"/>
-        </a:xfrm>
-      </p:grpSpPr>
-      <p:sp>
-        <p:nvSpPr>
-          <p:cNvPr id="2" name="Title 1">
-            <a:extLst>
-              <a:ext uri="{FF2B5EF4-FFF2-40B4-BE49-F238E27FC236}">
-                <a16:creationId xmlns:a16="http://schemas.microsoft.com/office/drawing/2014/main" id="{5214BD27-BDF5-664D-9D83-54A21FCDACF0}"/>
-              </a:ext>
-            </a:extLst>
-          </p:cNvPr>
-          <p:cNvSpPr>
-            <a:spLocks noGrp="1"/>
-          </p:cNvSpPr>
-          <p:nvPr>
-            <p:ph type="title"/>
-          </p:nvPr>
-        </p:nvSpPr>
-        <p:spPr>
-          <a:xfrm>
-            <a:off x="838200" y="365126"/>
-            <a:ext cx="11205754" cy="618286"/>
-          </a:xfrm>
-        </p:spPr>
-        <p:txBody>
-          <a:bodyPr>
-            <a:normAutofit fontScale="90000"/>
-          </a:bodyPr>
-          <a:lstStyle/>
-          <a:p>
-            <a:r>
-              <a:rPr lang="en-US" dirty="0" err="1"/>
-              <a:t>Dafny</a:t>
-            </a:r>
-            <a:r>
-              <a:rPr lang="en-US" dirty="0"/>
-              <a:t> Exercises</a:t>
-            </a:r>
-          </a:p>
-        </p:txBody>
-      </p:sp>
-      <p:pic>
-        <p:nvPicPr>
-          <p:cNvPr id="4" name="Picture 3" descr="Text&#10;&#10;Description automatically generated">
-            <a:extLst>
-              <a:ext uri="{FF2B5EF4-FFF2-40B4-BE49-F238E27FC236}">
-                <a16:creationId xmlns:a16="http://schemas.microsoft.com/office/drawing/2014/main" id="{5991B5E1-8895-8443-ADDB-7D94396CCD8D}"/>
-              </a:ext>
-            </a:extLst>
-          </p:cNvPr>
-          <p:cNvPicPr>
-            <a:picLocks noChangeAspect="1"/>
-          </p:cNvPicPr>
-          <p:nvPr/>
-        </p:nvPicPr>
-        <p:blipFill>
-          <a:blip r:embed="rId2"/>
-          <a:stretch>
-            <a:fillRect/>
-          </a:stretch>
-        </p:blipFill>
-        <p:spPr>
-          <a:xfrm>
-            <a:off x="2971800" y="1238250"/>
-            <a:ext cx="6248400" cy="4381500"/>
-          </a:xfrm>
-          <a:prstGeom prst="rect">
-            <a:avLst/>
-          </a:prstGeom>
-        </p:spPr>
-      </p:pic>
-    </p:spTree>
-    <p:extLst>
-      <p:ext uri="{BB962C8B-B14F-4D97-AF65-F5344CB8AC3E}">
-        <p14:creationId xmlns:p14="http://schemas.microsoft.com/office/powerpoint/2010/main" val="102671484"/>
-      </p:ext>
-    </p:extLst>
-  </p:cSld>
-  <p:clrMapOvr>
-    <a:masterClrMapping/>
-  </p:clrMapOvr>
-</p:sld>
-</file>
-
-<file path=ppt/slides/slide2.xml><?xml version="1.0" encoding="utf-8"?>
-<p:sld xmlns:a="http://schemas.openxmlformats.org/drawingml/2006/main" xmlns:r="http://schemas.openxmlformats.org/officeDocument/2006/relationships" xmlns:p="http://schemas.openxmlformats.org/presentationml/2006/main">
-  <p:cSld>
-    <p:spTree>
-      <p:nvGrpSpPr>
-        <p:cNvPr id="1" name=""/>
-        <p:cNvGrpSpPr/>
-        <p:nvPr/>
-      </p:nvGrpSpPr>
-      <p:grpSpPr>
-        <a:xfrm>
-          <a:off x="0" y="0"/>
-          <a:ext cx="0" cy="0"/>
-          <a:chOff x="0" y="0"/>
-          <a:chExt cx="0" cy="0"/>
-        </a:xfrm>
-      </p:grpSpPr>
-      <p:sp>
-        <p:nvSpPr>
-          <p:cNvPr id="2" name="Title 1">
-            <a:extLst>
-              <a:ext uri="{FF2B5EF4-FFF2-40B4-BE49-F238E27FC236}">
-                <a16:creationId xmlns:a16="http://schemas.microsoft.com/office/drawing/2014/main" id="{E0529347-8E03-5745-A305-AF41325E1120}"/>
-              </a:ext>
-            </a:extLst>
-          </p:cNvPr>
-          <p:cNvSpPr>
-            <a:spLocks noGrp="1"/>
-          </p:cNvSpPr>
-          <p:nvPr>
-            <p:ph type="title"/>
-          </p:nvPr>
-        </p:nvSpPr>
-        <p:spPr/>
-        <p:txBody>
-          <a:bodyPr>
-            <a:normAutofit fontScale="90000"/>
-          </a:bodyPr>
-          <a:lstStyle/>
-          <a:p>
-            <a:r>
-              <a:rPr lang="en-US" dirty="0"/>
-              <a:t>A study of two popular Hoare-logic Verifiers</a:t>
-            </a:r>
-          </a:p>
-        </p:txBody>
-      </p:sp>
-      <p:sp>
-        <p:nvSpPr>
-          <p:cNvPr id="3" name="Content Placeholder 2">
-            <a:extLst>
-              <a:ext uri="{FF2B5EF4-FFF2-40B4-BE49-F238E27FC236}">
-                <a16:creationId xmlns:a16="http://schemas.microsoft.com/office/drawing/2014/main" id="{F6F2EB0E-4EBA-9E41-A915-2E5A2D97575C}"/>
-              </a:ext>
-            </a:extLst>
-          </p:cNvPr>
-          <p:cNvSpPr>
-            <a:spLocks noGrp="1"/>
-          </p:cNvSpPr>
-          <p:nvPr>
-            <p:ph idx="1"/>
-          </p:nvPr>
-        </p:nvSpPr>
-        <p:spPr/>
-        <p:txBody>
-          <a:bodyPr/>
-          <a:lstStyle/>
-          <a:p>
-            <a:r>
-              <a:rPr lang="en-US" dirty="0" err="1"/>
-              <a:t>Dafny</a:t>
-            </a:r>
-            <a:endParaRPr lang="en-US" dirty="0"/>
-          </a:p>
-          <a:p>
-            <a:r>
-              <a:rPr lang="en-US" dirty="0" err="1"/>
-              <a:t>Verifast</a:t>
-            </a:r>
-            <a:endParaRPr lang="en-US" dirty="0"/>
-          </a:p>
-          <a:p>
-            <a:endParaRPr lang="en-US" dirty="0"/>
-          </a:p>
-          <a:p>
-            <a:r>
-              <a:rPr lang="en-US" dirty="0"/>
-              <a:t>Refer to Mike-Gordon-</a:t>
-            </a:r>
-            <a:r>
-              <a:rPr lang="en-US" dirty="0" err="1"/>
-              <a:t>Slides.pdf</a:t>
-            </a:r>
-            <a:r>
-              <a:rPr lang="en-US" dirty="0"/>
-              <a:t> </a:t>
-            </a:r>
-            <a:r>
-              <a:rPr lang="en-US"/>
-              <a:t>in Lec16/</a:t>
-            </a:r>
-            <a:endParaRPr lang="en-US" dirty="0"/>
-          </a:p>
-        </p:txBody>
-      </p:sp>
-    </p:spTree>
-    <p:extLst>
-      <p:ext uri="{BB962C8B-B14F-4D97-AF65-F5344CB8AC3E}">
-        <p14:creationId xmlns:p14="http://schemas.microsoft.com/office/powerpoint/2010/main" val="3039521154"/>
-      </p:ext>
-    </p:extLst>
-  </p:cSld>
-  <p:clrMapOvr>
-    <a:masterClrMapping/>
-  </p:clrMapOvr>
-</p:sld>
-</file>
-
-<file path=ppt/slides/slide20.xml><?xml version="1.0" encoding="utf-8"?>
-<p:sld xmlns:a="http://schemas.openxmlformats.org/drawingml/2006/main" xmlns:r="http://schemas.openxmlformats.org/officeDocument/2006/relationships" xmlns:p="http://schemas.openxmlformats.org/presentationml/2006/main">
-  <p:cSld>
-    <p:spTree>
-      <p:nvGrpSpPr>
-        <p:cNvPr id="1" name=""/>
-        <p:cNvGrpSpPr/>
-        <p:nvPr/>
-      </p:nvGrpSpPr>
-      <p:grpSpPr>
-        <a:xfrm>
-          <a:off x="0" y="0"/>
-          <a:ext cx="0" cy="0"/>
-          <a:chOff x="0" y="0"/>
-          <a:chExt cx="0" cy="0"/>
-        </a:xfrm>
-      </p:grpSpPr>
-      <p:sp>
-        <p:nvSpPr>
-          <p:cNvPr id="2" name="Title 1">
-            <a:extLst>
-              <a:ext uri="{FF2B5EF4-FFF2-40B4-BE49-F238E27FC236}">
-                <a16:creationId xmlns:a16="http://schemas.microsoft.com/office/drawing/2014/main" id="{5214BD27-BDF5-664D-9D83-54A21FCDACF0}"/>
-              </a:ext>
-            </a:extLst>
-          </p:cNvPr>
-          <p:cNvSpPr>
-            <a:spLocks noGrp="1"/>
-          </p:cNvSpPr>
-          <p:nvPr>
-            <p:ph type="title"/>
-          </p:nvPr>
-        </p:nvSpPr>
-        <p:spPr>
-          <a:xfrm>
-            <a:off x="300446" y="365126"/>
-            <a:ext cx="11891554" cy="618286"/>
-          </a:xfrm>
-        </p:spPr>
-        <p:txBody>
-          <a:bodyPr>
-            <a:normAutofit fontScale="90000"/>
-          </a:bodyPr>
-          <a:lstStyle/>
-          <a:p>
-            <a:r>
-              <a:rPr lang="en-US" dirty="0" err="1"/>
-              <a:t>Dafny</a:t>
-            </a:r>
-            <a:r>
-              <a:rPr lang="en-US" dirty="0"/>
-              <a:t> Exercises: Ranking function (“decreases”)?</a:t>
-            </a:r>
-          </a:p>
-        </p:txBody>
-      </p:sp>
-      <p:pic>
-        <p:nvPicPr>
-          <p:cNvPr id="4" name="Picture 3" descr="Shape&#10;&#10;Description automatically generated with medium confidence">
-            <a:extLst>
-              <a:ext uri="{FF2B5EF4-FFF2-40B4-BE49-F238E27FC236}">
-                <a16:creationId xmlns:a16="http://schemas.microsoft.com/office/drawing/2014/main" id="{4E81F467-8D27-2340-A848-817DB4697E94}"/>
-              </a:ext>
-            </a:extLst>
-          </p:cNvPr>
-          <p:cNvPicPr>
-            <a:picLocks noChangeAspect="1"/>
-          </p:cNvPicPr>
-          <p:nvPr/>
-        </p:nvPicPr>
-        <p:blipFill>
-          <a:blip r:embed="rId2"/>
-          <a:stretch>
-            <a:fillRect/>
-          </a:stretch>
-        </p:blipFill>
-        <p:spPr>
-          <a:xfrm>
-            <a:off x="3136900" y="1123950"/>
-            <a:ext cx="5918200" cy="4610100"/>
-          </a:xfrm>
-          <a:prstGeom prst="rect">
-            <a:avLst/>
-          </a:prstGeom>
-        </p:spPr>
-      </p:pic>
-    </p:spTree>
-    <p:extLst>
-      <p:ext uri="{BB962C8B-B14F-4D97-AF65-F5344CB8AC3E}">
-        <p14:creationId xmlns:p14="http://schemas.microsoft.com/office/powerpoint/2010/main" val="2462699236"/>
-      </p:ext>
-    </p:extLst>
-  </p:cSld>
-  <p:clrMapOvr>
-    <a:masterClrMapping/>
-  </p:clrMapOvr>
-</p:sld>
-</file>
-
-<file path=ppt/slides/slide21.xml><?xml version="1.0" encoding="utf-8"?>
-<p:sld xmlns:a="http://schemas.openxmlformats.org/drawingml/2006/main" xmlns:r="http://schemas.openxmlformats.org/officeDocument/2006/relationships" xmlns:p="http://schemas.openxmlformats.org/presentationml/2006/main">
-  <p:cSld>
-    <p:spTree>
-      <p:nvGrpSpPr>
-        <p:cNvPr id="1" name=""/>
-        <p:cNvGrpSpPr/>
-        <p:nvPr/>
-      </p:nvGrpSpPr>
-      <p:grpSpPr>
-        <a:xfrm>
-          <a:off x="0" y="0"/>
-          <a:ext cx="0" cy="0"/>
-          <a:chOff x="0" y="0"/>
-          <a:chExt cx="0" cy="0"/>
-        </a:xfrm>
-      </p:grpSpPr>
-      <p:sp>
-        <p:nvSpPr>
-          <p:cNvPr id="2" name="Title 1">
-            <a:extLst>
-              <a:ext uri="{FF2B5EF4-FFF2-40B4-BE49-F238E27FC236}">
-                <a16:creationId xmlns:a16="http://schemas.microsoft.com/office/drawing/2014/main" id="{5214BD27-BDF5-664D-9D83-54A21FCDACF0}"/>
-              </a:ext>
-            </a:extLst>
-          </p:cNvPr>
-          <p:cNvSpPr>
-            <a:spLocks noGrp="1"/>
-          </p:cNvSpPr>
-          <p:nvPr>
-            <p:ph type="title"/>
-          </p:nvPr>
-        </p:nvSpPr>
-        <p:spPr>
-          <a:xfrm>
-            <a:off x="300446" y="365126"/>
-            <a:ext cx="11891554" cy="618286"/>
-          </a:xfrm>
-        </p:spPr>
-        <p:txBody>
-          <a:bodyPr>
-            <a:normAutofit fontScale="90000"/>
-          </a:bodyPr>
-          <a:lstStyle/>
-          <a:p>
-            <a:r>
-              <a:rPr lang="en-US" dirty="0" err="1"/>
-              <a:t>Dafny</a:t>
-            </a:r>
-            <a:r>
-              <a:rPr lang="en-US" dirty="0"/>
-              <a:t> Exercises: Loop invariant?  </a:t>
-            </a:r>
-          </a:p>
-        </p:txBody>
-      </p:sp>
-      <p:pic>
-        <p:nvPicPr>
-          <p:cNvPr id="6" name="Picture 5" descr="Text&#10;&#10;Description automatically generated">
-            <a:extLst>
-              <a:ext uri="{FF2B5EF4-FFF2-40B4-BE49-F238E27FC236}">
-                <a16:creationId xmlns:a16="http://schemas.microsoft.com/office/drawing/2014/main" id="{A85D9B5B-B371-8149-9443-9F24890BA1FA}"/>
-              </a:ext>
-            </a:extLst>
-          </p:cNvPr>
-          <p:cNvPicPr>
-            <a:picLocks noChangeAspect="1"/>
-          </p:cNvPicPr>
-          <p:nvPr/>
-        </p:nvPicPr>
-        <p:blipFill>
-          <a:blip r:embed="rId2"/>
-          <a:stretch>
-            <a:fillRect/>
-          </a:stretch>
-        </p:blipFill>
-        <p:spPr>
-          <a:xfrm>
-            <a:off x="3149600" y="1009650"/>
-            <a:ext cx="5892800" cy="4838700"/>
-          </a:xfrm>
-          <a:prstGeom prst="rect">
-            <a:avLst/>
-          </a:prstGeom>
-        </p:spPr>
-      </p:pic>
-    </p:spTree>
-    <p:extLst>
-      <p:ext uri="{BB962C8B-B14F-4D97-AF65-F5344CB8AC3E}">
-        <p14:creationId xmlns:p14="http://schemas.microsoft.com/office/powerpoint/2010/main" val="2579524560"/>
-      </p:ext>
-    </p:extLst>
-  </p:cSld>
-  <p:clrMapOvr>
-    <a:masterClrMapping/>
-  </p:clrMapOvr>
-</p:sld>
-</file>
-
-<file path=ppt/slides/slide22.xml><?xml version="1.0" encoding="utf-8"?>
-<p:sld xmlns:a="http://schemas.openxmlformats.org/drawingml/2006/main" xmlns:r="http://schemas.openxmlformats.org/officeDocument/2006/relationships" xmlns:p="http://schemas.openxmlformats.org/presentationml/2006/main">
-  <p:cSld>
-    <p:spTree>
-      <p:nvGrpSpPr>
-        <p:cNvPr id="1" name=""/>
-        <p:cNvGrpSpPr/>
-        <p:nvPr/>
-      </p:nvGrpSpPr>
-      <p:grpSpPr>
-        <a:xfrm>
-          <a:off x="0" y="0"/>
-          <a:ext cx="0" cy="0"/>
-          <a:chOff x="0" y="0"/>
-          <a:chExt cx="0" cy="0"/>
-        </a:xfrm>
-      </p:grpSpPr>
-      <p:sp>
-        <p:nvSpPr>
-          <p:cNvPr id="2" name="Title 1">
-            <a:extLst>
-              <a:ext uri="{FF2B5EF4-FFF2-40B4-BE49-F238E27FC236}">
-                <a16:creationId xmlns:a16="http://schemas.microsoft.com/office/drawing/2014/main" id="{5214BD27-BDF5-664D-9D83-54A21FCDACF0}"/>
-              </a:ext>
-            </a:extLst>
-          </p:cNvPr>
-          <p:cNvSpPr>
-            <a:spLocks noGrp="1"/>
-          </p:cNvSpPr>
-          <p:nvPr>
-            <p:ph type="title"/>
-          </p:nvPr>
-        </p:nvSpPr>
-        <p:spPr>
-          <a:xfrm>
-            <a:off x="300446" y="365126"/>
-            <a:ext cx="11891554" cy="618286"/>
-          </a:xfrm>
-        </p:spPr>
-        <p:txBody>
-          <a:bodyPr>
-            <a:normAutofit fontScale="90000"/>
-          </a:bodyPr>
-          <a:lstStyle/>
-          <a:p>
-            <a:r>
-              <a:rPr lang="en-US" dirty="0" err="1"/>
-              <a:t>Dafny</a:t>
-            </a:r>
-            <a:r>
-              <a:rPr lang="en-US" dirty="0"/>
-              <a:t> Exercises: Specification?  </a:t>
-            </a:r>
-          </a:p>
-        </p:txBody>
-      </p:sp>
-      <p:pic>
-        <p:nvPicPr>
-          <p:cNvPr id="4" name="Picture 3" descr="Text&#10;&#10;Description automatically generated">
-            <a:extLst>
-              <a:ext uri="{FF2B5EF4-FFF2-40B4-BE49-F238E27FC236}">
-                <a16:creationId xmlns:a16="http://schemas.microsoft.com/office/drawing/2014/main" id="{FB71C0E2-2DB2-4E47-A2CF-E8DB1780EEB3}"/>
-              </a:ext>
-            </a:extLst>
-          </p:cNvPr>
-          <p:cNvPicPr>
-            <a:picLocks noChangeAspect="1"/>
-          </p:cNvPicPr>
-          <p:nvPr/>
-        </p:nvPicPr>
-        <p:blipFill>
-          <a:blip r:embed="rId2"/>
-          <a:stretch>
-            <a:fillRect/>
-          </a:stretch>
-        </p:blipFill>
-        <p:spPr>
-          <a:xfrm>
-            <a:off x="3117850" y="1223010"/>
-            <a:ext cx="5956300" cy="5143500"/>
-          </a:xfrm>
-          <a:prstGeom prst="rect">
-            <a:avLst/>
-          </a:prstGeom>
-        </p:spPr>
-      </p:pic>
-    </p:spTree>
-    <p:extLst>
-      <p:ext uri="{BB962C8B-B14F-4D97-AF65-F5344CB8AC3E}">
-        <p14:creationId xmlns:p14="http://schemas.microsoft.com/office/powerpoint/2010/main" val="1012896407"/>
-      </p:ext>
-    </p:extLst>
-  </p:cSld>
-  <p:clrMapOvr>
-    <a:masterClrMapping/>
-  </p:clrMapOvr>
-</p:sld>
-</file>
-
-<file path=ppt/slides/slide23.xml><?xml version="1.0" encoding="utf-8"?>
-<p:sld xmlns:a="http://schemas.openxmlformats.org/drawingml/2006/main" xmlns:r="http://schemas.openxmlformats.org/officeDocument/2006/relationships" xmlns:p="http://schemas.openxmlformats.org/presentationml/2006/main">
-  <p:cSld>
-    <p:spTree>
-      <p:nvGrpSpPr>
-        <p:cNvPr id="1" name=""/>
-        <p:cNvGrpSpPr/>
-        <p:nvPr/>
-      </p:nvGrpSpPr>
-      <p:grpSpPr>
-        <a:xfrm>
-          <a:off x="0" y="0"/>
-          <a:ext cx="0" cy="0"/>
-          <a:chOff x="0" y="0"/>
-          <a:chExt cx="0" cy="0"/>
-        </a:xfrm>
-      </p:grpSpPr>
-      <p:sp>
-        <p:nvSpPr>
-          <p:cNvPr id="2" name="Title 1">
-            <a:extLst>
-              <a:ext uri="{FF2B5EF4-FFF2-40B4-BE49-F238E27FC236}">
-                <a16:creationId xmlns:a16="http://schemas.microsoft.com/office/drawing/2014/main" id="{5214BD27-BDF5-664D-9D83-54A21FCDACF0}"/>
-              </a:ext>
-            </a:extLst>
-          </p:cNvPr>
-          <p:cNvSpPr>
-            <a:spLocks noGrp="1"/>
-          </p:cNvSpPr>
-          <p:nvPr>
-            <p:ph type="title"/>
-          </p:nvPr>
-        </p:nvSpPr>
-        <p:spPr>
-          <a:xfrm>
-            <a:off x="300446" y="365126"/>
-            <a:ext cx="11891554" cy="618286"/>
-          </a:xfrm>
-        </p:spPr>
-        <p:txBody>
-          <a:bodyPr>
-            <a:normAutofit fontScale="90000"/>
-          </a:bodyPr>
-          <a:lstStyle/>
-          <a:p>
-            <a:r>
-              <a:rPr lang="en-US" dirty="0" err="1"/>
-              <a:t>Dafny</a:t>
-            </a:r>
-            <a:r>
-              <a:rPr lang="en-US" dirty="0"/>
-              <a:t> Exercises: Help prove termination!</a:t>
-            </a:r>
-          </a:p>
-        </p:txBody>
-      </p:sp>
-      <p:pic>
-        <p:nvPicPr>
-          <p:cNvPr id="6" name="Picture 5" descr="Text&#10;&#10;Description automatically generated">
-            <a:extLst>
-              <a:ext uri="{FF2B5EF4-FFF2-40B4-BE49-F238E27FC236}">
-                <a16:creationId xmlns:a16="http://schemas.microsoft.com/office/drawing/2014/main" id="{6888051E-5B58-EE49-85A2-37F5108DE870}"/>
-              </a:ext>
-            </a:extLst>
-          </p:cNvPr>
-          <p:cNvPicPr>
-            <a:picLocks noChangeAspect="1"/>
-          </p:cNvPicPr>
-          <p:nvPr/>
-        </p:nvPicPr>
-        <p:blipFill>
-          <a:blip r:embed="rId2"/>
-          <a:stretch>
-            <a:fillRect/>
-          </a:stretch>
-        </p:blipFill>
-        <p:spPr>
-          <a:xfrm>
-            <a:off x="1920240" y="983412"/>
-            <a:ext cx="7297332" cy="5752996"/>
-          </a:xfrm>
-          <a:prstGeom prst="rect">
-            <a:avLst/>
-          </a:prstGeom>
-        </p:spPr>
-      </p:pic>
-    </p:spTree>
-    <p:extLst>
-      <p:ext uri="{BB962C8B-B14F-4D97-AF65-F5344CB8AC3E}">
-        <p14:creationId xmlns:p14="http://schemas.microsoft.com/office/powerpoint/2010/main" val="2728206911"/>
-      </p:ext>
-    </p:extLst>
-  </p:cSld>
-  <p:clrMapOvr>
-    <a:masterClrMapping/>
-  </p:clrMapOvr>
-</p:sld>
-</file>
-
-<file path=ppt/slides/slide24.xml><?xml version="1.0" encoding="utf-8"?>
-<p:sld xmlns:a="http://schemas.openxmlformats.org/drawingml/2006/main" xmlns:r="http://schemas.openxmlformats.org/officeDocument/2006/relationships" xmlns:p="http://schemas.openxmlformats.org/presentationml/2006/main">
-  <p:cSld>
-    <p:spTree>
-      <p:nvGrpSpPr>
-        <p:cNvPr id="1" name=""/>
-        <p:cNvGrpSpPr/>
-        <p:nvPr/>
-      </p:nvGrpSpPr>
-      <p:grpSpPr>
-        <a:xfrm>
-          <a:off x="0" y="0"/>
-          <a:ext cx="0" cy="0"/>
-          <a:chOff x="0" y="0"/>
-          <a:chExt cx="0" cy="0"/>
-        </a:xfrm>
-      </p:grpSpPr>
-      <p:sp>
-        <p:nvSpPr>
-          <p:cNvPr id="2" name="Title 1">
-            <a:extLst>
-              <a:ext uri="{FF2B5EF4-FFF2-40B4-BE49-F238E27FC236}">
-                <a16:creationId xmlns:a16="http://schemas.microsoft.com/office/drawing/2014/main" id="{5214BD27-BDF5-664D-9D83-54A21FCDACF0}"/>
-              </a:ext>
-            </a:extLst>
-          </p:cNvPr>
-          <p:cNvSpPr>
-            <a:spLocks noGrp="1"/>
-          </p:cNvSpPr>
-          <p:nvPr>
-            <p:ph type="title"/>
-          </p:nvPr>
-        </p:nvSpPr>
-        <p:spPr>
-          <a:xfrm>
-            <a:off x="300446" y="365126"/>
-            <a:ext cx="11891554" cy="618286"/>
-          </a:xfrm>
-        </p:spPr>
-        <p:txBody>
-          <a:bodyPr>
-            <a:normAutofit fontScale="90000"/>
-          </a:bodyPr>
-          <a:lstStyle/>
-          <a:p>
-            <a:r>
-              <a:rPr lang="en-US" dirty="0" err="1"/>
-              <a:t>Dafny</a:t>
-            </a:r>
-            <a:r>
-              <a:rPr lang="en-US" dirty="0"/>
-              <a:t> Exercises: Finally! </a:t>
-            </a:r>
-          </a:p>
-        </p:txBody>
-      </p:sp>
-      <p:pic>
-        <p:nvPicPr>
-          <p:cNvPr id="4" name="Picture 3" descr="Text&#10;&#10;Description automatically generated">
-            <a:extLst>
-              <a:ext uri="{FF2B5EF4-FFF2-40B4-BE49-F238E27FC236}">
-                <a16:creationId xmlns:a16="http://schemas.microsoft.com/office/drawing/2014/main" id="{6BD3B888-FADB-564F-83F1-9DEA1410D3AF}"/>
-              </a:ext>
-            </a:extLst>
-          </p:cNvPr>
-          <p:cNvPicPr>
-            <a:picLocks noChangeAspect="1"/>
-          </p:cNvPicPr>
-          <p:nvPr/>
-        </p:nvPicPr>
-        <p:blipFill>
-          <a:blip r:embed="rId2"/>
-          <a:stretch>
-            <a:fillRect/>
-          </a:stretch>
-        </p:blipFill>
-        <p:spPr>
-          <a:xfrm>
-            <a:off x="2503066" y="926127"/>
-            <a:ext cx="4206276" cy="5874588"/>
-          </a:xfrm>
-          <a:prstGeom prst="rect">
-            <a:avLst/>
-          </a:prstGeom>
-        </p:spPr>
-      </p:pic>
-    </p:spTree>
-    <p:extLst>
-      <p:ext uri="{BB962C8B-B14F-4D97-AF65-F5344CB8AC3E}">
-        <p14:creationId xmlns:p14="http://schemas.microsoft.com/office/powerpoint/2010/main" val="3008123570"/>
-      </p:ext>
-    </p:extLst>
-  </p:cSld>
-  <p:clrMapOvr>
-    <a:masterClrMapping/>
-  </p:clrMapOvr>
-</p:sld>
-</file>
-
-<file path=ppt/slides/slide25.xml><?xml version="1.0" encoding="utf-8"?>
-<p:sld xmlns:a="http://schemas.openxmlformats.org/drawingml/2006/main" xmlns:r="http://schemas.openxmlformats.org/officeDocument/2006/relationships" xmlns:p="http://schemas.openxmlformats.org/presentationml/2006/main">
-  <p:cSld>
-    <p:spTree>
-      <p:nvGrpSpPr>
-        <p:cNvPr id="1" name=""/>
-        <p:cNvGrpSpPr/>
-        <p:nvPr/>
-      </p:nvGrpSpPr>
-      <p:grpSpPr>
-        <a:xfrm>
-          <a:off x="0" y="0"/>
-          <a:ext cx="0" cy="0"/>
-          <a:chOff x="0" y="0"/>
-          <a:chExt cx="0" cy="0"/>
-        </a:xfrm>
-      </p:grpSpPr>
-      <p:sp>
-        <p:nvSpPr>
-          <p:cNvPr id="2" name="Title 1">
-            <a:extLst>
-              <a:ext uri="{FF2B5EF4-FFF2-40B4-BE49-F238E27FC236}">
-                <a16:creationId xmlns:a16="http://schemas.microsoft.com/office/drawing/2014/main" id="{5214BD27-BDF5-664D-9D83-54A21FCDACF0}"/>
-              </a:ext>
-            </a:extLst>
-          </p:cNvPr>
-          <p:cNvSpPr>
-            <a:spLocks noGrp="1"/>
-          </p:cNvSpPr>
-          <p:nvPr>
-            <p:ph type="title"/>
-          </p:nvPr>
-        </p:nvSpPr>
-        <p:spPr>
-          <a:xfrm>
-            <a:off x="-1" y="247559"/>
-            <a:ext cx="3513909" cy="6388372"/>
-          </a:xfrm>
-        </p:spPr>
-        <p:txBody>
-          <a:bodyPr>
-            <a:normAutofit/>
-          </a:bodyPr>
-          <a:lstStyle/>
-          <a:p>
-            <a:r>
-              <a:rPr lang="en-US" sz="2800" dirty="0" err="1"/>
-              <a:t>Dafny</a:t>
-            </a:r>
-            <a:r>
-              <a:rPr lang="en-US" sz="2800" dirty="0"/>
-              <a:t> Exercises: Optimized exp (unfinished..)</a:t>
-            </a:r>
-            <a:br>
-              <a:rPr lang="en-US" sz="2800" dirty="0"/>
-            </a:br>
-            <a:br>
-              <a:rPr lang="en-US" sz="2800" dirty="0"/>
-            </a:br>
-            <a:r>
-              <a:rPr lang="en-US" sz="2800" dirty="0" err="1"/>
-              <a:t>plz</a:t>
-            </a:r>
-            <a:r>
-              <a:rPr lang="en-US" sz="2800" dirty="0"/>
-              <a:t> try with me!</a:t>
-            </a:r>
-            <a:br>
-              <a:rPr lang="en-US" sz="2800" dirty="0"/>
-            </a:br>
-            <a:r>
-              <a:rPr lang="en-US" sz="2800" dirty="0"/>
-              <a:t>Two approaches:</a:t>
-            </a:r>
-            <a:br>
-              <a:rPr lang="en-US" sz="2800" dirty="0"/>
-            </a:br>
-            <a:r>
-              <a:rPr lang="en-US" sz="2800" dirty="0"/>
-              <a:t>1) more simple invariants</a:t>
-            </a:r>
-            <a:br>
-              <a:rPr lang="en-US" sz="2800" dirty="0"/>
-            </a:br>
-            <a:r>
-              <a:rPr lang="en-US" sz="2800" dirty="0"/>
-              <a:t>2) lemma</a:t>
-            </a:r>
-          </a:p>
-        </p:txBody>
-      </p:sp>
-      <p:pic>
-        <p:nvPicPr>
-          <p:cNvPr id="4" name="Picture 3" descr="Text&#10;&#10;Description automatically generated">
-            <a:extLst>
-              <a:ext uri="{FF2B5EF4-FFF2-40B4-BE49-F238E27FC236}">
-                <a16:creationId xmlns:a16="http://schemas.microsoft.com/office/drawing/2014/main" id="{5B8437CF-CE7D-A242-B73C-690CCE787363}"/>
-              </a:ext>
-            </a:extLst>
-          </p:cNvPr>
-          <p:cNvPicPr>
-            <a:picLocks noChangeAspect="1"/>
-          </p:cNvPicPr>
-          <p:nvPr/>
-        </p:nvPicPr>
-        <p:blipFill>
-          <a:blip r:embed="rId2"/>
-          <a:stretch>
-            <a:fillRect/>
-          </a:stretch>
-        </p:blipFill>
-        <p:spPr>
-          <a:xfrm>
-            <a:off x="3650729" y="0"/>
-            <a:ext cx="4890541" cy="6858000"/>
-          </a:xfrm>
-          <a:prstGeom prst="rect">
-            <a:avLst/>
-          </a:prstGeom>
-        </p:spPr>
-      </p:pic>
-    </p:spTree>
-    <p:extLst>
-      <p:ext uri="{BB962C8B-B14F-4D97-AF65-F5344CB8AC3E}">
-        <p14:creationId xmlns:p14="http://schemas.microsoft.com/office/powerpoint/2010/main" val="136166701"/>
-      </p:ext>
-    </p:extLst>
-  </p:cSld>
-  <p:clrMapOvr>
-    <a:masterClrMapping/>
-  </p:clrMapOvr>
-</p:sld>
-</file>
-
-<file path=ppt/slides/slide26.xml><?xml version="1.0" encoding="utf-8"?>
 <p:sld xmlns:a="http://schemas.openxmlformats.org/drawingml/2006/main" xmlns:r="http://schemas.openxmlformats.org/officeDocument/2006/relationships" xmlns:p="http://schemas.openxmlformats.org/presentationml/2006/main">
   <p:cSld>
     <p:spTree>
@@ -5765,7 +3981,7 @@
 </p:sld>
 </file>
 
-<file path=ppt/slides/slide27.xml><?xml version="1.0" encoding="utf-8"?>
+<file path=ppt/slides/slide11.xml><?xml version="1.0" encoding="utf-8"?>
 <p:sld xmlns:a="http://schemas.openxmlformats.org/drawingml/2006/main" xmlns:r="http://schemas.openxmlformats.org/officeDocument/2006/relationships" xmlns:p="http://schemas.openxmlformats.org/presentationml/2006/main">
   <p:cSld>
     <p:spTree>
@@ -5864,7 +4080,7 @@
 </p:sld>
 </file>
 
-<file path=ppt/slides/slide28.xml><?xml version="1.0" encoding="utf-8"?>
+<file path=ppt/slides/slide12.xml><?xml version="1.0" encoding="utf-8"?>
 <p:sld xmlns:a="http://schemas.openxmlformats.org/drawingml/2006/main" xmlns:r="http://schemas.openxmlformats.org/officeDocument/2006/relationships" xmlns:p="http://schemas.openxmlformats.org/presentationml/2006/main">
   <p:cSld>
     <p:spTree>
@@ -5886,7 +4102,7 @@
           <p:cNvPr id="2" name="Title 1">
             <a:extLst>
               <a:ext uri="{FF2B5EF4-FFF2-40B4-BE49-F238E27FC236}">
-                <a16:creationId xmlns:a16="http://schemas.microsoft.com/office/drawing/2014/main" id="{5214BD27-BDF5-664D-9D83-54A21FCDACF0}"/>
+                <a16:creationId xmlns:a16="http://schemas.microsoft.com/office/drawing/2014/main" id="{E0529347-8E03-5745-A305-AF41325E1120}"/>
               </a:ext>
             </a:extLst>
           </p:cNvPr>
@@ -5897,12 +4113,7 @@
             <p:ph type="title"/>
           </p:nvPr>
         </p:nvSpPr>
-        <p:spPr>
-          <a:xfrm>
-            <a:off x="838200" y="365126"/>
-            <a:ext cx="11205754" cy="618286"/>
-          </a:xfrm>
-        </p:spPr>
+        <p:spPr/>
         <p:txBody>
           <a:bodyPr>
             <a:normAutofit fontScale="90000"/>
@@ -5910,22 +4121,26 @@
           <a:lstStyle/>
           <a:p>
             <a:r>
+              <a:rPr lang="en-US" dirty="0"/>
+              <a:t>Will go through many </a:t>
+            </a:r>
+            <a:r>
               <a:rPr lang="en-US" dirty="0" err="1"/>
-              <a:t>Verifast</a:t>
+              <a:t>Dafny</a:t>
             </a:r>
             <a:r>
               <a:rPr lang="en-US" dirty="0"/>
-              <a:t> Tutorial</a:t>
-            </a:r>
-          </a:p>
-        </p:txBody>
-      </p:sp>
-      <p:sp>
-        <p:nvSpPr>
-          <p:cNvPr id="5" name="Content Placeholder 4">
+              <a:t> exercises </a:t>
+            </a:r>
+          </a:p>
+        </p:txBody>
+      </p:sp>
+      <p:sp>
+        <p:nvSpPr>
+          <p:cNvPr id="3" name="Content Placeholder 2">
             <a:extLst>
               <a:ext uri="{FF2B5EF4-FFF2-40B4-BE49-F238E27FC236}">
-                <a16:creationId xmlns:a16="http://schemas.microsoft.com/office/drawing/2014/main" id="{C889DA17-52DA-2B4D-BC3F-5CFA3FFFEF8D}"/>
+                <a16:creationId xmlns:a16="http://schemas.microsoft.com/office/drawing/2014/main" id="{F6F2EB0E-4EBA-9E41-A915-2E5A2D97575C}"/>
               </a:ext>
             </a:extLst>
           </p:cNvPr>
@@ -5936,164 +4151,71 @@
             <p:ph idx="1"/>
           </p:nvPr>
         </p:nvSpPr>
-        <p:spPr>
-          <a:xfrm>
-            <a:off x="838200" y="1393902"/>
-            <a:ext cx="10515600" cy="4783061"/>
-          </a:xfrm>
-        </p:spPr>
-        <p:txBody>
-          <a:bodyPr>
-            <a:normAutofit/>
-          </a:bodyPr>
-          <a:lstStyle/>
-          <a:p>
+        <p:spPr/>
+        <p:txBody>
+          <a:bodyPr/>
+          <a:lstStyle/>
+          <a:p>
+            <a:r>
+              <a:rPr lang="en-US" dirty="0"/>
+              <a:t>See these folders</a:t>
+            </a:r>
+          </a:p>
+          <a:p>
+            <a:pPr lvl="1"/>
+            <a:r>
+              <a:rPr lang="en-US" dirty="0"/>
+              <a:t>Power</a:t>
+            </a:r>
+          </a:p>
+          <a:p>
+            <a:pPr lvl="1"/>
             <a:r>
               <a:rPr lang="en-US" dirty="0" err="1"/>
-              <a:t>Illegal_access.c</a:t>
-            </a:r>
+              <a:t>Gcd</a:t>
+            </a:r>
+            <a:endParaRPr lang="en-US" dirty="0"/>
+          </a:p>
+          <a:p>
+            <a:pPr lvl="1"/>
             <a:r>
               <a:rPr lang="en-US" dirty="0"/>
-              <a:t> – following </a:t>
-            </a:r>
+              <a:t>Fib</a:t>
+            </a:r>
+          </a:p>
+          <a:p>
+            <a:pPr lvl="1"/>
             <a:r>
               <a:rPr lang="en-US" dirty="0" err="1"/>
-              <a:t>verifast-tutorial.pdf</a:t>
+              <a:t>Sumarray</a:t>
             </a:r>
             <a:endParaRPr lang="en-US" dirty="0"/>
           </a:p>
           <a:p>
             <a:pPr lvl="1"/>
             <a:r>
-              <a:rPr lang="en-US" dirty="0"/>
-              <a:t>Ran IDE using ctrl + open on </a:t>
-            </a:r>
-            <a:r>
               <a:rPr lang="en-US" dirty="0" err="1"/>
-              <a:t>vfide</a:t>
-            </a:r>
-            <a:r>
-              <a:rPr lang="en-US" dirty="0"/>
-              <a:t>-core</a:t>
-            </a:r>
-          </a:p>
-          <a:p>
-            <a:r>
-              <a:rPr lang="en-US" dirty="0"/>
-              <a:t>Play with the if-check commented</a:t>
-            </a:r>
-          </a:p>
-          <a:p>
-            <a:pPr lvl="1"/>
-            <a:r>
-              <a:rPr lang="en-US" dirty="0"/>
-              <a:t>Did express lack of ownership of </a:t>
-            </a:r>
-            <a:r>
-              <a:rPr lang="en-US" dirty="0" err="1"/>
-              <a:t>myAccount</a:t>
-            </a:r>
-            <a:endParaRPr lang="en-US" dirty="0"/>
-          </a:p>
-          <a:p>
-            <a:pPr lvl="1"/>
-            <a:r>
-              <a:rPr lang="en-US" dirty="0"/>
-              <a:t>Click on any “Steps” step to know the status of </a:t>
-            </a:r>
-            <a:r>
-              <a:rPr lang="en-US" dirty="0" err="1"/>
-              <a:t>symb</a:t>
+              <a:t>maxarray</a:t>
             </a:r>
             <a:r>
               <a:rPr lang="en-US" dirty="0"/>
               <a:t> </a:t>
             </a:r>
+          </a:p>
+          <a:p>
+            <a:pPr lvl="1"/>
             <a:r>
               <a:rPr lang="en-US" dirty="0" err="1"/>
-              <a:t>execn</a:t>
+              <a:t>binsrch</a:t>
             </a:r>
             <a:endParaRPr lang="en-US" dirty="0"/>
-          </a:p>
-          <a:p>
-            <a:pPr lvl="1"/>
-            <a:r>
-              <a:rPr lang="en-US" dirty="0"/>
-              <a:t>Path condition in Assumptions</a:t>
-            </a:r>
-          </a:p>
-          <a:p>
-            <a:pPr lvl="1"/>
-            <a:r>
-              <a:rPr lang="en-US" dirty="0"/>
-              <a:t>Symbolic heap in “Heap chunks” pane</a:t>
-            </a:r>
-          </a:p>
-          <a:p>
-            <a:pPr lvl="1"/>
-            <a:r>
-              <a:rPr lang="en-US" dirty="0"/>
-              <a:t>Symbolic store in the Locals pane</a:t>
-            </a:r>
-          </a:p>
-          <a:p>
-            <a:r>
-              <a:rPr lang="en-US" dirty="0"/>
-              <a:t>Uncomment and F5 (rerun </a:t>
-            </a:r>
-            <a:r>
-              <a:rPr lang="en-US" dirty="0" err="1"/>
-              <a:t>verif</a:t>
-            </a:r>
-            <a:r>
-              <a:rPr lang="en-US" dirty="0"/>
-              <a:t>)</a:t>
-            </a:r>
-          </a:p>
-          <a:p>
-            <a:pPr lvl="1"/>
-            <a:r>
-              <a:rPr lang="en-US" dirty="0" err="1"/>
-              <a:t>Symb</a:t>
-            </a:r>
-            <a:r>
-              <a:rPr lang="en-US" dirty="0"/>
-              <a:t> </a:t>
-            </a:r>
-            <a:r>
-              <a:rPr lang="en-US" dirty="0" err="1"/>
-              <a:t>Execn</a:t>
-            </a:r>
-            <a:r>
-              <a:rPr lang="en-US" dirty="0"/>
-              <a:t> succeeds</a:t>
-            </a:r>
-          </a:p>
-          <a:p>
-            <a:pPr lvl="1"/>
-            <a:r>
-              <a:rPr lang="en-US" dirty="0" err="1"/>
-              <a:t>Symb</a:t>
-            </a:r>
-            <a:r>
-              <a:rPr lang="en-US" dirty="0"/>
-              <a:t> </a:t>
-            </a:r>
-            <a:r>
-              <a:rPr lang="en-US" dirty="0" err="1"/>
-              <a:t>execn</a:t>
-            </a:r>
-            <a:r>
-              <a:rPr lang="en-US" dirty="0"/>
-              <a:t> tree for main can be viewed</a:t>
-            </a:r>
           </a:p>
         </p:txBody>
       </p:sp>
     </p:spTree>
     <p:extLst>
       <p:ext uri="{BB962C8B-B14F-4D97-AF65-F5344CB8AC3E}">
-        <p14:creationId xmlns:p14="http://schemas.microsoft.com/office/powerpoint/2010/main" val="1687885435"/>
+        <p14:creationId xmlns:p14="http://schemas.microsoft.com/office/powerpoint/2010/main" val="3831170814"/>
       </p:ext>
     </p:extLst>
   </p:cSld>
@@ -6103,7 +4225,7 @@
 </p:sld>
 </file>
 
-<file path=ppt/slides/slide29.xml><?xml version="1.0" encoding="utf-8"?>
+<file path=ppt/slides/slide2.xml><?xml version="1.0" encoding="utf-8"?>
 <p:sld xmlns:a="http://schemas.openxmlformats.org/drawingml/2006/main" xmlns:r="http://schemas.openxmlformats.org/officeDocument/2006/relationships" xmlns:p="http://schemas.openxmlformats.org/presentationml/2006/main">
   <p:cSld>
     <p:spTree>
@@ -6125,7 +4247,7 @@
           <p:cNvPr id="2" name="Title 1">
             <a:extLst>
               <a:ext uri="{FF2B5EF4-FFF2-40B4-BE49-F238E27FC236}">
-                <a16:creationId xmlns:a16="http://schemas.microsoft.com/office/drawing/2014/main" id="{5214BD27-BDF5-664D-9D83-54A21FCDACF0}"/>
+                <a16:creationId xmlns:a16="http://schemas.microsoft.com/office/drawing/2014/main" id="{E0529347-8E03-5745-A305-AF41325E1120}"/>
               </a:ext>
             </a:extLst>
           </p:cNvPr>
@@ -6136,12 +4258,7 @@
             <p:ph type="title"/>
           </p:nvPr>
         </p:nvSpPr>
-        <p:spPr>
-          <a:xfrm>
-            <a:off x="838200" y="365126"/>
-            <a:ext cx="11205754" cy="618286"/>
-          </a:xfrm>
-        </p:spPr>
+        <p:spPr/>
         <p:txBody>
           <a:bodyPr>
             <a:normAutofit fontScale="90000"/>
@@ -6149,22 +4266,18 @@
           <a:lstStyle/>
           <a:p>
             <a:r>
-              <a:rPr lang="en-US" dirty="0" err="1"/>
-              <a:t>Verifast</a:t>
-            </a:r>
-            <a:r>
               <a:rPr lang="en-US" dirty="0"/>
-              <a:t> Tutorial</a:t>
-            </a:r>
-          </a:p>
-        </p:txBody>
-      </p:sp>
-      <p:sp>
-        <p:nvSpPr>
-          <p:cNvPr id="5" name="Content Placeholder 4">
+              <a:t>A study of two popular Hoare-logic Verifiers</a:t>
+            </a:r>
+          </a:p>
+        </p:txBody>
+      </p:sp>
+      <p:sp>
+        <p:nvSpPr>
+          <p:cNvPr id="3" name="Content Placeholder 2">
             <a:extLst>
               <a:ext uri="{FF2B5EF4-FFF2-40B4-BE49-F238E27FC236}">
-                <a16:creationId xmlns:a16="http://schemas.microsoft.com/office/drawing/2014/main" id="{C889DA17-52DA-2B4D-BC3F-5CFA3FFFEF8D}"/>
+                <a16:creationId xmlns:a16="http://schemas.microsoft.com/office/drawing/2014/main" id="{F6F2EB0E-4EBA-9E41-A915-2E5A2D97575C}"/>
               </a:ext>
             </a:extLst>
           </p:cNvPr>
@@ -6175,85 +4288,52 @@
             <p:ph idx="1"/>
           </p:nvPr>
         </p:nvSpPr>
-        <p:spPr>
-          <a:xfrm>
-            <a:off x="838200" y="1393902"/>
-            <a:ext cx="10515600" cy="4783061"/>
-          </a:xfrm>
-        </p:spPr>
-        <p:txBody>
-          <a:bodyPr>
-            <a:normAutofit lnSpcReduction="10000"/>
-          </a:bodyPr>
-          <a:lstStyle/>
+        <p:spPr/>
+        <p:txBody>
+          <a:bodyPr/>
+          <a:lstStyle/>
+          <a:p>
+            <a:r>
+              <a:rPr lang="en-US" dirty="0" err="1"/>
+              <a:t>Dafny</a:t>
+            </a:r>
+            <a:endParaRPr lang="en-US" dirty="0"/>
+          </a:p>
+          <a:p>
+            <a:r>
+              <a:rPr lang="en-US" dirty="0" err="1"/>
+              <a:t>Verifast</a:t>
+            </a:r>
+            <a:endParaRPr lang="en-US" dirty="0"/>
+          </a:p>
+          <a:p>
+            <a:endParaRPr lang="en-US" dirty="0"/>
+          </a:p>
           <a:p>
             <a:r>
               <a:rPr lang="en-US" dirty="0"/>
-              <a:t>The ‘run to cursor’ serves as a </a:t>
+              <a:t>Refer to Mike-Gordon-</a:t>
             </a:r>
             <a:r>
               <a:rPr lang="en-US" dirty="0" err="1"/>
-              <a:t>breakpoin</a:t>
+              <a:t>Slides.pdf</a:t>
+            </a:r>
+            <a:r>
+              <a:rPr lang="en-US" dirty="0"/>
+              <a:t> </a:t>
+            </a:r>
+            <a:r>
+              <a:rPr lang="en-US"/>
+              <a:t>in Lec16/</a:t>
             </a:r>
             <a:endParaRPr lang="en-US" dirty="0"/>
-          </a:p>
-          <a:p>
-            <a:r>
-              <a:rPr lang="en-US" dirty="0"/>
-              <a:t>The “show execution tree” (^T) is a toggle</a:t>
-            </a:r>
-          </a:p>
-          <a:p>
-            <a:r>
-              <a:rPr lang="en-US" dirty="0"/>
-              <a:t>Come to “verifying function main” to see the full tree</a:t>
-            </a:r>
-          </a:p>
-          <a:p>
-            <a:pPr lvl="1"/>
-            <a:r>
-              <a:rPr lang="en-US" dirty="0"/>
-              <a:t>If we have meanwhile selected a “run to cursor”, we will probably see a red node at the tip</a:t>
-            </a:r>
-          </a:p>
-          <a:p>
-            <a:r>
-              <a:rPr lang="en-US" dirty="0"/>
-              <a:t>If we add a double-free, we see that the permission isn’t available, and verification terminates with an error</a:t>
-            </a:r>
-          </a:p>
-          <a:p>
-            <a:r>
-              <a:rPr lang="en-US" dirty="0"/>
-              <a:t>The “include paths” option is interesting (under Verify)</a:t>
-            </a:r>
-          </a:p>
-          <a:p>
-            <a:r>
-              <a:rPr lang="en-US" dirty="0"/>
-              <a:t>The steps are visible by clicking the relevant tree nodes</a:t>
-            </a:r>
-          </a:p>
-          <a:p>
-            <a:pPr lvl="1"/>
-            <a:r>
-              <a:rPr lang="en-US" dirty="0"/>
-              <a:t>“Leaf node” is not the green/red “closed/open” indicator node</a:t>
-            </a:r>
-          </a:p>
-          <a:p>
-            <a:pPr lvl="2"/>
-            <a:r>
-              <a:rPr lang="en-US" dirty="0"/>
-              <a:t>It is rather the parent of such a node (black in color)</a:t>
-            </a:r>
           </a:p>
         </p:txBody>
       </p:sp>
     </p:spTree>
     <p:extLst>
       <p:ext uri="{BB962C8B-B14F-4D97-AF65-F5344CB8AC3E}">
-        <p14:creationId xmlns:p14="http://schemas.microsoft.com/office/powerpoint/2010/main" val="402103472"/>
+        <p14:creationId xmlns:p14="http://schemas.microsoft.com/office/powerpoint/2010/main" val="3039521154"/>
       </p:ext>
     </p:extLst>
   </p:cSld>
@@ -6385,8 +4465,8 @@
         </p:nvSpPr>
         <p:spPr>
           <a:xfrm>
-            <a:off x="838200" y="3223259"/>
-            <a:ext cx="10515600" cy="2953703"/>
+            <a:off x="838200" y="1247502"/>
+            <a:ext cx="10515600" cy="4320541"/>
           </a:xfrm>
         </p:spPr>
         <p:txBody>
@@ -6420,6 +4500,69 @@
               <a:rPr lang="en-US" dirty="0"/>
               <a:t>. </a:t>
             </a:r>
+          </a:p>
+          <a:p>
+            <a:pPr marL="0" indent="0">
+              <a:buNone/>
+            </a:pPr>
+            <a:endParaRPr lang="en-US" dirty="0"/>
+          </a:p>
+          <a:p>
+            <a:pPr marL="0" indent="0">
+              <a:buNone/>
+            </a:pPr>
+            <a:r>
+              <a:rPr lang="en-US" dirty="0"/>
+              <a:t>(… and of course understanding the prover’s limitation…)</a:t>
+            </a:r>
+          </a:p>
+          <a:p>
+            <a:pPr marL="0" indent="0">
+              <a:buNone/>
+            </a:pPr>
+            <a:endParaRPr lang="en-US" dirty="0"/>
+          </a:p>
+          <a:p>
+            <a:pPr marL="0" indent="0">
+              <a:buNone/>
+            </a:pPr>
+            <a:r>
+              <a:rPr lang="en-US" dirty="0"/>
+              <a:t>(when it comes to nonlinear arithmetic)</a:t>
+            </a:r>
+          </a:p>
+          <a:p>
+            <a:pPr marL="0" indent="0">
+              <a:buNone/>
+            </a:pPr>
+            <a:endParaRPr lang="en-US" dirty="0"/>
+          </a:p>
+          <a:p>
+            <a:pPr marL="0" indent="0">
+              <a:buNone/>
+            </a:pPr>
+            <a:r>
+              <a:rPr lang="en-US" dirty="0">
+                <a:hlinkClick r:id="rId2"/>
+              </a:rPr>
+              <a:t>https://stackoverflow.com/questions/50395039/in-dafny-how-can-i-fix-the-value-does-not-satisfy-the-subset-constraints-of-n</a:t>
+            </a:r>
+            <a:r>
+              <a:rPr lang="en-US" dirty="0"/>
+              <a:t> </a:t>
+            </a:r>
+          </a:p>
+          <a:p>
+            <a:pPr marL="0" indent="0">
+              <a:buNone/>
+            </a:pPr>
+            <a:endParaRPr lang="en-US" dirty="0"/>
+          </a:p>
+          <a:p>
+            <a:pPr marL="0" indent="0">
+              <a:buNone/>
+            </a:pPr>
+            <a:endParaRPr lang="en-US" dirty="0"/>
           </a:p>
         </p:txBody>
       </p:sp>
@@ -6436,7 +4579,7 @@
 </p:sld>
 </file>
 
-<file path=ppt/slides/slide30.xml><?xml version="1.0" encoding="utf-8"?>
+<file path=ppt/slides/slide4.xml><?xml version="1.0" encoding="utf-8"?>
 <p:sld xmlns:a="http://schemas.openxmlformats.org/drawingml/2006/main" xmlns:r="http://schemas.openxmlformats.org/officeDocument/2006/relationships" xmlns:p="http://schemas.openxmlformats.org/presentationml/2006/main">
   <p:cSld>
     <p:spTree>
@@ -6458,7 +4601,7 @@
           <p:cNvPr id="2" name="Title 1">
             <a:extLst>
               <a:ext uri="{FF2B5EF4-FFF2-40B4-BE49-F238E27FC236}">
-                <a16:creationId xmlns:a16="http://schemas.microsoft.com/office/drawing/2014/main" id="{5214BD27-BDF5-664D-9D83-54A21FCDACF0}"/>
+                <a16:creationId xmlns:a16="http://schemas.microsoft.com/office/drawing/2014/main" id="{E0529347-8E03-5745-A305-AF41325E1120}"/>
               </a:ext>
             </a:extLst>
           </p:cNvPr>
@@ -6472,32 +4615,44 @@
         <p:spPr>
           <a:xfrm>
             <a:off x="838200" y="365126"/>
-            <a:ext cx="11205754" cy="618286"/>
+            <a:ext cx="10515600" cy="763587"/>
           </a:xfrm>
         </p:spPr>
         <p:txBody>
           <a:bodyPr>
-            <a:normAutofit fontScale="90000"/>
+            <a:normAutofit/>
           </a:bodyPr>
           <a:lstStyle/>
           <a:p>
             <a:r>
-              <a:rPr lang="en-US" dirty="0" err="1"/>
-              <a:t>Verifast</a:t>
-            </a:r>
-            <a:r>
-              <a:rPr lang="en-US" dirty="0"/>
-              <a:t> Tutorial</a:t>
-            </a:r>
-          </a:p>
-        </p:txBody>
-      </p:sp>
-      <p:sp>
-        <p:nvSpPr>
-          <p:cNvPr id="5" name="Content Placeholder 4">
+              <a:rPr lang="en-US" sz="1600" dirty="0"/>
+              <a:t>More Tips from </a:t>
+            </a:r>
+            <a:r>
+              <a:rPr lang="en-US" sz="1600" dirty="0" err="1"/>
+              <a:t>Rustan</a:t>
+            </a:r>
+            <a:r>
+              <a:rPr lang="en-US" sz="1600" dirty="0"/>
+              <a:t> </a:t>
+            </a:r>
+            <a:r>
+              <a:rPr lang="en-US" sz="1600" dirty="0" err="1"/>
+              <a:t>wrt</a:t>
+            </a:r>
+            <a:r>
+              <a:rPr lang="en-US" sz="1600" dirty="0"/>
+              <a:t> nonlinear arithmetic (the said files are in this directory)</a:t>
+            </a:r>
+          </a:p>
+        </p:txBody>
+      </p:sp>
+      <p:sp>
+        <p:nvSpPr>
+          <p:cNvPr id="3" name="Content Placeholder 2">
             <a:extLst>
               <a:ext uri="{FF2B5EF4-FFF2-40B4-BE49-F238E27FC236}">
-                <a16:creationId xmlns:a16="http://schemas.microsoft.com/office/drawing/2014/main" id="{C889DA17-52DA-2B4D-BC3F-5CFA3FFFEF8D}"/>
+                <a16:creationId xmlns:a16="http://schemas.microsoft.com/office/drawing/2014/main" id="{F6F2EB0E-4EBA-9E41-A915-2E5A2D97575C}"/>
               </a:ext>
             </a:extLst>
           </p:cNvPr>
@@ -6510,162 +4665,131 @@
         </p:nvSpPr>
         <p:spPr>
           <a:xfrm>
-            <a:off x="838200" y="1393902"/>
-            <a:ext cx="10515600" cy="4783061"/>
+            <a:off x="838200" y="1247502"/>
+            <a:ext cx="10515600" cy="5245372"/>
           </a:xfrm>
         </p:spPr>
         <p:txBody>
           <a:bodyPr>
-            <a:normAutofit lnSpcReduction="10000"/>
+            <a:normAutofit fontScale="55000" lnSpcReduction="20000"/>
           </a:bodyPr>
           <a:lstStyle/>
           <a:p>
+            <a:pPr marL="0" indent="0">
+              <a:buNone/>
+            </a:pPr>
+            <a:endParaRPr lang="en-US" dirty="0"/>
+          </a:p>
+          <a:p>
             <a:r>
               <a:rPr lang="en-US" dirty="0"/>
-              <a:t>Trace the </a:t>
+              <a:t>Hi Ganesh,</a:t>
+            </a:r>
+          </a:p>
+          <a:p>
+            <a:r>
+              <a:rPr lang="en-US" dirty="0"/>
+              <a:t> </a:t>
+            </a:r>
+          </a:p>
+          <a:p>
+            <a:r>
+              <a:rPr lang="en-US" dirty="0"/>
+              <a:t>Nice to hear from you and to hear you’re using </a:t>
             </a:r>
             <a:r>
               <a:rPr lang="en-US" dirty="0" err="1"/>
-              <a:t>symb</a:t>
+              <a:t>Dafny</a:t>
             </a:r>
             <a:r>
               <a:rPr lang="en-US" dirty="0"/>
-              <a:t> execution path</a:t>
-            </a:r>
-          </a:p>
-          <a:p>
-            <a:pPr lvl="1"/>
-            <a:r>
+              <a:t>.</a:t>
+            </a:r>
+          </a:p>
+          <a:p>
+            <a:br>
               <a:rPr lang="en-US" dirty="0"/>
-              <a:t>Select the leaf of the execution tree</a:t>
-            </a:r>
-          </a:p>
-          <a:p>
-            <a:pPr lvl="1"/>
+            </a:br>
             <a:r>
               <a:rPr lang="en-US" dirty="0"/>
-              <a:t>Select the steps</a:t>
-            </a:r>
-          </a:p>
-          <a:p>
-            <a:pPr lvl="1"/>
+              <a:t>Your problem uses non-linear arithmetic, which can be a sore spot for the verifier. When dealing with non-linear arithmetic, it is usual that the verifier doesn’t do everything automatically and you instead have to supply some of the proofs yourself.</a:t>
+            </a:r>
+          </a:p>
+          <a:p>
+            <a:r>
+              <a:rPr lang="en-US" dirty="0"/>
+              <a:t> </a:t>
+            </a:r>
+          </a:p>
+          <a:p>
+            <a:r>
+              <a:rPr lang="en-US" dirty="0"/>
+              <a:t>For your particular example, I, too, am surprised. I don’t have any explanation that I can offer, other than to say again that the verifier is weak when it comes to non-linear arithmetic. I tried some variations of your program and found that dafny3.dfy (enclosed) happens to work with both Y+Y and 2*Y. But why it works with both variations and your programs don’t, I can’t tell.</a:t>
+            </a:r>
+          </a:p>
+          <a:p>
+            <a:r>
+              <a:rPr lang="en-US" dirty="0"/>
+              <a:t> </a:t>
+            </a:r>
+          </a:p>
+          <a:p>
+            <a:r>
+              <a:rPr lang="en-US" dirty="0"/>
+              <a:t>Are you by chance using </a:t>
+            </a:r>
             <a:r>
               <a:rPr lang="en-US" dirty="0" err="1"/>
-              <a:t>Downarrow</a:t>
+              <a:t>Dafny</a:t>
             </a:r>
             <a:r>
               <a:rPr lang="en-US" dirty="0"/>
-              <a:t> along steps</a:t>
-            </a:r>
-          </a:p>
-          <a:p>
-            <a:pPr lvl="2"/>
+              <a:t> in teaching or are planning to do so? I have written a textbook on verification that uses </a:t>
+            </a:r>
+            <a:r>
+              <a:rPr lang="en-US" dirty="0" err="1"/>
+              <a:t>Dafny</a:t>
+            </a:r>
             <a:r>
               <a:rPr lang="en-US" dirty="0"/>
-              <a:t>Observe the coloration in the code window and the changing assumptions</a:t>
-            </a:r>
-          </a:p>
-          <a:p>
-            <a:pPr lvl="3"/>
+              <a:t>. The textbook is in draft form, but several colleagues at universities have used the draft version. If you’re interested, I can send you a hardcopy of the draft book. If so, please send me a good mailing address for it.</a:t>
+            </a:r>
+          </a:p>
+          <a:p>
             <a:r>
               <a:rPr lang="en-US" dirty="0"/>
-              <a:t>Producing and consuming assumptions</a:t>
-            </a:r>
-          </a:p>
-          <a:p>
-            <a:pPr lvl="1"/>
+              <a:t> </a:t>
+            </a:r>
+          </a:p>
+          <a:p>
             <a:r>
               <a:rPr lang="en-US" dirty="0"/>
-              <a:t>The malloc adds heap chunks</a:t>
-            </a:r>
-          </a:p>
-          <a:p>
-            <a:pPr lvl="2"/>
+              <a:t>Best wishes,</a:t>
+            </a:r>
+          </a:p>
+          <a:p>
+            <a:r>
+              <a:rPr lang="en-US" dirty="0"/>
+              <a:t>  </a:t>
+            </a:r>
             <a:r>
               <a:rPr lang="en-US" dirty="0" err="1"/>
-              <a:t>Accound_balance</a:t>
-            </a:r>
-            <a:r>
-              <a:rPr lang="en-US" dirty="0"/>
-              <a:t>(</a:t>
-            </a:r>
-            <a:r>
-              <a:rPr lang="en-US" dirty="0" err="1"/>
-              <a:t>myAccount</a:t>
-            </a:r>
-            <a:r>
-              <a:rPr lang="en-US" dirty="0"/>
-              <a:t>, value) seems to say what resources are available</a:t>
-            </a:r>
-          </a:p>
-          <a:p>
-            <a:pPr lvl="3"/>
-            <a:r>
-              <a:rPr lang="en-US" dirty="0" err="1"/>
-              <a:t>Myaccount</a:t>
-            </a:r>
-            <a:r>
-              <a:rPr lang="en-US" dirty="0"/>
-              <a:t> is mem chunk</a:t>
-            </a:r>
-          </a:p>
-          <a:p>
-            <a:pPr lvl="3"/>
-            <a:r>
-              <a:rPr lang="en-US" dirty="0"/>
-              <a:t>Value is its symbolic value</a:t>
-            </a:r>
-          </a:p>
-          <a:p>
-            <a:pPr lvl="2"/>
-            <a:r>
-              <a:rPr lang="en-US" dirty="0"/>
-              <a:t>Fresh names are generated</a:t>
-            </a:r>
-          </a:p>
-          <a:p>
-            <a:pPr lvl="3"/>
-            <a:r>
-              <a:rPr lang="en-US" dirty="0"/>
-              <a:t>This is really the act of exists handling or Skolemization in logic</a:t>
-            </a:r>
-          </a:p>
-          <a:p>
-            <a:pPr lvl="3"/>
-            <a:r>
-              <a:rPr lang="en-US" dirty="0"/>
-              <a:t>“</a:t>
-            </a:r>
-            <a:r>
-              <a:rPr lang="en-US" dirty="0" err="1"/>
-              <a:t>account_balance</a:t>
-            </a:r>
-            <a:r>
-              <a:rPr lang="en-US" dirty="0"/>
-              <a:t>” and “</a:t>
-            </a:r>
-            <a:r>
-              <a:rPr lang="en-US" dirty="0" err="1"/>
-              <a:t>malloc_block_account</a:t>
-            </a:r>
-            <a:r>
-              <a:rPr lang="en-US" dirty="0"/>
-              <a:t>” seem like built-in concepts</a:t>
-            </a:r>
-          </a:p>
-          <a:p>
-            <a:pPr lvl="1"/>
-            <a:r>
-              <a:rPr lang="en-US" dirty="0"/>
-              <a:t>Can see fresh var names</a:t>
-            </a:r>
+              <a:t>Rustan</a:t>
+            </a:r>
+            <a:endParaRPr lang="en-US" dirty="0"/>
+          </a:p>
+          <a:p>
+            <a:pPr marL="0" indent="0">
+              <a:buNone/>
+            </a:pPr>
+            <a:endParaRPr lang="en-US" dirty="0"/>
           </a:p>
         </p:txBody>
       </p:sp>
     </p:spTree>
     <p:extLst>
       <p:ext uri="{BB962C8B-B14F-4D97-AF65-F5344CB8AC3E}">
-        <p14:creationId xmlns:p14="http://schemas.microsoft.com/office/powerpoint/2010/main" val="10288484"/>
+        <p14:creationId xmlns:p14="http://schemas.microsoft.com/office/powerpoint/2010/main" val="1201154712"/>
       </p:ext>
     </p:extLst>
   </p:cSld>
@@ -6675,7 +4799,7 @@
 </p:sld>
 </file>
 
-<file path=ppt/slides/slide31.xml><?xml version="1.0" encoding="utf-8"?>
+<file path=ppt/slides/slide5.xml><?xml version="1.0" encoding="utf-8"?>
 <p:sld xmlns:a="http://schemas.openxmlformats.org/drawingml/2006/main" xmlns:r="http://schemas.openxmlformats.org/officeDocument/2006/relationships" xmlns:p="http://schemas.openxmlformats.org/presentationml/2006/main">
   <p:cSld>
     <p:spTree>
@@ -6697,7 +4821,7 @@
           <p:cNvPr id="2" name="Title 1">
             <a:extLst>
               <a:ext uri="{FF2B5EF4-FFF2-40B4-BE49-F238E27FC236}">
-                <a16:creationId xmlns:a16="http://schemas.microsoft.com/office/drawing/2014/main" id="{5214BD27-BDF5-664D-9D83-54A21FCDACF0}"/>
+                <a16:creationId xmlns:a16="http://schemas.microsoft.com/office/drawing/2014/main" id="{4606FC03-8371-4D4A-B22D-E16B90C64174}"/>
               </a:ext>
             </a:extLst>
           </p:cNvPr>
@@ -6708,12 +4832,7 @@
             <p:ph type="title"/>
           </p:nvPr>
         </p:nvSpPr>
-        <p:spPr>
-          <a:xfrm>
-            <a:off x="838200" y="365126"/>
-            <a:ext cx="11205754" cy="618286"/>
-          </a:xfrm>
-        </p:spPr>
+        <p:spPr/>
         <p:txBody>
           <a:bodyPr>
             <a:normAutofit fontScale="90000"/>
@@ -6722,25 +4841,17 @@
           <a:p>
             <a:r>
               <a:rPr lang="en-US" dirty="0"/>
-              <a:t>Illustration of </a:t>
-            </a:r>
-            <a:r>
-              <a:rPr lang="en-US" dirty="0" err="1"/>
-              <a:t>symb</a:t>
-            </a:r>
-            <a:r>
-              <a:rPr lang="en-US" dirty="0"/>
-              <a:t> constants</a:t>
-            </a:r>
-          </a:p>
-        </p:txBody>
-      </p:sp>
-      <p:sp>
-        <p:nvSpPr>
-          <p:cNvPr id="5" name="Content Placeholder 4">
+              <a:t>Where verification is crucial (the only way)</a:t>
+            </a:r>
+          </a:p>
+        </p:txBody>
+      </p:sp>
+      <p:sp>
+        <p:nvSpPr>
+          <p:cNvPr id="3" name="Content Placeholder 2">
             <a:extLst>
               <a:ext uri="{FF2B5EF4-FFF2-40B4-BE49-F238E27FC236}">
-                <a16:creationId xmlns:a16="http://schemas.microsoft.com/office/drawing/2014/main" id="{C889DA17-52DA-2B4D-BC3F-5CFA3FFFEF8D}"/>
+                <a16:creationId xmlns:a16="http://schemas.microsoft.com/office/drawing/2014/main" id="{2F8973ED-230D-6741-A9A6-FA18951F42BE}"/>
               </a:ext>
             </a:extLst>
           </p:cNvPr>
@@ -6751,278 +4862,67 @@
             <p:ph idx="1"/>
           </p:nvPr>
         </p:nvSpPr>
-        <p:spPr>
-          <a:xfrm>
-            <a:off x="838200" y="1393902"/>
-            <a:ext cx="10515600" cy="4783061"/>
-          </a:xfrm>
-        </p:spPr>
-        <p:txBody>
-          <a:bodyPr>
-            <a:normAutofit fontScale="32500" lnSpcReduction="20000"/>
-          </a:bodyPr>
-          <a:lstStyle/>
-          <a:p>
-            <a:pPr marL="0" indent="0">
-              <a:buNone/>
-            </a:pPr>
+        <p:spPr/>
+        <p:txBody>
+          <a:bodyPr/>
+          <a:lstStyle/>
+          <a:p>
             <a:r>
               <a:rPr lang="en-US" dirty="0"/>
-              <a:t>#include "</a:t>
+              <a:t>Bug in </a:t>
             </a:r>
             <a:r>
               <a:rPr lang="en-US" dirty="0" err="1"/>
-              <a:t>stdlib.h</a:t>
+              <a:t>Timsort</a:t>
             </a:r>
             <a:r>
               <a:rPr lang="en-US" dirty="0"/>
-              <a:t>"</a:t>
-            </a:r>
-          </a:p>
-          <a:p>
-            <a:pPr marL="0" indent="0">
-              <a:buNone/>
-            </a:pPr>
+              <a:t> found and verified</a:t>
+            </a:r>
+          </a:p>
+          <a:p>
+            <a:pPr lvl="1"/>
+            <a:r>
+              <a:rPr lang="en-US" dirty="0">
+                <a:hlinkClick r:id="rId2"/>
+              </a:rPr>
+              <a:t>http://envisage-project.eu/wp-content/uploads/2015/05/sorting-final.pdf</a:t>
+            </a:r>
             <a:endParaRPr lang="en-US" dirty="0"/>
           </a:p>
           <a:p>
-            <a:pPr marL="0" indent="0">
-              <a:buNone/>
-            </a:pPr>
+            <a:pPr lvl="1"/>
+            <a:endParaRPr lang="en-US" dirty="0"/>
+          </a:p>
+          <a:p>
             <a:r>
               <a:rPr lang="en-US" dirty="0"/>
-              <a:t>struct account {</a:t>
-            </a:r>
-          </a:p>
-          <a:p>
-            <a:pPr marL="0" indent="0">
-              <a:buNone/>
-            </a:pPr>
+              <a:t>It is very easily the case that any algorithm that looks like </a:t>
+            </a:r>
+            <a:r>
+              <a:rPr lang="en-US" dirty="0" err="1"/>
+              <a:t>Timsort</a:t>
+            </a:r>
             <a:r>
               <a:rPr lang="en-US" dirty="0"/>
-              <a:t>    int balance;</a:t>
-            </a:r>
-          </a:p>
-          <a:p>
-            <a:pPr marL="0" indent="0">
-              <a:buNone/>
-            </a:pPr>
+              <a:t> (combinatorial complexity of cases) has, by definition, bugs!</a:t>
+            </a:r>
+          </a:p>
+          <a:p>
+            <a:endParaRPr lang="en-US" dirty="0"/>
+          </a:p>
+          <a:p>
             <a:r>
               <a:rPr lang="en-US" dirty="0"/>
-              <a:t>};</a:t>
-            </a:r>
-          </a:p>
-          <a:p>
-            <a:pPr marL="0" indent="0">
-              <a:buNone/>
-            </a:pPr>
-            <a:endParaRPr lang="en-US" dirty="0"/>
-          </a:p>
-          <a:p>
-            <a:pPr marL="0" indent="0">
-              <a:buNone/>
-            </a:pPr>
+              <a:t>Testing, fuzzing, and </a:t>
+            </a:r>
+            <a:r>
+              <a:rPr lang="en-US" dirty="0" err="1"/>
+              <a:t>symb</a:t>
+            </a:r>
             <a:r>
               <a:rPr lang="en-US" dirty="0"/>
-              <a:t>int main()</a:t>
-            </a:r>
-          </a:p>
-          <a:p>
-            <a:pPr marL="0" indent="0">
-              <a:buNone/>
-            </a:pPr>
-            <a:r>
-              <a:rPr lang="en-US" dirty="0"/>
-              <a:t>    //@ requires true;</a:t>
-            </a:r>
-          </a:p>
-          <a:p>
-            <a:pPr marL="0" indent="0">
-              <a:buNone/>
-            </a:pPr>
-            <a:r>
-              <a:rPr lang="en-US" dirty="0"/>
-              <a:t>    //@ ensures true;</a:t>
-            </a:r>
-          </a:p>
-          <a:p>
-            <a:pPr marL="0" indent="0">
-              <a:buNone/>
-            </a:pPr>
-            <a:r>
-              <a:rPr lang="en-US" dirty="0"/>
-              <a:t>{</a:t>
-            </a:r>
-          </a:p>
-          <a:p>
-            <a:pPr marL="0" indent="0">
-              <a:buNone/>
-            </a:pPr>
-            <a:r>
-              <a:rPr lang="en-US" dirty="0"/>
-              <a:t>  { struct account *</a:t>
-            </a:r>
-            <a:r>
-              <a:rPr lang="en-US" dirty="0" err="1"/>
-              <a:t>myAccount</a:t>
-            </a:r>
-            <a:r>
-              <a:rPr lang="en-US" dirty="0"/>
-              <a:t> = malloc(</a:t>
-            </a:r>
-            <a:r>
-              <a:rPr lang="en-US" dirty="0" err="1"/>
-              <a:t>sizeof</a:t>
-            </a:r>
-            <a:r>
-              <a:rPr lang="en-US" dirty="0"/>
-              <a:t>(struct account));</a:t>
-            </a:r>
-          </a:p>
-          <a:p>
-            <a:pPr marL="0" indent="0">
-              <a:buNone/>
-            </a:pPr>
-            <a:r>
-              <a:rPr lang="en-US" dirty="0"/>
-              <a:t>    if (</a:t>
-            </a:r>
-            <a:r>
-              <a:rPr lang="en-US" dirty="0" err="1"/>
-              <a:t>myAccount</a:t>
-            </a:r>
-            <a:r>
-              <a:rPr lang="en-US" dirty="0"/>
-              <a:t> == 0) { abort(); } </a:t>
-            </a:r>
-          </a:p>
-          <a:p>
-            <a:pPr marL="0" indent="0">
-              <a:buNone/>
-            </a:pPr>
-            <a:r>
-              <a:rPr lang="en-US" dirty="0"/>
-              <a:t>    }</a:t>
-            </a:r>
-          </a:p>
-          <a:p>
-            <a:pPr marL="0" indent="0">
-              <a:buNone/>
-            </a:pPr>
-            <a:r>
-              <a:rPr lang="en-US" dirty="0"/>
-              <a:t>  {  struct account *</a:t>
-            </a:r>
-            <a:r>
-              <a:rPr lang="en-US" dirty="0" err="1"/>
-              <a:t>myAccount</a:t>
-            </a:r>
-            <a:r>
-              <a:rPr lang="en-US" dirty="0"/>
-              <a:t> = malloc(</a:t>
-            </a:r>
-            <a:r>
-              <a:rPr lang="en-US" dirty="0" err="1"/>
-              <a:t>sizeof</a:t>
-            </a:r>
-            <a:r>
-              <a:rPr lang="en-US" dirty="0"/>
-              <a:t>(struct account));</a:t>
-            </a:r>
-          </a:p>
-          <a:p>
-            <a:pPr marL="0" indent="0">
-              <a:buNone/>
-            </a:pPr>
-            <a:r>
-              <a:rPr lang="en-US" dirty="0"/>
-              <a:t>    if (</a:t>
-            </a:r>
-            <a:r>
-              <a:rPr lang="en-US" dirty="0" err="1"/>
-              <a:t>myAccount</a:t>
-            </a:r>
-            <a:r>
-              <a:rPr lang="en-US" dirty="0"/>
-              <a:t> == 0) { abort(); }</a:t>
-            </a:r>
-          </a:p>
-          <a:p>
-            <a:pPr marL="0" indent="0">
-              <a:buNone/>
-            </a:pPr>
-            <a:r>
-              <a:rPr lang="en-US" dirty="0"/>
-              <a:t>    }</a:t>
-            </a:r>
-          </a:p>
-          <a:p>
-            <a:pPr marL="0" indent="0">
-              <a:buNone/>
-            </a:pPr>
-            <a:r>
-              <a:rPr lang="en-US" dirty="0"/>
-              <a:t>    //</a:t>
-            </a:r>
-            <a:r>
-              <a:rPr lang="en-US" dirty="0" err="1"/>
-              <a:t>myAccount</a:t>
-            </a:r>
-            <a:r>
-              <a:rPr lang="en-US" dirty="0"/>
-              <a:t>-&gt;balance = 5;</a:t>
-            </a:r>
-          </a:p>
-          <a:p>
-            <a:pPr marL="0" indent="0">
-              <a:buNone/>
-            </a:pPr>
-            <a:r>
-              <a:rPr lang="en-US" dirty="0"/>
-              <a:t>   // free(</a:t>
-            </a:r>
-            <a:r>
-              <a:rPr lang="en-US" dirty="0" err="1"/>
-              <a:t>myAccount</a:t>
-            </a:r>
-            <a:r>
-              <a:rPr lang="en-US" dirty="0"/>
-              <a:t>);</a:t>
-            </a:r>
-          </a:p>
-          <a:p>
-            <a:pPr marL="0" indent="0">
-              <a:buNone/>
-            </a:pPr>
-            <a:r>
-              <a:rPr lang="en-US" dirty="0"/>
-              <a:t>    //free(</a:t>
-            </a:r>
-            <a:r>
-              <a:rPr lang="en-US" dirty="0" err="1"/>
-              <a:t>myAccount</a:t>
-            </a:r>
-            <a:r>
-              <a:rPr lang="en-US" dirty="0"/>
-              <a:t>);</a:t>
-            </a:r>
-          </a:p>
-          <a:p>
-            <a:pPr marL="0" indent="0">
-              <a:buNone/>
-            </a:pPr>
-            <a:r>
-              <a:rPr lang="en-US" dirty="0"/>
-              <a:t>    return 0;</a:t>
-            </a:r>
-          </a:p>
-          <a:p>
-            <a:pPr marL="0" indent="0">
-              <a:buNone/>
-            </a:pPr>
-            <a:r>
-              <a:rPr lang="en-US" dirty="0"/>
-              <a:t>}</a:t>
+              <a:t> execution CANNOT hit many (most?) these in practice</a:t>
             </a:r>
           </a:p>
         </p:txBody>
@@ -7030,7 +4930,7 @@
     </p:spTree>
     <p:extLst>
       <p:ext uri="{BB962C8B-B14F-4D97-AF65-F5344CB8AC3E}">
-        <p14:creationId xmlns:p14="http://schemas.microsoft.com/office/powerpoint/2010/main" val="3557274891"/>
+        <p14:creationId xmlns:p14="http://schemas.microsoft.com/office/powerpoint/2010/main" val="3363144916"/>
       </p:ext>
     </p:extLst>
   </p:cSld>
@@ -7040,7 +4940,7 @@
 </p:sld>
 </file>
 
-<file path=ppt/slides/slide32.xml><?xml version="1.0" encoding="utf-8"?>
+<file path=ppt/slides/slide6.xml><?xml version="1.0" encoding="utf-8"?>
 <p:sld xmlns:a="http://schemas.openxmlformats.org/drawingml/2006/main" xmlns:r="http://schemas.openxmlformats.org/officeDocument/2006/relationships" xmlns:p="http://schemas.openxmlformats.org/presentationml/2006/main">
   <p:cSld>
     <p:spTree>
@@ -7062,7 +4962,7 @@
           <p:cNvPr id="2" name="Title 1">
             <a:extLst>
               <a:ext uri="{FF2B5EF4-FFF2-40B4-BE49-F238E27FC236}">
-                <a16:creationId xmlns:a16="http://schemas.microsoft.com/office/drawing/2014/main" id="{5214BD27-BDF5-664D-9D83-54A21FCDACF0}"/>
+                <a16:creationId xmlns:a16="http://schemas.microsoft.com/office/drawing/2014/main" id="{4606FC03-8371-4D4A-B22D-E16B90C64174}"/>
               </a:ext>
             </a:extLst>
           </p:cNvPr>
@@ -7073,35 +4973,26 @@
             <p:ph type="title"/>
           </p:nvPr>
         </p:nvSpPr>
-        <p:spPr>
-          <a:xfrm>
-            <a:off x="838200" y="365126"/>
-            <a:ext cx="11205754" cy="618286"/>
-          </a:xfrm>
-        </p:spPr>
+        <p:spPr/>
         <p:txBody>
           <a:bodyPr>
-            <a:normAutofit fontScale="90000"/>
+            <a:normAutofit/>
           </a:bodyPr>
           <a:lstStyle/>
           <a:p>
             <a:r>
-              <a:rPr lang="en-US" dirty="0" err="1"/>
-              <a:t>Verifast</a:t>
-            </a:r>
-            <a:r>
-              <a:rPr lang="en-US" dirty="0"/>
-              <a:t> Tutorial</a:t>
-            </a:r>
-          </a:p>
-        </p:txBody>
-      </p:sp>
-      <p:sp>
-        <p:nvSpPr>
-          <p:cNvPr id="5" name="Content Placeholder 4">
+              <a:rPr lang="en-US" sz="2800" dirty="0"/>
+              <a:t>The “small model hypothesis” isn’t always true</a:t>
+            </a:r>
+          </a:p>
+        </p:txBody>
+      </p:sp>
+      <p:sp>
+        <p:nvSpPr>
+          <p:cNvPr id="3" name="Content Placeholder 2">
             <a:extLst>
               <a:ext uri="{FF2B5EF4-FFF2-40B4-BE49-F238E27FC236}">
-                <a16:creationId xmlns:a16="http://schemas.microsoft.com/office/drawing/2014/main" id="{C889DA17-52DA-2B4D-BC3F-5CFA3FFFEF8D}"/>
+                <a16:creationId xmlns:a16="http://schemas.microsoft.com/office/drawing/2014/main" id="{2F8973ED-230D-6741-A9A6-FA18951F42BE}"/>
               </a:ext>
             </a:extLst>
           </p:cNvPr>
@@ -7114,156 +5005,57 @@
         </p:nvSpPr>
         <p:spPr>
           <a:xfrm>
-            <a:off x="838200" y="1393902"/>
-            <a:ext cx="10515600" cy="4783061"/>
+            <a:off x="838200" y="1207339"/>
+            <a:ext cx="10515600" cy="444046"/>
           </a:xfrm>
         </p:spPr>
         <p:txBody>
           <a:bodyPr>
-            <a:normAutofit/>
+            <a:normAutofit lnSpcReduction="10000"/>
           </a:bodyPr>
           <a:lstStyle/>
           <a:p>
             <a:r>
               <a:rPr lang="en-US" dirty="0"/>
-              <a:t>Trace step-thru reveals how heap chunks are </a:t>
-            </a:r>
-            <a:r>
-              <a:rPr lang="en-US" dirty="0" err="1"/>
-              <a:t>alloc</a:t>
-            </a:r>
-            <a:r>
-              <a:rPr lang="en-US" dirty="0"/>
-              <a:t>/</a:t>
-            </a:r>
-            <a:r>
-              <a:rPr lang="en-US" dirty="0" err="1"/>
-              <a:t>dealloc</a:t>
-            </a:r>
-            <a:endParaRPr lang="en-US" dirty="0"/>
-          </a:p>
-          <a:p>
-            <a:r>
-              <a:rPr lang="en-US" dirty="0"/>
-              <a:t>The locals are interesting</a:t>
-            </a:r>
-          </a:p>
-          <a:p>
-            <a:pPr lvl="1"/>
-            <a:r>
-              <a:rPr lang="en-US" dirty="0" err="1"/>
-              <a:t>myAccount</a:t>
-            </a:r>
-            <a:r>
-              <a:rPr lang="en-US" dirty="0"/>
-              <a:t> points to </a:t>
-            </a:r>
-            <a:r>
-              <a:rPr lang="en-US" dirty="0" err="1"/>
-              <a:t>myAccount</a:t>
-            </a:r>
-            <a:r>
-              <a:rPr lang="en-US" dirty="0"/>
-              <a:t> or myAccount0 </a:t>
-            </a:r>
-            <a:r>
-              <a:rPr lang="en-US" dirty="0" err="1"/>
-              <a:t>etc</a:t>
-            </a:r>
-            <a:r>
-              <a:rPr lang="en-US" dirty="0"/>
-              <a:t> as the case may be in </a:t>
-            </a:r>
-            <a:r>
-              <a:rPr lang="en-US" dirty="0" err="1"/>
-              <a:t>symb</a:t>
-            </a:r>
-            <a:r>
-              <a:rPr lang="en-US" dirty="0"/>
-              <a:t> execution</a:t>
-            </a:r>
-          </a:p>
-          <a:p>
-            <a:r>
-              <a:rPr lang="en-US" dirty="0"/>
-              <a:t>The assumption has </a:t>
-            </a:r>
-            <a:r>
-              <a:rPr lang="en-US" dirty="0" err="1"/>
-              <a:t>myAccount</a:t>
-            </a:r>
-            <a:r>
-              <a:rPr lang="en-US" dirty="0"/>
-              <a:t> != 0 which indicates that the malloc succeeded</a:t>
-            </a:r>
-          </a:p>
-          <a:p>
-            <a:pPr lvl="1"/>
-            <a:r>
-              <a:rPr lang="en-US" dirty="0"/>
-              <a:t>Of interest to node</a:t>
-            </a:r>
-          </a:p>
-          <a:p>
-            <a:pPr lvl="2"/>
-            <a:r>
-              <a:rPr lang="en-US" dirty="0"/>
-              <a:t>Symbols : … symbolic names allocated …</a:t>
-            </a:r>
-          </a:p>
-          <a:p>
-            <a:pPr lvl="2"/>
-            <a:r>
-              <a:rPr lang="en-US" dirty="0"/>
-              <a:t>Assumptions : what path assumptions hold</a:t>
-            </a:r>
-          </a:p>
-          <a:p>
-            <a:pPr lvl="2"/>
-            <a:r>
-              <a:rPr lang="en-US" dirty="0"/>
-              <a:t>Heap chunks : what heaps exist</a:t>
-            </a:r>
-          </a:p>
-          <a:p>
-            <a:pPr lvl="2"/>
-            <a:r>
-              <a:rPr lang="en-US" dirty="0"/>
-              <a:t>Locals : how the locals are bound to the allocated symbols</a:t>
-            </a:r>
-          </a:p>
-          <a:p>
-            <a:pPr lvl="1"/>
-            <a:r>
-              <a:rPr lang="en-US" dirty="0" err="1"/>
-              <a:t>Account_balance</a:t>
-            </a:r>
-            <a:r>
-              <a:rPr lang="en-US" dirty="0"/>
-              <a:t>(</a:t>
-            </a:r>
-            <a:r>
-              <a:rPr lang="en-US" dirty="0" err="1"/>
-              <a:t>myAccount</a:t>
-            </a:r>
-            <a:r>
-              <a:rPr lang="en-US" dirty="0"/>
-              <a:t>, value –&gt; changes to </a:t>
-            </a:r>
-            <a:r>
-              <a:rPr lang="en-US" dirty="0">
-                <a:sym typeface="Wingdings" pitchFamily="2" charset="2"/>
-              </a:rPr>
-              <a:t> 5 )</a:t>
-            </a:r>
-            <a:endParaRPr lang="en-US" dirty="0"/>
-          </a:p>
-        </p:txBody>
-      </p:sp>
+              <a:t>Evidence of hardness (from their CAV’15 paper)</a:t>
+            </a:r>
+          </a:p>
+        </p:txBody>
+      </p:sp>
+      <p:pic>
+        <p:nvPicPr>
+          <p:cNvPr id="4" name="Picture 3">
+            <a:extLst>
+              <a:ext uri="{FF2B5EF4-FFF2-40B4-BE49-F238E27FC236}">
+                <a16:creationId xmlns:a16="http://schemas.microsoft.com/office/drawing/2014/main" id="{0E2946A8-1AD1-664E-BA87-FC1B2996273C}"/>
+              </a:ext>
+            </a:extLst>
+          </p:cNvPr>
+          <p:cNvPicPr>
+            <a:picLocks noChangeAspect="1"/>
+          </p:cNvPicPr>
+          <p:nvPr/>
+        </p:nvPicPr>
+        <p:blipFill>
+          <a:blip r:embed="rId2"/>
+          <a:stretch>
+            <a:fillRect/>
+          </a:stretch>
+        </p:blipFill>
+        <p:spPr>
+          <a:xfrm>
+            <a:off x="469900" y="1844674"/>
+            <a:ext cx="11252200" cy="4648200"/>
+          </a:xfrm>
+          <a:prstGeom prst="rect">
+            <a:avLst/>
+          </a:prstGeom>
+        </p:spPr>
+      </p:pic>
     </p:spTree>
     <p:extLst>
       <p:ext uri="{BB962C8B-B14F-4D97-AF65-F5344CB8AC3E}">
-        <p14:creationId xmlns:p14="http://schemas.microsoft.com/office/powerpoint/2010/main" val="3203921604"/>
+        <p14:creationId xmlns:p14="http://schemas.microsoft.com/office/powerpoint/2010/main" val="2806951124"/>
       </p:ext>
     </p:extLst>
   </p:cSld>
@@ -7273,1606 +5065,7 @@
 </p:sld>
 </file>
 
-<file path=ppt/slides/slide33.xml><?xml version="1.0" encoding="utf-8"?>
-<p:sld xmlns:a="http://schemas.openxmlformats.org/drawingml/2006/main" xmlns:r="http://schemas.openxmlformats.org/officeDocument/2006/relationships" xmlns:p="http://schemas.openxmlformats.org/presentationml/2006/main">
-  <p:cSld>
-    <p:spTree>
-      <p:nvGrpSpPr>
-        <p:cNvPr id="1" name=""/>
-        <p:cNvGrpSpPr/>
-        <p:nvPr/>
-      </p:nvGrpSpPr>
-      <p:grpSpPr>
-        <a:xfrm>
-          <a:off x="0" y="0"/>
-          <a:ext cx="0" cy="0"/>
-          <a:chOff x="0" y="0"/>
-          <a:chExt cx="0" cy="0"/>
-        </a:xfrm>
-      </p:grpSpPr>
-      <p:sp>
-        <p:nvSpPr>
-          <p:cNvPr id="2" name="Title 1">
-            <a:extLst>
-              <a:ext uri="{FF2B5EF4-FFF2-40B4-BE49-F238E27FC236}">
-                <a16:creationId xmlns:a16="http://schemas.microsoft.com/office/drawing/2014/main" id="{5214BD27-BDF5-664D-9D83-54A21FCDACF0}"/>
-              </a:ext>
-            </a:extLst>
-          </p:cNvPr>
-          <p:cNvSpPr>
-            <a:spLocks noGrp="1"/>
-          </p:cNvSpPr>
-          <p:nvPr>
-            <p:ph type="title"/>
-          </p:nvPr>
-        </p:nvSpPr>
-        <p:spPr>
-          <a:xfrm>
-            <a:off x="838200" y="365126"/>
-            <a:ext cx="11205754" cy="618286"/>
-          </a:xfrm>
-        </p:spPr>
-        <p:txBody>
-          <a:bodyPr>
-            <a:normAutofit fontScale="90000"/>
-          </a:bodyPr>
-          <a:lstStyle/>
-          <a:p>
-            <a:r>
-              <a:rPr lang="en-US" dirty="0" err="1"/>
-              <a:t>Verifast</a:t>
-            </a:r>
-            <a:r>
-              <a:rPr lang="en-US" dirty="0"/>
-              <a:t> Tutorial</a:t>
-            </a:r>
-          </a:p>
-        </p:txBody>
-      </p:sp>
-      <p:sp>
-        <p:nvSpPr>
-          <p:cNvPr id="5" name="Content Placeholder 4">
-            <a:extLst>
-              <a:ext uri="{FF2B5EF4-FFF2-40B4-BE49-F238E27FC236}">
-                <a16:creationId xmlns:a16="http://schemas.microsoft.com/office/drawing/2014/main" id="{C889DA17-52DA-2B4D-BC3F-5CFA3FFFEF8D}"/>
-              </a:ext>
-            </a:extLst>
-          </p:cNvPr>
-          <p:cNvSpPr>
-            <a:spLocks noGrp="1"/>
-          </p:cNvSpPr>
-          <p:nvPr>
-            <p:ph idx="1"/>
-          </p:nvPr>
-        </p:nvSpPr>
-        <p:spPr>
-          <a:xfrm>
-            <a:off x="838200" y="1393902"/>
-            <a:ext cx="10515600" cy="4783061"/>
-          </a:xfrm>
-        </p:spPr>
-        <p:txBody>
-          <a:bodyPr>
-            <a:normAutofit/>
-          </a:bodyPr>
-          <a:lstStyle/>
-          <a:p>
-            <a:r>
-              <a:rPr lang="en-US" dirty="0"/>
-              <a:t>Consuming assertion</a:t>
-            </a:r>
-          </a:p>
-          <a:p>
-            <a:pPr lvl="1"/>
-            <a:r>
-              <a:rPr lang="en-US" dirty="0"/>
-              <a:t>Then cleaning up dummy fraction chunks</a:t>
-            </a:r>
-          </a:p>
-          <a:p>
-            <a:pPr lvl="1"/>
-            <a:r>
-              <a:rPr lang="en-US" dirty="0"/>
-              <a:t>Then leak check</a:t>
-            </a:r>
-          </a:p>
-          <a:p>
-            <a:r>
-              <a:rPr lang="en-US" dirty="0"/>
-              <a:t>Changing allocation to stack allocation to see why </a:t>
-            </a:r>
-            <a:r>
-              <a:rPr lang="en-US" dirty="0" err="1"/>
-              <a:t>account_balance</a:t>
-            </a:r>
-            <a:r>
-              <a:rPr lang="en-US" dirty="0"/>
-              <a:t> and </a:t>
-            </a:r>
-            <a:r>
-              <a:rPr lang="en-US" dirty="0" err="1"/>
-              <a:t>malloc_block_account</a:t>
-            </a:r>
-            <a:r>
-              <a:rPr lang="en-US" dirty="0"/>
-              <a:t> are allocated in the former code</a:t>
-            </a:r>
-          </a:p>
-        </p:txBody>
-      </p:sp>
-    </p:spTree>
-    <p:extLst>
-      <p:ext uri="{BB962C8B-B14F-4D97-AF65-F5344CB8AC3E}">
-        <p14:creationId xmlns:p14="http://schemas.microsoft.com/office/powerpoint/2010/main" val="1301678387"/>
-      </p:ext>
-    </p:extLst>
-  </p:cSld>
-  <p:clrMapOvr>
-    <a:masterClrMapping/>
-  </p:clrMapOvr>
-</p:sld>
-</file>
-
-<file path=ppt/slides/slide34.xml><?xml version="1.0" encoding="utf-8"?>
-<p:sld xmlns:a="http://schemas.openxmlformats.org/drawingml/2006/main" xmlns:r="http://schemas.openxmlformats.org/officeDocument/2006/relationships" xmlns:p="http://schemas.openxmlformats.org/presentationml/2006/main">
-  <p:cSld>
-    <p:spTree>
-      <p:nvGrpSpPr>
-        <p:cNvPr id="1" name=""/>
-        <p:cNvGrpSpPr/>
-        <p:nvPr/>
-      </p:nvGrpSpPr>
-      <p:grpSpPr>
-        <a:xfrm>
-          <a:off x="0" y="0"/>
-          <a:ext cx="0" cy="0"/>
-          <a:chOff x="0" y="0"/>
-          <a:chExt cx="0" cy="0"/>
-        </a:xfrm>
-      </p:grpSpPr>
-      <p:sp>
-        <p:nvSpPr>
-          <p:cNvPr id="2" name="Title 1">
-            <a:extLst>
-              <a:ext uri="{FF2B5EF4-FFF2-40B4-BE49-F238E27FC236}">
-                <a16:creationId xmlns:a16="http://schemas.microsoft.com/office/drawing/2014/main" id="{AF56E6B5-727F-D04B-BCC7-1BFB8AB902F0}"/>
-              </a:ext>
-            </a:extLst>
-          </p:cNvPr>
-          <p:cNvSpPr>
-            <a:spLocks noGrp="1"/>
-          </p:cNvSpPr>
-          <p:nvPr>
-            <p:ph type="title"/>
-          </p:nvPr>
-        </p:nvSpPr>
-        <p:spPr/>
-        <p:txBody>
-          <a:bodyPr>
-            <a:normAutofit fontScale="90000"/>
-          </a:bodyPr>
-          <a:lstStyle/>
-          <a:p>
-            <a:r>
-              <a:rPr lang="en-US" dirty="0"/>
-              <a:t>Saved code</a:t>
-            </a:r>
-          </a:p>
-        </p:txBody>
-      </p:sp>
-      <p:sp>
-        <p:nvSpPr>
-          <p:cNvPr id="3" name="Content Placeholder 2">
-            <a:extLst>
-              <a:ext uri="{FF2B5EF4-FFF2-40B4-BE49-F238E27FC236}">
-                <a16:creationId xmlns:a16="http://schemas.microsoft.com/office/drawing/2014/main" id="{7F154749-F06B-A44F-966B-C4AADE1A9EE6}"/>
-              </a:ext>
-            </a:extLst>
-          </p:cNvPr>
-          <p:cNvSpPr>
-            <a:spLocks noGrp="1"/>
-          </p:cNvSpPr>
-          <p:nvPr>
-            <p:ph idx="1"/>
-          </p:nvPr>
-        </p:nvSpPr>
-        <p:spPr/>
-        <p:txBody>
-          <a:bodyPr>
-            <a:normAutofit fontScale="32500" lnSpcReduction="20000"/>
-          </a:bodyPr>
-          <a:lstStyle/>
-          <a:p>
-            <a:pPr marL="0" indent="0">
-              <a:buNone/>
-            </a:pPr>
-            <a:r>
-              <a:rPr lang="en-US" dirty="0"/>
-              <a:t>Saved code</a:t>
-            </a:r>
-          </a:p>
-          <a:p>
-            <a:pPr marL="0" indent="0">
-              <a:buNone/>
-            </a:pPr>
-            <a:r>
-              <a:rPr lang="en-US" dirty="0"/>
-              <a:t>#include "</a:t>
-            </a:r>
-            <a:r>
-              <a:rPr lang="en-US" dirty="0" err="1"/>
-              <a:t>stdlib.h</a:t>
-            </a:r>
-            <a:r>
-              <a:rPr lang="en-US" dirty="0"/>
-              <a:t>"</a:t>
-            </a:r>
-          </a:p>
-          <a:p>
-            <a:pPr marL="0" indent="0">
-              <a:buNone/>
-            </a:pPr>
-            <a:endParaRPr lang="en-US" dirty="0"/>
-          </a:p>
-          <a:p>
-            <a:pPr marL="0" indent="0">
-              <a:buNone/>
-            </a:pPr>
-            <a:r>
-              <a:rPr lang="en-US" dirty="0"/>
-              <a:t>struct account {</a:t>
-            </a:r>
-          </a:p>
-          <a:p>
-            <a:pPr marL="0" indent="0">
-              <a:buNone/>
-            </a:pPr>
-            <a:r>
-              <a:rPr lang="en-US" dirty="0"/>
-              <a:t>    int balance;</a:t>
-            </a:r>
-          </a:p>
-          <a:p>
-            <a:pPr marL="0" indent="0">
-              <a:buNone/>
-            </a:pPr>
-            <a:r>
-              <a:rPr lang="en-US" dirty="0"/>
-              <a:t>};</a:t>
-            </a:r>
-          </a:p>
-          <a:p>
-            <a:pPr marL="0" indent="0">
-              <a:buNone/>
-            </a:pPr>
-            <a:endParaRPr lang="en-US" dirty="0"/>
-          </a:p>
-          <a:p>
-            <a:pPr marL="0" indent="0">
-              <a:buNone/>
-            </a:pPr>
-            <a:r>
-              <a:rPr lang="en-US" dirty="0"/>
-              <a:t>int main()</a:t>
-            </a:r>
-          </a:p>
-          <a:p>
-            <a:pPr marL="0" indent="0">
-              <a:buNone/>
-            </a:pPr>
-            <a:r>
-              <a:rPr lang="en-US" dirty="0"/>
-              <a:t>    //@ requires true;</a:t>
-            </a:r>
-          </a:p>
-          <a:p>
-            <a:pPr marL="0" indent="0">
-              <a:buNone/>
-            </a:pPr>
-            <a:r>
-              <a:rPr lang="en-US" dirty="0"/>
-              <a:t>    //@ ensures true;</a:t>
-            </a:r>
-          </a:p>
-          <a:p>
-            <a:pPr marL="0" indent="0">
-              <a:buNone/>
-            </a:pPr>
-            <a:r>
-              <a:rPr lang="en-US" dirty="0"/>
-              <a:t>{</a:t>
-            </a:r>
-          </a:p>
-          <a:p>
-            <a:pPr marL="0" indent="0">
-              <a:buNone/>
-            </a:pPr>
-            <a:r>
-              <a:rPr lang="en-US" dirty="0"/>
-              <a:t>    struct account *</a:t>
-            </a:r>
-            <a:r>
-              <a:rPr lang="en-US" dirty="0" err="1"/>
-              <a:t>myAccount</a:t>
-            </a:r>
-            <a:r>
-              <a:rPr lang="en-US" dirty="0"/>
-              <a:t> = malloc(</a:t>
-            </a:r>
-            <a:r>
-              <a:rPr lang="en-US" dirty="0" err="1"/>
-              <a:t>sizeof</a:t>
-            </a:r>
-            <a:r>
-              <a:rPr lang="en-US" dirty="0"/>
-              <a:t>(struct account));</a:t>
-            </a:r>
-          </a:p>
-          <a:p>
-            <a:pPr marL="0" indent="0">
-              <a:buNone/>
-            </a:pPr>
-            <a:r>
-              <a:rPr lang="en-US" dirty="0"/>
-              <a:t>    if (</a:t>
-            </a:r>
-            <a:r>
-              <a:rPr lang="en-US" dirty="0" err="1"/>
-              <a:t>myAccount</a:t>
-            </a:r>
-            <a:r>
-              <a:rPr lang="en-US" dirty="0"/>
-              <a:t> == 0) { abort(); } </a:t>
-            </a:r>
-          </a:p>
-          <a:p>
-            <a:pPr marL="0" indent="0">
-              <a:buNone/>
-            </a:pPr>
-            <a:r>
-              <a:rPr lang="en-US" dirty="0"/>
-              <a:t>   </a:t>
-            </a:r>
-          </a:p>
-          <a:p>
-            <a:pPr marL="0" indent="0">
-              <a:buNone/>
-            </a:pPr>
-            <a:r>
-              <a:rPr lang="en-US" dirty="0"/>
-              <a:t>    </a:t>
-            </a:r>
-            <a:r>
-              <a:rPr lang="en-US" dirty="0" err="1"/>
-              <a:t>myAccount</a:t>
-            </a:r>
-            <a:r>
-              <a:rPr lang="en-US" dirty="0"/>
-              <a:t>-&gt;balance = 5;</a:t>
-            </a:r>
-          </a:p>
-          <a:p>
-            <a:pPr marL="0" indent="0">
-              <a:buNone/>
-            </a:pPr>
-            <a:r>
-              <a:rPr lang="en-US" dirty="0"/>
-              <a:t>    free(</a:t>
-            </a:r>
-            <a:r>
-              <a:rPr lang="en-US" dirty="0" err="1"/>
-              <a:t>myAccount</a:t>
-            </a:r>
-            <a:r>
-              <a:rPr lang="en-US" dirty="0"/>
-              <a:t>);</a:t>
-            </a:r>
-          </a:p>
-          <a:p>
-            <a:pPr marL="0" indent="0">
-              <a:buNone/>
-            </a:pPr>
-            <a:r>
-              <a:rPr lang="en-US" dirty="0"/>
-              <a:t>  </a:t>
-            </a:r>
-          </a:p>
-          <a:p>
-            <a:pPr marL="0" indent="0">
-              <a:buNone/>
-            </a:pPr>
-            <a:r>
-              <a:rPr lang="en-US" dirty="0"/>
-              <a:t>    return 0;</a:t>
-            </a:r>
-          </a:p>
-          <a:p>
-            <a:pPr marL="0" indent="0">
-              <a:buNone/>
-            </a:pPr>
-            <a:r>
-              <a:rPr lang="en-US" dirty="0"/>
-              <a:t>}</a:t>
-            </a:r>
-          </a:p>
-          <a:p>
-            <a:pPr marL="0" indent="0">
-              <a:buNone/>
-            </a:pPr>
-            <a:endParaRPr lang="en-US" dirty="0"/>
-          </a:p>
-        </p:txBody>
-      </p:sp>
-    </p:spTree>
-    <p:extLst>
-      <p:ext uri="{BB962C8B-B14F-4D97-AF65-F5344CB8AC3E}">
-        <p14:creationId xmlns:p14="http://schemas.microsoft.com/office/powerpoint/2010/main" val="1298501464"/>
-      </p:ext>
-    </p:extLst>
-  </p:cSld>
-  <p:clrMapOvr>
-    <a:masterClrMapping/>
-  </p:clrMapOvr>
-</p:sld>
-</file>
-
-<file path=ppt/slides/slide35.xml><?xml version="1.0" encoding="utf-8"?>
-<p:sld xmlns:a="http://schemas.openxmlformats.org/drawingml/2006/main" xmlns:r="http://schemas.openxmlformats.org/officeDocument/2006/relationships" xmlns:p="http://schemas.openxmlformats.org/presentationml/2006/main">
-  <p:cSld>
-    <p:spTree>
-      <p:nvGrpSpPr>
-        <p:cNvPr id="1" name=""/>
-        <p:cNvGrpSpPr/>
-        <p:nvPr/>
-      </p:nvGrpSpPr>
-      <p:grpSpPr>
-        <a:xfrm>
-          <a:off x="0" y="0"/>
-          <a:ext cx="0" cy="0"/>
-          <a:chOff x="0" y="0"/>
-          <a:chExt cx="0" cy="0"/>
-        </a:xfrm>
-      </p:grpSpPr>
-      <p:sp>
-        <p:nvSpPr>
-          <p:cNvPr id="2" name="Title 1">
-            <a:extLst>
-              <a:ext uri="{FF2B5EF4-FFF2-40B4-BE49-F238E27FC236}">
-                <a16:creationId xmlns:a16="http://schemas.microsoft.com/office/drawing/2014/main" id="{AF56E6B5-727F-D04B-BCC7-1BFB8AB902F0}"/>
-              </a:ext>
-            </a:extLst>
-          </p:cNvPr>
-          <p:cNvSpPr>
-            <a:spLocks noGrp="1"/>
-          </p:cNvSpPr>
-          <p:nvPr>
-            <p:ph type="title"/>
-          </p:nvPr>
-        </p:nvSpPr>
-        <p:spPr>
-          <a:xfrm>
-            <a:off x="838200" y="365126"/>
-            <a:ext cx="10515600" cy="1057274"/>
-          </a:xfrm>
-        </p:spPr>
-        <p:txBody>
-          <a:bodyPr>
-            <a:normAutofit fontScale="90000"/>
-          </a:bodyPr>
-          <a:lstStyle/>
-          <a:p>
-            <a:r>
-              <a:rPr lang="en-US" dirty="0"/>
-              <a:t>New code – error at “free” (no matching heap chunks)</a:t>
-            </a:r>
-          </a:p>
-        </p:txBody>
-      </p:sp>
-      <p:sp>
-        <p:nvSpPr>
-          <p:cNvPr id="3" name="Content Placeholder 2">
-            <a:extLst>
-              <a:ext uri="{FF2B5EF4-FFF2-40B4-BE49-F238E27FC236}">
-                <a16:creationId xmlns:a16="http://schemas.microsoft.com/office/drawing/2014/main" id="{7F154749-F06B-A44F-966B-C4AADE1A9EE6}"/>
-              </a:ext>
-            </a:extLst>
-          </p:cNvPr>
-          <p:cNvSpPr>
-            <a:spLocks noGrp="1"/>
-          </p:cNvSpPr>
-          <p:nvPr>
-            <p:ph idx="1"/>
-          </p:nvPr>
-        </p:nvSpPr>
-        <p:spPr/>
-        <p:txBody>
-          <a:bodyPr>
-            <a:normAutofit fontScale="32500" lnSpcReduction="20000"/>
-          </a:bodyPr>
-          <a:lstStyle/>
-          <a:p>
-            <a:pPr marL="0" indent="0">
-              <a:buNone/>
-            </a:pPr>
-            <a:r>
-              <a:rPr lang="en-US" dirty="0"/>
-              <a:t>#include "</a:t>
-            </a:r>
-            <a:r>
-              <a:rPr lang="en-US" dirty="0" err="1"/>
-              <a:t>stdlib.h</a:t>
-            </a:r>
-            <a:r>
-              <a:rPr lang="en-US" dirty="0"/>
-              <a:t>"</a:t>
-            </a:r>
-          </a:p>
-          <a:p>
-            <a:pPr marL="0" indent="0">
-              <a:buNone/>
-            </a:pPr>
-            <a:endParaRPr lang="en-US" dirty="0"/>
-          </a:p>
-          <a:p>
-            <a:pPr marL="0" indent="0">
-              <a:buNone/>
-            </a:pPr>
-            <a:r>
-              <a:rPr lang="en-US" dirty="0"/>
-              <a:t>struct account {</a:t>
-            </a:r>
-          </a:p>
-          <a:p>
-            <a:pPr marL="0" indent="0">
-              <a:buNone/>
-            </a:pPr>
-            <a:r>
-              <a:rPr lang="en-US" dirty="0"/>
-              <a:t>    int balance;</a:t>
-            </a:r>
-          </a:p>
-          <a:p>
-            <a:pPr marL="0" indent="0">
-              <a:buNone/>
-            </a:pPr>
-            <a:r>
-              <a:rPr lang="en-US" dirty="0"/>
-              <a:t>};</a:t>
-            </a:r>
-          </a:p>
-          <a:p>
-            <a:pPr marL="0" indent="0">
-              <a:buNone/>
-            </a:pPr>
-            <a:endParaRPr lang="en-US" dirty="0"/>
-          </a:p>
-          <a:p>
-            <a:pPr marL="0" indent="0">
-              <a:buNone/>
-            </a:pPr>
-            <a:r>
-              <a:rPr lang="en-US" dirty="0"/>
-              <a:t>int main()</a:t>
-            </a:r>
-          </a:p>
-          <a:p>
-            <a:pPr marL="0" indent="0">
-              <a:buNone/>
-            </a:pPr>
-            <a:r>
-              <a:rPr lang="en-US" dirty="0"/>
-              <a:t>    //@ requires true;</a:t>
-            </a:r>
-          </a:p>
-          <a:p>
-            <a:pPr marL="0" indent="0">
-              <a:buNone/>
-            </a:pPr>
-            <a:r>
-              <a:rPr lang="en-US" dirty="0"/>
-              <a:t>    //@ ensures true;</a:t>
-            </a:r>
-          </a:p>
-          <a:p>
-            <a:pPr marL="0" indent="0">
-              <a:buNone/>
-            </a:pPr>
-            <a:r>
-              <a:rPr lang="en-US" dirty="0"/>
-              <a:t>{</a:t>
-            </a:r>
-          </a:p>
-          <a:p>
-            <a:pPr marL="0" indent="0">
-              <a:buNone/>
-            </a:pPr>
-            <a:r>
-              <a:rPr lang="en-US" dirty="0"/>
-              <a:t>    struct account </a:t>
-            </a:r>
-            <a:r>
-              <a:rPr lang="en-US" dirty="0" err="1"/>
-              <a:t>myAccountLocal</a:t>
-            </a:r>
-            <a:r>
-              <a:rPr lang="en-US" dirty="0"/>
-              <a:t>;</a:t>
-            </a:r>
-          </a:p>
-          <a:p>
-            <a:pPr marL="0" indent="0">
-              <a:buNone/>
-            </a:pPr>
-            <a:r>
-              <a:rPr lang="en-US" dirty="0"/>
-              <a:t>    struct account *</a:t>
-            </a:r>
-            <a:r>
-              <a:rPr lang="en-US" dirty="0" err="1"/>
-              <a:t>myAccount</a:t>
-            </a:r>
-            <a:r>
-              <a:rPr lang="en-US" dirty="0"/>
-              <a:t> = &amp;</a:t>
-            </a:r>
-            <a:r>
-              <a:rPr lang="en-US" dirty="0" err="1"/>
-              <a:t>myAccountLocal</a:t>
-            </a:r>
-            <a:r>
-              <a:rPr lang="en-US" dirty="0"/>
-              <a:t>;</a:t>
-            </a:r>
-          </a:p>
-          <a:p>
-            <a:pPr marL="0" indent="0">
-              <a:buNone/>
-            </a:pPr>
-            <a:r>
-              <a:rPr lang="en-US" dirty="0"/>
-              <a:t> </a:t>
-            </a:r>
-          </a:p>
-          <a:p>
-            <a:pPr marL="0" indent="0">
-              <a:buNone/>
-            </a:pPr>
-            <a:r>
-              <a:rPr lang="en-US" dirty="0"/>
-              <a:t>    </a:t>
-            </a:r>
-            <a:r>
-              <a:rPr lang="en-US" dirty="0" err="1"/>
-              <a:t>myAccount</a:t>
-            </a:r>
-            <a:r>
-              <a:rPr lang="en-US" dirty="0"/>
-              <a:t>-&gt;balance = 5;</a:t>
-            </a:r>
-          </a:p>
-          <a:p>
-            <a:pPr marL="0" indent="0">
-              <a:buNone/>
-            </a:pPr>
-            <a:r>
-              <a:rPr lang="en-US" dirty="0"/>
-              <a:t>    free(</a:t>
-            </a:r>
-            <a:r>
-              <a:rPr lang="en-US" dirty="0" err="1"/>
-              <a:t>myAccount</a:t>
-            </a:r>
-            <a:r>
-              <a:rPr lang="en-US" dirty="0"/>
-              <a:t>);</a:t>
-            </a:r>
-          </a:p>
-          <a:p>
-            <a:pPr marL="0" indent="0">
-              <a:buNone/>
-            </a:pPr>
-            <a:r>
-              <a:rPr lang="en-US" dirty="0"/>
-              <a:t>  </a:t>
-            </a:r>
-          </a:p>
-          <a:p>
-            <a:pPr marL="0" indent="0">
-              <a:buNone/>
-            </a:pPr>
-            <a:r>
-              <a:rPr lang="en-US" dirty="0"/>
-              <a:t>    return 0;</a:t>
-            </a:r>
-          </a:p>
-          <a:p>
-            <a:pPr marL="0" indent="0">
-              <a:buNone/>
-            </a:pPr>
-            <a:r>
-              <a:rPr lang="en-US" dirty="0"/>
-              <a:t>}</a:t>
-            </a:r>
-          </a:p>
-          <a:p>
-            <a:pPr marL="0" indent="0">
-              <a:buNone/>
-            </a:pPr>
-            <a:endParaRPr lang="en-US" dirty="0"/>
-          </a:p>
-          <a:p>
-            <a:pPr marL="0" indent="0">
-              <a:buNone/>
-            </a:pPr>
-            <a:endParaRPr lang="en-US" dirty="0"/>
-          </a:p>
-        </p:txBody>
-      </p:sp>
-    </p:spTree>
-    <p:extLst>
-      <p:ext uri="{BB962C8B-B14F-4D97-AF65-F5344CB8AC3E}">
-        <p14:creationId xmlns:p14="http://schemas.microsoft.com/office/powerpoint/2010/main" val="4181603218"/>
-      </p:ext>
-    </p:extLst>
-  </p:cSld>
-  <p:clrMapOvr>
-    <a:masterClrMapping/>
-  </p:clrMapOvr>
-</p:sld>
-</file>
-
-<file path=ppt/slides/slide36.xml><?xml version="1.0" encoding="utf-8"?>
-<p:sld xmlns:a="http://schemas.openxmlformats.org/drawingml/2006/main" xmlns:r="http://schemas.openxmlformats.org/officeDocument/2006/relationships" xmlns:p="http://schemas.openxmlformats.org/presentationml/2006/main">
-  <p:cSld>
-    <p:spTree>
-      <p:nvGrpSpPr>
-        <p:cNvPr id="1" name=""/>
-        <p:cNvGrpSpPr/>
-        <p:nvPr/>
-      </p:nvGrpSpPr>
-      <p:grpSpPr>
-        <a:xfrm>
-          <a:off x="0" y="0"/>
-          <a:ext cx="0" cy="0"/>
-          <a:chOff x="0" y="0"/>
-          <a:chExt cx="0" cy="0"/>
-        </a:xfrm>
-      </p:grpSpPr>
-      <p:sp>
-        <p:nvSpPr>
-          <p:cNvPr id="2" name="Title 1">
-            <a:extLst>
-              <a:ext uri="{FF2B5EF4-FFF2-40B4-BE49-F238E27FC236}">
-                <a16:creationId xmlns:a16="http://schemas.microsoft.com/office/drawing/2014/main" id="{5214BD27-BDF5-664D-9D83-54A21FCDACF0}"/>
-              </a:ext>
-            </a:extLst>
-          </p:cNvPr>
-          <p:cNvSpPr>
-            <a:spLocks noGrp="1"/>
-          </p:cNvSpPr>
-          <p:nvPr>
-            <p:ph type="title"/>
-          </p:nvPr>
-        </p:nvSpPr>
-        <p:spPr>
-          <a:xfrm>
-            <a:off x="838200" y="365126"/>
-            <a:ext cx="11205754" cy="618286"/>
-          </a:xfrm>
-        </p:spPr>
-        <p:txBody>
-          <a:bodyPr>
-            <a:normAutofit fontScale="90000"/>
-          </a:bodyPr>
-          <a:lstStyle/>
-          <a:p>
-            <a:r>
-              <a:rPr lang="en-US" dirty="0" err="1"/>
-              <a:t>Verifast</a:t>
-            </a:r>
-            <a:r>
-              <a:rPr lang="en-US" dirty="0"/>
-              <a:t> Tutorial</a:t>
-            </a:r>
-          </a:p>
-        </p:txBody>
-      </p:sp>
-      <p:sp>
-        <p:nvSpPr>
-          <p:cNvPr id="5" name="Content Placeholder 4">
-            <a:extLst>
-              <a:ext uri="{FF2B5EF4-FFF2-40B4-BE49-F238E27FC236}">
-                <a16:creationId xmlns:a16="http://schemas.microsoft.com/office/drawing/2014/main" id="{C889DA17-52DA-2B4D-BC3F-5CFA3FFFEF8D}"/>
-              </a:ext>
-            </a:extLst>
-          </p:cNvPr>
-          <p:cNvSpPr>
-            <a:spLocks noGrp="1"/>
-          </p:cNvSpPr>
-          <p:nvPr>
-            <p:ph idx="1"/>
-          </p:nvPr>
-        </p:nvSpPr>
-        <p:spPr>
-          <a:xfrm>
-            <a:off x="838200" y="1393902"/>
-            <a:ext cx="10515600" cy="4783061"/>
-          </a:xfrm>
-        </p:spPr>
-        <p:txBody>
-          <a:bodyPr>
-            <a:normAutofit/>
-          </a:bodyPr>
-          <a:lstStyle/>
-          <a:p>
-            <a:r>
-              <a:rPr lang="en-US" dirty="0"/>
-              <a:t>Interesting things to note</a:t>
-            </a:r>
-          </a:p>
-          <a:p>
-            <a:pPr lvl="1"/>
-            <a:r>
-              <a:rPr lang="en-US" dirty="0" err="1"/>
-              <a:t>Account_balance</a:t>
-            </a:r>
-            <a:r>
-              <a:rPr lang="en-US" dirty="0"/>
-              <a:t>(</a:t>
-            </a:r>
-            <a:r>
-              <a:rPr lang="en-US" dirty="0" err="1"/>
-              <a:t>myAccountLocal_addr</a:t>
-            </a:r>
-            <a:r>
-              <a:rPr lang="en-US" dirty="0"/>
-              <a:t>, value)</a:t>
-            </a:r>
-          </a:p>
-          <a:p>
-            <a:pPr lvl="2"/>
-            <a:r>
-              <a:rPr lang="en-US" dirty="0"/>
-              <a:t>This has a stack entry address </a:t>
-            </a:r>
-            <a:r>
-              <a:rPr lang="en-US" dirty="0" err="1"/>
-              <a:t>myAccountLocal_addr</a:t>
-            </a:r>
-            <a:endParaRPr lang="en-US" dirty="0"/>
-          </a:p>
-          <a:p>
-            <a:pPr lvl="2"/>
-            <a:r>
-              <a:rPr lang="en-US" dirty="0"/>
-              <a:t>It holds “value”</a:t>
-            </a:r>
-          </a:p>
-          <a:p>
-            <a:pPr lvl="1"/>
-            <a:r>
-              <a:rPr lang="en-US" dirty="0"/>
-              <a:t>What is </a:t>
-            </a:r>
-            <a:r>
-              <a:rPr lang="en-US" dirty="0" err="1"/>
-              <a:t>struct_account_padding</a:t>
-            </a:r>
-            <a:r>
-              <a:rPr lang="en-US" dirty="0"/>
-              <a:t>(</a:t>
-            </a:r>
-            <a:r>
-              <a:rPr lang="en-US" dirty="0" err="1"/>
-              <a:t>myAccountLocal_addr</a:t>
-            </a:r>
-            <a:r>
-              <a:rPr lang="en-US" dirty="0"/>
-              <a:t>) ?</a:t>
-            </a:r>
-          </a:p>
-          <a:p>
-            <a:pPr lvl="2"/>
-            <a:r>
-              <a:rPr lang="en-US" dirty="0"/>
-              <a:t>Why are things being shown in heap?</a:t>
-            </a:r>
-          </a:p>
-          <a:p>
-            <a:r>
-              <a:rPr lang="en-US" dirty="0"/>
-              <a:t>Let us remove the free and see what happens</a:t>
-            </a:r>
-          </a:p>
-          <a:p>
-            <a:pPr lvl="1"/>
-            <a:r>
-              <a:rPr lang="en-US" dirty="0"/>
-              <a:t>Then, things verify</a:t>
-            </a:r>
-          </a:p>
-          <a:p>
-            <a:r>
-              <a:rPr lang="en-US" dirty="0"/>
-              <a:t>Observe “result” being assigned 0</a:t>
-            </a:r>
-          </a:p>
-          <a:p>
-            <a:pPr lvl="1"/>
-            <a:r>
-              <a:rPr lang="en-US" dirty="0"/>
-              <a:t>Designated return result</a:t>
-            </a:r>
-          </a:p>
-        </p:txBody>
-      </p:sp>
-    </p:spTree>
-    <p:extLst>
-      <p:ext uri="{BB962C8B-B14F-4D97-AF65-F5344CB8AC3E}">
-        <p14:creationId xmlns:p14="http://schemas.microsoft.com/office/powerpoint/2010/main" val="3615396557"/>
-      </p:ext>
-    </p:extLst>
-  </p:cSld>
-  <p:clrMapOvr>
-    <a:masterClrMapping/>
-  </p:clrMapOvr>
-</p:sld>
-</file>
-
-<file path=ppt/slides/slide37.xml><?xml version="1.0" encoding="utf-8"?>
-<p:sld xmlns:a="http://schemas.openxmlformats.org/drawingml/2006/main" xmlns:r="http://schemas.openxmlformats.org/officeDocument/2006/relationships" xmlns:p="http://schemas.openxmlformats.org/presentationml/2006/main">
-  <p:cSld>
-    <p:spTree>
-      <p:nvGrpSpPr>
-        <p:cNvPr id="1" name=""/>
-        <p:cNvGrpSpPr/>
-        <p:nvPr/>
-      </p:nvGrpSpPr>
-      <p:grpSpPr>
-        <a:xfrm>
-          <a:off x="0" y="0"/>
-          <a:ext cx="0" cy="0"/>
-          <a:chOff x="0" y="0"/>
-          <a:chExt cx="0" cy="0"/>
-        </a:xfrm>
-      </p:grpSpPr>
-      <p:sp>
-        <p:nvSpPr>
-          <p:cNvPr id="2" name="Title 1">
-            <a:extLst>
-              <a:ext uri="{FF2B5EF4-FFF2-40B4-BE49-F238E27FC236}">
-                <a16:creationId xmlns:a16="http://schemas.microsoft.com/office/drawing/2014/main" id="{BEFC9A74-8AEC-194C-B448-836D0925B4C2}"/>
-              </a:ext>
-            </a:extLst>
-          </p:cNvPr>
-          <p:cNvSpPr>
-            <a:spLocks noGrp="1"/>
-          </p:cNvSpPr>
-          <p:nvPr>
-            <p:ph type="title"/>
-          </p:nvPr>
-        </p:nvSpPr>
-        <p:spPr/>
-        <p:txBody>
-          <a:bodyPr>
-            <a:normAutofit fontScale="90000"/>
-          </a:bodyPr>
-          <a:lstStyle/>
-          <a:p>
-            <a:r>
-              <a:rPr lang="en-US" dirty="0"/>
-              <a:t>By looking at heap-chunks owned, form spec</a:t>
-            </a:r>
-          </a:p>
-        </p:txBody>
-      </p:sp>
-      <p:sp>
-        <p:nvSpPr>
-          <p:cNvPr id="3" name="Content Placeholder 2">
-            <a:extLst>
-              <a:ext uri="{FF2B5EF4-FFF2-40B4-BE49-F238E27FC236}">
-                <a16:creationId xmlns:a16="http://schemas.microsoft.com/office/drawing/2014/main" id="{2E836A4E-1887-124C-A5EB-0AC04EAE108F}"/>
-              </a:ext>
-            </a:extLst>
-          </p:cNvPr>
-          <p:cNvSpPr>
-            <a:spLocks noGrp="1"/>
-          </p:cNvSpPr>
-          <p:nvPr>
-            <p:ph idx="1"/>
-          </p:nvPr>
-        </p:nvSpPr>
-        <p:spPr/>
-        <p:txBody>
-          <a:bodyPr>
-            <a:normAutofit fontScale="25000" lnSpcReduction="20000"/>
-          </a:bodyPr>
-          <a:lstStyle/>
-          <a:p>
-            <a:pPr marL="0" indent="0">
-              <a:buNone/>
-            </a:pPr>
-            <a:r>
-              <a:rPr lang="en-US" dirty="0"/>
-              <a:t>include "</a:t>
-            </a:r>
-            <a:r>
-              <a:rPr lang="en-US" dirty="0" err="1"/>
-              <a:t>stdlib.h</a:t>
-            </a:r>
-            <a:r>
-              <a:rPr lang="en-US" dirty="0"/>
-              <a:t>"</a:t>
-            </a:r>
-          </a:p>
-          <a:p>
-            <a:pPr marL="0" indent="0">
-              <a:buNone/>
-            </a:pPr>
-            <a:r>
-              <a:rPr lang="en-US" dirty="0"/>
-              <a:t>struct account </a:t>
-            </a:r>
-          </a:p>
-          <a:p>
-            <a:pPr marL="0" indent="0">
-              <a:buNone/>
-            </a:pPr>
-            <a:r>
-              <a:rPr lang="en-US" dirty="0"/>
-              <a:t>{ </a:t>
-            </a:r>
-          </a:p>
-          <a:p>
-            <a:pPr marL="0" indent="0">
-              <a:buNone/>
-            </a:pPr>
-            <a:r>
-              <a:rPr lang="en-US" dirty="0"/>
-              <a:t> int balance;</a:t>
-            </a:r>
-          </a:p>
-          <a:p>
-            <a:pPr marL="0" indent="0">
-              <a:buNone/>
-            </a:pPr>
-            <a:r>
-              <a:rPr lang="en-US" dirty="0"/>
-              <a:t>};</a:t>
-            </a:r>
-          </a:p>
-          <a:p>
-            <a:pPr marL="0" indent="0">
-              <a:buNone/>
-            </a:pPr>
-            <a:r>
-              <a:rPr lang="en-US" dirty="0"/>
-              <a:t>/*</a:t>
-            </a:r>
-          </a:p>
-          <a:p>
-            <a:pPr marL="0" indent="0">
-              <a:buNone/>
-            </a:pPr>
-            <a:r>
-              <a:rPr lang="en-US" dirty="0"/>
-              <a:t>predicate </a:t>
-            </a:r>
-            <a:r>
-              <a:rPr lang="en-US" dirty="0" err="1"/>
-              <a:t>account_pred</a:t>
-            </a:r>
-            <a:r>
-              <a:rPr lang="en-US" dirty="0"/>
-              <a:t>(struct account *</a:t>
-            </a:r>
-            <a:r>
-              <a:rPr lang="en-US" dirty="0" err="1"/>
-              <a:t>myAccount</a:t>
-            </a:r>
-            <a:r>
-              <a:rPr lang="en-US" dirty="0"/>
-              <a:t>, int </a:t>
-            </a:r>
-            <a:r>
-              <a:rPr lang="en-US" dirty="0" err="1"/>
-              <a:t>theLimit</a:t>
-            </a:r>
-            <a:r>
-              <a:rPr lang="en-US" dirty="0"/>
-              <a:t>, int </a:t>
-            </a:r>
-            <a:r>
-              <a:rPr lang="en-US" dirty="0" err="1"/>
-              <a:t>theBalance</a:t>
-            </a:r>
-            <a:r>
-              <a:rPr lang="en-US" dirty="0"/>
-              <a:t>)</a:t>
-            </a:r>
-          </a:p>
-          <a:p>
-            <a:pPr marL="0" indent="0">
-              <a:buNone/>
-            </a:pPr>
-            <a:r>
-              <a:rPr lang="en-US" dirty="0"/>
-              <a:t> =</a:t>
-            </a:r>
-          </a:p>
-          <a:p>
-            <a:pPr marL="0" indent="0">
-              <a:buNone/>
-            </a:pPr>
-            <a:r>
-              <a:rPr lang="en-US" dirty="0" err="1"/>
-              <a:t>myAccount</a:t>
-            </a:r>
-            <a:r>
-              <a:rPr lang="en-US" dirty="0"/>
-              <a:t>-&gt;limit |-&gt; </a:t>
-            </a:r>
-            <a:r>
-              <a:rPr lang="en-US" dirty="0" err="1"/>
-              <a:t>theLimit</a:t>
-            </a:r>
-            <a:r>
-              <a:rPr lang="en-US" dirty="0"/>
-              <a:t> &amp;*&amp; </a:t>
-            </a:r>
-            <a:r>
-              <a:rPr lang="en-US" dirty="0" err="1"/>
-              <a:t>myAccount</a:t>
-            </a:r>
-            <a:r>
-              <a:rPr lang="en-US" dirty="0"/>
-              <a:t>-&gt;balance |-&gt; </a:t>
-            </a:r>
-            <a:r>
-              <a:rPr lang="en-US" dirty="0" err="1"/>
-              <a:t>theBalance</a:t>
-            </a:r>
-            <a:endParaRPr lang="en-US" dirty="0"/>
-          </a:p>
-          <a:p>
-            <a:pPr marL="0" indent="0">
-              <a:buNone/>
-            </a:pPr>
-            <a:r>
-              <a:rPr lang="en-US" dirty="0"/>
-              <a:t>&amp;*&amp; </a:t>
-            </a:r>
-            <a:r>
-              <a:rPr lang="en-US" dirty="0" err="1"/>
-              <a:t>malloc_block_account</a:t>
-            </a:r>
-            <a:r>
-              <a:rPr lang="en-US" dirty="0"/>
-              <a:t>(</a:t>
-            </a:r>
-            <a:r>
-              <a:rPr lang="en-US" dirty="0" err="1"/>
-              <a:t>myAccount</a:t>
-            </a:r>
-            <a:r>
-              <a:rPr lang="en-US" dirty="0"/>
-              <a:t>); </a:t>
-            </a:r>
-          </a:p>
-          <a:p>
-            <a:pPr marL="0" indent="0">
-              <a:buNone/>
-            </a:pPr>
-            <a:r>
-              <a:rPr lang="en-US" dirty="0"/>
-              <a:t>*/</a:t>
-            </a:r>
-          </a:p>
-          <a:p>
-            <a:pPr marL="0" indent="0">
-              <a:buNone/>
-            </a:pPr>
-            <a:r>
-              <a:rPr lang="en-US" dirty="0"/>
-              <a:t>struct account *</a:t>
-            </a:r>
-            <a:r>
-              <a:rPr lang="en-US" dirty="0" err="1"/>
-              <a:t>create_account</a:t>
-            </a:r>
-            <a:r>
-              <a:rPr lang="en-US" dirty="0"/>
-              <a:t>() </a:t>
-            </a:r>
-          </a:p>
-          <a:p>
-            <a:pPr marL="0" indent="0">
-              <a:buNone/>
-            </a:pPr>
-            <a:r>
-              <a:rPr lang="en-US" dirty="0"/>
-              <a:t>//@ requires true; </a:t>
-            </a:r>
-          </a:p>
-          <a:p>
-            <a:pPr marL="0" indent="0">
-              <a:buNone/>
-            </a:pPr>
-            <a:r>
-              <a:rPr lang="en-US" dirty="0"/>
-              <a:t>//@ ensures </a:t>
-            </a:r>
-            <a:r>
-              <a:rPr lang="en-US" dirty="0" err="1"/>
-              <a:t>malloc_block_account</a:t>
-            </a:r>
-            <a:r>
-              <a:rPr lang="en-US" dirty="0"/>
-              <a:t>(result) &amp;*&amp; </a:t>
-            </a:r>
-            <a:r>
-              <a:rPr lang="en-US" dirty="0" err="1"/>
-              <a:t>account_balance</a:t>
-            </a:r>
-            <a:r>
-              <a:rPr lang="en-US" dirty="0"/>
-              <a:t>(result, _);</a:t>
-            </a:r>
-          </a:p>
-          <a:p>
-            <a:pPr marL="0" indent="0">
-              <a:buNone/>
-            </a:pPr>
-            <a:r>
-              <a:rPr lang="en-US" dirty="0"/>
-              <a:t>{</a:t>
-            </a:r>
-          </a:p>
-          <a:p>
-            <a:pPr marL="0" indent="0">
-              <a:buNone/>
-            </a:pPr>
-            <a:r>
-              <a:rPr lang="en-US" dirty="0"/>
-              <a:t>struct account *</a:t>
-            </a:r>
-            <a:r>
-              <a:rPr lang="en-US" dirty="0" err="1"/>
-              <a:t>myAccount</a:t>
-            </a:r>
-            <a:r>
-              <a:rPr lang="en-US" dirty="0"/>
-              <a:t> = malloc(</a:t>
-            </a:r>
-            <a:r>
-              <a:rPr lang="en-US" dirty="0" err="1"/>
-              <a:t>sizeof</a:t>
-            </a:r>
-            <a:r>
-              <a:rPr lang="en-US" dirty="0"/>
-              <a:t>(struct account)); </a:t>
-            </a:r>
-          </a:p>
-          <a:p>
-            <a:pPr marL="0" indent="0">
-              <a:buNone/>
-            </a:pPr>
-            <a:r>
-              <a:rPr lang="en-US" dirty="0"/>
-              <a:t>if (</a:t>
-            </a:r>
-            <a:r>
-              <a:rPr lang="en-US" dirty="0" err="1"/>
-              <a:t>myAccount</a:t>
-            </a:r>
-            <a:r>
-              <a:rPr lang="en-US" dirty="0"/>
-              <a:t> == 0) { abort(); }</a:t>
-            </a:r>
-          </a:p>
-          <a:p>
-            <a:pPr marL="0" indent="0">
-              <a:buNone/>
-            </a:pPr>
-            <a:r>
-              <a:rPr lang="en-US" dirty="0"/>
-              <a:t>return </a:t>
-            </a:r>
-            <a:r>
-              <a:rPr lang="en-US" dirty="0" err="1"/>
-              <a:t>myAccount</a:t>
-            </a:r>
-            <a:r>
-              <a:rPr lang="en-US" dirty="0"/>
-              <a:t>;</a:t>
-            </a:r>
-          </a:p>
-          <a:p>
-            <a:pPr marL="0" indent="0">
-              <a:buNone/>
-            </a:pPr>
-            <a:r>
-              <a:rPr lang="en-US" dirty="0"/>
-              <a:t>}</a:t>
-            </a:r>
-          </a:p>
-          <a:p>
-            <a:pPr marL="0" indent="0">
-              <a:buNone/>
-            </a:pPr>
-            <a:r>
-              <a:rPr lang="en-US" dirty="0"/>
-              <a:t>void </a:t>
-            </a:r>
-            <a:r>
-              <a:rPr lang="en-US" dirty="0" err="1"/>
-              <a:t>account_set_balance</a:t>
-            </a:r>
-            <a:r>
-              <a:rPr lang="en-US" dirty="0"/>
-              <a:t>(struct account *</a:t>
-            </a:r>
-            <a:r>
-              <a:rPr lang="en-US" dirty="0" err="1"/>
-              <a:t>myAccount</a:t>
-            </a:r>
-            <a:r>
-              <a:rPr lang="en-US" dirty="0"/>
-              <a:t>, int </a:t>
-            </a:r>
-            <a:r>
-              <a:rPr lang="en-US" dirty="0" err="1"/>
-              <a:t>newBalance</a:t>
-            </a:r>
-            <a:r>
-              <a:rPr lang="en-US" dirty="0"/>
-              <a:t>) </a:t>
-            </a:r>
-          </a:p>
-          <a:p>
-            <a:pPr marL="0" indent="0">
-              <a:buNone/>
-            </a:pPr>
-            <a:r>
-              <a:rPr lang="en-US" dirty="0"/>
-              <a:t>//@requires </a:t>
-            </a:r>
-            <a:r>
-              <a:rPr lang="en-US" dirty="0" err="1"/>
-              <a:t>account_balance</a:t>
-            </a:r>
-            <a:r>
-              <a:rPr lang="en-US" dirty="0"/>
-              <a:t>(</a:t>
-            </a:r>
-            <a:r>
-              <a:rPr lang="en-US" dirty="0" err="1"/>
-              <a:t>myAccount</a:t>
-            </a:r>
-            <a:r>
-              <a:rPr lang="en-US" dirty="0"/>
-              <a:t>, _);</a:t>
-            </a:r>
-          </a:p>
-          <a:p>
-            <a:pPr marL="0" indent="0">
-              <a:buNone/>
-            </a:pPr>
-            <a:r>
-              <a:rPr lang="en-US" dirty="0"/>
-              <a:t>//@ensures </a:t>
-            </a:r>
-            <a:r>
-              <a:rPr lang="en-US" dirty="0" err="1"/>
-              <a:t>account_balance</a:t>
-            </a:r>
-            <a:r>
-              <a:rPr lang="en-US" dirty="0"/>
-              <a:t>(</a:t>
-            </a:r>
-            <a:r>
-              <a:rPr lang="en-US" dirty="0" err="1"/>
-              <a:t>myAccount</a:t>
-            </a:r>
-            <a:r>
-              <a:rPr lang="en-US" dirty="0"/>
-              <a:t>, </a:t>
-            </a:r>
-            <a:r>
-              <a:rPr lang="en-US" dirty="0" err="1"/>
-              <a:t>newBalance</a:t>
-            </a:r>
-            <a:r>
-              <a:rPr lang="en-US" dirty="0"/>
-              <a:t>);</a:t>
-            </a:r>
-          </a:p>
-          <a:p>
-            <a:pPr marL="0" indent="0">
-              <a:buNone/>
-            </a:pPr>
-            <a:r>
-              <a:rPr lang="en-US" dirty="0"/>
-              <a:t>{</a:t>
-            </a:r>
-          </a:p>
-          <a:p>
-            <a:pPr marL="0" indent="0">
-              <a:buNone/>
-            </a:pPr>
-            <a:r>
-              <a:rPr lang="en-US" dirty="0" err="1"/>
-              <a:t>myAccount</a:t>
-            </a:r>
-            <a:r>
-              <a:rPr lang="en-US" dirty="0"/>
-              <a:t>-&gt;balance = </a:t>
-            </a:r>
-            <a:r>
-              <a:rPr lang="en-US" dirty="0" err="1"/>
-              <a:t>newBalance</a:t>
-            </a:r>
-            <a:r>
-              <a:rPr lang="en-US"/>
-              <a:t>; }</a:t>
-            </a:r>
-            <a:endParaRPr lang="en-US" dirty="0"/>
-          </a:p>
-          <a:p>
-            <a:pPr marL="0" indent="0">
-              <a:buNone/>
-            </a:pPr>
-            <a:r>
-              <a:rPr lang="en-US" dirty="0"/>
-              <a:t>int main()</a:t>
-            </a:r>
-          </a:p>
-          <a:p>
-            <a:pPr marL="0" indent="0">
-              <a:buNone/>
-            </a:pPr>
-            <a:r>
-              <a:rPr lang="en-US" dirty="0"/>
-              <a:t>//@ requires true; </a:t>
-            </a:r>
-          </a:p>
-          <a:p>
-            <a:pPr marL="0" indent="0">
-              <a:buNone/>
-            </a:pPr>
-            <a:r>
-              <a:rPr lang="en-US" dirty="0"/>
-              <a:t>//@ ensures true;</a:t>
-            </a:r>
-          </a:p>
-          <a:p>
-            <a:pPr marL="0" indent="0">
-              <a:buNone/>
-            </a:pPr>
-            <a:r>
-              <a:rPr lang="en-US" dirty="0"/>
-              <a:t>{</a:t>
-            </a:r>
-          </a:p>
-          <a:p>
-            <a:pPr marL="0" indent="0">
-              <a:buNone/>
-            </a:pPr>
-            <a:r>
-              <a:rPr lang="en-US" dirty="0"/>
-              <a:t>struct account *</a:t>
-            </a:r>
-            <a:r>
-              <a:rPr lang="en-US" dirty="0" err="1"/>
-              <a:t>myAccount</a:t>
-            </a:r>
-            <a:r>
-              <a:rPr lang="en-US" dirty="0"/>
-              <a:t> = </a:t>
-            </a:r>
-            <a:r>
-              <a:rPr lang="en-US" dirty="0" err="1"/>
-              <a:t>create_account</a:t>
-            </a:r>
-            <a:r>
-              <a:rPr lang="en-US" dirty="0"/>
-              <a:t>();</a:t>
-            </a:r>
-          </a:p>
-          <a:p>
-            <a:pPr marL="0" indent="0">
-              <a:buNone/>
-            </a:pPr>
-            <a:r>
-              <a:rPr lang="en-US" dirty="0"/>
-              <a:t> </a:t>
-            </a:r>
-          </a:p>
-          <a:p>
-            <a:pPr marL="0" indent="0">
-              <a:buNone/>
-            </a:pPr>
-            <a:r>
-              <a:rPr lang="en-US" dirty="0"/>
-              <a:t> </a:t>
-            </a:r>
-            <a:r>
-              <a:rPr lang="en-US" dirty="0" err="1"/>
-              <a:t>account_set_balance</a:t>
-            </a:r>
-            <a:r>
-              <a:rPr lang="en-US" dirty="0"/>
-              <a:t>(</a:t>
-            </a:r>
-            <a:r>
-              <a:rPr lang="en-US" dirty="0" err="1"/>
-              <a:t>myAccount</a:t>
-            </a:r>
-            <a:r>
-              <a:rPr lang="en-US" dirty="0"/>
-              <a:t>, 5);</a:t>
-            </a:r>
-          </a:p>
-          <a:p>
-            <a:pPr marL="0" indent="0">
-              <a:buNone/>
-            </a:pPr>
-            <a:r>
-              <a:rPr lang="en-US" dirty="0"/>
-              <a:t> </a:t>
-            </a:r>
-          </a:p>
-          <a:p>
-            <a:pPr marL="0" indent="0">
-              <a:buNone/>
-            </a:pPr>
-            <a:r>
-              <a:rPr lang="en-US" dirty="0"/>
-              <a:t>free(</a:t>
-            </a:r>
-            <a:r>
-              <a:rPr lang="en-US" dirty="0" err="1"/>
-              <a:t>myAccount</a:t>
-            </a:r>
-            <a:r>
-              <a:rPr lang="en-US" dirty="0"/>
-              <a:t>);</a:t>
-            </a:r>
-          </a:p>
-          <a:p>
-            <a:pPr marL="0" indent="0">
-              <a:buNone/>
-            </a:pPr>
-            <a:r>
-              <a:rPr lang="en-US" dirty="0"/>
-              <a:t>return 0;</a:t>
-            </a:r>
-          </a:p>
-          <a:p>
-            <a:pPr marL="0" indent="0">
-              <a:buNone/>
-            </a:pPr>
-            <a:r>
-              <a:rPr lang="en-US" dirty="0"/>
-              <a:t>}</a:t>
-            </a:r>
-          </a:p>
-        </p:txBody>
-      </p:sp>
-    </p:spTree>
-    <p:extLst>
-      <p:ext uri="{BB962C8B-B14F-4D97-AF65-F5344CB8AC3E}">
-        <p14:creationId xmlns:p14="http://schemas.microsoft.com/office/powerpoint/2010/main" val="3705904546"/>
-      </p:ext>
-    </p:extLst>
-  </p:cSld>
-  <p:clrMapOvr>
-    <a:masterClrMapping/>
-  </p:clrMapOvr>
-</p:sld>
-</file>
-
-<file path=ppt/slides/slide4.xml><?xml version="1.0" encoding="utf-8"?>
+<file path=ppt/slides/slide7.xml><?xml version="1.0" encoding="utf-8"?>
 <p:sld xmlns:a="http://schemas.openxmlformats.org/drawingml/2006/main" xmlns:r="http://schemas.openxmlformats.org/officeDocument/2006/relationships" xmlns:p="http://schemas.openxmlformats.org/presentationml/2006/main">
   <p:cSld>
     <p:spTree>
@@ -9011,7 +5204,7 @@
 </p:sld>
 </file>
 
-<file path=ppt/slides/slide5.xml><?xml version="1.0" encoding="utf-8"?>
+<file path=ppt/slides/slide8.xml><?xml version="1.0" encoding="utf-8"?>
 <p:sld xmlns:a="http://schemas.openxmlformats.org/drawingml/2006/main" xmlns:r="http://schemas.openxmlformats.org/officeDocument/2006/relationships" xmlns:p="http://schemas.openxmlformats.org/presentationml/2006/main">
   <p:cSld>
     <p:spTree>
@@ -9150,7 +5343,7 @@
 </p:sld>
 </file>
 
-<file path=ppt/slides/slide6.xml><?xml version="1.0" encoding="utf-8"?>
+<file path=ppt/slides/slide9.xml><?xml version="1.0" encoding="utf-8"?>
 <p:sld xmlns:a="http://schemas.openxmlformats.org/drawingml/2006/main" xmlns:r="http://schemas.openxmlformats.org/officeDocument/2006/relationships" xmlns:p="http://schemas.openxmlformats.org/presentationml/2006/main">
   <p:cSld>
     <p:spTree>
@@ -9331,309 +5524,6 @@
     <p:extLst>
       <p:ext uri="{BB962C8B-B14F-4D97-AF65-F5344CB8AC3E}">
         <p14:creationId xmlns:p14="http://schemas.microsoft.com/office/powerpoint/2010/main" val="883274731"/>
-      </p:ext>
-    </p:extLst>
-  </p:cSld>
-  <p:clrMapOvr>
-    <a:masterClrMapping/>
-  </p:clrMapOvr>
-</p:sld>
-</file>
-
-<file path=ppt/slides/slide7.xml><?xml version="1.0" encoding="utf-8"?>
-<p:sld xmlns:a="http://schemas.openxmlformats.org/drawingml/2006/main" xmlns:r="http://schemas.openxmlformats.org/officeDocument/2006/relationships" xmlns:p="http://schemas.openxmlformats.org/presentationml/2006/main">
-  <p:cSld>
-    <p:spTree>
-      <p:nvGrpSpPr>
-        <p:cNvPr id="1" name=""/>
-        <p:cNvGrpSpPr/>
-        <p:nvPr/>
-      </p:nvGrpSpPr>
-      <p:grpSpPr>
-        <a:xfrm>
-          <a:off x="0" y="0"/>
-          <a:ext cx="0" cy="0"/>
-          <a:chOff x="0" y="0"/>
-          <a:chExt cx="0" cy="0"/>
-        </a:xfrm>
-      </p:grpSpPr>
-      <p:sp>
-        <p:nvSpPr>
-          <p:cNvPr id="2" name="Title 1">
-            <a:extLst>
-              <a:ext uri="{FF2B5EF4-FFF2-40B4-BE49-F238E27FC236}">
-                <a16:creationId xmlns:a16="http://schemas.microsoft.com/office/drawing/2014/main" id="{E0529347-8E03-5745-A305-AF41325E1120}"/>
-              </a:ext>
-            </a:extLst>
-          </p:cNvPr>
-          <p:cNvSpPr>
-            <a:spLocks noGrp="1"/>
-          </p:cNvSpPr>
-          <p:nvPr>
-            <p:ph type="title"/>
-          </p:nvPr>
-        </p:nvSpPr>
-        <p:spPr>
-          <a:xfrm>
-            <a:off x="838200" y="365126"/>
-            <a:ext cx="10515600" cy="763587"/>
-          </a:xfrm>
-        </p:spPr>
-        <p:txBody>
-          <a:bodyPr>
-            <a:normAutofit/>
-          </a:bodyPr>
-          <a:lstStyle/>
-          <a:p>
-            <a:r>
-              <a:rPr lang="en-US" sz="1600" dirty="0"/>
-              <a:t> </a:t>
-            </a:r>
-          </a:p>
-        </p:txBody>
-      </p:sp>
-      <p:sp>
-        <p:nvSpPr>
-          <p:cNvPr id="3" name="Content Placeholder 2">
-            <a:extLst>
-              <a:ext uri="{FF2B5EF4-FFF2-40B4-BE49-F238E27FC236}">
-                <a16:creationId xmlns:a16="http://schemas.microsoft.com/office/drawing/2014/main" id="{F6F2EB0E-4EBA-9E41-A915-2E5A2D97575C}"/>
-              </a:ext>
-            </a:extLst>
-          </p:cNvPr>
-          <p:cNvSpPr>
-            <a:spLocks noGrp="1"/>
-          </p:cNvSpPr>
-          <p:nvPr>
-            <p:ph idx="1"/>
-          </p:nvPr>
-        </p:nvSpPr>
-        <p:spPr>
-          <a:xfrm>
-            <a:off x="838200" y="4572000"/>
-            <a:ext cx="10515600" cy="1604962"/>
-          </a:xfrm>
-        </p:spPr>
-        <p:txBody>
-          <a:bodyPr/>
-          <a:lstStyle/>
-          <a:p>
-            <a:pPr marL="0" indent="0">
-              <a:buNone/>
-            </a:pPr>
-            <a:r>
-              <a:rPr lang="en-US" dirty="0"/>
-              <a:t>…</a:t>
-            </a:r>
-          </a:p>
-        </p:txBody>
-      </p:sp>
-    </p:spTree>
-    <p:extLst>
-      <p:ext uri="{BB962C8B-B14F-4D97-AF65-F5344CB8AC3E}">
-        <p14:creationId xmlns:p14="http://schemas.microsoft.com/office/powerpoint/2010/main" val="4135137661"/>
-      </p:ext>
-    </p:extLst>
-  </p:cSld>
-  <p:clrMapOvr>
-    <a:masterClrMapping/>
-  </p:clrMapOvr>
-</p:sld>
-</file>
-
-<file path=ppt/slides/slide8.xml><?xml version="1.0" encoding="utf-8"?>
-<p:sld xmlns:a="http://schemas.openxmlformats.org/drawingml/2006/main" xmlns:r="http://schemas.openxmlformats.org/officeDocument/2006/relationships" xmlns:p="http://schemas.openxmlformats.org/presentationml/2006/main">
-  <p:cSld>
-    <p:spTree>
-      <p:nvGrpSpPr>
-        <p:cNvPr id="1" name=""/>
-        <p:cNvGrpSpPr/>
-        <p:nvPr/>
-      </p:nvGrpSpPr>
-      <p:grpSpPr>
-        <a:xfrm>
-          <a:off x="0" y="0"/>
-          <a:ext cx="0" cy="0"/>
-          <a:chOff x="0" y="0"/>
-          <a:chExt cx="0" cy="0"/>
-        </a:xfrm>
-      </p:grpSpPr>
-      <p:sp>
-        <p:nvSpPr>
-          <p:cNvPr id="2" name="Title 1">
-            <a:extLst>
-              <a:ext uri="{FF2B5EF4-FFF2-40B4-BE49-F238E27FC236}">
-                <a16:creationId xmlns:a16="http://schemas.microsoft.com/office/drawing/2014/main" id="{E0529347-8E03-5745-A305-AF41325E1120}"/>
-              </a:ext>
-            </a:extLst>
-          </p:cNvPr>
-          <p:cNvSpPr>
-            <a:spLocks noGrp="1"/>
-          </p:cNvSpPr>
-          <p:nvPr>
-            <p:ph type="title"/>
-          </p:nvPr>
-        </p:nvSpPr>
-        <p:spPr>
-          <a:xfrm>
-            <a:off x="838200" y="365126"/>
-            <a:ext cx="10515600" cy="763587"/>
-          </a:xfrm>
-        </p:spPr>
-        <p:txBody>
-          <a:bodyPr>
-            <a:normAutofit/>
-          </a:bodyPr>
-          <a:lstStyle/>
-          <a:p>
-            <a:r>
-              <a:rPr lang="en-US" sz="1600" dirty="0"/>
-              <a:t> </a:t>
-            </a:r>
-          </a:p>
-        </p:txBody>
-      </p:sp>
-      <p:sp>
-        <p:nvSpPr>
-          <p:cNvPr id="3" name="Content Placeholder 2">
-            <a:extLst>
-              <a:ext uri="{FF2B5EF4-FFF2-40B4-BE49-F238E27FC236}">
-                <a16:creationId xmlns:a16="http://schemas.microsoft.com/office/drawing/2014/main" id="{F6F2EB0E-4EBA-9E41-A915-2E5A2D97575C}"/>
-              </a:ext>
-            </a:extLst>
-          </p:cNvPr>
-          <p:cNvSpPr>
-            <a:spLocks noGrp="1"/>
-          </p:cNvSpPr>
-          <p:nvPr>
-            <p:ph idx="1"/>
-          </p:nvPr>
-        </p:nvSpPr>
-        <p:spPr>
-          <a:xfrm>
-            <a:off x="838200" y="4572000"/>
-            <a:ext cx="10515600" cy="1604962"/>
-          </a:xfrm>
-        </p:spPr>
-        <p:txBody>
-          <a:bodyPr/>
-          <a:lstStyle/>
-          <a:p>
-            <a:pPr marL="0" indent="0">
-              <a:buNone/>
-            </a:pPr>
-            <a:r>
-              <a:rPr lang="en-US" dirty="0"/>
-              <a:t>…</a:t>
-            </a:r>
-          </a:p>
-        </p:txBody>
-      </p:sp>
-    </p:spTree>
-    <p:extLst>
-      <p:ext uri="{BB962C8B-B14F-4D97-AF65-F5344CB8AC3E}">
-        <p14:creationId xmlns:p14="http://schemas.microsoft.com/office/powerpoint/2010/main" val="2302112666"/>
-      </p:ext>
-    </p:extLst>
-  </p:cSld>
-  <p:clrMapOvr>
-    <a:masterClrMapping/>
-  </p:clrMapOvr>
-</p:sld>
-</file>
-
-<file path=ppt/slides/slide9.xml><?xml version="1.0" encoding="utf-8"?>
-<p:sld xmlns:a="http://schemas.openxmlformats.org/drawingml/2006/main" xmlns:r="http://schemas.openxmlformats.org/officeDocument/2006/relationships" xmlns:p="http://schemas.openxmlformats.org/presentationml/2006/main">
-  <p:cSld>
-    <p:spTree>
-      <p:nvGrpSpPr>
-        <p:cNvPr id="1" name=""/>
-        <p:cNvGrpSpPr/>
-        <p:nvPr/>
-      </p:nvGrpSpPr>
-      <p:grpSpPr>
-        <a:xfrm>
-          <a:off x="0" y="0"/>
-          <a:ext cx="0" cy="0"/>
-          <a:chOff x="0" y="0"/>
-          <a:chExt cx="0" cy="0"/>
-        </a:xfrm>
-      </p:grpSpPr>
-      <p:sp>
-        <p:nvSpPr>
-          <p:cNvPr id="2" name="Title 1">
-            <a:extLst>
-              <a:ext uri="{FF2B5EF4-FFF2-40B4-BE49-F238E27FC236}">
-                <a16:creationId xmlns:a16="http://schemas.microsoft.com/office/drawing/2014/main" id="{E0529347-8E03-5745-A305-AF41325E1120}"/>
-              </a:ext>
-            </a:extLst>
-          </p:cNvPr>
-          <p:cNvSpPr>
-            <a:spLocks noGrp="1"/>
-          </p:cNvSpPr>
-          <p:nvPr>
-            <p:ph type="title"/>
-          </p:nvPr>
-        </p:nvSpPr>
-        <p:spPr>
-          <a:xfrm>
-            <a:off x="838200" y="365126"/>
-            <a:ext cx="10515600" cy="763587"/>
-          </a:xfrm>
-        </p:spPr>
-        <p:txBody>
-          <a:bodyPr>
-            <a:normAutofit/>
-          </a:bodyPr>
-          <a:lstStyle/>
-          <a:p>
-            <a:r>
-              <a:rPr lang="en-US" sz="1600" dirty="0"/>
-              <a:t> </a:t>
-            </a:r>
-          </a:p>
-        </p:txBody>
-      </p:sp>
-      <p:sp>
-        <p:nvSpPr>
-          <p:cNvPr id="3" name="Content Placeholder 2">
-            <a:extLst>
-              <a:ext uri="{FF2B5EF4-FFF2-40B4-BE49-F238E27FC236}">
-                <a16:creationId xmlns:a16="http://schemas.microsoft.com/office/drawing/2014/main" id="{F6F2EB0E-4EBA-9E41-A915-2E5A2D97575C}"/>
-              </a:ext>
-            </a:extLst>
-          </p:cNvPr>
-          <p:cNvSpPr>
-            <a:spLocks noGrp="1"/>
-          </p:cNvSpPr>
-          <p:nvPr>
-            <p:ph idx="1"/>
-          </p:nvPr>
-        </p:nvSpPr>
-        <p:spPr>
-          <a:xfrm>
-            <a:off x="838200" y="4572000"/>
-            <a:ext cx="10515600" cy="1604962"/>
-          </a:xfrm>
-        </p:spPr>
-        <p:txBody>
-          <a:bodyPr/>
-          <a:lstStyle/>
-          <a:p>
-            <a:pPr marL="0" indent="0">
-              <a:buNone/>
-            </a:pPr>
-            <a:r>
-              <a:rPr lang="en-US" dirty="0"/>
-              <a:t>…</a:t>
-            </a:r>
-          </a:p>
-        </p:txBody>
-      </p:sp>
-    </p:spTree>
-    <p:extLst>
-      <p:ext uri="{BB962C8B-B14F-4D97-AF65-F5344CB8AC3E}">
-        <p14:creationId xmlns:p14="http://schemas.microsoft.com/office/powerpoint/2010/main" val="1040841721"/>
       </p:ext>
     </p:extLst>
   </p:cSld>

--- a/Lec17/Lec17.pptx
+++ b/Lec17/Lec17.pptx
@@ -5,10 +5,10 @@
     <p:sldMasterId id="2147483648" r:id="rId1"/>
   </p:sldMasterIdLst>
   <p:notesMasterIdLst>
-    <p:notesMasterId r:id="rId14"/>
+    <p:notesMasterId r:id="rId21"/>
   </p:notesMasterIdLst>
   <p:handoutMasterIdLst>
-    <p:handoutMasterId r:id="rId15"/>
+    <p:handoutMasterId r:id="rId22"/>
   </p:handoutMasterIdLst>
   <p:sldIdLst>
     <p:sldId id="414" r:id="rId2"/>
@@ -20,9 +20,16 @@
     <p:sldId id="1279" r:id="rId8"/>
     <p:sldId id="1280" r:id="rId9"/>
     <p:sldId id="1281" r:id="rId10"/>
-    <p:sldId id="1262" r:id="rId11"/>
-    <p:sldId id="1263" r:id="rId12"/>
-    <p:sldId id="1282" r:id="rId13"/>
+    <p:sldId id="1286" r:id="rId11"/>
+    <p:sldId id="1262" r:id="rId12"/>
+    <p:sldId id="1263" r:id="rId13"/>
+    <p:sldId id="1282" r:id="rId14"/>
+    <p:sldId id="1287" r:id="rId15"/>
+    <p:sldId id="1288" r:id="rId16"/>
+    <p:sldId id="1289" r:id="rId17"/>
+    <p:sldId id="1290" r:id="rId18"/>
+    <p:sldId id="1291" r:id="rId19"/>
+    <p:sldId id="1292" r:id="rId20"/>
   </p:sldIdLst>
   <p:sldSz cx="12192000" cy="6858000"/>
   <p:notesSz cx="6858000" cy="9144000"/>
@@ -226,7 +233,7 @@
           <a:p>
             <a:fld id="{36B64484-7F23-844A-BCEB-06DFAD827E32}" type="datetimeFigureOut">
               <a:rPr lang="en-US" smtClean="0"/>
-              <a:t>3/13/22</a:t>
+              <a:t>3/15/22</a:t>
             </a:fld>
             <a:endParaRPr lang="en-US"/>
           </a:p>
@@ -403,7 +410,7 @@
           <a:p>
             <a:fld id="{4EBE11B0-21E1-9842-BB37-72784894B0AB}" type="datetimeFigureOut">
               <a:rPr lang="en-US" smtClean="0"/>
-              <a:t>3/13/22</a:t>
+              <a:t>3/15/22</a:t>
             </a:fld>
             <a:endParaRPr lang="en-US"/>
           </a:p>
@@ -3872,6 +3879,104 @@
           <p:cNvPr id="2" name="Title 1">
             <a:extLst>
               <a:ext uri="{FF2B5EF4-FFF2-40B4-BE49-F238E27FC236}">
+                <a16:creationId xmlns:a16="http://schemas.microsoft.com/office/drawing/2014/main" id="{BDB10E94-9BB2-5E46-BD59-701BD923E79C}"/>
+              </a:ext>
+            </a:extLst>
+          </p:cNvPr>
+          <p:cNvSpPr>
+            <a:spLocks noGrp="1"/>
+          </p:cNvSpPr>
+          <p:nvPr>
+            <p:ph type="title"/>
+          </p:nvPr>
+        </p:nvSpPr>
+        <p:spPr/>
+        <p:txBody>
+          <a:bodyPr>
+            <a:normAutofit fontScale="90000"/>
+          </a:bodyPr>
+          <a:lstStyle/>
+          <a:p>
+            <a:r>
+              <a:rPr lang="en-US" dirty="0" err="1"/>
+              <a:t>Dafny</a:t>
+            </a:r>
+            <a:r>
+              <a:rPr lang="en-US" dirty="0"/>
+              <a:t> tutorials (for various levels of reading)</a:t>
+            </a:r>
+          </a:p>
+        </p:txBody>
+      </p:sp>
+      <p:sp>
+        <p:nvSpPr>
+          <p:cNvPr id="3" name="Content Placeholder 2">
+            <a:extLst>
+              <a:ext uri="{FF2B5EF4-FFF2-40B4-BE49-F238E27FC236}">
+                <a16:creationId xmlns:a16="http://schemas.microsoft.com/office/drawing/2014/main" id="{D3553364-F0AB-044F-8556-A7E329BB935B}"/>
+              </a:ext>
+            </a:extLst>
+          </p:cNvPr>
+          <p:cNvSpPr>
+            <a:spLocks noGrp="1"/>
+          </p:cNvSpPr>
+          <p:nvPr>
+            <p:ph idx="1"/>
+          </p:nvPr>
+        </p:nvSpPr>
+        <p:spPr/>
+        <p:txBody>
+          <a:bodyPr/>
+          <a:lstStyle/>
+          <a:p>
+            <a:r>
+              <a:rPr lang="en-US" dirty="0">
+                <a:hlinkClick r:id="rId2"/>
+              </a:rPr>
+              <a:t>https://dafny-lang.github.io/dafny/</a:t>
+            </a:r>
+            <a:r>
+              <a:rPr lang="en-US" dirty="0"/>
+              <a:t> </a:t>
+            </a:r>
+          </a:p>
+        </p:txBody>
+      </p:sp>
+    </p:spTree>
+    <p:extLst>
+      <p:ext uri="{BB962C8B-B14F-4D97-AF65-F5344CB8AC3E}">
+        <p14:creationId xmlns:p14="http://schemas.microsoft.com/office/powerpoint/2010/main" val="4275691901"/>
+      </p:ext>
+    </p:extLst>
+  </p:cSld>
+  <p:clrMapOvr>
+    <a:masterClrMapping/>
+  </p:clrMapOvr>
+</p:sld>
+</file>
+
+<file path=ppt/slides/slide11.xml><?xml version="1.0" encoding="utf-8"?>
+<p:sld xmlns:a="http://schemas.openxmlformats.org/drawingml/2006/main" xmlns:r="http://schemas.openxmlformats.org/officeDocument/2006/relationships" xmlns:p="http://schemas.openxmlformats.org/presentationml/2006/main">
+  <p:cSld>
+    <p:spTree>
+      <p:nvGrpSpPr>
+        <p:cNvPr id="1" name=""/>
+        <p:cNvGrpSpPr/>
+        <p:nvPr/>
+      </p:nvGrpSpPr>
+      <p:grpSpPr>
+        <a:xfrm>
+          <a:off x="0" y="0"/>
+          <a:ext cx="0" cy="0"/>
+          <a:chOff x="0" y="0"/>
+          <a:chExt cx="0" cy="0"/>
+        </a:xfrm>
+      </p:grpSpPr>
+      <p:sp>
+        <p:nvSpPr>
+          <p:cNvPr id="2" name="Title 1">
+            <a:extLst>
+              <a:ext uri="{FF2B5EF4-FFF2-40B4-BE49-F238E27FC236}">
                 <a16:creationId xmlns:a16="http://schemas.microsoft.com/office/drawing/2014/main" id="{5214BD27-BDF5-664D-9D83-54A21FCDACF0}"/>
               </a:ext>
             </a:extLst>
@@ -3981,7 +4086,7 @@
 </p:sld>
 </file>
 
-<file path=ppt/slides/slide11.xml><?xml version="1.0" encoding="utf-8"?>
+<file path=ppt/slides/slide12.xml><?xml version="1.0" encoding="utf-8"?>
 <p:sld xmlns:a="http://schemas.openxmlformats.org/drawingml/2006/main" xmlns:r="http://schemas.openxmlformats.org/officeDocument/2006/relationships" xmlns:p="http://schemas.openxmlformats.org/presentationml/2006/main">
   <p:cSld>
     <p:spTree>
@@ -4080,7 +4185,7 @@
 </p:sld>
 </file>
 
-<file path=ppt/slides/slide12.xml><?xml version="1.0" encoding="utf-8"?>
+<file path=ppt/slides/slide13.xml><?xml version="1.0" encoding="utf-8"?>
 <p:sld xmlns:a="http://schemas.openxmlformats.org/drawingml/2006/main" xmlns:r="http://schemas.openxmlformats.org/officeDocument/2006/relationships" xmlns:p="http://schemas.openxmlformats.org/presentationml/2006/main">
   <p:cSld>
     <p:spTree>
@@ -4206,9 +4311,21 @@
             <a:pPr lvl="1"/>
             <a:r>
               <a:rPr lang="en-US" dirty="0" err="1"/>
-              <a:t>binsrch</a:t>
+              <a:t>Binsrch</a:t>
             </a:r>
             <a:endParaRPr lang="en-US" dirty="0"/>
+          </a:p>
+          <a:p>
+            <a:r>
+              <a:rPr lang="en-US" dirty="0"/>
+              <a:t>The _fill file is the basic template</a:t>
+            </a:r>
+          </a:p>
+          <a:p>
+            <a:r>
+              <a:rPr lang="en-US" dirty="0"/>
+              <a:t>The _filled files provide what extra I had to do</a:t>
+            </a:r>
           </a:p>
         </p:txBody>
       </p:sp>
@@ -4216,6 +4333,841 @@
     <p:extLst>
       <p:ext uri="{BB962C8B-B14F-4D97-AF65-F5344CB8AC3E}">
         <p14:creationId xmlns:p14="http://schemas.microsoft.com/office/powerpoint/2010/main" val="3831170814"/>
+      </p:ext>
+    </p:extLst>
+  </p:cSld>
+  <p:clrMapOvr>
+    <a:masterClrMapping/>
+  </p:clrMapOvr>
+</p:sld>
+</file>
+
+<file path=ppt/slides/slide14.xml><?xml version="1.0" encoding="utf-8"?>
+<p:sld xmlns:a="http://schemas.openxmlformats.org/drawingml/2006/main" xmlns:r="http://schemas.openxmlformats.org/officeDocument/2006/relationships" xmlns:p="http://schemas.openxmlformats.org/presentationml/2006/main">
+  <p:cSld>
+    <p:spTree>
+      <p:nvGrpSpPr>
+        <p:cNvPr id="1" name=""/>
+        <p:cNvGrpSpPr/>
+        <p:nvPr/>
+      </p:nvGrpSpPr>
+      <p:grpSpPr>
+        <a:xfrm>
+          <a:off x="0" y="0"/>
+          <a:ext cx="0" cy="0"/>
+          <a:chOff x="0" y="0"/>
+          <a:chExt cx="0" cy="0"/>
+        </a:xfrm>
+      </p:grpSpPr>
+      <p:sp>
+        <p:nvSpPr>
+          <p:cNvPr id="2" name="Title 1">
+            <a:extLst>
+              <a:ext uri="{FF2B5EF4-FFF2-40B4-BE49-F238E27FC236}">
+                <a16:creationId xmlns:a16="http://schemas.microsoft.com/office/drawing/2014/main" id="{E0529347-8E03-5745-A305-AF41325E1120}"/>
+              </a:ext>
+            </a:extLst>
+          </p:cNvPr>
+          <p:cNvSpPr>
+            <a:spLocks noGrp="1"/>
+          </p:cNvSpPr>
+          <p:nvPr>
+            <p:ph type="title"/>
+          </p:nvPr>
+        </p:nvSpPr>
+        <p:spPr/>
+        <p:txBody>
+          <a:bodyPr>
+            <a:normAutofit fontScale="90000"/>
+          </a:bodyPr>
+          <a:lstStyle/>
+          <a:p>
+            <a:r>
+              <a:rPr lang="en-US" dirty="0"/>
+              <a:t>Power _filled</a:t>
+            </a:r>
+          </a:p>
+        </p:txBody>
+      </p:sp>
+      <p:sp>
+        <p:nvSpPr>
+          <p:cNvPr id="3" name="Content Placeholder 2">
+            <a:extLst>
+              <a:ext uri="{FF2B5EF4-FFF2-40B4-BE49-F238E27FC236}">
+                <a16:creationId xmlns:a16="http://schemas.microsoft.com/office/drawing/2014/main" id="{F6F2EB0E-4EBA-9E41-A915-2E5A2D97575C}"/>
+              </a:ext>
+            </a:extLst>
+          </p:cNvPr>
+          <p:cNvSpPr>
+            <a:spLocks noGrp="1"/>
+          </p:cNvSpPr>
+          <p:nvPr>
+            <p:ph idx="1"/>
+          </p:nvPr>
+        </p:nvSpPr>
+        <p:spPr/>
+        <p:txBody>
+          <a:bodyPr/>
+          <a:lstStyle/>
+          <a:p>
+            <a:r>
+              <a:rPr lang="en-US" dirty="0"/>
+              <a:t>Had to specify power recursively</a:t>
+            </a:r>
+          </a:p>
+          <a:p>
+            <a:pPr lvl="1"/>
+            <a:r>
+              <a:rPr lang="en-US" dirty="0"/>
+              <a:t>Specs in most cases are functional programs</a:t>
+            </a:r>
+          </a:p>
+          <a:p>
+            <a:pPr lvl="2"/>
+            <a:r>
+              <a:rPr lang="en-US" dirty="0"/>
+              <a:t>How else to mathematically specify imperative programs?</a:t>
+            </a:r>
+          </a:p>
+          <a:p>
+            <a:pPr lvl="1"/>
+            <a:r>
+              <a:rPr lang="en-US" dirty="0"/>
+              <a:t>These functional programs employ well-founded recursion</a:t>
+            </a:r>
+          </a:p>
+          <a:p>
+            <a:pPr lvl="2"/>
+            <a:r>
+              <a:rPr lang="en-US" dirty="0"/>
+              <a:t>According to Fixed-Point (or fixpoint) theory, such functions are </a:t>
+            </a:r>
+          </a:p>
+          <a:p>
+            <a:pPr lvl="3"/>
+            <a:r>
+              <a:rPr lang="en-US" dirty="0"/>
+              <a:t>Uniquely defined</a:t>
+            </a:r>
+          </a:p>
+          <a:p>
+            <a:r>
+              <a:rPr lang="en-US" dirty="0"/>
+              <a:t>Had to state the obvious invariant</a:t>
+            </a:r>
+          </a:p>
+          <a:p>
+            <a:r>
+              <a:rPr lang="en-US" dirty="0"/>
+              <a:t>Had to specify the termination condition</a:t>
+            </a:r>
+          </a:p>
+          <a:p>
+            <a:pPr lvl="1"/>
+            <a:r>
+              <a:rPr lang="en-US" dirty="0" err="1"/>
+              <a:t>Dafny</a:t>
+            </a:r>
+            <a:r>
+              <a:rPr lang="en-US" dirty="0"/>
+              <a:t> is a total-correctness verifier (recall from Gordon’s slides)</a:t>
+            </a:r>
+          </a:p>
+          <a:p>
+            <a:r>
+              <a:rPr lang="en-US" dirty="0"/>
+              <a:t>It all worked out w/o additional help</a:t>
+            </a:r>
+          </a:p>
+        </p:txBody>
+      </p:sp>
+    </p:spTree>
+    <p:extLst>
+      <p:ext uri="{BB962C8B-B14F-4D97-AF65-F5344CB8AC3E}">
+        <p14:creationId xmlns:p14="http://schemas.microsoft.com/office/powerpoint/2010/main" val="3077389443"/>
+      </p:ext>
+    </p:extLst>
+  </p:cSld>
+  <p:clrMapOvr>
+    <a:masterClrMapping/>
+  </p:clrMapOvr>
+</p:sld>
+</file>
+
+<file path=ppt/slides/slide15.xml><?xml version="1.0" encoding="utf-8"?>
+<p:sld xmlns:a="http://schemas.openxmlformats.org/drawingml/2006/main" xmlns:r="http://schemas.openxmlformats.org/officeDocument/2006/relationships" xmlns:p="http://schemas.openxmlformats.org/presentationml/2006/main">
+  <p:cSld>
+    <p:spTree>
+      <p:nvGrpSpPr>
+        <p:cNvPr id="1" name=""/>
+        <p:cNvGrpSpPr/>
+        <p:nvPr/>
+      </p:nvGrpSpPr>
+      <p:grpSpPr>
+        <a:xfrm>
+          <a:off x="0" y="0"/>
+          <a:ext cx="0" cy="0"/>
+          <a:chOff x="0" y="0"/>
+          <a:chExt cx="0" cy="0"/>
+        </a:xfrm>
+      </p:grpSpPr>
+      <p:sp>
+        <p:nvSpPr>
+          <p:cNvPr id="2" name="Title 1">
+            <a:extLst>
+              <a:ext uri="{FF2B5EF4-FFF2-40B4-BE49-F238E27FC236}">
+                <a16:creationId xmlns:a16="http://schemas.microsoft.com/office/drawing/2014/main" id="{E0529347-8E03-5745-A305-AF41325E1120}"/>
+              </a:ext>
+            </a:extLst>
+          </p:cNvPr>
+          <p:cNvSpPr>
+            <a:spLocks noGrp="1"/>
+          </p:cNvSpPr>
+          <p:nvPr>
+            <p:ph type="title"/>
+          </p:nvPr>
+        </p:nvSpPr>
+        <p:spPr/>
+        <p:txBody>
+          <a:bodyPr>
+            <a:normAutofit fontScale="90000"/>
+          </a:bodyPr>
+          <a:lstStyle/>
+          <a:p>
+            <a:r>
+              <a:rPr lang="en-US" dirty="0"/>
+              <a:t>Fib _filled</a:t>
+            </a:r>
+          </a:p>
+        </p:txBody>
+      </p:sp>
+      <p:sp>
+        <p:nvSpPr>
+          <p:cNvPr id="3" name="Content Placeholder 2">
+            <a:extLst>
+              <a:ext uri="{FF2B5EF4-FFF2-40B4-BE49-F238E27FC236}">
+                <a16:creationId xmlns:a16="http://schemas.microsoft.com/office/drawing/2014/main" id="{F6F2EB0E-4EBA-9E41-A915-2E5A2D97575C}"/>
+              </a:ext>
+            </a:extLst>
+          </p:cNvPr>
+          <p:cNvSpPr>
+            <a:spLocks noGrp="1"/>
+          </p:cNvSpPr>
+          <p:nvPr>
+            <p:ph idx="1"/>
+          </p:nvPr>
+        </p:nvSpPr>
+        <p:spPr/>
+        <p:txBody>
+          <a:bodyPr/>
+          <a:lstStyle/>
+          <a:p>
+            <a:r>
+              <a:rPr lang="en-US" dirty="0"/>
+              <a:t>Had to state the obvious invariant pertaining to ‘a’ and ‘b’</a:t>
+            </a:r>
+          </a:p>
+          <a:p>
+            <a:r>
+              <a:rPr lang="en-US" dirty="0"/>
+              <a:t>Had to provide the termination condition</a:t>
+            </a:r>
+          </a:p>
+          <a:p>
+            <a:r>
+              <a:rPr lang="en-US" dirty="0"/>
+              <a:t>Had to bound ‘</a:t>
+            </a:r>
+            <a:r>
+              <a:rPr lang="en-US" dirty="0" err="1"/>
+              <a:t>i</a:t>
+            </a:r>
+            <a:r>
+              <a:rPr lang="en-US" dirty="0"/>
+              <a:t>’</a:t>
+            </a:r>
+          </a:p>
+          <a:p>
+            <a:pPr lvl="1"/>
+            <a:r>
+              <a:rPr lang="en-US" dirty="0" err="1"/>
+              <a:t>Dafny</a:t>
+            </a:r>
+            <a:r>
+              <a:rPr lang="en-US" dirty="0"/>
+              <a:t> seems unable to infer variable ranges from </a:t>
+            </a:r>
+          </a:p>
+          <a:p>
+            <a:pPr lvl="2"/>
+            <a:r>
+              <a:rPr lang="en-US" dirty="0"/>
+              <a:t>their declared types</a:t>
+            </a:r>
+          </a:p>
+          <a:p>
+            <a:pPr lvl="2"/>
+            <a:r>
+              <a:rPr lang="en-US" dirty="0"/>
+              <a:t>‘requires’ clauses</a:t>
+            </a:r>
+          </a:p>
+          <a:p>
+            <a:r>
+              <a:rPr lang="en-US" dirty="0"/>
+              <a:t>It all worked out after that</a:t>
+            </a:r>
+          </a:p>
+        </p:txBody>
+      </p:sp>
+    </p:spTree>
+    <p:extLst>
+      <p:ext uri="{BB962C8B-B14F-4D97-AF65-F5344CB8AC3E}">
+        <p14:creationId xmlns:p14="http://schemas.microsoft.com/office/powerpoint/2010/main" val="3778199977"/>
+      </p:ext>
+    </p:extLst>
+  </p:cSld>
+  <p:clrMapOvr>
+    <a:masterClrMapping/>
+  </p:clrMapOvr>
+</p:sld>
+</file>
+
+<file path=ppt/slides/slide16.xml><?xml version="1.0" encoding="utf-8"?>
+<p:sld xmlns:a="http://schemas.openxmlformats.org/drawingml/2006/main" xmlns:r="http://schemas.openxmlformats.org/officeDocument/2006/relationships" xmlns:p="http://schemas.openxmlformats.org/presentationml/2006/main">
+  <p:cSld>
+    <p:spTree>
+      <p:nvGrpSpPr>
+        <p:cNvPr id="1" name=""/>
+        <p:cNvGrpSpPr/>
+        <p:nvPr/>
+      </p:nvGrpSpPr>
+      <p:grpSpPr>
+        <a:xfrm>
+          <a:off x="0" y="0"/>
+          <a:ext cx="0" cy="0"/>
+          <a:chOff x="0" y="0"/>
+          <a:chExt cx="0" cy="0"/>
+        </a:xfrm>
+      </p:grpSpPr>
+      <p:sp>
+        <p:nvSpPr>
+          <p:cNvPr id="2" name="Title 1">
+            <a:extLst>
+              <a:ext uri="{FF2B5EF4-FFF2-40B4-BE49-F238E27FC236}">
+                <a16:creationId xmlns:a16="http://schemas.microsoft.com/office/drawing/2014/main" id="{E0529347-8E03-5745-A305-AF41325E1120}"/>
+              </a:ext>
+            </a:extLst>
+          </p:cNvPr>
+          <p:cNvSpPr>
+            <a:spLocks noGrp="1"/>
+          </p:cNvSpPr>
+          <p:nvPr>
+            <p:ph type="title"/>
+          </p:nvPr>
+        </p:nvSpPr>
+        <p:spPr/>
+        <p:txBody>
+          <a:bodyPr>
+            <a:normAutofit fontScale="90000"/>
+          </a:bodyPr>
+          <a:lstStyle/>
+          <a:p>
+            <a:r>
+              <a:rPr lang="en-US" dirty="0" err="1"/>
+              <a:t>gcd</a:t>
+            </a:r>
+            <a:r>
+              <a:rPr lang="en-US" dirty="0"/>
+              <a:t> _filled</a:t>
+            </a:r>
+          </a:p>
+        </p:txBody>
+      </p:sp>
+      <p:sp>
+        <p:nvSpPr>
+          <p:cNvPr id="3" name="Content Placeholder 2">
+            <a:extLst>
+              <a:ext uri="{FF2B5EF4-FFF2-40B4-BE49-F238E27FC236}">
+                <a16:creationId xmlns:a16="http://schemas.microsoft.com/office/drawing/2014/main" id="{F6F2EB0E-4EBA-9E41-A915-2E5A2D97575C}"/>
+              </a:ext>
+            </a:extLst>
+          </p:cNvPr>
+          <p:cNvSpPr>
+            <a:spLocks noGrp="1"/>
+          </p:cNvSpPr>
+          <p:nvPr>
+            <p:ph idx="1"/>
+          </p:nvPr>
+        </p:nvSpPr>
+        <p:spPr/>
+        <p:txBody>
+          <a:bodyPr/>
+          <a:lstStyle/>
+          <a:p>
+            <a:r>
+              <a:rPr lang="en-US" dirty="0"/>
+              <a:t>Had to state the obvious invariant for </a:t>
+            </a:r>
+            <a:r>
+              <a:rPr lang="en-US" dirty="0" err="1"/>
+              <a:t>gcd</a:t>
+            </a:r>
+            <a:r>
+              <a:rPr lang="en-US" dirty="0"/>
+              <a:t> being maintained</a:t>
+            </a:r>
+          </a:p>
+          <a:p>
+            <a:r>
+              <a:rPr lang="en-US" dirty="0"/>
+              <a:t>Had to provide the termination condition</a:t>
+            </a:r>
+          </a:p>
+          <a:p>
+            <a:r>
+              <a:rPr lang="en-US" dirty="0"/>
+              <a:t>Had to give additional variable-range help</a:t>
+            </a:r>
+          </a:p>
+          <a:p>
+            <a:pPr lvl="1"/>
+            <a:r>
+              <a:rPr lang="en-US" dirty="0"/>
+              <a:t>It could be done in one of many ways</a:t>
+            </a:r>
+          </a:p>
+          <a:p>
+            <a:r>
+              <a:rPr lang="en-US" dirty="0"/>
+              <a:t>It all worked out after that</a:t>
+            </a:r>
+          </a:p>
+        </p:txBody>
+      </p:sp>
+    </p:spTree>
+    <p:extLst>
+      <p:ext uri="{BB962C8B-B14F-4D97-AF65-F5344CB8AC3E}">
+        <p14:creationId xmlns:p14="http://schemas.microsoft.com/office/powerpoint/2010/main" val="2062721559"/>
+      </p:ext>
+    </p:extLst>
+  </p:cSld>
+  <p:clrMapOvr>
+    <a:masterClrMapping/>
+  </p:clrMapOvr>
+</p:sld>
+</file>
+
+<file path=ppt/slides/slide17.xml><?xml version="1.0" encoding="utf-8"?>
+<p:sld xmlns:a="http://schemas.openxmlformats.org/drawingml/2006/main" xmlns:r="http://schemas.openxmlformats.org/officeDocument/2006/relationships" xmlns:p="http://schemas.openxmlformats.org/presentationml/2006/main">
+  <p:cSld>
+    <p:spTree>
+      <p:nvGrpSpPr>
+        <p:cNvPr id="1" name=""/>
+        <p:cNvGrpSpPr/>
+        <p:nvPr/>
+      </p:nvGrpSpPr>
+      <p:grpSpPr>
+        <a:xfrm>
+          <a:off x="0" y="0"/>
+          <a:ext cx="0" cy="0"/>
+          <a:chOff x="0" y="0"/>
+          <a:chExt cx="0" cy="0"/>
+        </a:xfrm>
+      </p:grpSpPr>
+      <p:sp>
+        <p:nvSpPr>
+          <p:cNvPr id="2" name="Title 1">
+            <a:extLst>
+              <a:ext uri="{FF2B5EF4-FFF2-40B4-BE49-F238E27FC236}">
+                <a16:creationId xmlns:a16="http://schemas.microsoft.com/office/drawing/2014/main" id="{E0529347-8E03-5745-A305-AF41325E1120}"/>
+              </a:ext>
+            </a:extLst>
+          </p:cNvPr>
+          <p:cNvSpPr>
+            <a:spLocks noGrp="1"/>
+          </p:cNvSpPr>
+          <p:nvPr>
+            <p:ph type="title"/>
+          </p:nvPr>
+        </p:nvSpPr>
+        <p:spPr/>
+        <p:txBody>
+          <a:bodyPr>
+            <a:normAutofit fontScale="90000"/>
+          </a:bodyPr>
+          <a:lstStyle/>
+          <a:p>
+            <a:r>
+              <a:rPr lang="en-US" dirty="0" err="1"/>
+              <a:t>Rustain_filled</a:t>
+            </a:r>
+            <a:r>
+              <a:rPr lang="en-US" dirty="0"/>
+              <a:t> (multiplication)</a:t>
+            </a:r>
+          </a:p>
+        </p:txBody>
+      </p:sp>
+      <p:sp>
+        <p:nvSpPr>
+          <p:cNvPr id="3" name="Content Placeholder 2">
+            <a:extLst>
+              <a:ext uri="{FF2B5EF4-FFF2-40B4-BE49-F238E27FC236}">
+                <a16:creationId xmlns:a16="http://schemas.microsoft.com/office/drawing/2014/main" id="{F6F2EB0E-4EBA-9E41-A915-2E5A2D97575C}"/>
+              </a:ext>
+            </a:extLst>
+          </p:cNvPr>
+          <p:cNvSpPr>
+            <a:spLocks noGrp="1"/>
+          </p:cNvSpPr>
+          <p:nvPr>
+            <p:ph idx="1"/>
+          </p:nvPr>
+        </p:nvSpPr>
+        <p:spPr/>
+        <p:txBody>
+          <a:bodyPr/>
+          <a:lstStyle/>
+          <a:p>
+            <a:r>
+              <a:rPr lang="en-US" dirty="0"/>
+              <a:t>Had to state the obvious invariant for both while loops</a:t>
+            </a:r>
+          </a:p>
+          <a:p>
+            <a:r>
+              <a:rPr lang="en-US" dirty="0"/>
+              <a:t>Termination for both whiles</a:t>
+            </a:r>
+          </a:p>
+          <a:p>
+            <a:r>
+              <a:rPr lang="en-US" dirty="0"/>
+              <a:t>In dafny3, an invariant x != 0 helps deal with nonlinear items</a:t>
+            </a:r>
+          </a:p>
+          <a:p>
+            <a:r>
+              <a:rPr lang="en-US" dirty="0"/>
+              <a:t>In dafny1, nonlinear theories tended to bother </a:t>
+            </a:r>
+            <a:r>
+              <a:rPr lang="en-US" dirty="0" err="1"/>
+              <a:t>Dafny</a:t>
+            </a:r>
+            <a:endParaRPr lang="en-US" dirty="0"/>
+          </a:p>
+          <a:p>
+            <a:r>
+              <a:rPr lang="en-US" dirty="0"/>
+              <a:t>In dafny2, we avoided nonlinearity</a:t>
+            </a:r>
+          </a:p>
+        </p:txBody>
+      </p:sp>
+    </p:spTree>
+    <p:extLst>
+      <p:ext uri="{BB962C8B-B14F-4D97-AF65-F5344CB8AC3E}">
+        <p14:creationId xmlns:p14="http://schemas.microsoft.com/office/powerpoint/2010/main" val="2009210933"/>
+      </p:ext>
+    </p:extLst>
+  </p:cSld>
+  <p:clrMapOvr>
+    <a:masterClrMapping/>
+  </p:clrMapOvr>
+</p:sld>
+</file>
+
+<file path=ppt/slides/slide18.xml><?xml version="1.0" encoding="utf-8"?>
+<p:sld xmlns:a="http://schemas.openxmlformats.org/drawingml/2006/main" xmlns:r="http://schemas.openxmlformats.org/officeDocument/2006/relationships" xmlns:p="http://schemas.openxmlformats.org/presentationml/2006/main">
+  <p:cSld>
+    <p:spTree>
+      <p:nvGrpSpPr>
+        <p:cNvPr id="1" name=""/>
+        <p:cNvGrpSpPr/>
+        <p:nvPr/>
+      </p:nvGrpSpPr>
+      <p:grpSpPr>
+        <a:xfrm>
+          <a:off x="0" y="0"/>
+          <a:ext cx="0" cy="0"/>
+          <a:chOff x="0" y="0"/>
+          <a:chExt cx="0" cy="0"/>
+        </a:xfrm>
+      </p:grpSpPr>
+      <p:sp>
+        <p:nvSpPr>
+          <p:cNvPr id="2" name="Title 1">
+            <a:extLst>
+              <a:ext uri="{FF2B5EF4-FFF2-40B4-BE49-F238E27FC236}">
+                <a16:creationId xmlns:a16="http://schemas.microsoft.com/office/drawing/2014/main" id="{E0529347-8E03-5745-A305-AF41325E1120}"/>
+              </a:ext>
+            </a:extLst>
+          </p:cNvPr>
+          <p:cNvSpPr>
+            <a:spLocks noGrp="1"/>
+          </p:cNvSpPr>
+          <p:nvPr>
+            <p:ph type="title"/>
+          </p:nvPr>
+        </p:nvSpPr>
+        <p:spPr/>
+        <p:txBody>
+          <a:bodyPr>
+            <a:normAutofit fontScale="90000"/>
+          </a:bodyPr>
+          <a:lstStyle/>
+          <a:p>
+            <a:r>
+              <a:rPr lang="en-US" dirty="0" err="1"/>
+              <a:t>Maxarray</a:t>
+            </a:r>
+            <a:r>
+              <a:rPr lang="en-US" dirty="0"/>
+              <a:t> _filled (</a:t>
+            </a:r>
+            <a:r>
+              <a:rPr lang="en-US" dirty="0" err="1"/>
+              <a:t>maxarr</a:t>
+            </a:r>
+            <a:r>
+              <a:rPr lang="en-US" dirty="0"/>
+              <a:t> and </a:t>
+            </a:r>
+            <a:r>
+              <a:rPr lang="en-US" dirty="0" err="1"/>
+              <a:t>maxarrine</a:t>
+            </a:r>
+            <a:r>
+              <a:rPr lang="en-US" dirty="0"/>
+              <a:t>)</a:t>
+            </a:r>
+          </a:p>
+        </p:txBody>
+      </p:sp>
+      <p:sp>
+        <p:nvSpPr>
+          <p:cNvPr id="3" name="Content Placeholder 2">
+            <a:extLst>
+              <a:ext uri="{FF2B5EF4-FFF2-40B4-BE49-F238E27FC236}">
+                <a16:creationId xmlns:a16="http://schemas.microsoft.com/office/drawing/2014/main" id="{F6F2EB0E-4EBA-9E41-A915-2E5A2D97575C}"/>
+              </a:ext>
+            </a:extLst>
+          </p:cNvPr>
+          <p:cNvSpPr>
+            <a:spLocks noGrp="1"/>
+          </p:cNvSpPr>
+          <p:nvPr>
+            <p:ph idx="1"/>
+          </p:nvPr>
+        </p:nvSpPr>
+        <p:spPr/>
+        <p:txBody>
+          <a:bodyPr/>
+          <a:lstStyle/>
+          <a:p>
+            <a:r>
+              <a:rPr lang="en-US" dirty="0"/>
+              <a:t>Spec written using quantification</a:t>
+            </a:r>
+          </a:p>
+          <a:p>
+            <a:r>
+              <a:rPr lang="en-US" dirty="0"/>
+              <a:t>Obvious invariant for loop</a:t>
+            </a:r>
+          </a:p>
+          <a:p>
+            <a:r>
+              <a:rPr lang="en-US" dirty="0"/>
+              <a:t>Had to help loop index var also with range invariant</a:t>
+            </a:r>
+          </a:p>
+          <a:p>
+            <a:r>
+              <a:rPr lang="en-US" dirty="0"/>
+              <a:t>Termination – guessed by </a:t>
+            </a:r>
+            <a:r>
+              <a:rPr lang="en-US" dirty="0" err="1"/>
+              <a:t>Dafny</a:t>
+            </a:r>
+            <a:endParaRPr lang="en-US" dirty="0"/>
+          </a:p>
+          <a:p>
+            <a:r>
+              <a:rPr lang="en-US" dirty="0" err="1"/>
+              <a:t>Maxarrinte</a:t>
+            </a:r>
+            <a:r>
+              <a:rPr lang="en-US" dirty="0"/>
+              <a:t> </a:t>
+            </a:r>
+          </a:p>
+          <a:p>
+            <a:pPr lvl="1"/>
+            <a:r>
+              <a:rPr lang="en-US" dirty="0"/>
+              <a:t>Special check for 0-length avoided</a:t>
+            </a:r>
+          </a:p>
+          <a:p>
+            <a:pPr lvl="1"/>
+            <a:r>
+              <a:rPr lang="en-US" dirty="0"/>
+              <a:t>Invariant suitably modified</a:t>
+            </a:r>
+          </a:p>
+        </p:txBody>
+      </p:sp>
+    </p:spTree>
+    <p:extLst>
+      <p:ext uri="{BB962C8B-B14F-4D97-AF65-F5344CB8AC3E}">
+        <p14:creationId xmlns:p14="http://schemas.microsoft.com/office/powerpoint/2010/main" val="3015885537"/>
+      </p:ext>
+    </p:extLst>
+  </p:cSld>
+  <p:clrMapOvr>
+    <a:masterClrMapping/>
+  </p:clrMapOvr>
+</p:sld>
+</file>
+
+<file path=ppt/slides/slide19.xml><?xml version="1.0" encoding="utf-8"?>
+<p:sld xmlns:a="http://schemas.openxmlformats.org/drawingml/2006/main" xmlns:r="http://schemas.openxmlformats.org/officeDocument/2006/relationships" xmlns:p="http://schemas.openxmlformats.org/presentationml/2006/main">
+  <p:cSld>
+    <p:spTree>
+      <p:nvGrpSpPr>
+        <p:cNvPr id="1" name=""/>
+        <p:cNvGrpSpPr/>
+        <p:nvPr/>
+      </p:nvGrpSpPr>
+      <p:grpSpPr>
+        <a:xfrm>
+          <a:off x="0" y="0"/>
+          <a:ext cx="0" cy="0"/>
+          <a:chOff x="0" y="0"/>
+          <a:chExt cx="0" cy="0"/>
+        </a:xfrm>
+      </p:grpSpPr>
+      <p:sp>
+        <p:nvSpPr>
+          <p:cNvPr id="2" name="Title 1">
+            <a:extLst>
+              <a:ext uri="{FF2B5EF4-FFF2-40B4-BE49-F238E27FC236}">
+                <a16:creationId xmlns:a16="http://schemas.microsoft.com/office/drawing/2014/main" id="{E0529347-8E03-5745-A305-AF41325E1120}"/>
+              </a:ext>
+            </a:extLst>
+          </p:cNvPr>
+          <p:cNvSpPr>
+            <a:spLocks noGrp="1"/>
+          </p:cNvSpPr>
+          <p:nvPr>
+            <p:ph type="title"/>
+          </p:nvPr>
+        </p:nvSpPr>
+        <p:spPr/>
+        <p:txBody>
+          <a:bodyPr>
+            <a:normAutofit fontScale="90000"/>
+          </a:bodyPr>
+          <a:lstStyle/>
+          <a:p>
+            <a:r>
+              <a:rPr lang="en-US" dirty="0" err="1"/>
+              <a:t>sumarr</a:t>
+            </a:r>
+            <a:r>
+              <a:rPr lang="en-US" dirty="0"/>
+              <a:t> _filled  </a:t>
+            </a:r>
+          </a:p>
+        </p:txBody>
+      </p:sp>
+      <p:sp>
+        <p:nvSpPr>
+          <p:cNvPr id="3" name="Content Placeholder 2">
+            <a:extLst>
+              <a:ext uri="{FF2B5EF4-FFF2-40B4-BE49-F238E27FC236}">
+                <a16:creationId xmlns:a16="http://schemas.microsoft.com/office/drawing/2014/main" id="{F6F2EB0E-4EBA-9E41-A915-2E5A2D97575C}"/>
+              </a:ext>
+            </a:extLst>
+          </p:cNvPr>
+          <p:cNvSpPr>
+            <a:spLocks noGrp="1"/>
+          </p:cNvSpPr>
+          <p:nvPr>
+            <p:ph idx="1"/>
+          </p:nvPr>
+        </p:nvSpPr>
+        <p:spPr/>
+        <p:txBody>
+          <a:bodyPr/>
+          <a:lstStyle/>
+          <a:p>
+            <a:r>
+              <a:rPr lang="en-US" dirty="0"/>
+              <a:t>Array summation recursively specified</a:t>
+            </a:r>
+          </a:p>
+          <a:p>
+            <a:pPr lvl="1"/>
+            <a:r>
+              <a:rPr lang="en-US" dirty="0"/>
+              <a:t>Recursion made decreasing in </a:t>
+            </a:r>
+            <a:r>
+              <a:rPr lang="en-US" dirty="0" err="1"/>
+              <a:t>func</a:t>
+            </a:r>
+            <a:r>
+              <a:rPr lang="en-US" dirty="0"/>
+              <a:t> spec also by summing from highest</a:t>
+            </a:r>
+          </a:p>
+          <a:p>
+            <a:r>
+              <a:rPr lang="en-US" dirty="0"/>
+              <a:t>Obvious invariant for while loop</a:t>
+            </a:r>
+          </a:p>
+          <a:p>
+            <a:r>
+              <a:rPr lang="en-US" dirty="0"/>
+              <a:t>Help loop index with invariant</a:t>
+            </a:r>
+          </a:p>
+          <a:p>
+            <a:r>
+              <a:rPr lang="en-US" dirty="0"/>
+              <a:t>Invariant decorations given </a:t>
+            </a:r>
+          </a:p>
+          <a:p>
+            <a:pPr lvl="1"/>
+            <a:r>
+              <a:rPr lang="en-US" dirty="0"/>
+              <a:t>Code must be written to match invariant</a:t>
+            </a:r>
+          </a:p>
+          <a:p>
+            <a:pPr lvl="1"/>
+            <a:r>
+              <a:rPr lang="en-US" dirty="0"/>
+              <a:t>This was the recommended style in many books on programming</a:t>
+            </a:r>
+          </a:p>
+          <a:p>
+            <a:pPr lvl="1"/>
+            <a:endParaRPr lang="en-US" dirty="0"/>
+          </a:p>
+        </p:txBody>
+      </p:sp>
+    </p:spTree>
+    <p:extLst>
+      <p:ext uri="{BB962C8B-B14F-4D97-AF65-F5344CB8AC3E}">
+        <p14:creationId xmlns:p14="http://schemas.microsoft.com/office/powerpoint/2010/main" val="524114056"/>
       </p:ext>
     </p:extLst>
   </p:cSld>

--- a/Lec17/Lec17.pptx
+++ b/Lec17/Lec17.pptx
@@ -5,10 +5,10 @@
     <p:sldMasterId id="2147483648" r:id="rId1"/>
   </p:sldMasterIdLst>
   <p:notesMasterIdLst>
-    <p:notesMasterId r:id="rId21"/>
+    <p:notesMasterId r:id="rId22"/>
   </p:notesMasterIdLst>
   <p:handoutMasterIdLst>
-    <p:handoutMasterId r:id="rId22"/>
+    <p:handoutMasterId r:id="rId23"/>
   </p:handoutMasterIdLst>
   <p:sldIdLst>
     <p:sldId id="414" r:id="rId2"/>
@@ -30,6 +30,7 @@
     <p:sldId id="1290" r:id="rId18"/>
     <p:sldId id="1291" r:id="rId19"/>
     <p:sldId id="1292" r:id="rId20"/>
+    <p:sldId id="1293" r:id="rId21"/>
   </p:sldIdLst>
   <p:sldSz cx="12192000" cy="6858000"/>
   <p:notesSz cx="6858000" cy="9144000"/>
@@ -5286,6 +5287,109 @@
     <p:extLst>
       <p:ext uri="{BB962C8B-B14F-4D97-AF65-F5344CB8AC3E}">
         <p14:creationId xmlns:p14="http://schemas.microsoft.com/office/powerpoint/2010/main" val="3039521154"/>
+      </p:ext>
+    </p:extLst>
+  </p:cSld>
+  <p:clrMapOvr>
+    <a:masterClrMapping/>
+  </p:clrMapOvr>
+</p:sld>
+</file>
+
+<file path=ppt/slides/slide20.xml><?xml version="1.0" encoding="utf-8"?>
+<p:sld xmlns:a="http://schemas.openxmlformats.org/drawingml/2006/main" xmlns:r="http://schemas.openxmlformats.org/officeDocument/2006/relationships" xmlns:p="http://schemas.openxmlformats.org/presentationml/2006/main">
+  <p:cSld>
+    <p:spTree>
+      <p:nvGrpSpPr>
+        <p:cNvPr id="1" name=""/>
+        <p:cNvGrpSpPr/>
+        <p:nvPr/>
+      </p:nvGrpSpPr>
+      <p:grpSpPr>
+        <a:xfrm>
+          <a:off x="0" y="0"/>
+          <a:ext cx="0" cy="0"/>
+          <a:chOff x="0" y="0"/>
+          <a:chExt cx="0" cy="0"/>
+        </a:xfrm>
+      </p:grpSpPr>
+      <p:sp>
+        <p:nvSpPr>
+          <p:cNvPr id="2" name="Title 1">
+            <a:extLst>
+              <a:ext uri="{FF2B5EF4-FFF2-40B4-BE49-F238E27FC236}">
+                <a16:creationId xmlns:a16="http://schemas.microsoft.com/office/drawing/2014/main" id="{E0529347-8E03-5745-A305-AF41325E1120}"/>
+              </a:ext>
+            </a:extLst>
+          </p:cNvPr>
+          <p:cNvSpPr>
+            <a:spLocks noGrp="1"/>
+          </p:cNvSpPr>
+          <p:nvPr>
+            <p:ph type="title"/>
+          </p:nvPr>
+        </p:nvSpPr>
+        <p:spPr/>
+        <p:txBody>
+          <a:bodyPr>
+            <a:normAutofit fontScale="90000"/>
+          </a:bodyPr>
+          <a:lstStyle/>
+          <a:p>
+            <a:r>
+              <a:rPr lang="en-US" dirty="0" err="1"/>
+              <a:t>expsquaring</a:t>
+            </a:r>
+            <a:r>
+              <a:rPr lang="en-US" dirty="0"/>
+              <a:t>   </a:t>
+            </a:r>
+          </a:p>
+        </p:txBody>
+      </p:sp>
+      <p:sp>
+        <p:nvSpPr>
+          <p:cNvPr id="3" name="Content Placeholder 2">
+            <a:extLst>
+              <a:ext uri="{FF2B5EF4-FFF2-40B4-BE49-F238E27FC236}">
+                <a16:creationId xmlns:a16="http://schemas.microsoft.com/office/drawing/2014/main" id="{F6F2EB0E-4EBA-9E41-A915-2E5A2D97575C}"/>
+              </a:ext>
+            </a:extLst>
+          </p:cNvPr>
+          <p:cNvSpPr>
+            <a:spLocks noGrp="1"/>
+          </p:cNvSpPr>
+          <p:nvPr>
+            <p:ph idx="1"/>
+          </p:nvPr>
+        </p:nvSpPr>
+        <p:spPr/>
+        <p:txBody>
+          <a:bodyPr/>
+          <a:lstStyle/>
+          <a:p>
+            <a:r>
+              <a:rPr lang="en-US" dirty="0"/>
+              <a:t>Exponentiation via squaring does not terminate</a:t>
+            </a:r>
+          </a:p>
+          <a:p>
+            <a:pPr lvl="1"/>
+            <a:r>
+              <a:rPr lang="en-US" dirty="0"/>
+              <a:t>Nonlinear theory</a:t>
+            </a:r>
+          </a:p>
+          <a:p>
+            <a:pPr lvl="1"/>
+            <a:endParaRPr lang="en-US" dirty="0"/>
+          </a:p>
+        </p:txBody>
+      </p:sp>
+    </p:spTree>
+    <p:extLst>
+      <p:ext uri="{BB962C8B-B14F-4D97-AF65-F5344CB8AC3E}">
+        <p14:creationId xmlns:p14="http://schemas.microsoft.com/office/powerpoint/2010/main" val="347310298"/>
       </p:ext>
     </p:extLst>
   </p:cSld>

--- a/Lec17/Lec17.pptx
+++ b/Lec17/Lec17.pptx
@@ -5,10 +5,10 @@
     <p:sldMasterId id="2147483648" r:id="rId1"/>
   </p:sldMasterIdLst>
   <p:notesMasterIdLst>
-    <p:notesMasterId r:id="rId22"/>
+    <p:notesMasterId r:id="rId24"/>
   </p:notesMasterIdLst>
   <p:handoutMasterIdLst>
-    <p:handoutMasterId r:id="rId23"/>
+    <p:handoutMasterId r:id="rId25"/>
   </p:handoutMasterIdLst>
   <p:sldIdLst>
     <p:sldId id="414" r:id="rId2"/>
@@ -31,6 +31,8 @@
     <p:sldId id="1291" r:id="rId19"/>
     <p:sldId id="1292" r:id="rId20"/>
     <p:sldId id="1293" r:id="rId21"/>
+    <p:sldId id="1294" r:id="rId22"/>
+    <p:sldId id="1295" r:id="rId23"/>
   </p:sldIdLst>
   <p:sldSz cx="12192000" cy="6858000"/>
   <p:notesSz cx="6858000" cy="9144000"/>
@@ -5390,6 +5392,390 @@
     <p:extLst>
       <p:ext uri="{BB962C8B-B14F-4D97-AF65-F5344CB8AC3E}">
         <p14:creationId xmlns:p14="http://schemas.microsoft.com/office/powerpoint/2010/main" val="347310298"/>
+      </p:ext>
+    </p:extLst>
+  </p:cSld>
+  <p:clrMapOvr>
+    <a:masterClrMapping/>
+  </p:clrMapOvr>
+</p:sld>
+</file>
+
+<file path=ppt/slides/slide21.xml><?xml version="1.0" encoding="utf-8"?>
+<p:sld xmlns:a="http://schemas.openxmlformats.org/drawingml/2006/main" xmlns:r="http://schemas.openxmlformats.org/officeDocument/2006/relationships" xmlns:p="http://schemas.openxmlformats.org/presentationml/2006/main">
+  <p:cSld>
+    <p:spTree>
+      <p:nvGrpSpPr>
+        <p:cNvPr id="1" name=""/>
+        <p:cNvGrpSpPr/>
+        <p:nvPr/>
+      </p:nvGrpSpPr>
+      <p:grpSpPr>
+        <a:xfrm>
+          <a:off x="0" y="0"/>
+          <a:ext cx="0" cy="0"/>
+          <a:chOff x="0" y="0"/>
+          <a:chExt cx="0" cy="0"/>
+        </a:xfrm>
+      </p:grpSpPr>
+      <p:sp>
+        <p:nvSpPr>
+          <p:cNvPr id="2" name="Title 1">
+            <a:extLst>
+              <a:ext uri="{FF2B5EF4-FFF2-40B4-BE49-F238E27FC236}">
+                <a16:creationId xmlns:a16="http://schemas.microsoft.com/office/drawing/2014/main" id="{E0529347-8E03-5745-A305-AF41325E1120}"/>
+              </a:ext>
+            </a:extLst>
+          </p:cNvPr>
+          <p:cNvSpPr>
+            <a:spLocks noGrp="1"/>
+          </p:cNvSpPr>
+          <p:nvPr>
+            <p:ph type="title"/>
+          </p:nvPr>
+        </p:nvSpPr>
+        <p:spPr/>
+        <p:txBody>
+          <a:bodyPr>
+            <a:normAutofit fontScale="90000"/>
+          </a:bodyPr>
+          <a:lstStyle/>
+          <a:p>
+            <a:r>
+              <a:rPr lang="en-US" dirty="0"/>
+              <a:t>Concluding Remarks (1)</a:t>
+            </a:r>
+          </a:p>
+        </p:txBody>
+      </p:sp>
+      <p:sp>
+        <p:nvSpPr>
+          <p:cNvPr id="3" name="Content Placeholder 2">
+            <a:extLst>
+              <a:ext uri="{FF2B5EF4-FFF2-40B4-BE49-F238E27FC236}">
+                <a16:creationId xmlns:a16="http://schemas.microsoft.com/office/drawing/2014/main" id="{F6F2EB0E-4EBA-9E41-A915-2E5A2D97575C}"/>
+              </a:ext>
+            </a:extLst>
+          </p:cNvPr>
+          <p:cNvSpPr>
+            <a:spLocks noGrp="1"/>
+          </p:cNvSpPr>
+          <p:nvPr>
+            <p:ph idx="1"/>
+          </p:nvPr>
+        </p:nvSpPr>
+        <p:spPr>
+          <a:xfrm>
+            <a:off x="838200" y="1299323"/>
+            <a:ext cx="10515600" cy="5193551"/>
+          </a:xfrm>
+        </p:spPr>
+        <p:txBody>
+          <a:bodyPr>
+            <a:normAutofit fontScale="92500"/>
+          </a:bodyPr>
+          <a:lstStyle/>
+          <a:p>
+            <a:r>
+              <a:rPr lang="en-US" dirty="0" err="1"/>
+              <a:t>Dafny</a:t>
+            </a:r>
+            <a:r>
+              <a:rPr lang="en-US" dirty="0"/>
+              <a:t> is a great teaching tool</a:t>
+            </a:r>
+          </a:p>
+          <a:p>
+            <a:pPr lvl="1"/>
+            <a:r>
+              <a:rPr lang="en-US" dirty="0"/>
+              <a:t>I’m told it is finding heightened use within Amazon </a:t>
+            </a:r>
+          </a:p>
+          <a:p>
+            <a:pPr lvl="2"/>
+            <a:r>
+              <a:rPr lang="en-US" dirty="0"/>
+              <a:t>Where Dr. K. </a:t>
+            </a:r>
+            <a:r>
+              <a:rPr lang="en-US" dirty="0" err="1"/>
+              <a:t>Rustan</a:t>
+            </a:r>
+            <a:r>
+              <a:rPr lang="en-US" dirty="0"/>
+              <a:t> M. </a:t>
+            </a:r>
+            <a:r>
+              <a:rPr lang="en-US" dirty="0" err="1"/>
+              <a:t>Leino</a:t>
+            </a:r>
+            <a:r>
+              <a:rPr lang="en-US" dirty="0"/>
+              <a:t> now works</a:t>
+            </a:r>
+          </a:p>
+          <a:p>
+            <a:pPr lvl="3"/>
+            <a:r>
+              <a:rPr lang="en-US" dirty="0"/>
+              <a:t>Very passionate about </a:t>
+            </a:r>
+            <a:r>
+              <a:rPr lang="en-US" dirty="0" err="1"/>
+              <a:t>Dafny</a:t>
+            </a:r>
+            <a:r>
+              <a:rPr lang="en-US" dirty="0"/>
+              <a:t> and very helpful contribution to an academic teaching tool!!</a:t>
+            </a:r>
+          </a:p>
+          <a:p>
+            <a:r>
+              <a:rPr lang="en-US" dirty="0"/>
+              <a:t>It generates executable files</a:t>
+            </a:r>
+          </a:p>
+          <a:p>
+            <a:r>
+              <a:rPr lang="en-US" dirty="0"/>
+              <a:t>The spirit of assertions can be carried into ordinary programming	</a:t>
+            </a:r>
+          </a:p>
+          <a:p>
+            <a:pPr lvl="1"/>
+            <a:r>
+              <a:rPr lang="en-US" dirty="0"/>
+              <a:t>Hoare’s “Assert Early, Assert Often” maxim</a:t>
+            </a:r>
+          </a:p>
+          <a:p>
+            <a:pPr lvl="1"/>
+            <a:r>
+              <a:rPr lang="en-US" dirty="0"/>
+              <a:t>Decorating a program with known invariants (offered with sufficient calibration of level of trust in them) can be like gold, when maintaining code</a:t>
+            </a:r>
+          </a:p>
+          <a:p>
+            <a:r>
+              <a:rPr lang="en-US" dirty="0"/>
+              <a:t>Crucial for safety-critical codes</a:t>
+            </a:r>
+          </a:p>
+          <a:p>
+            <a:pPr lvl="1"/>
+            <a:r>
+              <a:rPr lang="en-US" dirty="0"/>
+              <a:t>E.g. codes released into libraries</a:t>
+            </a:r>
+          </a:p>
+          <a:p>
+            <a:pPr lvl="1"/>
+            <a:r>
+              <a:rPr lang="en-US" dirty="0"/>
+              <a:t>Then get to know the tool innards</a:t>
+            </a:r>
+          </a:p>
+          <a:p>
+            <a:pPr lvl="1"/>
+            <a:r>
+              <a:rPr lang="en-US" dirty="0"/>
+              <a:t>And prove lemmas, and verify the theorems with manual interactions</a:t>
+            </a:r>
+          </a:p>
+          <a:p>
+            <a:endParaRPr lang="en-US" dirty="0"/>
+          </a:p>
+        </p:txBody>
+      </p:sp>
+    </p:spTree>
+    <p:extLst>
+      <p:ext uri="{BB962C8B-B14F-4D97-AF65-F5344CB8AC3E}">
+        <p14:creationId xmlns:p14="http://schemas.microsoft.com/office/powerpoint/2010/main" val="3003626685"/>
+      </p:ext>
+    </p:extLst>
+  </p:cSld>
+  <p:clrMapOvr>
+    <a:masterClrMapping/>
+  </p:clrMapOvr>
+</p:sld>
+</file>
+
+<file path=ppt/slides/slide22.xml><?xml version="1.0" encoding="utf-8"?>
+<p:sld xmlns:a="http://schemas.openxmlformats.org/drawingml/2006/main" xmlns:r="http://schemas.openxmlformats.org/officeDocument/2006/relationships" xmlns:p="http://schemas.openxmlformats.org/presentationml/2006/main">
+  <p:cSld>
+    <p:spTree>
+      <p:nvGrpSpPr>
+        <p:cNvPr id="1" name=""/>
+        <p:cNvGrpSpPr/>
+        <p:nvPr/>
+      </p:nvGrpSpPr>
+      <p:grpSpPr>
+        <a:xfrm>
+          <a:off x="0" y="0"/>
+          <a:ext cx="0" cy="0"/>
+          <a:chOff x="0" y="0"/>
+          <a:chExt cx="0" cy="0"/>
+        </a:xfrm>
+      </p:grpSpPr>
+      <p:sp>
+        <p:nvSpPr>
+          <p:cNvPr id="2" name="Title 1">
+            <a:extLst>
+              <a:ext uri="{FF2B5EF4-FFF2-40B4-BE49-F238E27FC236}">
+                <a16:creationId xmlns:a16="http://schemas.microsoft.com/office/drawing/2014/main" id="{E0529347-8E03-5745-A305-AF41325E1120}"/>
+              </a:ext>
+            </a:extLst>
+          </p:cNvPr>
+          <p:cNvSpPr>
+            <a:spLocks noGrp="1"/>
+          </p:cNvSpPr>
+          <p:nvPr>
+            <p:ph type="title"/>
+          </p:nvPr>
+        </p:nvSpPr>
+        <p:spPr/>
+        <p:txBody>
+          <a:bodyPr>
+            <a:normAutofit fontScale="90000"/>
+          </a:bodyPr>
+          <a:lstStyle/>
+          <a:p>
+            <a:r>
+              <a:rPr lang="en-US" dirty="0"/>
+              <a:t>Concluding Remarks (2)</a:t>
+            </a:r>
+          </a:p>
+        </p:txBody>
+      </p:sp>
+      <p:sp>
+        <p:nvSpPr>
+          <p:cNvPr id="3" name="Content Placeholder 2">
+            <a:extLst>
+              <a:ext uri="{FF2B5EF4-FFF2-40B4-BE49-F238E27FC236}">
+                <a16:creationId xmlns:a16="http://schemas.microsoft.com/office/drawing/2014/main" id="{F6F2EB0E-4EBA-9E41-A915-2E5A2D97575C}"/>
+              </a:ext>
+            </a:extLst>
+          </p:cNvPr>
+          <p:cNvSpPr>
+            <a:spLocks noGrp="1"/>
+          </p:cNvSpPr>
+          <p:nvPr>
+            <p:ph idx="1"/>
+          </p:nvPr>
+        </p:nvSpPr>
+        <p:spPr>
+          <a:xfrm>
+            <a:off x="838200" y="1299323"/>
+            <a:ext cx="10515600" cy="5193551"/>
+          </a:xfrm>
+        </p:spPr>
+        <p:txBody>
+          <a:bodyPr>
+            <a:normAutofit/>
+          </a:bodyPr>
+          <a:lstStyle/>
+          <a:p>
+            <a:r>
+              <a:rPr lang="en-US" dirty="0" err="1"/>
+              <a:t>Verifast</a:t>
+            </a:r>
+            <a:r>
+              <a:rPr lang="en-US" dirty="0"/>
+              <a:t> is a young tool</a:t>
+            </a:r>
+          </a:p>
+          <a:p>
+            <a:pPr lvl="1"/>
+            <a:r>
+              <a:rPr lang="en-US" dirty="0"/>
+              <a:t>Will experience on Thu</a:t>
+            </a:r>
+          </a:p>
+          <a:p>
+            <a:pPr lvl="1"/>
+            <a:r>
+              <a:rPr lang="en-US" dirty="0"/>
+              <a:t>Written for Java and C</a:t>
+            </a:r>
+          </a:p>
+          <a:p>
+            <a:pPr lvl="2"/>
+            <a:r>
+              <a:rPr lang="en-US" dirty="0"/>
+              <a:t>Their semantics matter </a:t>
+            </a:r>
+            <a:r>
+              <a:rPr lang="en-US" dirty="0" err="1"/>
+              <a:t>wrt</a:t>
+            </a:r>
+            <a:r>
+              <a:rPr lang="en-US" dirty="0"/>
+              <a:t> verification (good and bad)</a:t>
+            </a:r>
+          </a:p>
+          <a:p>
+            <a:pPr lvl="3"/>
+            <a:r>
+              <a:rPr lang="en-US" dirty="0" err="1"/>
+              <a:t>Dafny</a:t>
+            </a:r>
+            <a:r>
+              <a:rPr lang="en-US" dirty="0"/>
+              <a:t> avoids that and hence is an ideal teaching tool</a:t>
+            </a:r>
+          </a:p>
+          <a:p>
+            <a:r>
+              <a:rPr lang="en-US" dirty="0"/>
+              <a:t>Frama-C is more mature</a:t>
+            </a:r>
+          </a:p>
+          <a:p>
+            <a:pPr lvl="1"/>
+            <a:r>
+              <a:rPr lang="en-US" dirty="0"/>
+              <a:t>Verifies modulo C-semantics (good and bad)</a:t>
+            </a:r>
+          </a:p>
+          <a:p>
+            <a:r>
+              <a:rPr lang="en-US" dirty="0"/>
+              <a:t>Both include separation logic</a:t>
+            </a:r>
+          </a:p>
+          <a:p>
+            <a:r>
+              <a:rPr lang="en-US" dirty="0"/>
+              <a:t>Frama-C’s plug-ins are a fantastic idea</a:t>
+            </a:r>
+          </a:p>
+          <a:p>
+            <a:pPr lvl="1"/>
+            <a:r>
+              <a:rPr lang="en-US" dirty="0"/>
+              <a:t>Read about Frama-C at </a:t>
+            </a:r>
+            <a:r>
+              <a:rPr lang="en-US" dirty="0">
+                <a:hlinkClick r:id="rId2"/>
+              </a:rPr>
+              <a:t>https://cacm.acm.org/magazines/2021/8/254311-the-dogged-pursuit-of-bug-free-c-programs/fulltext</a:t>
+            </a:r>
+            <a:r>
+              <a:rPr lang="en-US" dirty="0"/>
+              <a:t> </a:t>
+            </a:r>
+          </a:p>
+          <a:p>
+            <a:endParaRPr lang="en-US" dirty="0"/>
+          </a:p>
+        </p:txBody>
+      </p:sp>
+    </p:spTree>
+    <p:extLst>
+      <p:ext uri="{BB962C8B-B14F-4D97-AF65-F5344CB8AC3E}">
+        <p14:creationId xmlns:p14="http://schemas.microsoft.com/office/powerpoint/2010/main" val="319314686"/>
       </p:ext>
     </p:extLst>
   </p:cSld>

--- a/Lec17/Lec17.pptx
+++ b/Lec17/Lec17.pptx
@@ -5245,7 +5245,9 @@
         </p:nvSpPr>
         <p:spPr/>
         <p:txBody>
-          <a:bodyPr/>
+          <a:bodyPr>
+            <a:normAutofit fontScale="92500" lnSpcReduction="10000"/>
+          </a:bodyPr>
           <a:lstStyle/>
           <a:p>
             <a:r>
@@ -5262,6 +5264,81 @@
             <a:endParaRPr lang="en-US" dirty="0"/>
           </a:p>
           <a:p>
+            <a:r>
+              <a:rPr lang="en-US" dirty="0"/>
+              <a:t>Plus I plan to also include Frama-C</a:t>
+            </a:r>
+          </a:p>
+          <a:p>
+            <a:pPr lvl="1"/>
+            <a:r>
+              <a:rPr lang="en-US" dirty="0">
+                <a:hlinkClick r:id="rId2"/>
+              </a:rPr>
+              <a:t>https://allan-blanchard.fr/publis/frama-c-wp-tutorial-en.pdf</a:t>
+            </a:r>
+            <a:r>
+              <a:rPr lang="en-US" dirty="0"/>
+              <a:t> </a:t>
+            </a:r>
+          </a:p>
+          <a:p>
+            <a:pPr lvl="1"/>
+            <a:r>
+              <a:rPr lang="en-US" dirty="0"/>
+              <a:t>I could get the GUI going on a local Linux machine</a:t>
+            </a:r>
+          </a:p>
+          <a:p>
+            <a:pPr lvl="2"/>
+            <a:r>
+              <a:rPr lang="en-US" dirty="0"/>
+              <a:t>Install on </a:t>
+            </a:r>
+            <a:r>
+              <a:rPr lang="en-US" dirty="0" err="1"/>
+              <a:t>Virtualbox</a:t>
+            </a:r>
+            <a:r>
+              <a:rPr lang="en-US" dirty="0"/>
+              <a:t> failed on my mac.. </a:t>
+            </a:r>
+          </a:p>
+          <a:p>
+            <a:pPr lvl="3"/>
+            <a:r>
+              <a:rPr lang="en-US" dirty="0"/>
+              <a:t>It might work for you</a:t>
+            </a:r>
+          </a:p>
+          <a:p>
+            <a:pPr lvl="2"/>
+            <a:r>
+              <a:rPr lang="en-US" dirty="0">
+                <a:hlinkClick r:id="rId3"/>
+              </a:rPr>
+              <a:t>https://frama-c.com/html/get-frama-c.html</a:t>
+            </a:r>
+            <a:r>
+              <a:rPr lang="en-US" dirty="0"/>
+              <a:t> provides scripts</a:t>
+            </a:r>
+          </a:p>
+          <a:p>
+            <a:pPr lvl="3"/>
+            <a:r>
+              <a:rPr lang="en-US" dirty="0"/>
+              <a:t>There is also a docker that one can connect to</a:t>
+            </a:r>
+          </a:p>
+          <a:p>
+            <a:pPr lvl="3"/>
+            <a:r>
+              <a:rPr lang="en-US" dirty="0"/>
+              <a:t>Path is in Lec17/</a:t>
+            </a:r>
+          </a:p>
+          <a:p>
             <a:endParaRPr lang="en-US" dirty="0"/>
           </a:p>
           <a:p>
@@ -5275,13 +5352,8 @@
             </a:r>
             <a:r>
               <a:rPr lang="en-US" dirty="0"/>
-              <a:t> </a:t>
-            </a:r>
-            <a:r>
-              <a:rPr lang="en-US"/>
-              <a:t>in Lec16/</a:t>
-            </a:r>
-            <a:endParaRPr lang="en-US" dirty="0"/>
+              <a:t> in Lec16/</a:t>
+            </a:r>
           </a:p>
         </p:txBody>
       </p:sp>

--- a/Lec17/Lec17.pptx
+++ b/Lec17/Lec17.pptx
@@ -5246,7 +5246,7 @@
         <p:spPr/>
         <p:txBody>
           <a:bodyPr>
-            <a:normAutofit fontScale="92500" lnSpcReduction="10000"/>
+            <a:normAutofit fontScale="55000" lnSpcReduction="20000"/>
           </a:bodyPr>
           <a:lstStyle/>
           <a:p>
@@ -5337,6 +5337,54 @@
               <a:rPr lang="en-US" dirty="0"/>
               <a:t>Path is in Lec17/</a:t>
             </a:r>
+          </a:p>
+          <a:p>
+            <a:pPr lvl="1"/>
+            <a:r>
+              <a:rPr lang="en-US" dirty="0"/>
+              <a:t>It has many plug-ins </a:t>
+            </a:r>
+          </a:p>
+          <a:p>
+            <a:pPr lvl="2"/>
+            <a:r>
+              <a:rPr lang="en-US" dirty="0"/>
+              <a:t>Eva, WP, ... and even </a:t>
+            </a:r>
+            <a:r>
+              <a:rPr lang="en-US" dirty="0" err="1"/>
+              <a:t>mthread</a:t>
+            </a:r>
+            <a:r>
+              <a:rPr lang="en-US" dirty="0"/>
+              <a:t> (for simulating concurrency)</a:t>
+            </a:r>
+          </a:p>
+          <a:p>
+            <a:r>
+              <a:rPr lang="en-US" dirty="0"/>
+              <a:t>Frama-C’s plug-ins are a fantastic idea</a:t>
+            </a:r>
+          </a:p>
+          <a:p>
+            <a:pPr lvl="1"/>
+            <a:r>
+              <a:rPr lang="en-US" dirty="0"/>
+              <a:t>Read about Frama-C at </a:t>
+            </a:r>
+            <a:r>
+              <a:rPr lang="en-US" dirty="0">
+                <a:hlinkClick r:id="rId4"/>
+              </a:rPr>
+              <a:t>https://cacm.acm.org/magazines/2021/8/254311-the-dogged-pursuit-of-bug-free-c-programs/fulltext</a:t>
+            </a:r>
+            <a:r>
+              <a:rPr lang="en-US" dirty="0"/>
+              <a:t> </a:t>
+            </a:r>
+          </a:p>
+          <a:p>
+            <a:endParaRPr lang="en-US" dirty="0"/>
           </a:p>
           <a:p>
             <a:endParaRPr lang="en-US" dirty="0"/>
